--- a/presentation/Particles, Sprites, and the Point Cloud.pptx
+++ b/presentation/Particles, Sprites, and the Point Cloud.pptx
@@ -486,7 +486,7 @@
             <a:fld id="{B61BEF0D-F0BB-DE4B-95CE-6DB70DBA9567}" type="datetimeFigureOut">
               <a:rPr lang="en-US" smtClean="0"/>
               <a:pPr/>
-              <a:t>12/3/2019</a:t>
+              <a:t>12/4/2019</a:t>
             </a:fld>
             <a:endParaRPr lang="en-US" dirty="0"/>
           </a:p>
@@ -735,7 +735,7 @@
             <a:fld id="{B61BEF0D-F0BB-DE4B-95CE-6DB70DBA9567}" type="datetimeFigureOut">
               <a:rPr lang="en-US" smtClean="0"/>
               <a:pPr/>
-              <a:t>12/3/2019</a:t>
+              <a:t>12/4/2019</a:t>
             </a:fld>
             <a:endParaRPr lang="en-US" dirty="0"/>
           </a:p>
@@ -1123,7 +1123,7 @@
             <a:fld id="{B61BEF0D-F0BB-DE4B-95CE-6DB70DBA9567}" type="datetimeFigureOut">
               <a:rPr lang="en-US" smtClean="0"/>
               <a:pPr/>
-              <a:t>12/3/2019</a:t>
+              <a:t>12/4/2019</a:t>
             </a:fld>
             <a:endParaRPr lang="en-US" dirty="0"/>
           </a:p>
@@ -1354,7 +1354,7 @@
             <a:fld id="{B61BEF0D-F0BB-DE4B-95CE-6DB70DBA9567}" type="datetimeFigureOut">
               <a:rPr lang="en-US" smtClean="0"/>
               <a:pPr/>
-              <a:t>12/3/2019</a:t>
+              <a:t>12/4/2019</a:t>
             </a:fld>
             <a:endParaRPr lang="en-US" dirty="0"/>
           </a:p>
@@ -1847,7 +1847,7 @@
             <a:fld id="{B61BEF0D-F0BB-DE4B-95CE-6DB70DBA9567}" type="datetimeFigureOut">
               <a:rPr lang="en-US" smtClean="0"/>
               <a:pPr/>
-              <a:t>12/3/2019</a:t>
+              <a:t>12/4/2019</a:t>
             </a:fld>
             <a:endParaRPr lang="en-US" dirty="0"/>
           </a:p>
@@ -2159,7 +2159,7 @@
             <a:fld id="{B61BEF0D-F0BB-DE4B-95CE-6DB70DBA9567}" type="datetimeFigureOut">
               <a:rPr lang="en-US" smtClean="0"/>
               <a:pPr/>
-              <a:t>12/3/2019</a:t>
+              <a:t>12/4/2019</a:t>
             </a:fld>
             <a:endParaRPr lang="en-US" dirty="0"/>
           </a:p>
@@ -2552,7 +2552,7 @@
             <a:fld id="{B61BEF0D-F0BB-DE4B-95CE-6DB70DBA9567}" type="datetimeFigureOut">
               <a:rPr lang="en-US" smtClean="0"/>
               <a:pPr/>
-              <a:t>12/3/2019</a:t>
+              <a:t>12/4/2019</a:t>
             </a:fld>
             <a:endParaRPr lang="en-US" dirty="0"/>
           </a:p>
@@ -2672,7 +2672,7 @@
             <a:fld id="{B61BEF0D-F0BB-DE4B-95CE-6DB70DBA9567}" type="datetimeFigureOut">
               <a:rPr lang="en-US" smtClean="0"/>
               <a:pPr/>
-              <a:t>12/3/2019</a:t>
+              <a:t>12/4/2019</a:t>
             </a:fld>
             <a:endParaRPr lang="en-US" dirty="0"/>
           </a:p>
@@ -2769,7 +2769,7 @@
             <a:fld id="{B61BEF0D-F0BB-DE4B-95CE-6DB70DBA9567}" type="datetimeFigureOut">
               <a:rPr lang="en-US" smtClean="0"/>
               <a:pPr/>
-              <a:t>12/3/2019</a:t>
+              <a:t>12/4/2019</a:t>
             </a:fld>
             <a:endParaRPr lang="en-US" dirty="0"/>
           </a:p>
@@ -3071,7 +3071,7 @@
             <a:fld id="{B61BEF0D-F0BB-DE4B-95CE-6DB70DBA9567}" type="datetimeFigureOut">
               <a:rPr lang="en-US" smtClean="0"/>
               <a:pPr/>
-              <a:t>12/3/2019</a:t>
+              <a:t>12/4/2019</a:t>
             </a:fld>
             <a:endParaRPr lang="en-US" dirty="0"/>
           </a:p>
@@ -3338,7 +3338,7 @@
             <a:fld id="{B61BEF0D-F0BB-DE4B-95CE-6DB70DBA9567}" type="datetimeFigureOut">
               <a:rPr lang="en-US" smtClean="0"/>
               <a:pPr/>
-              <a:t>12/3/2019</a:t>
+              <a:t>12/4/2019</a:t>
             </a:fld>
             <a:endParaRPr lang="en-US" dirty="0"/>
           </a:p>
@@ -3758,7 +3758,7 @@
             <a:fld id="{B61BEF0D-F0BB-DE4B-95CE-6DB70DBA9567}" type="datetimeFigureOut">
               <a:rPr lang="en-US" smtClean="0"/>
               <a:pPr/>
-              <a:t>12/3/2019</a:t>
+              <a:t>12/4/2019</a:t>
             </a:fld>
             <a:endParaRPr lang="en-US" dirty="0"/>
           </a:p>
@@ -4314,11 +4314,7 @@
             <a:pPr algn="l"/>
             <a:r>
               <a:rPr lang="id-ID" dirty="0" smtClean="0"/>
-              <a:t>Patrick </a:t>
-            </a:r>
-            <a:r>
-              <a:rPr lang="id-ID" dirty="0" smtClean="0"/>
-              <a:t>Sungk</a:t>
+              <a:t>Patrick Sungk</a:t>
             </a:r>
             <a:r>
               <a:rPr lang="en-US" dirty="0" smtClean="0"/>
@@ -4326,11 +4322,7 @@
             </a:r>
             <a:r>
               <a:rPr lang="id-ID" dirty="0" smtClean="0"/>
-              <a:t>arisma</a:t>
-            </a:r>
-            <a:r>
-              <a:rPr lang="id-ID" dirty="0" smtClean="0"/>
-              <a:t>				05111740000041</a:t>
+              <a:t>arisma				05111740000041</a:t>
             </a:r>
           </a:p>
           <a:p>
@@ -4824,12 +4816,20 @@
           <a:lstStyle/>
           <a:p>
             <a:r>
+              <a:rPr lang="id-ID" dirty="0" err="1"/>
+              <a:t>C</a:t>
+            </a:r>
+            <a:r>
               <a:rPr lang="en-US" dirty="0" err="1" smtClean="0"/>
-              <a:t>Kriteria</a:t>
+              <a:t>riteria</a:t>
             </a:r>
             <a:r>
               <a:rPr lang="en-US" dirty="0" smtClean="0"/>
-              <a:t> Texture</a:t>
+              <a:t> </a:t>
+            </a:r>
+            <a:r>
+              <a:rPr lang="en-US" dirty="0" smtClean="0"/>
+              <a:t>Texture</a:t>
             </a:r>
             <a:br>
               <a:rPr lang="en-US" dirty="0" smtClean="0"/>
@@ -5409,29 +5409,62 @@
         </p:nvSpPr>
         <p:spPr/>
         <p:txBody>
+          <a:bodyPr>
+            <a:noAutofit/>
+          </a:bodyPr>
+          <a:lstStyle/>
+          <a:p>
+            <a:r>
+              <a:rPr lang="en-US" sz="4800" dirty="0"/>
+              <a:t>Creating THREE</a:t>
+            </a:r>
+            <a:r>
+              <a:rPr lang="en-US" sz="4800" dirty="0" smtClean="0"/>
+              <a:t>.</a:t>
+            </a:r>
+            <a:r>
+              <a:rPr lang="id-ID" sz="4800" dirty="0" smtClean="0"/>
+              <a:t/>
+            </a:r>
+            <a:br>
+              <a:rPr lang="id-ID" sz="4800" dirty="0" smtClean="0"/>
+            </a:br>
+            <a:r>
+              <a:rPr lang="en-US" sz="4800" dirty="0" err="1" smtClean="0"/>
+              <a:t>PointCloud</a:t>
+            </a:r>
+            <a:r>
+              <a:rPr lang="en-US" sz="4800" dirty="0" smtClean="0"/>
+              <a:t> </a:t>
+            </a:r>
+            <a:r>
+              <a:rPr lang="en-US" sz="4800" dirty="0"/>
+              <a:t>from an advanced geometry </a:t>
+            </a:r>
+            <a:endParaRPr lang="en-US" sz="4800" dirty="0"/>
+          </a:p>
+        </p:txBody>
+      </p:sp>
+      <p:sp>
+        <p:nvSpPr>
+          <p:cNvPr id="3" name="Content Placeholder 2"/>
+          <p:cNvSpPr>
+            <a:spLocks noGrp="1"/>
+          </p:cNvSpPr>
+          <p:nvPr>
+            <p:ph idx="1"/>
+          </p:nvPr>
+        </p:nvSpPr>
+        <p:spPr/>
+        <p:txBody>
           <a:bodyPr/>
           <a:lstStyle/>
           <a:p>
-            <a:endParaRPr lang="en-US"/>
-          </a:p>
-        </p:txBody>
-      </p:sp>
-      <p:sp>
-        <p:nvSpPr>
-          <p:cNvPr id="3" name="Content Placeholder 2"/>
-          <p:cNvSpPr>
-            <a:spLocks noGrp="1"/>
-          </p:cNvSpPr>
-          <p:nvPr>
-            <p:ph idx="1"/>
-          </p:nvPr>
-        </p:nvSpPr>
-        <p:spPr/>
-        <p:txBody>
-          <a:bodyPr/>
-          <a:lstStyle/>
-          <a:p>
-            <a:endParaRPr lang="en-US"/>
+            <a:r>
+              <a:rPr lang="id-ID" dirty="0" smtClean="0"/>
+              <a:t>THREE.PointCloud merender setiap partikel berdasarkan dari geometri yang telah disediakan. Sehingga dengan demikian kita dapat menggunakan complex geometri dengan THREE.PointCloud</a:t>
+            </a:r>
+            <a:endParaRPr lang="en-US" dirty="0"/>
           </a:p>
         </p:txBody>
       </p:sp>

--- a/presentation/Particles, Sprites, and the Point Cloud.pptx
+++ b/presentation/Particles, Sprites, and the Point Cloud.pptx
@@ -6,12 +6,16 @@
   </p:sldMasterIdLst>
   <p:sldIdLst>
     <p:sldId id="256" r:id="rId2"/>
-    <p:sldId id="257" r:id="rId3"/>
-    <p:sldId id="258" r:id="rId4"/>
-    <p:sldId id="259" r:id="rId5"/>
-    <p:sldId id="260" r:id="rId6"/>
-    <p:sldId id="261" r:id="rId7"/>
-    <p:sldId id="262" r:id="rId8"/>
+    <p:sldId id="263" r:id="rId3"/>
+    <p:sldId id="264" r:id="rId4"/>
+    <p:sldId id="265" r:id="rId5"/>
+    <p:sldId id="257" r:id="rId6"/>
+    <p:sldId id="258" r:id="rId7"/>
+    <p:sldId id="266" r:id="rId8"/>
+    <p:sldId id="259" r:id="rId9"/>
+    <p:sldId id="260" r:id="rId10"/>
+    <p:sldId id="261" r:id="rId11"/>
+    <p:sldId id="267" r:id="rId12"/>
   </p:sldIdLst>
   <p:sldSz cx="12192000" cy="6858000"/>
   <p:notesSz cx="6858000" cy="9144000"/>
@@ -371,7 +375,7 @@
           </a:lstStyle>
           <a:p>
             <a:r>
-              <a:rPr lang="en-US" smtClean="0"/>
+              <a:rPr lang="en-US"/>
               <a:t>Click to edit Master title style</a:t>
             </a:r>
             <a:endParaRPr lang="en-US" dirty="0"/>
@@ -448,7 +452,7 @@
           </a:lstStyle>
           <a:p>
             <a:r>
-              <a:rPr lang="en-US" smtClean="0"/>
+              <a:rPr lang="en-US"/>
               <a:t>Click to edit Master subtitle style</a:t>
             </a:r>
             <a:endParaRPr lang="en-US" dirty="0"/>
@@ -486,7 +490,7 @@
             <a:fld id="{B61BEF0D-F0BB-DE4B-95CE-6DB70DBA9567}" type="datetimeFigureOut">
               <a:rPr lang="en-US" smtClean="0"/>
               <a:pPr/>
-              <a:t>12/3/2019</a:t>
+              <a:t>12/4/2019</a:t>
             </a:fld>
             <a:endParaRPr lang="en-US" dirty="0"/>
           </a:p>
@@ -606,7 +610,7 @@
   <p:clrMapOvr>
     <a:overrideClrMapping bg1="dk1" tx1="lt1" bg2="dk2" tx2="lt2" accent1="accent1" accent2="accent2" accent3="accent3" accent4="accent4" accent5="accent5" accent6="accent6" hlink="hlink" folHlink="folHlink"/>
   </p:clrMapOvr>
-  <p:extLst mod="1">
+  <p:extLst>
     <p:ext uri="{DCECCB84-F9BA-43D5-87BE-67443E8EF086}">
       <p15:sldGuideLst xmlns:p15="http://schemas.microsoft.com/office/powerpoint/2012/main">
         <p15:guide id="1" orient="horz" pos="792">
@@ -653,7 +657,7 @@
           <a:lstStyle/>
           <a:p>
             <a:r>
-              <a:rPr lang="en-US" smtClean="0"/>
+              <a:rPr lang="en-US"/>
               <a:t>Click to edit Master title style</a:t>
             </a:r>
             <a:endParaRPr lang="en-US" dirty="0"/>
@@ -682,35 +686,35 @@
           <a:p>
             <a:pPr lvl="0"/>
             <a:r>
-              <a:rPr lang="en-US" smtClean="0"/>
+              <a:rPr lang="en-US"/>
               <a:t>Edit Master text styles</a:t>
             </a:r>
           </a:p>
           <a:p>
             <a:pPr lvl="1"/>
             <a:r>
-              <a:rPr lang="en-US" smtClean="0"/>
+              <a:rPr lang="en-US"/>
               <a:t>Second level</a:t>
             </a:r>
           </a:p>
           <a:p>
             <a:pPr lvl="2"/>
             <a:r>
-              <a:rPr lang="en-US" smtClean="0"/>
+              <a:rPr lang="en-US"/>
               <a:t>Third level</a:t>
             </a:r>
           </a:p>
           <a:p>
             <a:pPr lvl="3"/>
             <a:r>
-              <a:rPr lang="en-US" smtClean="0"/>
+              <a:rPr lang="en-US"/>
               <a:t>Fourth level</a:t>
             </a:r>
           </a:p>
           <a:p>
             <a:pPr lvl="4"/>
             <a:r>
-              <a:rPr lang="en-US" smtClean="0"/>
+              <a:rPr lang="en-US"/>
               <a:t>Fifth level</a:t>
             </a:r>
             <a:endParaRPr lang="en-US" dirty="0"/>
@@ -735,7 +739,7 @@
             <a:fld id="{B61BEF0D-F0BB-DE4B-95CE-6DB70DBA9567}" type="datetimeFigureOut">
               <a:rPr lang="en-US" smtClean="0"/>
               <a:pPr/>
-              <a:t>12/3/2019</a:t>
+              <a:t>12/4/2019</a:t>
             </a:fld>
             <a:endParaRPr lang="en-US" dirty="0"/>
           </a:p>
@@ -1036,7 +1040,7 @@
           </a:lstStyle>
           <a:p>
             <a:r>
-              <a:rPr lang="en-US" smtClean="0"/>
+              <a:rPr lang="en-US"/>
               <a:t>Click to edit Master title style</a:t>
             </a:r>
             <a:endParaRPr lang="en-US" dirty="0"/>
@@ -1065,35 +1069,35 @@
           <a:p>
             <a:pPr lvl="0"/>
             <a:r>
-              <a:rPr lang="en-US" smtClean="0"/>
+              <a:rPr lang="en-US"/>
               <a:t>Edit Master text styles</a:t>
             </a:r>
           </a:p>
           <a:p>
             <a:pPr lvl="1"/>
             <a:r>
-              <a:rPr lang="en-US" smtClean="0"/>
+              <a:rPr lang="en-US"/>
               <a:t>Second level</a:t>
             </a:r>
           </a:p>
           <a:p>
             <a:pPr lvl="2"/>
             <a:r>
-              <a:rPr lang="en-US" smtClean="0"/>
+              <a:rPr lang="en-US"/>
               <a:t>Third level</a:t>
             </a:r>
           </a:p>
           <a:p>
             <a:pPr lvl="3"/>
             <a:r>
-              <a:rPr lang="en-US" smtClean="0"/>
+              <a:rPr lang="en-US"/>
               <a:t>Fourth level</a:t>
             </a:r>
           </a:p>
           <a:p>
             <a:pPr lvl="4"/>
             <a:r>
-              <a:rPr lang="en-US" smtClean="0"/>
+              <a:rPr lang="en-US"/>
               <a:t>Fifth level</a:t>
             </a:r>
             <a:endParaRPr lang="en-US" dirty="0"/>
@@ -1123,7 +1127,7 @@
             <a:fld id="{B61BEF0D-F0BB-DE4B-95CE-6DB70DBA9567}" type="datetimeFigureOut">
               <a:rPr lang="en-US" smtClean="0"/>
               <a:pPr/>
-              <a:t>12/3/2019</a:t>
+              <a:t>12/4/2019</a:t>
             </a:fld>
             <a:endParaRPr lang="en-US" dirty="0"/>
           </a:p>
@@ -1230,7 +1234,7 @@
   <p:clrMapOvr>
     <a:masterClrMapping/>
   </p:clrMapOvr>
-  <p:extLst mod="1">
+  <p:extLst>
     <p:ext uri="{DCECCB84-F9BA-43D5-87BE-67443E8EF086}">
       <p15:sldGuideLst xmlns:p15="http://schemas.microsoft.com/office/powerpoint/2012/main">
         <p15:guide id="1" pos="6456">
@@ -1277,7 +1281,7 @@
           <a:lstStyle/>
           <a:p>
             <a:r>
-              <a:rPr lang="en-US" smtClean="0"/>
+              <a:rPr lang="en-US"/>
               <a:t>Click to edit Master title style</a:t>
             </a:r>
             <a:endParaRPr lang="en-US" dirty="0"/>
@@ -1301,35 +1305,35 @@
           <a:p>
             <a:pPr lvl="0"/>
             <a:r>
-              <a:rPr lang="en-US" smtClean="0"/>
+              <a:rPr lang="en-US"/>
               <a:t>Edit Master text styles</a:t>
             </a:r>
           </a:p>
           <a:p>
             <a:pPr lvl="1"/>
             <a:r>
-              <a:rPr lang="en-US" smtClean="0"/>
+              <a:rPr lang="en-US"/>
               <a:t>Second level</a:t>
             </a:r>
           </a:p>
           <a:p>
             <a:pPr lvl="2"/>
             <a:r>
-              <a:rPr lang="en-US" smtClean="0"/>
+              <a:rPr lang="en-US"/>
               <a:t>Third level</a:t>
             </a:r>
           </a:p>
           <a:p>
             <a:pPr lvl="3"/>
             <a:r>
-              <a:rPr lang="en-US" smtClean="0"/>
+              <a:rPr lang="en-US"/>
               <a:t>Fourth level</a:t>
             </a:r>
           </a:p>
           <a:p>
             <a:pPr lvl="4"/>
             <a:r>
-              <a:rPr lang="en-US" smtClean="0"/>
+              <a:rPr lang="en-US"/>
               <a:t>Fifth level</a:t>
             </a:r>
             <a:endParaRPr lang="en-US" dirty="0"/>
@@ -1354,7 +1358,7 @@
             <a:fld id="{B61BEF0D-F0BB-DE4B-95CE-6DB70DBA9567}" type="datetimeFigureOut">
               <a:rPr lang="en-US" smtClean="0"/>
               <a:pPr/>
-              <a:t>12/3/2019</a:t>
+              <a:t>12/4/2019</a:t>
             </a:fld>
             <a:endParaRPr lang="en-US" dirty="0"/>
           </a:p>
@@ -1678,7 +1682,7 @@
           </a:lstStyle>
           <a:p>
             <a:r>
-              <a:rPr lang="en-US" smtClean="0"/>
+              <a:rPr lang="en-US"/>
               <a:t>Click to edit Master title style</a:t>
             </a:r>
             <a:endParaRPr lang="en-US" dirty="0"/>
@@ -1807,7 +1811,7 @@
           <a:p>
             <a:pPr lvl="0"/>
             <a:r>
-              <a:rPr lang="en-US" smtClean="0"/>
+              <a:rPr lang="en-US"/>
               <a:t>Edit Master text styles</a:t>
             </a:r>
           </a:p>
@@ -1847,7 +1851,7 @@
             <a:fld id="{B61BEF0D-F0BB-DE4B-95CE-6DB70DBA9567}" type="datetimeFigureOut">
               <a:rPr lang="en-US" smtClean="0"/>
               <a:pPr/>
-              <a:t>12/3/2019</a:t>
+              <a:t>12/4/2019</a:t>
             </a:fld>
             <a:endParaRPr lang="en-US" dirty="0"/>
           </a:p>
@@ -1973,7 +1977,7 @@
   <p:clrMapOvr>
     <a:masterClrMapping/>
   </p:clrMapOvr>
-  <p:extLst mod="1">
+  <p:extLst>
     <p:ext uri="{DCECCB84-F9BA-43D5-87BE-67443E8EF086}">
       <p15:sldGuideLst xmlns:p15="http://schemas.microsoft.com/office/powerpoint/2012/main">
         <p15:guide id="1" pos="6456">
@@ -2020,7 +2024,7 @@
           <a:lstStyle/>
           <a:p>
             <a:r>
-              <a:rPr lang="en-US" smtClean="0"/>
+              <a:rPr lang="en-US"/>
               <a:t>Click to edit Master title style</a:t>
             </a:r>
             <a:endParaRPr lang="en-US" dirty="0"/>
@@ -2049,35 +2053,35 @@
           <a:p>
             <a:pPr lvl="0"/>
             <a:r>
-              <a:rPr lang="en-US" smtClean="0"/>
+              <a:rPr lang="en-US"/>
               <a:t>Edit Master text styles</a:t>
             </a:r>
           </a:p>
           <a:p>
             <a:pPr lvl="1"/>
             <a:r>
-              <a:rPr lang="en-US" smtClean="0"/>
+              <a:rPr lang="en-US"/>
               <a:t>Second level</a:t>
             </a:r>
           </a:p>
           <a:p>
             <a:pPr lvl="2"/>
             <a:r>
-              <a:rPr lang="en-US" smtClean="0"/>
+              <a:rPr lang="en-US"/>
               <a:t>Third level</a:t>
             </a:r>
           </a:p>
           <a:p>
             <a:pPr lvl="3"/>
             <a:r>
-              <a:rPr lang="en-US" smtClean="0"/>
+              <a:rPr lang="en-US"/>
               <a:t>Fourth level</a:t>
             </a:r>
           </a:p>
           <a:p>
             <a:pPr lvl="4"/>
             <a:r>
-              <a:rPr lang="en-US" smtClean="0"/>
+              <a:rPr lang="en-US"/>
               <a:t>Fifth level</a:t>
             </a:r>
             <a:endParaRPr lang="en-US" dirty="0"/>
@@ -2106,35 +2110,35 @@
           <a:p>
             <a:pPr lvl="0"/>
             <a:r>
-              <a:rPr lang="en-US" smtClean="0"/>
+              <a:rPr lang="en-US"/>
               <a:t>Edit Master text styles</a:t>
             </a:r>
           </a:p>
           <a:p>
             <a:pPr lvl="1"/>
             <a:r>
-              <a:rPr lang="en-US" smtClean="0"/>
+              <a:rPr lang="en-US"/>
               <a:t>Second level</a:t>
             </a:r>
           </a:p>
           <a:p>
             <a:pPr lvl="2"/>
             <a:r>
-              <a:rPr lang="en-US" smtClean="0"/>
+              <a:rPr lang="en-US"/>
               <a:t>Third level</a:t>
             </a:r>
           </a:p>
           <a:p>
             <a:pPr lvl="3"/>
             <a:r>
-              <a:rPr lang="en-US" smtClean="0"/>
+              <a:rPr lang="en-US"/>
               <a:t>Fourth level</a:t>
             </a:r>
           </a:p>
           <a:p>
             <a:pPr lvl="4"/>
             <a:r>
-              <a:rPr lang="en-US" smtClean="0"/>
+              <a:rPr lang="en-US"/>
               <a:t>Fifth level</a:t>
             </a:r>
             <a:endParaRPr lang="en-US" dirty="0"/>
@@ -2159,7 +2163,7 @@
             <a:fld id="{B61BEF0D-F0BB-DE4B-95CE-6DB70DBA9567}" type="datetimeFigureOut">
               <a:rPr lang="en-US" smtClean="0"/>
               <a:pPr/>
-              <a:t>12/3/2019</a:t>
+              <a:t>12/4/2019</a:t>
             </a:fld>
             <a:endParaRPr lang="en-US" dirty="0"/>
           </a:p>
@@ -2259,7 +2263,7 @@
           <a:lstStyle/>
           <a:p>
             <a:r>
-              <a:rPr lang="en-US" smtClean="0"/>
+              <a:rPr lang="en-US"/>
               <a:t>Click to edit Master title style</a:t>
             </a:r>
             <a:endParaRPr lang="en-US" dirty="0"/>
@@ -2340,7 +2344,7 @@
           <a:p>
             <a:pPr lvl="0"/>
             <a:r>
-              <a:rPr lang="en-US" smtClean="0"/>
+              <a:rPr lang="en-US"/>
               <a:t>Edit Master text styles</a:t>
             </a:r>
           </a:p>
@@ -2368,35 +2372,35 @@
           <a:p>
             <a:pPr lvl="0"/>
             <a:r>
-              <a:rPr lang="en-US" smtClean="0"/>
+              <a:rPr lang="en-US"/>
               <a:t>Edit Master text styles</a:t>
             </a:r>
           </a:p>
           <a:p>
             <a:pPr lvl="1"/>
             <a:r>
-              <a:rPr lang="en-US" smtClean="0"/>
+              <a:rPr lang="en-US"/>
               <a:t>Second level</a:t>
             </a:r>
           </a:p>
           <a:p>
             <a:pPr lvl="2"/>
             <a:r>
-              <a:rPr lang="en-US" smtClean="0"/>
+              <a:rPr lang="en-US"/>
               <a:t>Third level</a:t>
             </a:r>
           </a:p>
           <a:p>
             <a:pPr lvl="3"/>
             <a:r>
-              <a:rPr lang="en-US" smtClean="0"/>
+              <a:rPr lang="en-US"/>
               <a:t>Fourth level</a:t>
             </a:r>
           </a:p>
           <a:p>
             <a:pPr lvl="4"/>
             <a:r>
-              <a:rPr lang="en-US" smtClean="0"/>
+              <a:rPr lang="en-US"/>
               <a:t>Fifth level</a:t>
             </a:r>
             <a:endParaRPr lang="en-US" dirty="0"/>
@@ -2471,7 +2475,7 @@
           <a:p>
             <a:pPr lvl="0"/>
             <a:r>
-              <a:rPr lang="en-US" smtClean="0"/>
+              <a:rPr lang="en-US"/>
               <a:t>Edit Master text styles</a:t>
             </a:r>
           </a:p>
@@ -2499,35 +2503,35 @@
           <a:p>
             <a:pPr lvl="0"/>
             <a:r>
-              <a:rPr lang="en-US" smtClean="0"/>
+              <a:rPr lang="en-US"/>
               <a:t>Edit Master text styles</a:t>
             </a:r>
           </a:p>
           <a:p>
             <a:pPr lvl="1"/>
             <a:r>
-              <a:rPr lang="en-US" smtClean="0"/>
+              <a:rPr lang="en-US"/>
               <a:t>Second level</a:t>
             </a:r>
           </a:p>
           <a:p>
             <a:pPr lvl="2"/>
             <a:r>
-              <a:rPr lang="en-US" smtClean="0"/>
+              <a:rPr lang="en-US"/>
               <a:t>Third level</a:t>
             </a:r>
           </a:p>
           <a:p>
             <a:pPr lvl="3"/>
             <a:r>
-              <a:rPr lang="en-US" smtClean="0"/>
+              <a:rPr lang="en-US"/>
               <a:t>Fourth level</a:t>
             </a:r>
           </a:p>
           <a:p>
             <a:pPr lvl="4"/>
             <a:r>
-              <a:rPr lang="en-US" smtClean="0"/>
+              <a:rPr lang="en-US"/>
               <a:t>Fifth level</a:t>
             </a:r>
             <a:endParaRPr lang="en-US" dirty="0"/>
@@ -2552,7 +2556,7 @@
             <a:fld id="{B61BEF0D-F0BB-DE4B-95CE-6DB70DBA9567}" type="datetimeFigureOut">
               <a:rPr lang="en-US" smtClean="0"/>
               <a:pPr/>
-              <a:t>12/3/2019</a:t>
+              <a:t>12/4/2019</a:t>
             </a:fld>
             <a:endParaRPr lang="en-US" dirty="0"/>
           </a:p>
@@ -2647,7 +2651,7 @@
           <a:lstStyle/>
           <a:p>
             <a:r>
-              <a:rPr lang="en-US" smtClean="0"/>
+              <a:rPr lang="en-US"/>
               <a:t>Click to edit Master title style</a:t>
             </a:r>
             <a:endParaRPr lang="en-US" dirty="0"/>
@@ -2672,7 +2676,7 @@
             <a:fld id="{B61BEF0D-F0BB-DE4B-95CE-6DB70DBA9567}" type="datetimeFigureOut">
               <a:rPr lang="en-US" smtClean="0"/>
               <a:pPr/>
-              <a:t>12/3/2019</a:t>
+              <a:t>12/4/2019</a:t>
             </a:fld>
             <a:endParaRPr lang="en-US" dirty="0"/>
           </a:p>
@@ -2769,7 +2773,7 @@
             <a:fld id="{B61BEF0D-F0BB-DE4B-95CE-6DB70DBA9567}" type="datetimeFigureOut">
               <a:rPr lang="en-US" smtClean="0"/>
               <a:pPr/>
-              <a:t>12/3/2019</a:t>
+              <a:t>12/4/2019</a:t>
             </a:fld>
             <a:endParaRPr lang="en-US" dirty="0"/>
           </a:p>
@@ -2878,7 +2882,7 @@
           </a:lstStyle>
           <a:p>
             <a:r>
-              <a:rPr lang="en-US" smtClean="0"/>
+              <a:rPr lang="en-US"/>
               <a:t>Click to edit Master title style</a:t>
             </a:r>
             <a:endParaRPr lang="en-US" dirty="0"/>
@@ -2950,35 +2954,35 @@
           <a:p>
             <a:pPr lvl="0"/>
             <a:r>
-              <a:rPr lang="en-US" smtClean="0"/>
+              <a:rPr lang="en-US"/>
               <a:t>Edit Master text styles</a:t>
             </a:r>
           </a:p>
           <a:p>
             <a:pPr lvl="1"/>
             <a:r>
-              <a:rPr lang="en-US" smtClean="0"/>
+              <a:rPr lang="en-US"/>
               <a:t>Second level</a:t>
             </a:r>
           </a:p>
           <a:p>
             <a:pPr lvl="2"/>
             <a:r>
-              <a:rPr lang="en-US" smtClean="0"/>
+              <a:rPr lang="en-US"/>
               <a:t>Third level</a:t>
             </a:r>
           </a:p>
           <a:p>
             <a:pPr lvl="3"/>
             <a:r>
-              <a:rPr lang="en-US" smtClean="0"/>
+              <a:rPr lang="en-US"/>
               <a:t>Fourth level</a:t>
             </a:r>
           </a:p>
           <a:p>
             <a:pPr lvl="4"/>
             <a:r>
-              <a:rPr lang="en-US" smtClean="0"/>
+              <a:rPr lang="en-US"/>
               <a:t>Fifth level</a:t>
             </a:r>
             <a:endParaRPr lang="en-US" dirty="0"/>
@@ -3047,7 +3051,7 @@
           <a:p>
             <a:pPr lvl="0"/>
             <a:r>
-              <a:rPr lang="en-US" smtClean="0"/>
+              <a:rPr lang="en-US"/>
               <a:t>Edit Master text styles</a:t>
             </a:r>
           </a:p>
@@ -3071,7 +3075,7 @@
             <a:fld id="{B61BEF0D-F0BB-DE4B-95CE-6DB70DBA9567}" type="datetimeFigureOut">
               <a:rPr lang="en-US" smtClean="0"/>
               <a:pPr/>
-              <a:t>12/3/2019</a:t>
+              <a:t>12/4/2019</a:t>
             </a:fld>
             <a:endParaRPr lang="en-US" dirty="0"/>
           </a:p>
@@ -3180,7 +3184,7 @@
           </a:lstStyle>
           <a:p>
             <a:r>
-              <a:rPr lang="en-US" smtClean="0"/>
+              <a:rPr lang="en-US"/>
               <a:t>Click to edit Master title style</a:t>
             </a:r>
             <a:endParaRPr lang="en-US" dirty="0"/>
@@ -3245,7 +3249,7 @@
           </a:lstStyle>
           <a:p>
             <a:r>
-              <a:rPr lang="en-US" smtClean="0"/>
+              <a:rPr lang="en-US"/>
               <a:t>Click icon to add picture</a:t>
             </a:r>
             <a:endParaRPr lang="en-US" dirty="0"/>
@@ -3314,7 +3318,7 @@
           <a:p>
             <a:pPr lvl="0"/>
             <a:r>
-              <a:rPr lang="en-US" smtClean="0"/>
+              <a:rPr lang="en-US"/>
               <a:t>Edit Master text styles</a:t>
             </a:r>
           </a:p>
@@ -3338,7 +3342,7 @@
             <a:fld id="{B61BEF0D-F0BB-DE4B-95CE-6DB70DBA9567}" type="datetimeFigureOut">
               <a:rPr lang="en-US" smtClean="0"/>
               <a:pPr/>
-              <a:t>12/3/2019</a:t>
+              <a:t>12/4/2019</a:t>
             </a:fld>
             <a:endParaRPr lang="en-US" dirty="0"/>
           </a:p>
@@ -3651,7 +3655,7 @@
           <a:lstStyle/>
           <a:p>
             <a:r>
-              <a:rPr lang="en-US" smtClean="0"/>
+              <a:rPr lang="en-US"/>
               <a:t>Click to edit Master title style</a:t>
             </a:r>
             <a:endParaRPr lang="en-US" dirty="0"/>
@@ -3685,35 +3689,35 @@
           <a:p>
             <a:pPr lvl="0"/>
             <a:r>
-              <a:rPr lang="en-US" smtClean="0"/>
+              <a:rPr lang="en-US"/>
               <a:t>Edit Master text styles</a:t>
             </a:r>
           </a:p>
           <a:p>
             <a:pPr lvl="1"/>
             <a:r>
-              <a:rPr lang="en-US" smtClean="0"/>
+              <a:rPr lang="en-US"/>
               <a:t>Second level</a:t>
             </a:r>
           </a:p>
           <a:p>
             <a:pPr lvl="2"/>
             <a:r>
-              <a:rPr lang="en-US" smtClean="0"/>
+              <a:rPr lang="en-US"/>
               <a:t>Third level</a:t>
             </a:r>
           </a:p>
           <a:p>
             <a:pPr lvl="3"/>
             <a:r>
-              <a:rPr lang="en-US" smtClean="0"/>
+              <a:rPr lang="en-US"/>
               <a:t>Fourth level</a:t>
             </a:r>
           </a:p>
           <a:p>
             <a:pPr lvl="4"/>
             <a:r>
-              <a:rPr lang="en-US" smtClean="0"/>
+              <a:rPr lang="en-US"/>
               <a:t>Fifth level</a:t>
             </a:r>
             <a:endParaRPr lang="en-US" dirty="0"/>
@@ -3758,7 +3762,7 @@
             <a:fld id="{B61BEF0D-F0BB-DE4B-95CE-6DB70DBA9567}" type="datetimeFigureOut">
               <a:rPr lang="en-US" smtClean="0"/>
               <a:pPr/>
-              <a:t>12/3/2019</a:t>
+              <a:t>12/4/2019</a:t>
             </a:fld>
             <a:endParaRPr lang="en-US" dirty="0"/>
           </a:p>
@@ -4213,7 +4217,7 @@
       </a:lvl9pPr>
     </p:otherStyle>
   </p:txStyles>
-  <p:extLst mod="1">
+  <p:extLst>
     <p:ext uri="{27BBF7A9-308A-43DC-89C8-2F10F3537804}">
       <p15:sldGuideLst xmlns:p15="http://schemas.microsoft.com/office/powerpoint/2012/main">
         <p15:guide id="1" pos="2832">
@@ -4313,47 +4317,38 @@
           <a:p>
             <a:pPr algn="l"/>
             <a:r>
-              <a:rPr lang="id-ID" dirty="0" smtClean="0"/>
-              <a:t>Patrick </a:t>
-            </a:r>
-            <a:r>
-              <a:rPr lang="id-ID" dirty="0" smtClean="0"/>
-              <a:t>Sungk</a:t>
-            </a:r>
-            <a:r>
-              <a:rPr lang="en-US" dirty="0" smtClean="0"/>
+              <a:rPr lang="id-ID" dirty="0"/>
+              <a:t>Patrick Sungk</a:t>
+            </a:r>
+            <a:r>
+              <a:rPr lang="en-US" dirty="0"/>
               <a:t>h</a:t>
             </a:r>
             <a:r>
-              <a:rPr lang="id-ID" dirty="0" smtClean="0"/>
-              <a:t>arisma</a:t>
-            </a:r>
-            <a:r>
-              <a:rPr lang="id-ID" dirty="0" smtClean="0"/>
-              <a:t>				05111740000041</a:t>
+              <a:rPr lang="id-ID" dirty="0"/>
+              <a:t>arisma				05111740000041</a:t>
             </a:r>
           </a:p>
           <a:p>
             <a:pPr algn="l"/>
             <a:r>
-              <a:rPr lang="id-ID" dirty="0" smtClean="0"/>
+              <a:rPr lang="id-ID" dirty="0"/>
               <a:t>Jonathan Alphabert S				05111740000053</a:t>
             </a:r>
           </a:p>
           <a:p>
             <a:pPr algn="l"/>
             <a:r>
-              <a:rPr lang="id-ID" dirty="0" smtClean="0"/>
+              <a:rPr lang="id-ID" dirty="0"/>
               <a:t>Fandi Pranata Jaya				05111740000056</a:t>
             </a:r>
           </a:p>
           <a:p>
             <a:pPr algn="l"/>
             <a:r>
-              <a:rPr lang="id-ID" dirty="0" smtClean="0"/>
+              <a:rPr lang="id-ID" dirty="0"/>
               <a:t>Octavianus Giovanni 				05111740000113</a:t>
             </a:r>
-            <a:endParaRPr lang="id-ID" dirty="0"/>
           </a:p>
         </p:txBody>
       </p:sp>
@@ -4367,13 +4362,425 @@
   <p:clrMapOvr>
     <a:masterClrMapping/>
   </p:clrMapOvr>
-  <p:timing>
-    <p:tnLst>
-      <p:par>
-        <p:cTn id="1" dur="indefinite" restart="never" nodeType="tmRoot"/>
-      </p:par>
-    </p:tnLst>
-  </p:timing>
+</p:sld>
+</file>
+
+<file path=ppt/slides/slide10.xml><?xml version="1.0" encoding="utf-8"?>
+<p:sld xmlns:a="http://schemas.openxmlformats.org/drawingml/2006/main" xmlns:r="http://schemas.openxmlformats.org/officeDocument/2006/relationships" xmlns:p="http://schemas.openxmlformats.org/presentationml/2006/main">
+  <p:cSld>
+    <p:spTree>
+      <p:nvGrpSpPr>
+        <p:cNvPr id="1" name=""/>
+        <p:cNvGrpSpPr/>
+        <p:nvPr/>
+      </p:nvGrpSpPr>
+      <p:grpSpPr>
+        <a:xfrm>
+          <a:off x="0" y="0"/>
+          <a:ext cx="0" cy="0"/>
+          <a:chOff x="0" y="0"/>
+          <a:chExt cx="0" cy="0"/>
+        </a:xfrm>
+      </p:grpSpPr>
+      <p:sp>
+        <p:nvSpPr>
+          <p:cNvPr id="2" name="Title 1"/>
+          <p:cNvSpPr>
+            <a:spLocks noGrp="1"/>
+          </p:cNvSpPr>
+          <p:nvPr>
+            <p:ph type="title"/>
+          </p:nvPr>
+        </p:nvSpPr>
+        <p:spPr/>
+        <p:txBody>
+          <a:bodyPr>
+            <a:normAutofit/>
+          </a:bodyPr>
+          <a:lstStyle/>
+          <a:p>
+            <a:r>
+              <a:rPr lang="en-US" sz="3600" dirty="0"/>
+              <a:t>Multiple Texture</a:t>
+            </a:r>
+          </a:p>
+        </p:txBody>
+      </p:sp>
+      <p:sp>
+        <p:nvSpPr>
+          <p:cNvPr id="3" name="Content Placeholder 2"/>
+          <p:cNvSpPr>
+            <a:spLocks noGrp="1"/>
+          </p:cNvSpPr>
+          <p:nvPr>
+            <p:ph idx="1"/>
+          </p:nvPr>
+        </p:nvSpPr>
+        <p:spPr/>
+        <p:txBody>
+          <a:bodyPr>
+            <a:normAutofit fontScale="92500" lnSpcReduction="20000"/>
+          </a:bodyPr>
+          <a:lstStyle/>
+          <a:p>
+            <a:pPr marL="0" indent="0">
+              <a:buNone/>
+            </a:pPr>
+            <a:r>
+              <a:rPr lang="en-US" dirty="0" err="1"/>
+              <a:t>Menggunakan</a:t>
+            </a:r>
+            <a:r>
+              <a:rPr lang="en-US" dirty="0"/>
+              <a:t> </a:t>
+            </a:r>
+            <a:r>
+              <a:rPr lang="en-US" dirty="0" err="1"/>
+              <a:t>beberapa</a:t>
+            </a:r>
+            <a:r>
+              <a:rPr lang="en-US" dirty="0"/>
+              <a:t> particle system </a:t>
+            </a:r>
+            <a:r>
+              <a:rPr lang="en-US" dirty="0" err="1"/>
+              <a:t>untuk</a:t>
+            </a:r>
+            <a:r>
+              <a:rPr lang="en-US" dirty="0"/>
+              <a:t> load   texture yang </a:t>
+            </a:r>
+            <a:r>
+              <a:rPr lang="en-US" dirty="0" err="1"/>
+              <a:t>berbeda</a:t>
+            </a:r>
+            <a:endParaRPr lang="en-US" dirty="0"/>
+          </a:p>
+          <a:p>
+            <a:pPr marL="402336" lvl="1" indent="0">
+              <a:buNone/>
+            </a:pPr>
+            <a:r>
+              <a:rPr lang="en-US" dirty="0" err="1"/>
+              <a:t>var</a:t>
+            </a:r>
+            <a:r>
+              <a:rPr lang="en-US" dirty="0"/>
+              <a:t> texture1 = </a:t>
+            </a:r>
+            <a:r>
+              <a:rPr lang="en-US" dirty="0" err="1"/>
+              <a:t>THREE.ImageUtils.loadTexture</a:t>
+            </a:r>
+            <a:r>
+              <a:rPr lang="en-US" dirty="0"/>
+              <a:t>("…");</a:t>
+            </a:r>
+          </a:p>
+          <a:p>
+            <a:pPr marL="402336" lvl="1" indent="0">
+              <a:buNone/>
+            </a:pPr>
+            <a:r>
+              <a:rPr lang="en-US" dirty="0" err="1"/>
+              <a:t>var</a:t>
+            </a:r>
+            <a:r>
+              <a:rPr lang="en-US" dirty="0"/>
+              <a:t> texture2 = </a:t>
+            </a:r>
+            <a:r>
+              <a:rPr lang="en-US" dirty="0" err="1"/>
+              <a:t>THREE.ImageUtils.loadTexture</a:t>
+            </a:r>
+            <a:r>
+              <a:rPr lang="en-US" dirty="0"/>
+              <a:t>(“…");</a:t>
+            </a:r>
+          </a:p>
+          <a:p>
+            <a:pPr marL="402336" lvl="1" indent="0">
+              <a:buNone/>
+            </a:pPr>
+            <a:r>
+              <a:rPr lang="en-US" dirty="0"/>
+              <a:t>.</a:t>
+            </a:r>
+          </a:p>
+          <a:p>
+            <a:pPr marL="402336" lvl="1" indent="0">
+              <a:buNone/>
+            </a:pPr>
+            <a:r>
+              <a:rPr lang="en-US" dirty="0"/>
+              <a:t>.</a:t>
+            </a:r>
+          </a:p>
+          <a:p>
+            <a:pPr marL="402336" lvl="1" indent="0">
+              <a:buNone/>
+            </a:pPr>
+            <a:r>
+              <a:rPr lang="en-US" dirty="0" err="1"/>
+              <a:t>scene.add</a:t>
+            </a:r>
+            <a:r>
+              <a:rPr lang="en-US" dirty="0"/>
+              <a:t>(</a:t>
+            </a:r>
+            <a:r>
+              <a:rPr lang="en-US" dirty="0" err="1"/>
+              <a:t>createPointCloud</a:t>
+            </a:r>
+            <a:r>
+              <a:rPr lang="en-US" dirty="0"/>
+              <a:t>("system1", texture1, size, transparent, opacity, </a:t>
+            </a:r>
+            <a:r>
+              <a:rPr lang="en-US" dirty="0" err="1"/>
+              <a:t>sizeAttenuation</a:t>
+            </a:r>
+            <a:r>
+              <a:rPr lang="en-US" dirty="0"/>
+              <a:t>, color));</a:t>
+            </a:r>
+          </a:p>
+          <a:p>
+            <a:pPr marL="402336" lvl="1" indent="0">
+              <a:buNone/>
+            </a:pPr>
+            <a:r>
+              <a:rPr lang="en-US" dirty="0" err="1"/>
+              <a:t>scene.add</a:t>
+            </a:r>
+            <a:r>
+              <a:rPr lang="en-US" dirty="0"/>
+              <a:t>(</a:t>
+            </a:r>
+            <a:r>
+              <a:rPr lang="en-US" dirty="0" err="1"/>
+              <a:t>createPointCloud</a:t>
+            </a:r>
+            <a:r>
+              <a:rPr lang="en-US" dirty="0"/>
+              <a:t>("system2", texture2, size, transparent, opacity, </a:t>
+            </a:r>
+            <a:r>
+              <a:rPr lang="en-US" dirty="0" err="1"/>
+              <a:t>sizeAttenuation</a:t>
+            </a:r>
+            <a:r>
+              <a:rPr lang="en-US" dirty="0"/>
+              <a:t>, color));</a:t>
+            </a:r>
+          </a:p>
+          <a:p>
+            <a:pPr marL="0" indent="0">
+              <a:buNone/>
+            </a:pPr>
+            <a:endParaRPr lang="en-US" dirty="0"/>
+          </a:p>
+          <a:p>
+            <a:pPr marL="0" indent="0">
+              <a:buNone/>
+            </a:pPr>
+            <a:r>
+              <a:rPr lang="en-US" dirty="0" err="1"/>
+              <a:t>Meskipun</a:t>
+            </a:r>
+            <a:r>
+              <a:rPr lang="en-US" dirty="0"/>
+              <a:t> bisa load </a:t>
+            </a:r>
+            <a:r>
+              <a:rPr lang="en-US" dirty="0" err="1"/>
+              <a:t>beberapa</a:t>
+            </a:r>
+            <a:r>
+              <a:rPr lang="en-US" dirty="0"/>
+              <a:t> texture, tidak </a:t>
+            </a:r>
+            <a:r>
+              <a:rPr lang="en-US" dirty="0" err="1"/>
+              <a:t>efisien</a:t>
+            </a:r>
+            <a:r>
+              <a:rPr lang="en-US" dirty="0"/>
+              <a:t> </a:t>
+            </a:r>
+            <a:r>
+              <a:rPr lang="en-US" dirty="0" err="1"/>
+              <a:t>semakin</a:t>
+            </a:r>
+            <a:r>
+              <a:rPr lang="en-US" dirty="0"/>
+              <a:t> </a:t>
+            </a:r>
+            <a:r>
+              <a:rPr lang="en-US" dirty="0" err="1"/>
+              <a:t>banyak</a:t>
+            </a:r>
+            <a:r>
+              <a:rPr lang="en-US" dirty="0"/>
+              <a:t> </a:t>
+            </a:r>
+            <a:r>
+              <a:rPr lang="en-US" dirty="0" err="1"/>
+              <a:t>jenis</a:t>
+            </a:r>
+            <a:r>
+              <a:rPr lang="en-US" dirty="0"/>
+              <a:t> </a:t>
+            </a:r>
+            <a:r>
+              <a:rPr lang="en-US" dirty="0" err="1"/>
+              <a:t>texturenya</a:t>
+            </a:r>
+            <a:endParaRPr lang="en-US" dirty="0"/>
+          </a:p>
+          <a:p>
+            <a:pPr marL="0" indent="0">
+              <a:buNone/>
+            </a:pPr>
+            <a:endParaRPr lang="en-US" dirty="0"/>
+          </a:p>
+          <a:p>
+            <a:pPr marL="0" indent="0">
+              <a:buNone/>
+            </a:pPr>
+            <a:r>
+              <a:rPr lang="en-US" dirty="0" err="1"/>
+              <a:t>Jika</a:t>
+            </a:r>
+            <a:r>
+              <a:rPr lang="en-US" dirty="0"/>
+              <a:t> particle </a:t>
+            </a:r>
+            <a:r>
+              <a:rPr lang="en-US" dirty="0" err="1"/>
+              <a:t>sedikit</a:t>
+            </a:r>
+            <a:r>
+              <a:rPr lang="en-US" dirty="0"/>
+              <a:t> dan style texture </a:t>
+            </a:r>
+            <a:r>
+              <a:rPr lang="en-US" dirty="0" err="1"/>
+              <a:t>banyak</a:t>
+            </a:r>
+            <a:r>
+              <a:rPr lang="en-US" dirty="0"/>
+              <a:t>, lebih </a:t>
+            </a:r>
+            <a:r>
+              <a:rPr lang="en-US" dirty="0" err="1"/>
+              <a:t>baik</a:t>
+            </a:r>
+            <a:r>
+              <a:rPr lang="en-US" dirty="0"/>
+              <a:t> </a:t>
+            </a:r>
+            <a:r>
+              <a:rPr lang="en-US" dirty="0" err="1"/>
+              <a:t>menggunakan</a:t>
+            </a:r>
+            <a:r>
+              <a:rPr lang="en-US" dirty="0"/>
+              <a:t> </a:t>
+            </a:r>
+            <a:r>
+              <a:rPr lang="en-US" dirty="0" err="1"/>
+              <a:t>THREE.sprite</a:t>
+            </a:r>
+            <a:endParaRPr lang="en-US" dirty="0"/>
+          </a:p>
+          <a:p>
+            <a:pPr marL="0" indent="0">
+              <a:buNone/>
+            </a:pPr>
+            <a:endParaRPr lang="en-US" dirty="0"/>
+          </a:p>
+          <a:p>
+            <a:pPr marL="0" indent="0">
+              <a:buNone/>
+            </a:pPr>
+            <a:endParaRPr lang="en-US" dirty="0"/>
+          </a:p>
+        </p:txBody>
+      </p:sp>
+    </p:spTree>
+    <p:extLst>
+      <p:ext uri="{BB962C8B-B14F-4D97-AF65-F5344CB8AC3E}">
+        <p14:creationId xmlns:p14="http://schemas.microsoft.com/office/powerpoint/2010/main" val="1462763499"/>
+      </p:ext>
+    </p:extLst>
+  </p:cSld>
+  <p:clrMapOvr>
+    <a:masterClrMapping/>
+  </p:clrMapOvr>
+</p:sld>
+</file>
+
+<file path=ppt/slides/slide11.xml><?xml version="1.0" encoding="utf-8"?>
+<p:sld xmlns:a="http://schemas.openxmlformats.org/drawingml/2006/main" xmlns:r="http://schemas.openxmlformats.org/officeDocument/2006/relationships" xmlns:p="http://schemas.openxmlformats.org/presentationml/2006/main">
+  <p:cSld>
+    <p:spTree>
+      <p:nvGrpSpPr>
+        <p:cNvPr id="1" name=""/>
+        <p:cNvGrpSpPr/>
+        <p:nvPr/>
+      </p:nvGrpSpPr>
+      <p:grpSpPr>
+        <a:xfrm>
+          <a:off x="0" y="0"/>
+          <a:ext cx="0" cy="0"/>
+          <a:chOff x="0" y="0"/>
+          <a:chExt cx="0" cy="0"/>
+        </a:xfrm>
+      </p:grpSpPr>
+      <p:sp>
+        <p:nvSpPr>
+          <p:cNvPr id="2" name="Title 1">
+            <a:extLst>
+              <a:ext uri="{FF2B5EF4-FFF2-40B4-BE49-F238E27FC236}">
+                <a16:creationId xmlns:a16="http://schemas.microsoft.com/office/drawing/2014/main" id="{2365D281-D5F8-4B0E-AC2C-1E9CF2E6E93E}"/>
+              </a:ext>
+            </a:extLst>
+          </p:cNvPr>
+          <p:cNvSpPr>
+            <a:spLocks noGrp="1"/>
+          </p:cNvSpPr>
+          <p:nvPr>
+            <p:ph type="title"/>
+          </p:nvPr>
+        </p:nvSpPr>
+        <p:spPr>
+          <a:xfrm>
+            <a:off x="1447800" y="2940380"/>
+            <a:ext cx="9296400" cy="977240"/>
+          </a:xfrm>
+        </p:spPr>
+        <p:txBody>
+          <a:bodyPr/>
+          <a:lstStyle/>
+          <a:p>
+            <a:r>
+              <a:rPr lang="en-US" dirty="0"/>
+              <a:t>Thank You For Your Attention</a:t>
+            </a:r>
+          </a:p>
+        </p:txBody>
+      </p:sp>
+    </p:spTree>
+    <p:extLst>
+      <p:ext uri="{BB962C8B-B14F-4D97-AF65-F5344CB8AC3E}">
+        <p14:creationId xmlns:p14="http://schemas.microsoft.com/office/powerpoint/2010/main" val="109936516"/>
+      </p:ext>
+    </p:extLst>
+  </p:cSld>
+  <p:clrMapOvr>
+    <a:masterClrMapping/>
+  </p:clrMapOvr>
 </p:sld>
 </file>
 
@@ -4396,7 +4803,13 @@
       </p:grpSpPr>
       <p:sp>
         <p:nvSpPr>
-          <p:cNvPr id="2" name="Title 1"/>
+          <p:cNvPr id="2" name="Title 1">
+            <a:extLst>
+              <a:ext uri="{FF2B5EF4-FFF2-40B4-BE49-F238E27FC236}">
+                <a16:creationId xmlns:a16="http://schemas.microsoft.com/office/drawing/2014/main" id="{6114E6F0-6D4D-4480-B5E7-17E249364C02}"/>
+              </a:ext>
+            </a:extLst>
+          </p:cNvPr>
           <p:cNvSpPr>
             <a:spLocks noGrp="1"/>
           </p:cNvSpPr>
@@ -4406,8 +4819,8 @@
         </p:nvSpPr>
         <p:spPr>
           <a:xfrm>
-            <a:off x="256032" y="559678"/>
-            <a:ext cx="4339874" cy="4952492"/>
+            <a:off x="617838" y="559678"/>
+            <a:ext cx="3978068" cy="4952492"/>
           </a:xfrm>
         </p:spPr>
         <p:txBody>
@@ -4417,16 +4830,21 @@
           <a:lstStyle/>
           <a:p>
             <a:r>
-              <a:rPr lang="id-ID" sz="3600" b="1" dirty="0"/>
-              <a:t>THREE. CanvasRenderer </a:t>
-            </a:r>
-            <a:endParaRPr lang="id-ID" sz="3600" dirty="0"/>
-          </a:p>
-        </p:txBody>
-      </p:sp>
-      <p:sp>
-        <p:nvSpPr>
-          <p:cNvPr id="3" name="Content Placeholder 2"/>
+              <a:rPr lang="en-US" sz="3600" b="1" dirty="0"/>
+              <a:t>Introduction</a:t>
+            </a:r>
+          </a:p>
+        </p:txBody>
+      </p:sp>
+      <p:sp>
+        <p:nvSpPr>
+          <p:cNvPr id="3" name="Content Placeholder 2">
+            <a:extLst>
+              <a:ext uri="{FF2B5EF4-FFF2-40B4-BE49-F238E27FC236}">
+                <a16:creationId xmlns:a16="http://schemas.microsoft.com/office/drawing/2014/main" id="{C36A46F2-B24C-4B68-B14B-7B2680A699F3}"/>
+              </a:ext>
+            </a:extLst>
+          </p:cNvPr>
           <p:cNvSpPr>
             <a:spLocks noGrp="1"/>
           </p:cNvSpPr>
@@ -4439,33 +4857,147 @@
           <a:bodyPr/>
           <a:lstStyle/>
           <a:p>
-            <a:pPr marL="0" indent="0">
-              <a:buNone/>
-            </a:pPr>
-            <a:r>
-              <a:rPr lang="id-ID" dirty="0" smtClean="0"/>
-              <a:t>Dengan menggunakan THREE.CanvasRenderer, kita dapat menggunakan output dari HTML5 canvas sebagai texture dari sebuah partikel.</a:t>
-            </a:r>
+            <a:r>
+              <a:rPr lang="en-US" dirty="0"/>
+              <a:t>Sprite: </a:t>
+            </a:r>
+            <a:r>
+              <a:rPr lang="en-US" dirty="0" err="1"/>
+              <a:t>Sebuah</a:t>
+            </a:r>
+            <a:r>
+              <a:rPr lang="en-US" dirty="0"/>
+              <a:t> </a:t>
+            </a:r>
+            <a:r>
+              <a:rPr lang="en-US" dirty="0" err="1"/>
+              <a:t>bidang</a:t>
+            </a:r>
+            <a:r>
+              <a:rPr lang="en-US" dirty="0"/>
+              <a:t> 2 </a:t>
+            </a:r>
+            <a:r>
+              <a:rPr lang="en-US" dirty="0" err="1"/>
+              <a:t>dimensi</a:t>
+            </a:r>
+            <a:r>
+              <a:rPr lang="en-US" dirty="0"/>
+              <a:t> yang </a:t>
+            </a:r>
+            <a:r>
+              <a:rPr lang="en-US" dirty="0" err="1"/>
+              <a:t>selalu</a:t>
+            </a:r>
+            <a:r>
+              <a:rPr lang="en-US" dirty="0"/>
+              <a:t> </a:t>
+            </a:r>
+            <a:r>
+              <a:rPr lang="en-US" dirty="0" err="1"/>
+              <a:t>menghadap</a:t>
+            </a:r>
+            <a:r>
+              <a:rPr lang="en-US" dirty="0"/>
+              <a:t> </a:t>
+            </a:r>
+            <a:r>
+              <a:rPr lang="en-US" dirty="0" err="1"/>
+              <a:t>kepada</a:t>
+            </a:r>
+            <a:r>
+              <a:rPr lang="en-US" dirty="0"/>
+              <a:t> </a:t>
+            </a:r>
+            <a:r>
+              <a:rPr lang="en-US" dirty="0" err="1"/>
+              <a:t>kamera</a:t>
+            </a:r>
+            <a:r>
+              <a:rPr lang="en-US" dirty="0"/>
+              <a:t>.</a:t>
+            </a:r>
+          </a:p>
+          <a:p>
+            <a:r>
+              <a:rPr lang="en-US" dirty="0"/>
+              <a:t>Particle: </a:t>
+            </a:r>
+            <a:r>
+              <a:rPr lang="en-US" dirty="0" err="1"/>
+              <a:t>sama</a:t>
+            </a:r>
+            <a:r>
+              <a:rPr lang="en-US" dirty="0"/>
+              <a:t> </a:t>
+            </a:r>
+            <a:r>
+              <a:rPr lang="en-US" dirty="0" err="1"/>
+              <a:t>seperti</a:t>
+            </a:r>
+            <a:r>
+              <a:rPr lang="en-US" dirty="0"/>
+              <a:t> sprite, </a:t>
+            </a:r>
+            <a:r>
+              <a:rPr lang="en-US" dirty="0" err="1"/>
+              <a:t>penyebutan</a:t>
+            </a:r>
+            <a:r>
+              <a:rPr lang="en-US" dirty="0"/>
+              <a:t> di </a:t>
+            </a:r>
+            <a:r>
+              <a:rPr lang="en-US" dirty="0" err="1"/>
+              <a:t>versi</a:t>
+            </a:r>
+            <a:r>
+              <a:rPr lang="en-US" dirty="0"/>
+              <a:t> lama THREE </a:t>
+            </a:r>
+            <a:r>
+              <a:rPr lang="en-US" dirty="0" err="1"/>
+              <a:t>js</a:t>
+            </a:r>
+            <a:endParaRPr lang="en-US" dirty="0"/>
+          </a:p>
+          <a:p>
+            <a:r>
+              <a:rPr lang="en-US" dirty="0"/>
+              <a:t>Point Cloud: Kumpulan </a:t>
+            </a:r>
+            <a:r>
+              <a:rPr lang="en-US" dirty="0" err="1"/>
+              <a:t>dari</a:t>
+            </a:r>
+            <a:r>
+              <a:rPr lang="en-US" dirty="0"/>
+              <a:t> </a:t>
+            </a:r>
+            <a:r>
+              <a:rPr lang="en-US" dirty="0" err="1"/>
+              <a:t>banyak</a:t>
+            </a:r>
+            <a:r>
+              <a:rPr lang="en-US" dirty="0"/>
+              <a:t> particle</a:t>
+            </a:r>
+          </a:p>
+          <a:p>
+            <a:endParaRPr lang="en-US" sz="1800" dirty="0"/>
           </a:p>
         </p:txBody>
       </p:sp>
     </p:spTree>
     <p:extLst>
       <p:ext uri="{BB962C8B-B14F-4D97-AF65-F5344CB8AC3E}">
-        <p14:creationId xmlns:p14="http://schemas.microsoft.com/office/powerpoint/2010/main" val="1606193262"/>
+        <p14:creationId xmlns:p14="http://schemas.microsoft.com/office/powerpoint/2010/main" val="831421769"/>
       </p:ext>
     </p:extLst>
   </p:cSld>
   <p:clrMapOvr>
     <a:masterClrMapping/>
   </p:clrMapOvr>
-  <p:timing>
-    <p:tnLst>
-      <p:par>
-        <p:cTn id="1" dur="indefinite" restart="never" nodeType="tmRoot"/>
-      </p:par>
-    </p:tnLst>
-  </p:timing>
 </p:sld>
 </file>
 
@@ -4488,7 +5020,13 @@
       </p:grpSpPr>
       <p:sp>
         <p:nvSpPr>
-          <p:cNvPr id="2" name="Title 1"/>
+          <p:cNvPr id="2" name="Title 1">
+            <a:extLst>
+              <a:ext uri="{FF2B5EF4-FFF2-40B4-BE49-F238E27FC236}">
+                <a16:creationId xmlns:a16="http://schemas.microsoft.com/office/drawing/2014/main" id="{37F072F0-B4E1-44EE-A81E-3B92598A2D5B}"/>
+              </a:ext>
+            </a:extLst>
+          </p:cNvPr>
           <p:cNvSpPr>
             <a:spLocks noGrp="1"/>
           </p:cNvSpPr>
@@ -4496,7 +5034,12 @@
             <p:ph type="title"/>
           </p:nvPr>
         </p:nvSpPr>
-        <p:spPr/>
+        <p:spPr>
+          <a:xfrm>
+            <a:off x="762002" y="559678"/>
+            <a:ext cx="3833904" cy="4952492"/>
+          </a:xfrm>
+        </p:spPr>
         <p:txBody>
           <a:bodyPr>
             <a:normAutofit/>
@@ -4504,16 +5047,21 @@
           <a:lstStyle/>
           <a:p>
             <a:r>
-              <a:rPr lang="id-ID" sz="3600" b="1" dirty="0" smtClean="0"/>
-              <a:t>Attributte material THREE.CanvasRenderer</a:t>
-            </a:r>
-            <a:endParaRPr lang="id-ID" sz="3600" b="1" dirty="0"/>
-          </a:p>
-        </p:txBody>
-      </p:sp>
-      <p:sp>
-        <p:nvSpPr>
-          <p:cNvPr id="3" name="Content Placeholder 2"/>
+              <a:rPr lang="en-US" sz="3600" b="1" dirty="0"/>
+              <a:t>Point Cloud</a:t>
+            </a:r>
+          </a:p>
+        </p:txBody>
+      </p:sp>
+      <p:sp>
+        <p:nvSpPr>
+          <p:cNvPr id="3" name="Content Placeholder 2">
+            <a:extLst>
+              <a:ext uri="{FF2B5EF4-FFF2-40B4-BE49-F238E27FC236}">
+                <a16:creationId xmlns:a16="http://schemas.microsoft.com/office/drawing/2014/main" id="{5E64BCF9-72A3-4356-857C-FA045E84B672}"/>
+              </a:ext>
+            </a:extLst>
+          </p:cNvPr>
           <p:cNvSpPr>
             <a:spLocks noGrp="1"/>
           </p:cNvSpPr>
@@ -4521,71 +5069,82 @@
             <p:ph idx="1"/>
           </p:nvPr>
         </p:nvSpPr>
-        <p:spPr>
-          <a:xfrm>
-            <a:off x="4828710" y="679261"/>
-            <a:ext cx="7223082" cy="6416483"/>
-          </a:xfrm>
-        </p:spPr>
+        <p:spPr/>
         <p:txBody>
           <a:bodyPr/>
           <a:lstStyle/>
           <a:p>
             <a:r>
-              <a:rPr lang="id-ID" dirty="0" smtClean="0"/>
-              <a:t>color		: Attribut warna dari suatu partikel</a:t>
-            </a:r>
-          </a:p>
-          <a:p>
-            <a:r>
-              <a:rPr lang="id-ID" dirty="0"/>
-              <a:t>p</a:t>
-            </a:r>
-            <a:r>
-              <a:rPr lang="id-ID" dirty="0" smtClean="0"/>
-              <a:t>rogram	: Fungsi yang dapat mengambil sebuah html canvas sebagai parameter</a:t>
-            </a:r>
-          </a:p>
-          <a:p>
-            <a:r>
-              <a:rPr lang="id-ID" dirty="0"/>
-              <a:t>o</a:t>
-            </a:r>
-            <a:r>
-              <a:rPr lang="id-ID" dirty="0" smtClean="0"/>
-              <a:t>pacity	: Menentukan opacity dari partikel</a:t>
-            </a:r>
-          </a:p>
-          <a:p>
-            <a:r>
-              <a:rPr lang="id-ID" dirty="0"/>
-              <a:t>r</a:t>
-            </a:r>
-            <a:r>
-              <a:rPr lang="id-ID" dirty="0" smtClean="0"/>
-              <a:t>otation	: Properti ini dapat memutar isi dari sebuah canvas</a:t>
-            </a:r>
-            <a:endParaRPr lang="id-ID" dirty="0"/>
+              <a:rPr lang="en-US" dirty="0" err="1"/>
+              <a:t>Konstruktornya</a:t>
+            </a:r>
+            <a:r>
+              <a:rPr lang="en-US" dirty="0"/>
+              <a:t> </a:t>
+            </a:r>
+            <a:r>
+              <a:rPr lang="en-US" dirty="0" err="1"/>
+              <a:t>menerima</a:t>
+            </a:r>
+            <a:r>
+              <a:rPr lang="en-US" dirty="0"/>
+              <a:t> 2 parameter </a:t>
+            </a:r>
+            <a:r>
+              <a:rPr lang="en-US" dirty="0" err="1"/>
+              <a:t>yaitu</a:t>
+            </a:r>
+            <a:r>
+              <a:rPr lang="en-US" dirty="0"/>
+              <a:t> </a:t>
+            </a:r>
+            <a:r>
+              <a:rPr lang="en-US" dirty="0" err="1"/>
+              <a:t>geometri</a:t>
+            </a:r>
+            <a:r>
+              <a:rPr lang="en-US" dirty="0"/>
+              <a:t> dan material </a:t>
+            </a:r>
+            <a:r>
+              <a:rPr lang="en-US" dirty="0" err="1"/>
+              <a:t>dengan</a:t>
+            </a:r>
+            <a:r>
+              <a:rPr lang="en-US" dirty="0"/>
+              <a:t> syntax:</a:t>
+            </a:r>
+          </a:p>
+          <a:p>
+            <a:pPr lvl="1"/>
+            <a:r>
+              <a:rPr lang="en-US" dirty="0"/>
+              <a:t>var cloud = new </a:t>
+            </a:r>
+            <a:r>
+              <a:rPr lang="en-US" dirty="0" err="1"/>
+              <a:t>THREE.PointCloud</a:t>
+            </a:r>
+            <a:r>
+              <a:rPr lang="en-US" dirty="0"/>
+              <a:t>(geometry, material); </a:t>
+            </a:r>
+          </a:p>
+          <a:p>
+            <a:endParaRPr lang="en-US" dirty="0"/>
           </a:p>
         </p:txBody>
       </p:sp>
     </p:spTree>
     <p:extLst>
       <p:ext uri="{BB962C8B-B14F-4D97-AF65-F5344CB8AC3E}">
-        <p14:creationId xmlns:p14="http://schemas.microsoft.com/office/powerpoint/2010/main" val="2953476026"/>
+        <p14:creationId xmlns:p14="http://schemas.microsoft.com/office/powerpoint/2010/main" val="4149271975"/>
       </p:ext>
     </p:extLst>
   </p:cSld>
   <p:clrMapOvr>
     <a:masterClrMapping/>
   </p:clrMapOvr>
-  <p:timing>
-    <p:tnLst>
-      <p:par>
-        <p:cTn id="1" dur="indefinite" restart="never" nodeType="tmRoot"/>
-      </p:par>
-    </p:tnLst>
-  </p:timing>
 </p:sld>
 </file>
 
@@ -4608,35 +5167,18 @@
       </p:grpSpPr>
       <p:sp>
         <p:nvSpPr>
-          <p:cNvPr id="2" name="Title 1"/>
+          <p:cNvPr id="2" name="Title 1">
+            <a:extLst>
+              <a:ext uri="{FF2B5EF4-FFF2-40B4-BE49-F238E27FC236}">
+                <a16:creationId xmlns:a16="http://schemas.microsoft.com/office/drawing/2014/main" id="{0E84D6D3-4529-4692-8E82-B8769D5768F7}"/>
+              </a:ext>
+            </a:extLst>
+          </p:cNvPr>
           <p:cNvSpPr>
             <a:spLocks noGrp="1"/>
           </p:cNvSpPr>
           <p:nvPr>
             <p:ph type="title"/>
-          </p:nvPr>
-        </p:nvSpPr>
-        <p:spPr/>
-        <p:txBody>
-          <a:bodyPr/>
-          <a:lstStyle/>
-          <a:p>
-            <a:r>
-              <a:rPr lang="en-US" dirty="0" smtClean="0"/>
-              <a:t>Using Textures to Style Particles</a:t>
-            </a:r>
-            <a:endParaRPr lang="en-US" dirty="0"/>
-          </a:p>
-        </p:txBody>
-      </p:sp>
-      <p:sp>
-        <p:nvSpPr>
-          <p:cNvPr id="3" name="Content Placeholder 2"/>
-          <p:cNvSpPr>
-            <a:spLocks noGrp="1"/>
-          </p:cNvSpPr>
-          <p:nvPr>
-            <p:ph idx="1"/>
           </p:nvPr>
         </p:nvSpPr>
         <p:spPr/>
@@ -4646,148 +5188,455 @@
           </a:bodyPr>
           <a:lstStyle/>
           <a:p>
-            <a:pPr marL="0" indent="0">
-              <a:buNone/>
-            </a:pPr>
-            <a:r>
-              <a:rPr lang="en-US" dirty="0" err="1" smtClean="0"/>
-              <a:t>Menggunakan</a:t>
-            </a:r>
-            <a:r>
-              <a:rPr lang="en-US" dirty="0" smtClean="0"/>
-              <a:t> syntax:</a:t>
-            </a:r>
-          </a:p>
-          <a:p>
-            <a:pPr marL="402336" lvl="1" indent="0">
-              <a:buNone/>
-            </a:pPr>
-            <a:r>
-              <a:rPr lang="en-US" dirty="0" err="1" smtClean="0"/>
-              <a:t>var</a:t>
-            </a:r>
-            <a:r>
-              <a:rPr lang="en-US" dirty="0"/>
-              <a:t> </a:t>
-            </a:r>
-            <a:r>
-              <a:rPr lang="en-US" dirty="0" smtClean="0"/>
-              <a:t>texture</a:t>
-            </a:r>
-            <a:r>
-              <a:rPr lang="en-US" dirty="0"/>
-              <a:t> = </a:t>
-            </a:r>
-            <a:r>
-              <a:rPr lang="en-US" dirty="0" err="1" smtClean="0"/>
-              <a:t>THREE.ImageUtils.loadTexture</a:t>
-            </a:r>
-            <a:r>
-              <a:rPr lang="en-US" dirty="0" smtClean="0"/>
-              <a:t>("…");</a:t>
-            </a:r>
-            <a:endParaRPr lang="en-US" dirty="0"/>
-          </a:p>
-          <a:p>
-            <a:pPr marL="402336" lvl="1" indent="0">
-              <a:buNone/>
-            </a:pPr>
-            <a:endParaRPr lang="en-US" dirty="0"/>
-          </a:p>
-          <a:p>
-            <a:pPr marL="0" indent="0">
-              <a:buNone/>
-            </a:pPr>
-            <a:r>
-              <a:rPr lang="en-US" dirty="0" smtClean="0"/>
-              <a:t>Pada </a:t>
-            </a:r>
-            <a:r>
-              <a:rPr lang="en-US" dirty="0" err="1" smtClean="0"/>
-              <a:t>THREE.ParticleBasicMaterial</a:t>
-            </a:r>
-            <a:r>
-              <a:rPr lang="en-US" dirty="0" smtClean="0"/>
-              <a:t>() dapat </a:t>
-            </a:r>
-            <a:r>
-              <a:rPr lang="en-US" dirty="0" err="1" smtClean="0"/>
-              <a:t>menggunakan</a:t>
-            </a:r>
-            <a:r>
-              <a:rPr lang="en-US" dirty="0" smtClean="0"/>
-              <a:t> property map </a:t>
-            </a:r>
-            <a:r>
-              <a:rPr lang="en-US" dirty="0" err="1" smtClean="0"/>
-              <a:t>untuk</a:t>
-            </a:r>
-            <a:r>
-              <a:rPr lang="en-US" dirty="0" smtClean="0"/>
-              <a:t> assign texture</a:t>
-            </a:r>
-          </a:p>
-          <a:p>
-            <a:pPr marL="0" indent="0">
-              <a:buNone/>
-            </a:pPr>
-            <a:endParaRPr lang="en-US" dirty="0"/>
-          </a:p>
-          <a:p>
-            <a:pPr marL="0" indent="0">
-              <a:buNone/>
-            </a:pPr>
-            <a:r>
-              <a:rPr lang="en-US" dirty="0" err="1" smtClean="0"/>
-              <a:t>Menggunakan</a:t>
-            </a:r>
-            <a:r>
-              <a:rPr lang="en-US" dirty="0" smtClean="0"/>
-              <a:t> </a:t>
-            </a:r>
-            <a:r>
-              <a:rPr lang="en-US" dirty="0" err="1" smtClean="0"/>
-              <a:t>AdditiveBlending</a:t>
-            </a:r>
-            <a:r>
-              <a:rPr lang="en-US" dirty="0" smtClean="0"/>
-              <a:t> </a:t>
-            </a:r>
-            <a:r>
-              <a:rPr lang="en-US" dirty="0" err="1" smtClean="0"/>
-              <a:t>untuk</a:t>
-            </a:r>
-            <a:r>
-              <a:rPr lang="en-US" dirty="0" smtClean="0"/>
-              <a:t> mode blending</a:t>
-            </a:r>
-            <a:endParaRPr lang="en-US" dirty="0"/>
-          </a:p>
-          <a:p>
-            <a:pPr marL="0" indent="0">
-              <a:buNone/>
-            </a:pPr>
-            <a:endParaRPr lang="en-US" dirty="0"/>
+            <a:r>
+              <a:rPr lang="id-ID" sz="3600" b="1" dirty="0"/>
+              <a:t>Attributte THREE.</a:t>
+            </a:r>
+            <a:r>
+              <a:rPr lang="en-US" sz="3600" b="1" dirty="0"/>
+              <a:t>Point</a:t>
+            </a:r>
+            <a:br>
+              <a:rPr lang="en-US" sz="3600" b="1" dirty="0"/>
+            </a:br>
+            <a:r>
+              <a:rPr lang="en-US" sz="3600" b="1" dirty="0" err="1"/>
+              <a:t>CloudMaterial</a:t>
+            </a:r>
+            <a:endParaRPr lang="en-US" sz="3600" dirty="0"/>
+          </a:p>
+        </p:txBody>
+      </p:sp>
+      <p:sp>
+        <p:nvSpPr>
+          <p:cNvPr id="3" name="Content Placeholder 2">
+            <a:extLst>
+              <a:ext uri="{FF2B5EF4-FFF2-40B4-BE49-F238E27FC236}">
+                <a16:creationId xmlns:a16="http://schemas.microsoft.com/office/drawing/2014/main" id="{1FD336CC-DBD1-4100-A672-EFEE54969000}"/>
+              </a:ext>
+            </a:extLst>
+          </p:cNvPr>
+          <p:cNvSpPr>
+            <a:spLocks noGrp="1"/>
+          </p:cNvSpPr>
+          <p:nvPr>
+            <p:ph idx="1"/>
+          </p:nvPr>
+        </p:nvSpPr>
+        <p:spPr/>
+        <p:txBody>
+          <a:bodyPr>
+            <a:normAutofit lnSpcReduction="10000"/>
+          </a:bodyPr>
+          <a:lstStyle/>
+          <a:p>
+            <a:r>
+              <a:rPr lang="en-US" dirty="0"/>
+              <a:t>color: </a:t>
+            </a:r>
+            <a:r>
+              <a:rPr lang="en-US" dirty="0" err="1"/>
+              <a:t>warna</a:t>
+            </a:r>
+            <a:r>
+              <a:rPr lang="en-US" dirty="0"/>
+              <a:t> </a:t>
+            </a:r>
+            <a:r>
+              <a:rPr lang="en-US" dirty="0" err="1"/>
+              <a:t>dari</a:t>
+            </a:r>
+            <a:r>
+              <a:rPr lang="en-US" dirty="0"/>
+              <a:t> </a:t>
+            </a:r>
+            <a:r>
+              <a:rPr lang="en-US" dirty="0" err="1"/>
+              <a:t>semua</a:t>
+            </a:r>
+            <a:r>
+              <a:rPr lang="en-US" dirty="0"/>
+              <a:t> </a:t>
+            </a:r>
+            <a:r>
+              <a:rPr lang="en-US" dirty="0" err="1"/>
+              <a:t>partikel</a:t>
+            </a:r>
+            <a:r>
+              <a:rPr lang="en-US" dirty="0"/>
+              <a:t> di point cloud. Nilai </a:t>
+            </a:r>
+            <a:r>
+              <a:rPr lang="en-US" dirty="0" err="1"/>
+              <a:t>defaultnya</a:t>
+            </a:r>
+            <a:r>
+              <a:rPr lang="en-US" dirty="0"/>
+              <a:t> 0xFFFFFF 	</a:t>
+            </a:r>
+          </a:p>
+          <a:p>
+            <a:r>
+              <a:rPr lang="en-US" dirty="0"/>
+              <a:t>map: </a:t>
+            </a:r>
+            <a:r>
+              <a:rPr lang="en-US" dirty="0" err="1"/>
+              <a:t>memasang</a:t>
+            </a:r>
+            <a:r>
+              <a:rPr lang="en-US" dirty="0"/>
+              <a:t> </a:t>
+            </a:r>
+            <a:r>
+              <a:rPr lang="en-US" dirty="0" err="1"/>
+              <a:t>sebuah</a:t>
+            </a:r>
+            <a:r>
+              <a:rPr lang="en-US" dirty="0"/>
+              <a:t> </a:t>
+            </a:r>
+            <a:r>
+              <a:rPr lang="en-US" dirty="0" err="1"/>
+              <a:t>tekstur</a:t>
+            </a:r>
+            <a:r>
+              <a:rPr lang="en-US" dirty="0"/>
+              <a:t> </a:t>
+            </a:r>
+            <a:r>
+              <a:rPr lang="en-US" dirty="0" err="1"/>
+              <a:t>ke</a:t>
+            </a:r>
+            <a:r>
+              <a:rPr lang="en-US" dirty="0"/>
+              <a:t> </a:t>
+            </a:r>
+            <a:r>
+              <a:rPr lang="en-US" dirty="0" err="1"/>
+              <a:t>semua</a:t>
+            </a:r>
+            <a:r>
+              <a:rPr lang="en-US" dirty="0"/>
+              <a:t> </a:t>
+            </a:r>
+            <a:r>
+              <a:rPr lang="en-US" dirty="0" err="1"/>
+              <a:t>partikel</a:t>
+            </a:r>
+            <a:r>
+              <a:rPr lang="en-US" dirty="0"/>
+              <a:t> di point cloud</a:t>
+            </a:r>
+          </a:p>
+          <a:p>
+            <a:r>
+              <a:rPr lang="en-US" dirty="0"/>
+              <a:t>size: </a:t>
+            </a:r>
+            <a:r>
+              <a:rPr lang="en-US" dirty="0" err="1"/>
+              <a:t>Ukuran</a:t>
+            </a:r>
+            <a:r>
+              <a:rPr lang="en-US" dirty="0"/>
+              <a:t> </a:t>
+            </a:r>
+            <a:r>
+              <a:rPr lang="en-US" dirty="0" err="1"/>
+              <a:t>dari</a:t>
+            </a:r>
+            <a:r>
+              <a:rPr lang="en-US" dirty="0"/>
+              <a:t> </a:t>
+            </a:r>
+            <a:r>
+              <a:rPr lang="en-US" dirty="0" err="1"/>
+              <a:t>semua</a:t>
+            </a:r>
+            <a:r>
+              <a:rPr lang="en-US" dirty="0"/>
+              <a:t> </a:t>
+            </a:r>
+            <a:r>
+              <a:rPr lang="en-US" dirty="0" err="1"/>
+              <a:t>partikel</a:t>
+            </a:r>
+            <a:r>
+              <a:rPr lang="en-US" dirty="0"/>
+              <a:t> di point cloud. Nilai </a:t>
+            </a:r>
+            <a:r>
+              <a:rPr lang="en-US" dirty="0" err="1"/>
+              <a:t>defaultnya</a:t>
+            </a:r>
+            <a:r>
+              <a:rPr lang="en-US" dirty="0"/>
+              <a:t> 1</a:t>
+            </a:r>
+          </a:p>
+          <a:p>
+            <a:r>
+              <a:rPr lang="en-US" dirty="0" err="1"/>
+              <a:t>sizeAnnutation</a:t>
+            </a:r>
+            <a:r>
+              <a:rPr lang="en-US" dirty="0"/>
+              <a:t>: </a:t>
+            </a:r>
+            <a:r>
+              <a:rPr lang="en-US" dirty="0" err="1"/>
+              <a:t>ukuran</a:t>
+            </a:r>
+            <a:r>
+              <a:rPr lang="en-US" dirty="0"/>
+              <a:t> </a:t>
+            </a:r>
+            <a:r>
+              <a:rPr lang="en-US" dirty="0" err="1"/>
+              <a:t>dari</a:t>
+            </a:r>
+            <a:r>
+              <a:rPr lang="en-US" dirty="0"/>
+              <a:t> </a:t>
+            </a:r>
+            <a:r>
+              <a:rPr lang="en-US" dirty="0" err="1"/>
+              <a:t>semua</a:t>
+            </a:r>
+            <a:r>
+              <a:rPr lang="en-US" dirty="0"/>
+              <a:t> </a:t>
+            </a:r>
+            <a:r>
+              <a:rPr lang="en-US" dirty="0" err="1"/>
+              <a:t>partikel</a:t>
+            </a:r>
+            <a:r>
+              <a:rPr lang="en-US" dirty="0"/>
+              <a:t> di point cloud </a:t>
+            </a:r>
+            <a:r>
+              <a:rPr lang="en-US" dirty="0" err="1"/>
+              <a:t>berdasarkan</a:t>
+            </a:r>
+            <a:r>
+              <a:rPr lang="en-US" dirty="0"/>
+              <a:t> </a:t>
+            </a:r>
+            <a:r>
+              <a:rPr lang="en-US" dirty="0" err="1"/>
+              <a:t>jarak</a:t>
+            </a:r>
+            <a:r>
+              <a:rPr lang="en-US" dirty="0"/>
+              <a:t> </a:t>
+            </a:r>
+            <a:r>
+              <a:rPr lang="en-US" dirty="0" err="1"/>
+              <a:t>dari</a:t>
+            </a:r>
+            <a:r>
+              <a:rPr lang="en-US" dirty="0"/>
+              <a:t> </a:t>
+            </a:r>
+            <a:r>
+              <a:rPr lang="en-US" dirty="0" err="1"/>
+              <a:t>kamera</a:t>
+            </a:r>
+            <a:endParaRPr lang="en-US" dirty="0"/>
+          </a:p>
+          <a:p>
+            <a:r>
+              <a:rPr lang="en-US" dirty="0" err="1"/>
+              <a:t>vertexColors</a:t>
+            </a:r>
+            <a:r>
+              <a:rPr lang="en-US" dirty="0"/>
+              <a:t>: </a:t>
+            </a:r>
+            <a:r>
+              <a:rPr lang="en-US" dirty="0" err="1"/>
+              <a:t>warna</a:t>
+            </a:r>
+            <a:r>
+              <a:rPr lang="en-US" dirty="0"/>
+              <a:t> </a:t>
+            </a:r>
+            <a:r>
+              <a:rPr lang="en-US" dirty="0" err="1"/>
+              <a:t>dasar</a:t>
+            </a:r>
+            <a:r>
+              <a:rPr lang="en-US" dirty="0"/>
+              <a:t> </a:t>
+            </a:r>
+            <a:r>
+              <a:rPr lang="en-US" dirty="0" err="1"/>
+              <a:t>dari</a:t>
+            </a:r>
+            <a:r>
+              <a:rPr lang="en-US" dirty="0"/>
+              <a:t> </a:t>
+            </a:r>
+            <a:r>
+              <a:rPr lang="en-US" dirty="0" err="1"/>
+              <a:t>semua</a:t>
+            </a:r>
+            <a:r>
+              <a:rPr lang="en-US" dirty="0"/>
+              <a:t> </a:t>
+            </a:r>
+            <a:r>
+              <a:rPr lang="en-US" dirty="0" err="1"/>
+              <a:t>partikel</a:t>
+            </a:r>
+            <a:r>
+              <a:rPr lang="en-US" dirty="0"/>
+              <a:t> di point cloud. Nilai </a:t>
+            </a:r>
+            <a:r>
+              <a:rPr lang="en-US" dirty="0" err="1"/>
+              <a:t>defaultnya</a:t>
+            </a:r>
+            <a:r>
+              <a:rPr lang="en-US" dirty="0"/>
+              <a:t> </a:t>
+            </a:r>
+            <a:r>
+              <a:rPr lang="en-US" dirty="0" err="1"/>
+              <a:t>adalah</a:t>
+            </a:r>
+            <a:r>
+              <a:rPr lang="en-US" dirty="0"/>
+              <a:t> </a:t>
+            </a:r>
+            <a:r>
+              <a:rPr lang="en-US" dirty="0" err="1"/>
+              <a:t>THREE.NoColors</a:t>
+            </a:r>
+            <a:endParaRPr lang="en-US" dirty="0"/>
+          </a:p>
+          <a:p>
+            <a:r>
+              <a:rPr lang="en-US" dirty="0"/>
+              <a:t>opacity: </a:t>
+            </a:r>
+            <a:r>
+              <a:rPr lang="en-US" dirty="0" err="1"/>
+              <a:t>tingkat</a:t>
+            </a:r>
+            <a:r>
+              <a:rPr lang="en-US" dirty="0"/>
+              <a:t> </a:t>
+            </a:r>
+            <a:r>
+              <a:rPr lang="en-US" dirty="0" err="1"/>
+              <a:t>ketransparan</a:t>
+            </a:r>
+            <a:r>
+              <a:rPr lang="en-US" dirty="0"/>
+              <a:t> </a:t>
+            </a:r>
+            <a:r>
+              <a:rPr lang="en-US" dirty="0" err="1"/>
+              <a:t>semua</a:t>
+            </a:r>
+            <a:r>
+              <a:rPr lang="en-US" dirty="0"/>
+              <a:t> </a:t>
+            </a:r>
+            <a:r>
+              <a:rPr lang="en-US" dirty="0" err="1"/>
+              <a:t>partikel</a:t>
+            </a:r>
+            <a:r>
+              <a:rPr lang="en-US" dirty="0"/>
+              <a:t> di point cloud. Nilai </a:t>
+            </a:r>
+            <a:r>
+              <a:rPr lang="en-US" dirty="0" err="1"/>
+              <a:t>defaultnya</a:t>
+            </a:r>
+            <a:r>
+              <a:rPr lang="en-US" dirty="0"/>
+              <a:t> 1 (no opacity)</a:t>
+            </a:r>
+          </a:p>
+          <a:p>
+            <a:r>
+              <a:rPr lang="en-US" dirty="0"/>
+              <a:t>transparent: </a:t>
+            </a:r>
+            <a:r>
+              <a:rPr lang="en-US" dirty="0" err="1"/>
+              <a:t>menentukan</a:t>
+            </a:r>
+            <a:r>
+              <a:rPr lang="en-US" dirty="0"/>
+              <a:t> </a:t>
+            </a:r>
+            <a:r>
+              <a:rPr lang="en-US" dirty="0" err="1"/>
+              <a:t>apakah</a:t>
+            </a:r>
+            <a:r>
+              <a:rPr lang="en-US" dirty="0"/>
+              <a:t> </a:t>
+            </a:r>
+            <a:r>
+              <a:rPr lang="en-US" dirty="0" err="1"/>
+              <a:t>semua</a:t>
+            </a:r>
+            <a:r>
+              <a:rPr lang="en-US" dirty="0"/>
+              <a:t> </a:t>
+            </a:r>
+            <a:r>
+              <a:rPr lang="en-US" dirty="0" err="1"/>
+              <a:t>partikel</a:t>
+            </a:r>
+            <a:r>
+              <a:rPr lang="en-US" dirty="0"/>
+              <a:t> di point cloud </a:t>
+            </a:r>
+            <a:r>
+              <a:rPr lang="en-US" dirty="0" err="1"/>
+              <a:t>menerapkan</a:t>
+            </a:r>
+            <a:r>
+              <a:rPr lang="en-US" dirty="0"/>
+              <a:t> </a:t>
+            </a:r>
+            <a:r>
+              <a:rPr lang="en-US" dirty="0" err="1"/>
+              <a:t>atribut</a:t>
+            </a:r>
+            <a:r>
+              <a:rPr lang="en-US" dirty="0"/>
+              <a:t> opacity. Nilai </a:t>
+            </a:r>
+            <a:r>
+              <a:rPr lang="en-US" dirty="0" err="1"/>
+              <a:t>defaultnya</a:t>
+            </a:r>
+            <a:r>
+              <a:rPr lang="en-US" dirty="0"/>
+              <a:t> false</a:t>
+            </a:r>
           </a:p>
         </p:txBody>
       </p:sp>
     </p:spTree>
     <p:extLst>
       <p:ext uri="{BB962C8B-B14F-4D97-AF65-F5344CB8AC3E}">
-        <p14:creationId xmlns:p14="http://schemas.microsoft.com/office/powerpoint/2010/main" val="1606900230"/>
+        <p14:creationId xmlns:p14="http://schemas.microsoft.com/office/powerpoint/2010/main" val="1063886613"/>
       </p:ext>
     </p:extLst>
   </p:cSld>
   <p:clrMapOvr>
     <a:masterClrMapping/>
   </p:clrMapOvr>
-  <p:timing>
-    <p:tnLst>
-      <p:par>
-        <p:cTn id="1" dur="indefinite" restart="never" nodeType="tmRoot"/>
-      </p:par>
-    </p:tnLst>
-  </p:timing>
 </p:sld>
 </file>
 
@@ -4818,23 +5667,905 @@
             <p:ph type="title"/>
           </p:nvPr>
         </p:nvSpPr>
+        <p:spPr>
+          <a:xfrm>
+            <a:off x="256032" y="559678"/>
+            <a:ext cx="4339874" cy="4952492"/>
+          </a:xfrm>
+        </p:spPr>
+        <p:txBody>
+          <a:bodyPr>
+            <a:normAutofit/>
+          </a:bodyPr>
+          <a:lstStyle/>
+          <a:p>
+            <a:r>
+              <a:rPr lang="id-ID" sz="3600" b="1" dirty="0"/>
+              <a:t>THREE. CanvasRenderer </a:t>
+            </a:r>
+            <a:endParaRPr lang="id-ID" sz="3600" dirty="0"/>
+          </a:p>
+        </p:txBody>
+      </p:sp>
+      <p:sp>
+        <p:nvSpPr>
+          <p:cNvPr id="3" name="Content Placeholder 2"/>
+          <p:cNvSpPr>
+            <a:spLocks noGrp="1"/>
+          </p:cNvSpPr>
+          <p:nvPr>
+            <p:ph idx="1"/>
+          </p:nvPr>
+        </p:nvSpPr>
         <p:spPr/>
         <p:txBody>
           <a:bodyPr/>
           <a:lstStyle/>
           <a:p>
-            <a:r>
-              <a:rPr lang="en-US" dirty="0" err="1" smtClean="0"/>
+            <a:pPr marL="0" indent="0">
+              <a:buNone/>
+            </a:pPr>
+            <a:r>
+              <a:rPr lang="id-ID" dirty="0"/>
+              <a:t>Dengan menggunakan THREE.CanvasRenderer, kita dapat menggunakan output dari HTML5 canvas sebagai texture dari sebuah partikel.</a:t>
+            </a:r>
+          </a:p>
+        </p:txBody>
+      </p:sp>
+    </p:spTree>
+    <p:extLst>
+      <p:ext uri="{BB962C8B-B14F-4D97-AF65-F5344CB8AC3E}">
+        <p14:creationId xmlns:p14="http://schemas.microsoft.com/office/powerpoint/2010/main" val="1606193262"/>
+      </p:ext>
+    </p:extLst>
+  </p:cSld>
+  <p:clrMapOvr>
+    <a:masterClrMapping/>
+  </p:clrMapOvr>
+</p:sld>
+</file>
+
+<file path=ppt/slides/slide6.xml><?xml version="1.0" encoding="utf-8"?>
+<p:sld xmlns:a="http://schemas.openxmlformats.org/drawingml/2006/main" xmlns:r="http://schemas.openxmlformats.org/officeDocument/2006/relationships" xmlns:p="http://schemas.openxmlformats.org/presentationml/2006/main">
+  <p:cSld>
+    <p:spTree>
+      <p:nvGrpSpPr>
+        <p:cNvPr id="1" name=""/>
+        <p:cNvGrpSpPr/>
+        <p:nvPr/>
+      </p:nvGrpSpPr>
+      <p:grpSpPr>
+        <a:xfrm>
+          <a:off x="0" y="0"/>
+          <a:ext cx="0" cy="0"/>
+          <a:chOff x="0" y="0"/>
+          <a:chExt cx="0" cy="0"/>
+        </a:xfrm>
+      </p:grpSpPr>
+      <p:sp>
+        <p:nvSpPr>
+          <p:cNvPr id="2" name="Title 1"/>
+          <p:cNvSpPr>
+            <a:spLocks noGrp="1"/>
+          </p:cNvSpPr>
+          <p:nvPr>
+            <p:ph type="title"/>
+          </p:nvPr>
+        </p:nvSpPr>
+        <p:spPr/>
+        <p:txBody>
+          <a:bodyPr>
+            <a:normAutofit/>
+          </a:bodyPr>
+          <a:lstStyle/>
+          <a:p>
+            <a:r>
+              <a:rPr lang="id-ID" sz="3600" b="1" dirty="0"/>
+              <a:t>Attributte material THREE.CanvasRenderer</a:t>
+            </a:r>
+          </a:p>
+        </p:txBody>
+      </p:sp>
+      <p:sp>
+        <p:nvSpPr>
+          <p:cNvPr id="3" name="Content Placeholder 2"/>
+          <p:cNvSpPr>
+            <a:spLocks noGrp="1"/>
+          </p:cNvSpPr>
+          <p:nvPr>
+            <p:ph idx="1"/>
+          </p:nvPr>
+        </p:nvSpPr>
+        <p:spPr>
+          <a:xfrm>
+            <a:off x="4828710" y="679261"/>
+            <a:ext cx="7223082" cy="6416483"/>
+          </a:xfrm>
+        </p:spPr>
+        <p:txBody>
+          <a:bodyPr/>
+          <a:lstStyle/>
+          <a:p>
+            <a:r>
+              <a:rPr lang="id-ID" dirty="0"/>
+              <a:t>color		: Attribut warna dari suatu partikel</a:t>
+            </a:r>
+          </a:p>
+          <a:p>
+            <a:r>
+              <a:rPr lang="id-ID" dirty="0"/>
+              <a:t>program	: Fungsi yang dapat mengambil sebuah html canvas sebagai parameter</a:t>
+            </a:r>
+          </a:p>
+          <a:p>
+            <a:r>
+              <a:rPr lang="id-ID" dirty="0"/>
+              <a:t>opacity	: Menentukan opacity dari partikel</a:t>
+            </a:r>
+          </a:p>
+          <a:p>
+            <a:r>
+              <a:rPr lang="id-ID" dirty="0"/>
+              <a:t>rotation	: Properti ini dapat memutar isi dari sebuah canvas</a:t>
+            </a:r>
+          </a:p>
+        </p:txBody>
+      </p:sp>
+    </p:spTree>
+    <p:extLst>
+      <p:ext uri="{BB962C8B-B14F-4D97-AF65-F5344CB8AC3E}">
+        <p14:creationId xmlns:p14="http://schemas.microsoft.com/office/powerpoint/2010/main" val="2953476026"/>
+      </p:ext>
+    </p:extLst>
+  </p:cSld>
+  <p:clrMapOvr>
+    <a:masterClrMapping/>
+  </p:clrMapOvr>
+</p:sld>
+</file>
+
+<file path=ppt/slides/slide7.xml><?xml version="1.0" encoding="utf-8"?>
+<p:sld xmlns:a="http://schemas.openxmlformats.org/drawingml/2006/main" xmlns:r="http://schemas.openxmlformats.org/officeDocument/2006/relationships" xmlns:p="http://schemas.openxmlformats.org/presentationml/2006/main">
+  <p:cSld>
+    <p:spTree>
+      <p:nvGrpSpPr>
+        <p:cNvPr id="1" name=""/>
+        <p:cNvGrpSpPr/>
+        <p:nvPr/>
+      </p:nvGrpSpPr>
+      <p:grpSpPr>
+        <a:xfrm>
+          <a:off x="0" y="0"/>
+          <a:ext cx="0" cy="0"/>
+          <a:chOff x="0" y="0"/>
+          <a:chExt cx="0" cy="0"/>
+        </a:xfrm>
+      </p:grpSpPr>
+      <p:sp>
+        <p:nvSpPr>
+          <p:cNvPr id="2" name="Title 1">
+            <a:extLst>
+              <a:ext uri="{FF2B5EF4-FFF2-40B4-BE49-F238E27FC236}">
+                <a16:creationId xmlns:a16="http://schemas.microsoft.com/office/drawing/2014/main" id="{7484521C-16CE-4201-8B78-36D532031FE0}"/>
+              </a:ext>
+            </a:extLst>
+          </p:cNvPr>
+          <p:cNvSpPr>
+            <a:spLocks noGrp="1"/>
+          </p:cNvSpPr>
+          <p:nvPr>
+            <p:ph type="title"/>
+          </p:nvPr>
+        </p:nvSpPr>
+        <p:spPr>
+          <a:xfrm>
+            <a:off x="494270" y="559678"/>
+            <a:ext cx="4101636" cy="4952492"/>
+          </a:xfrm>
+        </p:spPr>
+        <p:txBody>
+          <a:bodyPr>
+            <a:normAutofit/>
+          </a:bodyPr>
+          <a:lstStyle/>
+          <a:p>
+            <a:r>
+              <a:rPr lang="en-US" sz="3600" b="1" dirty="0"/>
+              <a:t>THREE.</a:t>
+            </a:r>
+            <a:br>
+              <a:rPr lang="en-US" sz="3600" b="1" dirty="0"/>
+            </a:br>
+            <a:r>
+              <a:rPr lang="en-US" sz="3600" b="1" dirty="0" err="1"/>
+              <a:t>WebGLRenderer</a:t>
+            </a:r>
+            <a:endParaRPr lang="en-US" sz="3600" b="1" dirty="0"/>
+          </a:p>
+        </p:txBody>
+      </p:sp>
+      <p:sp>
+        <p:nvSpPr>
+          <p:cNvPr id="3" name="Content Placeholder 2">
+            <a:extLst>
+              <a:ext uri="{FF2B5EF4-FFF2-40B4-BE49-F238E27FC236}">
+                <a16:creationId xmlns:a16="http://schemas.microsoft.com/office/drawing/2014/main" id="{EECAFDE8-903D-4508-848C-DDA501CA4CAE}"/>
+              </a:ext>
+            </a:extLst>
+          </p:cNvPr>
+          <p:cNvSpPr>
+            <a:spLocks noGrp="1"/>
+          </p:cNvSpPr>
+          <p:nvPr>
+            <p:ph idx="1"/>
+          </p:nvPr>
+        </p:nvSpPr>
+        <p:spPr/>
+        <p:txBody>
+          <a:bodyPr/>
+          <a:lstStyle/>
+          <a:p>
+            <a:r>
+              <a:rPr lang="id-ID" dirty="0"/>
+              <a:t>Dengan menggunakan THREE.CanvasRenderer, kita dapat menggunakan output dari HTML5 canvas sebagai texture dari sebuah partikel</a:t>
+            </a:r>
+            <a:r>
+              <a:rPr lang="en-US" dirty="0"/>
+              <a:t> </a:t>
+            </a:r>
+            <a:r>
+              <a:rPr lang="en-US" dirty="0" err="1"/>
+              <a:t>dengan</a:t>
+            </a:r>
+            <a:r>
+              <a:rPr lang="en-US" dirty="0"/>
+              <a:t> </a:t>
+            </a:r>
+            <a:r>
+              <a:rPr lang="en-US" dirty="0" err="1"/>
+              <a:t>menggunakan</a:t>
+            </a:r>
+            <a:r>
+              <a:rPr lang="en-US" dirty="0"/>
+              <a:t> 2 </a:t>
+            </a:r>
+            <a:r>
+              <a:rPr lang="en-US" dirty="0" err="1"/>
+              <a:t>cara</a:t>
+            </a:r>
+            <a:r>
+              <a:rPr lang="en-US" dirty="0"/>
+              <a:t> </a:t>
+            </a:r>
+            <a:r>
+              <a:rPr lang="en-US" dirty="0" err="1"/>
+              <a:t>yaitu</a:t>
+            </a:r>
+            <a:endParaRPr lang="en-US" dirty="0"/>
+          </a:p>
+          <a:p>
+            <a:pPr lvl="1"/>
+            <a:r>
+              <a:rPr lang="en-US" dirty="0" err="1"/>
+              <a:t>Menggunakan</a:t>
+            </a:r>
+            <a:r>
+              <a:rPr lang="en-US" dirty="0"/>
+              <a:t> </a:t>
+            </a:r>
+            <a:r>
+              <a:rPr lang="en-US" dirty="0" err="1"/>
+              <a:t>THREE.PointCloudMaterial</a:t>
+            </a:r>
+            <a:r>
+              <a:rPr lang="en-US" dirty="0"/>
+              <a:t> dan </a:t>
+            </a:r>
+            <a:r>
+              <a:rPr lang="en-US" dirty="0" err="1"/>
+              <a:t>THREE.PointCloud</a:t>
+            </a:r>
+            <a:endParaRPr lang="en-US" dirty="0"/>
+          </a:p>
+          <a:p>
+            <a:pPr lvl="1"/>
+            <a:r>
+              <a:rPr lang="en-US" dirty="0" err="1"/>
+              <a:t>Menggunakan</a:t>
+            </a:r>
+            <a:r>
+              <a:rPr lang="en-US" dirty="0"/>
+              <a:t> </a:t>
+            </a:r>
+            <a:r>
+              <a:rPr lang="en-US" dirty="0" err="1"/>
+              <a:t>THREE.Sprite</a:t>
+            </a:r>
+            <a:r>
+              <a:rPr lang="en-US" dirty="0"/>
+              <a:t> dan </a:t>
+            </a:r>
+            <a:r>
+              <a:rPr lang="en-US" dirty="0" err="1"/>
+              <a:t>atribut</a:t>
+            </a:r>
+            <a:r>
+              <a:rPr lang="en-US" dirty="0"/>
+              <a:t> </a:t>
+            </a:r>
+            <a:r>
+              <a:rPr lang="en-US" i="1" dirty="0"/>
+              <a:t>map </a:t>
+            </a:r>
+            <a:r>
+              <a:rPr lang="en-US" dirty="0" err="1"/>
+              <a:t>dari</a:t>
+            </a:r>
+            <a:r>
+              <a:rPr lang="en-US" dirty="0"/>
+              <a:t> </a:t>
+            </a:r>
+            <a:r>
+              <a:rPr lang="en-US" dirty="0" err="1"/>
+              <a:t>THREE.SpriteMaterial</a:t>
+            </a:r>
+            <a:endParaRPr lang="en-US" i="1" dirty="0"/>
+          </a:p>
+          <a:p>
+            <a:r>
+              <a:rPr lang="en-US" dirty="0" err="1"/>
+              <a:t>Dengan</a:t>
+            </a:r>
+            <a:r>
+              <a:rPr lang="en-US" dirty="0"/>
+              <a:t> </a:t>
+            </a:r>
+            <a:r>
+              <a:rPr lang="en-US" dirty="0" err="1"/>
+              <a:t>menggunakan</a:t>
+            </a:r>
+            <a:r>
+              <a:rPr lang="en-US" dirty="0"/>
+              <a:t> </a:t>
+            </a:r>
+            <a:r>
+              <a:rPr lang="en-US" dirty="0" err="1"/>
+              <a:t>THREE.Sprite</a:t>
+            </a:r>
+            <a:r>
+              <a:rPr lang="en-US" dirty="0"/>
+              <a:t>, </a:t>
+            </a:r>
+            <a:r>
+              <a:rPr lang="en-US" dirty="0" err="1"/>
+              <a:t>kita</a:t>
+            </a:r>
+            <a:r>
+              <a:rPr lang="en-US" dirty="0"/>
+              <a:t> </a:t>
+            </a:r>
+            <a:r>
+              <a:rPr lang="en-US" dirty="0" err="1"/>
+              <a:t>mempunyai</a:t>
+            </a:r>
+            <a:r>
+              <a:rPr lang="en-US" dirty="0"/>
+              <a:t> </a:t>
+            </a:r>
+            <a:r>
+              <a:rPr lang="en-US" dirty="0" err="1"/>
+              <a:t>kontrol</a:t>
+            </a:r>
+            <a:r>
+              <a:rPr lang="en-US" dirty="0"/>
+              <a:t> </a:t>
+            </a:r>
+            <a:r>
+              <a:rPr lang="en-US" dirty="0" err="1"/>
+              <a:t>lebih</a:t>
+            </a:r>
+            <a:r>
+              <a:rPr lang="en-US" dirty="0"/>
+              <a:t> </a:t>
+            </a:r>
+            <a:r>
+              <a:rPr lang="en-US" dirty="0" err="1"/>
+              <a:t>besar</a:t>
+            </a:r>
+            <a:r>
+              <a:rPr lang="en-US" dirty="0"/>
+              <a:t> </a:t>
+            </a:r>
+            <a:r>
+              <a:rPr lang="en-US" dirty="0" err="1"/>
+              <a:t>atas</a:t>
+            </a:r>
+            <a:r>
+              <a:rPr lang="en-US" dirty="0"/>
+              <a:t> </a:t>
+            </a:r>
+            <a:r>
+              <a:rPr lang="en-US" dirty="0" err="1"/>
+              <a:t>tiap</a:t>
+            </a:r>
+            <a:r>
+              <a:rPr lang="en-US" dirty="0"/>
+              <a:t> </a:t>
+            </a:r>
+            <a:r>
+              <a:rPr lang="en-US" dirty="0" err="1"/>
+              <a:t>individu</a:t>
+            </a:r>
+            <a:r>
+              <a:rPr lang="en-US" dirty="0"/>
+              <a:t> </a:t>
+            </a:r>
+            <a:r>
+              <a:rPr lang="en-US" dirty="0" err="1"/>
+              <a:t>partikel</a:t>
+            </a:r>
+            <a:r>
+              <a:rPr lang="en-US" dirty="0"/>
+              <a:t> </a:t>
+            </a:r>
+            <a:r>
+              <a:rPr lang="en-US" dirty="0" err="1"/>
+              <a:t>tetapi</a:t>
+            </a:r>
+            <a:r>
+              <a:rPr lang="en-US" dirty="0"/>
+              <a:t> </a:t>
+            </a:r>
+            <a:r>
+              <a:rPr lang="en-US" dirty="0" err="1"/>
+              <a:t>performa</a:t>
+            </a:r>
+            <a:r>
+              <a:rPr lang="en-US" dirty="0"/>
+              <a:t> </a:t>
+            </a:r>
+            <a:r>
+              <a:rPr lang="en-US" dirty="0" err="1"/>
+              <a:t>turun</a:t>
+            </a:r>
+            <a:r>
+              <a:rPr lang="en-US" dirty="0"/>
+              <a:t> dan </a:t>
+            </a:r>
+            <a:r>
+              <a:rPr lang="en-US" dirty="0" err="1"/>
+              <a:t>kompleks</a:t>
+            </a:r>
+            <a:r>
+              <a:rPr lang="en-US" dirty="0"/>
+              <a:t> </a:t>
+            </a:r>
+            <a:r>
+              <a:rPr lang="en-US" dirty="0" err="1"/>
+              <a:t>jika</a:t>
+            </a:r>
+            <a:r>
+              <a:rPr lang="en-US" dirty="0"/>
+              <a:t> </a:t>
+            </a:r>
+            <a:r>
+              <a:rPr lang="en-US" dirty="0" err="1"/>
+              <a:t>jumlah</a:t>
+            </a:r>
+            <a:r>
+              <a:rPr lang="en-US" dirty="0"/>
+              <a:t> </a:t>
+            </a:r>
+            <a:r>
+              <a:rPr lang="en-US" dirty="0" err="1"/>
+              <a:t>partikelnya</a:t>
+            </a:r>
+            <a:r>
+              <a:rPr lang="en-US" dirty="0"/>
+              <a:t> </a:t>
+            </a:r>
+            <a:r>
+              <a:rPr lang="en-US" dirty="0" err="1"/>
+              <a:t>banyak</a:t>
+            </a:r>
+            <a:r>
+              <a:rPr lang="en-US" dirty="0"/>
+              <a:t>.</a:t>
+            </a:r>
+          </a:p>
+          <a:p>
+            <a:r>
+              <a:rPr lang="en-US" dirty="0" err="1"/>
+              <a:t>Dengan</a:t>
+            </a:r>
+            <a:r>
+              <a:rPr lang="en-US" dirty="0"/>
+              <a:t> </a:t>
+            </a:r>
+            <a:r>
+              <a:rPr lang="en-US" dirty="0" err="1"/>
+              <a:t>THREE.PointCloud</a:t>
+            </a:r>
+            <a:r>
+              <a:rPr lang="en-US" dirty="0"/>
+              <a:t>, </a:t>
+            </a:r>
+            <a:r>
+              <a:rPr lang="en-US" dirty="0" err="1"/>
+              <a:t>kita</a:t>
+            </a:r>
+            <a:r>
+              <a:rPr lang="en-US" dirty="0"/>
+              <a:t> </a:t>
+            </a:r>
+            <a:r>
+              <a:rPr lang="en-US" dirty="0" err="1"/>
+              <a:t>dapat</a:t>
+            </a:r>
+            <a:r>
+              <a:rPr lang="en-US" dirty="0"/>
+              <a:t> </a:t>
+            </a:r>
+            <a:r>
+              <a:rPr lang="en-US" dirty="0" err="1"/>
+              <a:t>dengan</a:t>
+            </a:r>
+            <a:r>
+              <a:rPr lang="en-US" dirty="0"/>
+              <a:t> </a:t>
+            </a:r>
+            <a:r>
+              <a:rPr lang="en-US" dirty="0" err="1"/>
+              <a:t>mudah</a:t>
+            </a:r>
+            <a:r>
+              <a:rPr lang="en-US" dirty="0"/>
+              <a:t> </a:t>
+            </a:r>
+            <a:r>
+              <a:rPr lang="en-US" dirty="0" err="1"/>
+              <a:t>mengelola</a:t>
+            </a:r>
+            <a:r>
+              <a:rPr lang="en-US" dirty="0"/>
+              <a:t> </a:t>
+            </a:r>
+            <a:r>
+              <a:rPr lang="en-US" dirty="0" err="1"/>
+              <a:t>sejumlah</a:t>
+            </a:r>
+            <a:r>
+              <a:rPr lang="en-US" dirty="0"/>
+              <a:t> </a:t>
+            </a:r>
+            <a:r>
+              <a:rPr lang="en-US" dirty="0" err="1"/>
+              <a:t>besar</a:t>
+            </a:r>
+            <a:r>
+              <a:rPr lang="en-US" dirty="0"/>
+              <a:t> </a:t>
+            </a:r>
+            <a:r>
+              <a:rPr lang="en-US" dirty="0" err="1"/>
+              <a:t>partikel</a:t>
+            </a:r>
+            <a:r>
+              <a:rPr lang="en-US" dirty="0"/>
+              <a:t> </a:t>
+            </a:r>
+            <a:r>
+              <a:rPr lang="en-US" dirty="0" err="1"/>
+              <a:t>sekaligus</a:t>
+            </a:r>
+            <a:r>
+              <a:rPr lang="en-US" dirty="0"/>
+              <a:t>, </a:t>
+            </a:r>
+            <a:r>
+              <a:rPr lang="en-US" dirty="0" err="1"/>
+              <a:t>tetapi</a:t>
+            </a:r>
+            <a:r>
+              <a:rPr lang="en-US" dirty="0"/>
+              <a:t> </a:t>
+            </a:r>
+            <a:r>
+              <a:rPr lang="en-US" dirty="0" err="1"/>
+              <a:t>kurang</a:t>
+            </a:r>
+            <a:r>
+              <a:rPr lang="en-US" dirty="0"/>
+              <a:t> </a:t>
+            </a:r>
+            <a:r>
+              <a:rPr lang="en-US" dirty="0" err="1"/>
+              <a:t>mempunyai</a:t>
+            </a:r>
+            <a:r>
+              <a:rPr lang="en-US" dirty="0"/>
+              <a:t> </a:t>
+            </a:r>
+            <a:r>
+              <a:rPr lang="en-US" dirty="0" err="1"/>
+              <a:t>kontrol</a:t>
+            </a:r>
+            <a:r>
+              <a:rPr lang="en-US" dirty="0"/>
+              <a:t> pada </a:t>
+            </a:r>
+            <a:r>
+              <a:rPr lang="en-US" dirty="0" err="1"/>
+              <a:t>tiap</a:t>
+            </a:r>
+            <a:r>
+              <a:rPr lang="en-US" dirty="0"/>
+              <a:t> </a:t>
+            </a:r>
+            <a:r>
+              <a:rPr lang="en-US" dirty="0" err="1"/>
+              <a:t>individu</a:t>
+            </a:r>
+            <a:r>
+              <a:rPr lang="en-US" dirty="0"/>
+              <a:t> </a:t>
+            </a:r>
+            <a:r>
+              <a:rPr lang="en-US" dirty="0" err="1"/>
+              <a:t>partikel</a:t>
+            </a:r>
+            <a:r>
+              <a:rPr lang="en-US" dirty="0"/>
+              <a:t>.</a:t>
+            </a:r>
+          </a:p>
+        </p:txBody>
+      </p:sp>
+    </p:spTree>
+    <p:extLst>
+      <p:ext uri="{BB962C8B-B14F-4D97-AF65-F5344CB8AC3E}">
+        <p14:creationId xmlns:p14="http://schemas.microsoft.com/office/powerpoint/2010/main" val="3769656599"/>
+      </p:ext>
+    </p:extLst>
+  </p:cSld>
+  <p:clrMapOvr>
+    <a:masterClrMapping/>
+  </p:clrMapOvr>
+</p:sld>
+</file>
+
+<file path=ppt/slides/slide8.xml><?xml version="1.0" encoding="utf-8"?>
+<p:sld xmlns:a="http://schemas.openxmlformats.org/drawingml/2006/main" xmlns:r="http://schemas.openxmlformats.org/officeDocument/2006/relationships" xmlns:p="http://schemas.openxmlformats.org/presentationml/2006/main">
+  <p:cSld>
+    <p:spTree>
+      <p:nvGrpSpPr>
+        <p:cNvPr id="1" name=""/>
+        <p:cNvGrpSpPr/>
+        <p:nvPr/>
+      </p:nvGrpSpPr>
+      <p:grpSpPr>
+        <a:xfrm>
+          <a:off x="0" y="0"/>
+          <a:ext cx="0" cy="0"/>
+          <a:chOff x="0" y="0"/>
+          <a:chExt cx="0" cy="0"/>
+        </a:xfrm>
+      </p:grpSpPr>
+      <p:sp>
+        <p:nvSpPr>
+          <p:cNvPr id="2" name="Title 1"/>
+          <p:cNvSpPr>
+            <a:spLocks noGrp="1"/>
+          </p:cNvSpPr>
+          <p:nvPr>
+            <p:ph type="title"/>
+          </p:nvPr>
+        </p:nvSpPr>
+        <p:spPr/>
+        <p:txBody>
+          <a:bodyPr>
+            <a:normAutofit/>
+          </a:bodyPr>
+          <a:lstStyle/>
+          <a:p>
+            <a:r>
+              <a:rPr lang="en-US" sz="3600" dirty="0"/>
+              <a:t>Using Textures to Style Particles</a:t>
+            </a:r>
+          </a:p>
+        </p:txBody>
+      </p:sp>
+      <p:sp>
+        <p:nvSpPr>
+          <p:cNvPr id="3" name="Content Placeholder 2"/>
+          <p:cNvSpPr>
+            <a:spLocks noGrp="1"/>
+          </p:cNvSpPr>
+          <p:nvPr>
+            <p:ph idx="1"/>
+          </p:nvPr>
+        </p:nvSpPr>
+        <p:spPr/>
+        <p:txBody>
+          <a:bodyPr>
+            <a:normAutofit/>
+          </a:bodyPr>
+          <a:lstStyle/>
+          <a:p>
+            <a:pPr marL="0" indent="0">
+              <a:buNone/>
+            </a:pPr>
+            <a:r>
+              <a:rPr lang="en-US" dirty="0" err="1"/>
+              <a:t>Menggunakan</a:t>
+            </a:r>
+            <a:r>
+              <a:rPr lang="en-US" dirty="0"/>
+              <a:t> syntax:</a:t>
+            </a:r>
+          </a:p>
+          <a:p>
+            <a:pPr marL="402336" lvl="1" indent="0">
+              <a:buNone/>
+            </a:pPr>
+            <a:r>
+              <a:rPr lang="en-US" dirty="0" err="1"/>
+              <a:t>var</a:t>
+            </a:r>
+            <a:r>
+              <a:rPr lang="en-US" dirty="0"/>
+              <a:t> texture = </a:t>
+            </a:r>
+            <a:r>
+              <a:rPr lang="en-US" dirty="0" err="1"/>
+              <a:t>THREE.ImageUtils.loadTexture</a:t>
+            </a:r>
+            <a:r>
+              <a:rPr lang="en-US" dirty="0"/>
+              <a:t>("…");</a:t>
+            </a:r>
+          </a:p>
+          <a:p>
+            <a:pPr marL="402336" lvl="1" indent="0">
+              <a:buNone/>
+            </a:pPr>
+            <a:endParaRPr lang="en-US" dirty="0"/>
+          </a:p>
+          <a:p>
+            <a:pPr marL="0" indent="0">
+              <a:buNone/>
+            </a:pPr>
+            <a:r>
+              <a:rPr lang="en-US" dirty="0"/>
+              <a:t>Pada </a:t>
+            </a:r>
+            <a:r>
+              <a:rPr lang="en-US" dirty="0" err="1"/>
+              <a:t>THREE.ParticleBasicMaterial</a:t>
+            </a:r>
+            <a:r>
+              <a:rPr lang="en-US" dirty="0"/>
+              <a:t>() dapat </a:t>
+            </a:r>
+            <a:r>
+              <a:rPr lang="en-US" dirty="0" err="1"/>
+              <a:t>menggunakan</a:t>
+            </a:r>
+            <a:r>
+              <a:rPr lang="en-US" dirty="0"/>
+              <a:t> property map </a:t>
+            </a:r>
+            <a:r>
+              <a:rPr lang="en-US" dirty="0" err="1"/>
+              <a:t>untuk</a:t>
+            </a:r>
+            <a:r>
+              <a:rPr lang="en-US" dirty="0"/>
+              <a:t> assign texture</a:t>
+            </a:r>
+          </a:p>
+          <a:p>
+            <a:pPr marL="0" indent="0">
+              <a:buNone/>
+            </a:pPr>
+            <a:endParaRPr lang="en-US" dirty="0"/>
+          </a:p>
+          <a:p>
+            <a:pPr marL="0" indent="0">
+              <a:buNone/>
+            </a:pPr>
+            <a:r>
+              <a:rPr lang="en-US" dirty="0" err="1"/>
+              <a:t>Menggunakan</a:t>
+            </a:r>
+            <a:r>
+              <a:rPr lang="en-US" dirty="0"/>
+              <a:t> </a:t>
+            </a:r>
+            <a:r>
+              <a:rPr lang="en-US" dirty="0" err="1"/>
+              <a:t>AdditiveBlending</a:t>
+            </a:r>
+            <a:r>
+              <a:rPr lang="en-US" dirty="0"/>
+              <a:t> </a:t>
+            </a:r>
+            <a:r>
+              <a:rPr lang="en-US" dirty="0" err="1"/>
+              <a:t>untuk</a:t>
+            </a:r>
+            <a:r>
+              <a:rPr lang="en-US" dirty="0"/>
+              <a:t> mode blending</a:t>
+            </a:r>
+          </a:p>
+          <a:p>
+            <a:pPr marL="0" indent="0">
+              <a:buNone/>
+            </a:pPr>
+            <a:endParaRPr lang="en-US" dirty="0"/>
+          </a:p>
+        </p:txBody>
+      </p:sp>
+    </p:spTree>
+    <p:extLst>
+      <p:ext uri="{BB962C8B-B14F-4D97-AF65-F5344CB8AC3E}">
+        <p14:creationId xmlns:p14="http://schemas.microsoft.com/office/powerpoint/2010/main" val="1606900230"/>
+      </p:ext>
+    </p:extLst>
+  </p:cSld>
+  <p:clrMapOvr>
+    <a:masterClrMapping/>
+  </p:clrMapOvr>
+</p:sld>
+</file>
+
+<file path=ppt/slides/slide9.xml><?xml version="1.0" encoding="utf-8"?>
+<p:sld xmlns:a="http://schemas.openxmlformats.org/drawingml/2006/main" xmlns:r="http://schemas.openxmlformats.org/officeDocument/2006/relationships" xmlns:p="http://schemas.openxmlformats.org/presentationml/2006/main">
+  <p:cSld>
+    <p:spTree>
+      <p:nvGrpSpPr>
+        <p:cNvPr id="1" name=""/>
+        <p:cNvGrpSpPr/>
+        <p:nvPr/>
+      </p:nvGrpSpPr>
+      <p:grpSpPr>
+        <a:xfrm>
+          <a:off x="0" y="0"/>
+          <a:ext cx="0" cy="0"/>
+          <a:chOff x="0" y="0"/>
+          <a:chExt cx="0" cy="0"/>
+        </a:xfrm>
+      </p:grpSpPr>
+      <p:sp>
+        <p:nvSpPr>
+          <p:cNvPr id="2" name="Title 1"/>
+          <p:cNvSpPr>
+            <a:spLocks noGrp="1"/>
+          </p:cNvSpPr>
+          <p:nvPr>
+            <p:ph type="title"/>
+          </p:nvPr>
+        </p:nvSpPr>
+        <p:spPr/>
+        <p:txBody>
+          <a:bodyPr>
+            <a:normAutofit/>
+          </a:bodyPr>
+          <a:lstStyle/>
+          <a:p>
+            <a:r>
+              <a:rPr lang="en-US" sz="3600" dirty="0" err="1"/>
               <a:t>Kriteria</a:t>
             </a:r>
             <a:r>
-              <a:rPr lang="en-US" dirty="0" smtClean="0"/>
+              <a:rPr lang="en-US" sz="3600" dirty="0"/>
               <a:t> Texture</a:t>
             </a:r>
             <a:br>
-              <a:rPr lang="en-US" dirty="0" smtClean="0"/>
+              <a:rPr lang="en-US" sz="3600" dirty="0"/>
             </a:br>
-            <a:endParaRPr lang="en-US" dirty="0"/>
+            <a:endParaRPr lang="en-US" sz="3600" dirty="0"/>
           </a:p>
         </p:txBody>
       </p:sp>
@@ -4858,15 +6589,15 @@
               <a:buChar char="-"/>
             </a:pPr>
             <a:r>
-              <a:rPr lang="en-US" dirty="0" smtClean="0"/>
+              <a:rPr lang="en-US" dirty="0"/>
               <a:t>Texture </a:t>
             </a:r>
             <a:r>
-              <a:rPr lang="en-US" dirty="0" err="1" smtClean="0"/>
+              <a:rPr lang="en-US" dirty="0" err="1"/>
               <a:t>bersize</a:t>
             </a:r>
             <a:r>
-              <a:rPr lang="en-US" dirty="0" smtClean="0"/>
+              <a:rPr lang="en-US" dirty="0"/>
               <a:t> power-of-2</a:t>
             </a:r>
           </a:p>
@@ -4876,26 +6607,25 @@
               <a:buChar char="-"/>
             </a:pPr>
             <a:r>
-              <a:rPr lang="en-US" dirty="0" smtClean="0"/>
+              <a:rPr lang="en-US" dirty="0"/>
               <a:t>Background </a:t>
             </a:r>
             <a:r>
-              <a:rPr lang="en-US" dirty="0" err="1" smtClean="0"/>
+              <a:rPr lang="en-US" dirty="0" err="1"/>
               <a:t>hitam</a:t>
             </a:r>
             <a:r>
-              <a:rPr lang="en-US" dirty="0" smtClean="0"/>
+              <a:rPr lang="en-US" dirty="0"/>
               <a:t> agar dapat </a:t>
             </a:r>
             <a:r>
-              <a:rPr lang="en-US" dirty="0" err="1" smtClean="0"/>
+              <a:rPr lang="en-US" dirty="0" err="1"/>
               <a:t>menggunakan</a:t>
             </a:r>
             <a:r>
-              <a:rPr lang="en-US" dirty="0" smtClean="0"/>
+              <a:rPr lang="en-US" dirty="0"/>
               <a:t> additive blending</a:t>
             </a:r>
-            <a:endParaRPr lang="en-US" dirty="0"/>
           </a:p>
           <a:p>
             <a:pPr>
@@ -4909,11 +6639,11 @@
               <a:buNone/>
             </a:pPr>
             <a:r>
-              <a:rPr lang="en-US" dirty="0" err="1" smtClean="0"/>
+              <a:rPr lang="en-US" dirty="0" err="1"/>
               <a:t>Contoh</a:t>
             </a:r>
             <a:r>
-              <a:rPr lang="en-US" dirty="0" smtClean="0"/>
+              <a:rPr lang="en-US" dirty="0"/>
               <a:t> Texture :</a:t>
             </a:r>
           </a:p>
@@ -4921,7 +6651,7 @@
             <a:pPr marL="0" indent="0">
               <a:buNone/>
             </a:pPr>
-            <a:endParaRPr lang="en-US" dirty="0" smtClean="0"/>
+            <a:endParaRPr lang="en-US" dirty="0"/>
           </a:p>
           <a:p>
             <a:pPr marL="0" indent="0">
@@ -4933,7 +6663,7 @@
             <a:pPr marL="0" indent="0">
               <a:buNone/>
             </a:pPr>
-            <a:endParaRPr lang="en-US" dirty="0" smtClean="0"/>
+            <a:endParaRPr lang="en-US" dirty="0"/>
           </a:p>
           <a:p>
             <a:pPr marL="0" indent="0">
@@ -4945,17 +6675,16 @@
             <a:pPr marL="0" indent="0">
               <a:buNone/>
             </a:pPr>
-            <a:endParaRPr lang="en-US" dirty="0" smtClean="0"/>
+            <a:endParaRPr lang="en-US" dirty="0"/>
           </a:p>
           <a:p>
             <a:pPr marL="0" indent="0">
               <a:buNone/>
             </a:pPr>
             <a:r>
-              <a:rPr lang="en-US" dirty="0" smtClean="0"/>
-              <a:t> </a:t>
-            </a:r>
-            <a:endParaRPr lang="en-US" dirty="0"/>
+              <a:rPr lang="en-US" dirty="0"/>
+              <a:t> </a:t>
+            </a:r>
           </a:p>
         </p:txBody>
       </p:sp>
@@ -4999,459 +6728,6 @@
   <p:clrMapOvr>
     <a:masterClrMapping/>
   </p:clrMapOvr>
-  <p:timing>
-    <p:tnLst>
-      <p:par>
-        <p:cTn id="1" dur="indefinite" restart="never" nodeType="tmRoot"/>
-      </p:par>
-    </p:tnLst>
-  </p:timing>
-</p:sld>
-</file>
-
-<file path=ppt/slides/slide6.xml><?xml version="1.0" encoding="utf-8"?>
-<p:sld xmlns:a="http://schemas.openxmlformats.org/drawingml/2006/main" xmlns:r="http://schemas.openxmlformats.org/officeDocument/2006/relationships" xmlns:p="http://schemas.openxmlformats.org/presentationml/2006/main">
-  <p:cSld>
-    <p:spTree>
-      <p:nvGrpSpPr>
-        <p:cNvPr id="1" name=""/>
-        <p:cNvGrpSpPr/>
-        <p:nvPr/>
-      </p:nvGrpSpPr>
-      <p:grpSpPr>
-        <a:xfrm>
-          <a:off x="0" y="0"/>
-          <a:ext cx="0" cy="0"/>
-          <a:chOff x="0" y="0"/>
-          <a:chExt cx="0" cy="0"/>
-        </a:xfrm>
-      </p:grpSpPr>
-      <p:sp>
-        <p:nvSpPr>
-          <p:cNvPr id="2" name="Title 1"/>
-          <p:cNvSpPr>
-            <a:spLocks noGrp="1"/>
-          </p:cNvSpPr>
-          <p:nvPr>
-            <p:ph type="title"/>
-          </p:nvPr>
-        </p:nvSpPr>
-        <p:spPr/>
-        <p:txBody>
-          <a:bodyPr/>
-          <a:lstStyle/>
-          <a:p>
-            <a:r>
-              <a:rPr lang="en-US" dirty="0" smtClean="0"/>
-              <a:t>Multiple Texture</a:t>
-            </a:r>
-            <a:endParaRPr lang="en-US" dirty="0"/>
-          </a:p>
-        </p:txBody>
-      </p:sp>
-      <p:sp>
-        <p:nvSpPr>
-          <p:cNvPr id="3" name="Content Placeholder 2"/>
-          <p:cNvSpPr>
-            <a:spLocks noGrp="1"/>
-          </p:cNvSpPr>
-          <p:nvPr>
-            <p:ph idx="1"/>
-          </p:nvPr>
-        </p:nvSpPr>
-        <p:spPr/>
-        <p:txBody>
-          <a:bodyPr>
-            <a:normAutofit fontScale="92500" lnSpcReduction="20000"/>
-          </a:bodyPr>
-          <a:lstStyle/>
-          <a:p>
-            <a:pPr marL="0" indent="0">
-              <a:buNone/>
-            </a:pPr>
-            <a:r>
-              <a:rPr lang="en-US" dirty="0" err="1" smtClean="0"/>
-              <a:t>Menggunakan</a:t>
-            </a:r>
-            <a:r>
-              <a:rPr lang="en-US" dirty="0" smtClean="0"/>
-              <a:t> </a:t>
-            </a:r>
-            <a:r>
-              <a:rPr lang="en-US" dirty="0" err="1" smtClean="0"/>
-              <a:t>beberapa</a:t>
-            </a:r>
-            <a:r>
-              <a:rPr lang="en-US" dirty="0" smtClean="0"/>
-              <a:t> particle system </a:t>
-            </a:r>
-            <a:r>
-              <a:rPr lang="en-US" dirty="0" err="1" smtClean="0"/>
-              <a:t>untuk</a:t>
-            </a:r>
-            <a:r>
-              <a:rPr lang="en-US" dirty="0" smtClean="0"/>
-              <a:t> load   texture yang </a:t>
-            </a:r>
-            <a:r>
-              <a:rPr lang="en-US" dirty="0" err="1" smtClean="0"/>
-              <a:t>berbeda</a:t>
-            </a:r>
-            <a:endParaRPr lang="en-US" dirty="0" smtClean="0"/>
-          </a:p>
-          <a:p>
-            <a:pPr marL="402336" lvl="1" indent="0">
-              <a:buNone/>
-            </a:pPr>
-            <a:r>
-              <a:rPr lang="en-US" dirty="0" err="1"/>
-              <a:t>var</a:t>
-            </a:r>
-            <a:r>
-              <a:rPr lang="en-US" dirty="0"/>
-              <a:t> texture1 = </a:t>
-            </a:r>
-            <a:r>
-              <a:rPr lang="en-US" dirty="0" err="1"/>
-              <a:t>THREE.ImageUtils.loadTexture</a:t>
-            </a:r>
-            <a:r>
-              <a:rPr lang="en-US" dirty="0" smtClean="0"/>
-              <a:t>("…</a:t>
-            </a:r>
-            <a:r>
-              <a:rPr lang="en-US" dirty="0"/>
-              <a:t>"</a:t>
-            </a:r>
-            <a:r>
-              <a:rPr lang="en-US" dirty="0" smtClean="0"/>
-              <a:t>);</a:t>
-            </a:r>
-            <a:endParaRPr lang="en-US" dirty="0"/>
-          </a:p>
-          <a:p>
-            <a:pPr marL="402336" lvl="1" indent="0">
-              <a:buNone/>
-            </a:pPr>
-            <a:r>
-              <a:rPr lang="en-US" dirty="0" err="1" smtClean="0"/>
-              <a:t>var</a:t>
-            </a:r>
-            <a:r>
-              <a:rPr lang="en-US" dirty="0"/>
-              <a:t> texture2 = </a:t>
-            </a:r>
-            <a:r>
-              <a:rPr lang="en-US" dirty="0" err="1" smtClean="0"/>
-              <a:t>THREE.ImageUtils.loadTexture</a:t>
-            </a:r>
-            <a:r>
-              <a:rPr lang="en-US" dirty="0" smtClean="0"/>
-              <a:t>(“…");</a:t>
-            </a:r>
-          </a:p>
-          <a:p>
-            <a:pPr marL="402336" lvl="1" indent="0">
-              <a:buNone/>
-            </a:pPr>
-            <a:r>
-              <a:rPr lang="en-US" dirty="0" smtClean="0"/>
-              <a:t>.</a:t>
-            </a:r>
-          </a:p>
-          <a:p>
-            <a:pPr marL="402336" lvl="1" indent="0">
-              <a:buNone/>
-            </a:pPr>
-            <a:r>
-              <a:rPr lang="en-US" dirty="0" smtClean="0"/>
-              <a:t>.</a:t>
-            </a:r>
-          </a:p>
-          <a:p>
-            <a:pPr marL="402336" lvl="1" indent="0">
-              <a:buNone/>
-            </a:pPr>
-            <a:r>
-              <a:rPr lang="en-US" dirty="0" err="1" smtClean="0"/>
-              <a:t>scene.add</a:t>
-            </a:r>
-            <a:r>
-              <a:rPr lang="en-US" dirty="0" smtClean="0"/>
-              <a:t>(</a:t>
-            </a:r>
-            <a:r>
-              <a:rPr lang="en-US" dirty="0" err="1" smtClean="0"/>
-              <a:t>createPointCloud</a:t>
-            </a:r>
-            <a:r>
-              <a:rPr lang="en-US" dirty="0"/>
-              <a:t>("system1", texture1, size, transparent, opacity, </a:t>
-            </a:r>
-            <a:r>
-              <a:rPr lang="en-US" dirty="0" err="1"/>
-              <a:t>sizeAttenuation</a:t>
-            </a:r>
-            <a:r>
-              <a:rPr lang="en-US" dirty="0"/>
-              <a:t>, color));</a:t>
-            </a:r>
-          </a:p>
-          <a:p>
-            <a:pPr marL="402336" lvl="1" indent="0">
-              <a:buNone/>
-            </a:pPr>
-            <a:r>
-              <a:rPr lang="en-US" dirty="0" err="1" smtClean="0"/>
-              <a:t>scene.add</a:t>
-            </a:r>
-            <a:r>
-              <a:rPr lang="en-US" dirty="0" smtClean="0"/>
-              <a:t>(</a:t>
-            </a:r>
-            <a:r>
-              <a:rPr lang="en-US" dirty="0" err="1" smtClean="0"/>
-              <a:t>createPointCloud</a:t>
-            </a:r>
-            <a:r>
-              <a:rPr lang="en-US" dirty="0"/>
-              <a:t>("system2", texture2, size, transparent, opacity, </a:t>
-            </a:r>
-            <a:r>
-              <a:rPr lang="en-US" dirty="0" err="1"/>
-              <a:t>sizeAttenuation</a:t>
-            </a:r>
-            <a:r>
-              <a:rPr lang="en-US" dirty="0"/>
-              <a:t>, color));</a:t>
-            </a:r>
-          </a:p>
-          <a:p>
-            <a:pPr marL="0" indent="0">
-              <a:buNone/>
-            </a:pPr>
-            <a:endParaRPr lang="en-US" dirty="0" smtClean="0"/>
-          </a:p>
-          <a:p>
-            <a:pPr marL="0" indent="0">
-              <a:buNone/>
-            </a:pPr>
-            <a:r>
-              <a:rPr lang="en-US" dirty="0" err="1" smtClean="0"/>
-              <a:t>Meskipun</a:t>
-            </a:r>
-            <a:r>
-              <a:rPr lang="en-US" dirty="0" smtClean="0"/>
-              <a:t> bisa load </a:t>
-            </a:r>
-            <a:r>
-              <a:rPr lang="en-US" dirty="0" err="1" smtClean="0"/>
-              <a:t>beberapa</a:t>
-            </a:r>
-            <a:r>
-              <a:rPr lang="en-US" dirty="0" smtClean="0"/>
-              <a:t> texture, tidak </a:t>
-            </a:r>
-            <a:r>
-              <a:rPr lang="en-US" dirty="0" err="1" smtClean="0"/>
-              <a:t>efisien</a:t>
-            </a:r>
-            <a:r>
-              <a:rPr lang="en-US" dirty="0" smtClean="0"/>
-              <a:t> </a:t>
-            </a:r>
-            <a:r>
-              <a:rPr lang="en-US" dirty="0" err="1" smtClean="0"/>
-              <a:t>semakin</a:t>
-            </a:r>
-            <a:r>
-              <a:rPr lang="en-US" dirty="0" smtClean="0"/>
-              <a:t> </a:t>
-            </a:r>
-            <a:r>
-              <a:rPr lang="en-US" dirty="0" err="1" smtClean="0"/>
-              <a:t>banyak</a:t>
-            </a:r>
-            <a:r>
-              <a:rPr lang="en-US" dirty="0" smtClean="0"/>
-              <a:t> </a:t>
-            </a:r>
-            <a:r>
-              <a:rPr lang="en-US" dirty="0" err="1" smtClean="0"/>
-              <a:t>jenis</a:t>
-            </a:r>
-            <a:r>
-              <a:rPr lang="en-US" dirty="0" smtClean="0"/>
-              <a:t> </a:t>
-            </a:r>
-            <a:r>
-              <a:rPr lang="en-US" dirty="0" err="1" smtClean="0"/>
-              <a:t>texturenya</a:t>
-            </a:r>
-            <a:endParaRPr lang="en-US" dirty="0" smtClean="0"/>
-          </a:p>
-          <a:p>
-            <a:pPr marL="0" indent="0">
-              <a:buNone/>
-            </a:pPr>
-            <a:endParaRPr lang="en-US" dirty="0"/>
-          </a:p>
-          <a:p>
-            <a:pPr marL="0" indent="0">
-              <a:buNone/>
-            </a:pPr>
-            <a:r>
-              <a:rPr lang="en-US" dirty="0" err="1" smtClean="0"/>
-              <a:t>Jika</a:t>
-            </a:r>
-            <a:r>
-              <a:rPr lang="en-US" dirty="0" smtClean="0"/>
-              <a:t> particle </a:t>
-            </a:r>
-            <a:r>
-              <a:rPr lang="en-US" dirty="0" err="1" smtClean="0"/>
-              <a:t>sedikit</a:t>
-            </a:r>
-            <a:r>
-              <a:rPr lang="en-US" dirty="0" smtClean="0"/>
-              <a:t> dan style texture </a:t>
-            </a:r>
-            <a:r>
-              <a:rPr lang="en-US" dirty="0" err="1" smtClean="0"/>
-              <a:t>banyak</a:t>
-            </a:r>
-            <a:r>
-              <a:rPr lang="en-US" dirty="0" smtClean="0"/>
-              <a:t>, lebih </a:t>
-            </a:r>
-            <a:r>
-              <a:rPr lang="en-US" dirty="0" err="1" smtClean="0"/>
-              <a:t>baik</a:t>
-            </a:r>
-            <a:r>
-              <a:rPr lang="en-US" dirty="0" smtClean="0"/>
-              <a:t> </a:t>
-            </a:r>
-            <a:r>
-              <a:rPr lang="en-US" dirty="0" err="1" smtClean="0"/>
-              <a:t>menggunakan</a:t>
-            </a:r>
-            <a:r>
-              <a:rPr lang="en-US" dirty="0" smtClean="0"/>
-              <a:t> </a:t>
-            </a:r>
-            <a:r>
-              <a:rPr lang="en-US" dirty="0" err="1" smtClean="0"/>
-              <a:t>THREE.sprite</a:t>
-            </a:r>
-            <a:endParaRPr lang="en-US" dirty="0" smtClean="0"/>
-          </a:p>
-          <a:p>
-            <a:pPr marL="0" indent="0">
-              <a:buNone/>
-            </a:pPr>
-            <a:endParaRPr lang="en-US" dirty="0" smtClean="0"/>
-          </a:p>
-          <a:p>
-            <a:pPr marL="0" indent="0">
-              <a:buNone/>
-            </a:pPr>
-            <a:endParaRPr lang="en-US" dirty="0"/>
-          </a:p>
-        </p:txBody>
-      </p:sp>
-    </p:spTree>
-    <p:extLst>
-      <p:ext uri="{BB962C8B-B14F-4D97-AF65-F5344CB8AC3E}">
-        <p14:creationId xmlns:p14="http://schemas.microsoft.com/office/powerpoint/2010/main" val="1462763499"/>
-      </p:ext>
-    </p:extLst>
-  </p:cSld>
-  <p:clrMapOvr>
-    <a:masterClrMapping/>
-  </p:clrMapOvr>
-  <p:timing>
-    <p:tnLst>
-      <p:par>
-        <p:cTn id="1" dur="indefinite" restart="never" nodeType="tmRoot"/>
-      </p:par>
-    </p:tnLst>
-  </p:timing>
-</p:sld>
-</file>
-
-<file path=ppt/slides/slide7.xml><?xml version="1.0" encoding="utf-8"?>
-<p:sld xmlns:a="http://schemas.openxmlformats.org/drawingml/2006/main" xmlns:r="http://schemas.openxmlformats.org/officeDocument/2006/relationships" xmlns:p="http://schemas.openxmlformats.org/presentationml/2006/main">
-  <p:cSld>
-    <p:spTree>
-      <p:nvGrpSpPr>
-        <p:cNvPr id="1" name=""/>
-        <p:cNvGrpSpPr/>
-        <p:nvPr/>
-      </p:nvGrpSpPr>
-      <p:grpSpPr>
-        <a:xfrm>
-          <a:off x="0" y="0"/>
-          <a:ext cx="0" cy="0"/>
-          <a:chOff x="0" y="0"/>
-          <a:chExt cx="0" cy="0"/>
-        </a:xfrm>
-      </p:grpSpPr>
-      <p:sp>
-        <p:nvSpPr>
-          <p:cNvPr id="2" name="Title 1"/>
-          <p:cNvSpPr>
-            <a:spLocks noGrp="1"/>
-          </p:cNvSpPr>
-          <p:nvPr>
-            <p:ph type="title"/>
-          </p:nvPr>
-        </p:nvSpPr>
-        <p:spPr/>
-        <p:txBody>
-          <a:bodyPr/>
-          <a:lstStyle/>
-          <a:p>
-            <a:endParaRPr lang="en-US"/>
-          </a:p>
-        </p:txBody>
-      </p:sp>
-      <p:sp>
-        <p:nvSpPr>
-          <p:cNvPr id="3" name="Content Placeholder 2"/>
-          <p:cNvSpPr>
-            <a:spLocks noGrp="1"/>
-          </p:cNvSpPr>
-          <p:nvPr>
-            <p:ph idx="1"/>
-          </p:nvPr>
-        </p:nvSpPr>
-        <p:spPr/>
-        <p:txBody>
-          <a:bodyPr/>
-          <a:lstStyle/>
-          <a:p>
-            <a:endParaRPr lang="en-US"/>
-          </a:p>
-        </p:txBody>
-      </p:sp>
-    </p:spTree>
-    <p:extLst>
-      <p:ext uri="{BB962C8B-B14F-4D97-AF65-F5344CB8AC3E}">
-        <p14:creationId xmlns:p14="http://schemas.microsoft.com/office/powerpoint/2010/main" val="1188032180"/>
-      </p:ext>
-    </p:extLst>
-  </p:cSld>
-  <p:clrMapOvr>
-    <a:masterClrMapping/>
-  </p:clrMapOvr>
-  <p:timing>
-    <p:tnLst>
-      <p:par>
-        <p:cTn id="1" dur="indefinite" restart="never" nodeType="tmRoot"/>
-      </p:par>
-    </p:tnLst>
-  </p:timing>
 </p:sld>
 </file>
 

--- a/presentation/Particles, Sprites, and the Point Cloud.pptx
+++ b/presentation/Particles, Sprites, and the Point Cloud.pptx
@@ -6,12 +6,17 @@
   </p:sldMasterIdLst>
   <p:sldIdLst>
     <p:sldId id="256" r:id="rId2"/>
-    <p:sldId id="257" r:id="rId3"/>
-    <p:sldId id="258" r:id="rId4"/>
-    <p:sldId id="259" r:id="rId5"/>
-    <p:sldId id="260" r:id="rId6"/>
-    <p:sldId id="261" r:id="rId7"/>
-    <p:sldId id="262" r:id="rId8"/>
+    <p:sldId id="263" r:id="rId3"/>
+    <p:sldId id="264" r:id="rId4"/>
+    <p:sldId id="265" r:id="rId5"/>
+    <p:sldId id="257" r:id="rId6"/>
+    <p:sldId id="258" r:id="rId7"/>
+    <p:sldId id="266" r:id="rId8"/>
+    <p:sldId id="259" r:id="rId9"/>
+    <p:sldId id="260" r:id="rId10"/>
+    <p:sldId id="261" r:id="rId11"/>
+    <p:sldId id="262" r:id="rId12"/>
+    <p:sldId id="267" r:id="rId13"/>
   </p:sldIdLst>
   <p:sldSz cx="12192000" cy="6858000"/>
   <p:notesSz cx="6858000" cy="9144000"/>
@@ -371,7 +376,7 @@
           </a:lstStyle>
           <a:p>
             <a:r>
-              <a:rPr lang="en-US" smtClean="0"/>
+              <a:rPr lang="en-US"/>
               <a:t>Click to edit Master title style</a:t>
             </a:r>
             <a:endParaRPr lang="en-US" dirty="0"/>
@@ -448,7 +453,7 @@
           </a:lstStyle>
           <a:p>
             <a:r>
-              <a:rPr lang="en-US" smtClean="0"/>
+              <a:rPr lang="en-US"/>
               <a:t>Click to edit Master subtitle style</a:t>
             </a:r>
             <a:endParaRPr lang="en-US" dirty="0"/>
@@ -606,7 +611,7 @@
   <p:clrMapOvr>
     <a:overrideClrMapping bg1="dk1" tx1="lt1" bg2="dk2" tx2="lt2" accent1="accent1" accent2="accent2" accent3="accent3" accent4="accent4" accent5="accent5" accent6="accent6" hlink="hlink" folHlink="folHlink"/>
   </p:clrMapOvr>
-  <p:extLst mod="1">
+  <p:extLst>
     <p:ext uri="{DCECCB84-F9BA-43D5-87BE-67443E8EF086}">
       <p15:sldGuideLst xmlns:p15="http://schemas.microsoft.com/office/powerpoint/2012/main">
         <p15:guide id="1" orient="horz" pos="792">
@@ -653,7 +658,7 @@
           <a:lstStyle/>
           <a:p>
             <a:r>
-              <a:rPr lang="en-US" smtClean="0"/>
+              <a:rPr lang="en-US"/>
               <a:t>Click to edit Master title style</a:t>
             </a:r>
             <a:endParaRPr lang="en-US" dirty="0"/>
@@ -682,35 +687,35 @@
           <a:p>
             <a:pPr lvl="0"/>
             <a:r>
-              <a:rPr lang="en-US" smtClean="0"/>
+              <a:rPr lang="en-US"/>
               <a:t>Edit Master text styles</a:t>
             </a:r>
           </a:p>
           <a:p>
             <a:pPr lvl="1"/>
             <a:r>
-              <a:rPr lang="en-US" smtClean="0"/>
+              <a:rPr lang="en-US"/>
               <a:t>Second level</a:t>
             </a:r>
           </a:p>
           <a:p>
             <a:pPr lvl="2"/>
             <a:r>
-              <a:rPr lang="en-US" smtClean="0"/>
+              <a:rPr lang="en-US"/>
               <a:t>Third level</a:t>
             </a:r>
           </a:p>
           <a:p>
             <a:pPr lvl="3"/>
             <a:r>
-              <a:rPr lang="en-US" smtClean="0"/>
+              <a:rPr lang="en-US"/>
               <a:t>Fourth level</a:t>
             </a:r>
           </a:p>
           <a:p>
             <a:pPr lvl="4"/>
             <a:r>
-              <a:rPr lang="en-US" smtClean="0"/>
+              <a:rPr lang="en-US"/>
               <a:t>Fifth level</a:t>
             </a:r>
             <a:endParaRPr lang="en-US" dirty="0"/>
@@ -1036,7 +1041,7 @@
           </a:lstStyle>
           <a:p>
             <a:r>
-              <a:rPr lang="en-US" smtClean="0"/>
+              <a:rPr lang="en-US"/>
               <a:t>Click to edit Master title style</a:t>
             </a:r>
             <a:endParaRPr lang="en-US" dirty="0"/>
@@ -1065,35 +1070,35 @@
           <a:p>
             <a:pPr lvl="0"/>
             <a:r>
-              <a:rPr lang="en-US" smtClean="0"/>
+              <a:rPr lang="en-US"/>
               <a:t>Edit Master text styles</a:t>
             </a:r>
           </a:p>
           <a:p>
             <a:pPr lvl="1"/>
             <a:r>
-              <a:rPr lang="en-US" smtClean="0"/>
+              <a:rPr lang="en-US"/>
               <a:t>Second level</a:t>
             </a:r>
           </a:p>
           <a:p>
             <a:pPr lvl="2"/>
             <a:r>
-              <a:rPr lang="en-US" smtClean="0"/>
+              <a:rPr lang="en-US"/>
               <a:t>Third level</a:t>
             </a:r>
           </a:p>
           <a:p>
             <a:pPr lvl="3"/>
             <a:r>
-              <a:rPr lang="en-US" smtClean="0"/>
+              <a:rPr lang="en-US"/>
               <a:t>Fourth level</a:t>
             </a:r>
           </a:p>
           <a:p>
             <a:pPr lvl="4"/>
             <a:r>
-              <a:rPr lang="en-US" smtClean="0"/>
+              <a:rPr lang="en-US"/>
               <a:t>Fifth level</a:t>
             </a:r>
             <a:endParaRPr lang="en-US" dirty="0"/>
@@ -1230,7 +1235,7 @@
   <p:clrMapOvr>
     <a:masterClrMapping/>
   </p:clrMapOvr>
-  <p:extLst mod="1">
+  <p:extLst>
     <p:ext uri="{DCECCB84-F9BA-43D5-87BE-67443E8EF086}">
       <p15:sldGuideLst xmlns:p15="http://schemas.microsoft.com/office/powerpoint/2012/main">
         <p15:guide id="1" pos="6456">
@@ -1277,7 +1282,7 @@
           <a:lstStyle/>
           <a:p>
             <a:r>
-              <a:rPr lang="en-US" smtClean="0"/>
+              <a:rPr lang="en-US"/>
               <a:t>Click to edit Master title style</a:t>
             </a:r>
             <a:endParaRPr lang="en-US" dirty="0"/>
@@ -1301,35 +1306,35 @@
           <a:p>
             <a:pPr lvl="0"/>
             <a:r>
-              <a:rPr lang="en-US" smtClean="0"/>
+              <a:rPr lang="en-US"/>
               <a:t>Edit Master text styles</a:t>
             </a:r>
           </a:p>
           <a:p>
             <a:pPr lvl="1"/>
             <a:r>
-              <a:rPr lang="en-US" smtClean="0"/>
+              <a:rPr lang="en-US"/>
               <a:t>Second level</a:t>
             </a:r>
           </a:p>
           <a:p>
             <a:pPr lvl="2"/>
             <a:r>
-              <a:rPr lang="en-US" smtClean="0"/>
+              <a:rPr lang="en-US"/>
               <a:t>Third level</a:t>
             </a:r>
           </a:p>
           <a:p>
             <a:pPr lvl="3"/>
             <a:r>
-              <a:rPr lang="en-US" smtClean="0"/>
+              <a:rPr lang="en-US"/>
               <a:t>Fourth level</a:t>
             </a:r>
           </a:p>
           <a:p>
             <a:pPr lvl="4"/>
             <a:r>
-              <a:rPr lang="en-US" smtClean="0"/>
+              <a:rPr lang="en-US"/>
               <a:t>Fifth level</a:t>
             </a:r>
             <a:endParaRPr lang="en-US" dirty="0"/>
@@ -1678,7 +1683,7 @@
           </a:lstStyle>
           <a:p>
             <a:r>
-              <a:rPr lang="en-US" smtClean="0"/>
+              <a:rPr lang="en-US"/>
               <a:t>Click to edit Master title style</a:t>
             </a:r>
             <a:endParaRPr lang="en-US" dirty="0"/>
@@ -1807,7 +1812,7 @@
           <a:p>
             <a:pPr lvl="0"/>
             <a:r>
-              <a:rPr lang="en-US" smtClean="0"/>
+              <a:rPr lang="en-US"/>
               <a:t>Edit Master text styles</a:t>
             </a:r>
           </a:p>
@@ -1973,7 +1978,7 @@
   <p:clrMapOvr>
     <a:masterClrMapping/>
   </p:clrMapOvr>
-  <p:extLst mod="1">
+  <p:extLst>
     <p:ext uri="{DCECCB84-F9BA-43D5-87BE-67443E8EF086}">
       <p15:sldGuideLst xmlns:p15="http://schemas.microsoft.com/office/powerpoint/2012/main">
         <p15:guide id="1" pos="6456">
@@ -2020,7 +2025,7 @@
           <a:lstStyle/>
           <a:p>
             <a:r>
-              <a:rPr lang="en-US" smtClean="0"/>
+              <a:rPr lang="en-US"/>
               <a:t>Click to edit Master title style</a:t>
             </a:r>
             <a:endParaRPr lang="en-US" dirty="0"/>
@@ -2049,35 +2054,35 @@
           <a:p>
             <a:pPr lvl="0"/>
             <a:r>
-              <a:rPr lang="en-US" smtClean="0"/>
+              <a:rPr lang="en-US"/>
               <a:t>Edit Master text styles</a:t>
             </a:r>
           </a:p>
           <a:p>
             <a:pPr lvl="1"/>
             <a:r>
-              <a:rPr lang="en-US" smtClean="0"/>
+              <a:rPr lang="en-US"/>
               <a:t>Second level</a:t>
             </a:r>
           </a:p>
           <a:p>
             <a:pPr lvl="2"/>
             <a:r>
-              <a:rPr lang="en-US" smtClean="0"/>
+              <a:rPr lang="en-US"/>
               <a:t>Third level</a:t>
             </a:r>
           </a:p>
           <a:p>
             <a:pPr lvl="3"/>
             <a:r>
-              <a:rPr lang="en-US" smtClean="0"/>
+              <a:rPr lang="en-US"/>
               <a:t>Fourth level</a:t>
             </a:r>
           </a:p>
           <a:p>
             <a:pPr lvl="4"/>
             <a:r>
-              <a:rPr lang="en-US" smtClean="0"/>
+              <a:rPr lang="en-US"/>
               <a:t>Fifth level</a:t>
             </a:r>
             <a:endParaRPr lang="en-US" dirty="0"/>
@@ -2106,35 +2111,35 @@
           <a:p>
             <a:pPr lvl="0"/>
             <a:r>
-              <a:rPr lang="en-US" smtClean="0"/>
+              <a:rPr lang="en-US"/>
               <a:t>Edit Master text styles</a:t>
             </a:r>
           </a:p>
           <a:p>
             <a:pPr lvl="1"/>
             <a:r>
-              <a:rPr lang="en-US" smtClean="0"/>
+              <a:rPr lang="en-US"/>
               <a:t>Second level</a:t>
             </a:r>
           </a:p>
           <a:p>
             <a:pPr lvl="2"/>
             <a:r>
-              <a:rPr lang="en-US" smtClean="0"/>
+              <a:rPr lang="en-US"/>
               <a:t>Third level</a:t>
             </a:r>
           </a:p>
           <a:p>
             <a:pPr lvl="3"/>
             <a:r>
-              <a:rPr lang="en-US" smtClean="0"/>
+              <a:rPr lang="en-US"/>
               <a:t>Fourth level</a:t>
             </a:r>
           </a:p>
           <a:p>
             <a:pPr lvl="4"/>
             <a:r>
-              <a:rPr lang="en-US" smtClean="0"/>
+              <a:rPr lang="en-US"/>
               <a:t>Fifth level</a:t>
             </a:r>
             <a:endParaRPr lang="en-US" dirty="0"/>
@@ -2259,7 +2264,7 @@
           <a:lstStyle/>
           <a:p>
             <a:r>
-              <a:rPr lang="en-US" smtClean="0"/>
+              <a:rPr lang="en-US"/>
               <a:t>Click to edit Master title style</a:t>
             </a:r>
             <a:endParaRPr lang="en-US" dirty="0"/>
@@ -2340,7 +2345,7 @@
           <a:p>
             <a:pPr lvl="0"/>
             <a:r>
-              <a:rPr lang="en-US" smtClean="0"/>
+              <a:rPr lang="en-US"/>
               <a:t>Edit Master text styles</a:t>
             </a:r>
           </a:p>
@@ -2368,35 +2373,35 @@
           <a:p>
             <a:pPr lvl="0"/>
             <a:r>
-              <a:rPr lang="en-US" smtClean="0"/>
+              <a:rPr lang="en-US"/>
               <a:t>Edit Master text styles</a:t>
             </a:r>
           </a:p>
           <a:p>
             <a:pPr lvl="1"/>
             <a:r>
-              <a:rPr lang="en-US" smtClean="0"/>
+              <a:rPr lang="en-US"/>
               <a:t>Second level</a:t>
             </a:r>
           </a:p>
           <a:p>
             <a:pPr lvl="2"/>
             <a:r>
-              <a:rPr lang="en-US" smtClean="0"/>
+              <a:rPr lang="en-US"/>
               <a:t>Third level</a:t>
             </a:r>
           </a:p>
           <a:p>
             <a:pPr lvl="3"/>
             <a:r>
-              <a:rPr lang="en-US" smtClean="0"/>
+              <a:rPr lang="en-US"/>
               <a:t>Fourth level</a:t>
             </a:r>
           </a:p>
           <a:p>
             <a:pPr lvl="4"/>
             <a:r>
-              <a:rPr lang="en-US" smtClean="0"/>
+              <a:rPr lang="en-US"/>
               <a:t>Fifth level</a:t>
             </a:r>
             <a:endParaRPr lang="en-US" dirty="0"/>
@@ -2471,7 +2476,7 @@
           <a:p>
             <a:pPr lvl="0"/>
             <a:r>
-              <a:rPr lang="en-US" smtClean="0"/>
+              <a:rPr lang="en-US"/>
               <a:t>Edit Master text styles</a:t>
             </a:r>
           </a:p>
@@ -2499,35 +2504,35 @@
           <a:p>
             <a:pPr lvl="0"/>
             <a:r>
-              <a:rPr lang="en-US" smtClean="0"/>
+              <a:rPr lang="en-US"/>
               <a:t>Edit Master text styles</a:t>
             </a:r>
           </a:p>
           <a:p>
             <a:pPr lvl="1"/>
             <a:r>
-              <a:rPr lang="en-US" smtClean="0"/>
+              <a:rPr lang="en-US"/>
               <a:t>Second level</a:t>
             </a:r>
           </a:p>
           <a:p>
             <a:pPr lvl="2"/>
             <a:r>
-              <a:rPr lang="en-US" smtClean="0"/>
+              <a:rPr lang="en-US"/>
               <a:t>Third level</a:t>
             </a:r>
           </a:p>
           <a:p>
             <a:pPr lvl="3"/>
             <a:r>
-              <a:rPr lang="en-US" smtClean="0"/>
+              <a:rPr lang="en-US"/>
               <a:t>Fourth level</a:t>
             </a:r>
           </a:p>
           <a:p>
             <a:pPr lvl="4"/>
             <a:r>
-              <a:rPr lang="en-US" smtClean="0"/>
+              <a:rPr lang="en-US"/>
               <a:t>Fifth level</a:t>
             </a:r>
             <a:endParaRPr lang="en-US" dirty="0"/>
@@ -2647,7 +2652,7 @@
           <a:lstStyle/>
           <a:p>
             <a:r>
-              <a:rPr lang="en-US" smtClean="0"/>
+              <a:rPr lang="en-US"/>
               <a:t>Click to edit Master title style</a:t>
             </a:r>
             <a:endParaRPr lang="en-US" dirty="0"/>
@@ -2878,7 +2883,7 @@
           </a:lstStyle>
           <a:p>
             <a:r>
-              <a:rPr lang="en-US" smtClean="0"/>
+              <a:rPr lang="en-US"/>
               <a:t>Click to edit Master title style</a:t>
             </a:r>
             <a:endParaRPr lang="en-US" dirty="0"/>
@@ -2950,35 +2955,35 @@
           <a:p>
             <a:pPr lvl="0"/>
             <a:r>
-              <a:rPr lang="en-US" smtClean="0"/>
+              <a:rPr lang="en-US"/>
               <a:t>Edit Master text styles</a:t>
             </a:r>
           </a:p>
           <a:p>
             <a:pPr lvl="1"/>
             <a:r>
-              <a:rPr lang="en-US" smtClean="0"/>
+              <a:rPr lang="en-US"/>
               <a:t>Second level</a:t>
             </a:r>
           </a:p>
           <a:p>
             <a:pPr lvl="2"/>
             <a:r>
-              <a:rPr lang="en-US" smtClean="0"/>
+              <a:rPr lang="en-US"/>
               <a:t>Third level</a:t>
             </a:r>
           </a:p>
           <a:p>
             <a:pPr lvl="3"/>
             <a:r>
-              <a:rPr lang="en-US" smtClean="0"/>
+              <a:rPr lang="en-US"/>
               <a:t>Fourth level</a:t>
             </a:r>
           </a:p>
           <a:p>
             <a:pPr lvl="4"/>
             <a:r>
-              <a:rPr lang="en-US" smtClean="0"/>
+              <a:rPr lang="en-US"/>
               <a:t>Fifth level</a:t>
             </a:r>
             <a:endParaRPr lang="en-US" dirty="0"/>
@@ -3047,7 +3052,7 @@
           <a:p>
             <a:pPr lvl="0"/>
             <a:r>
-              <a:rPr lang="en-US" smtClean="0"/>
+              <a:rPr lang="en-US"/>
               <a:t>Edit Master text styles</a:t>
             </a:r>
           </a:p>
@@ -3180,7 +3185,7 @@
           </a:lstStyle>
           <a:p>
             <a:r>
-              <a:rPr lang="en-US" smtClean="0"/>
+              <a:rPr lang="en-US"/>
               <a:t>Click to edit Master title style</a:t>
             </a:r>
             <a:endParaRPr lang="en-US" dirty="0"/>
@@ -3245,7 +3250,7 @@
           </a:lstStyle>
           <a:p>
             <a:r>
-              <a:rPr lang="en-US" smtClean="0"/>
+              <a:rPr lang="en-US"/>
               <a:t>Click icon to add picture</a:t>
             </a:r>
             <a:endParaRPr lang="en-US" dirty="0"/>
@@ -3314,7 +3319,7 @@
           <a:p>
             <a:pPr lvl="0"/>
             <a:r>
-              <a:rPr lang="en-US" smtClean="0"/>
+              <a:rPr lang="en-US"/>
               <a:t>Edit Master text styles</a:t>
             </a:r>
           </a:p>
@@ -3651,7 +3656,7 @@
           <a:lstStyle/>
           <a:p>
             <a:r>
-              <a:rPr lang="en-US" smtClean="0"/>
+              <a:rPr lang="en-US"/>
               <a:t>Click to edit Master title style</a:t>
             </a:r>
             <a:endParaRPr lang="en-US" dirty="0"/>
@@ -3685,35 +3690,35 @@
           <a:p>
             <a:pPr lvl="0"/>
             <a:r>
-              <a:rPr lang="en-US" smtClean="0"/>
+              <a:rPr lang="en-US"/>
               <a:t>Edit Master text styles</a:t>
             </a:r>
           </a:p>
           <a:p>
             <a:pPr lvl="1"/>
             <a:r>
-              <a:rPr lang="en-US" smtClean="0"/>
+              <a:rPr lang="en-US"/>
               <a:t>Second level</a:t>
             </a:r>
           </a:p>
           <a:p>
             <a:pPr lvl="2"/>
             <a:r>
-              <a:rPr lang="en-US" smtClean="0"/>
+              <a:rPr lang="en-US"/>
               <a:t>Third level</a:t>
             </a:r>
           </a:p>
           <a:p>
             <a:pPr lvl="3"/>
             <a:r>
-              <a:rPr lang="en-US" smtClean="0"/>
+              <a:rPr lang="en-US"/>
               <a:t>Fourth level</a:t>
             </a:r>
           </a:p>
           <a:p>
             <a:pPr lvl="4"/>
             <a:r>
-              <a:rPr lang="en-US" smtClean="0"/>
+              <a:rPr lang="en-US"/>
               <a:t>Fifth level</a:t>
             </a:r>
             <a:endParaRPr lang="en-US" dirty="0"/>
@@ -4213,7 +4218,7 @@
       </a:lvl9pPr>
     </p:otherStyle>
   </p:txStyles>
-  <p:extLst mod="1">
+  <p:extLst>
     <p:ext uri="{27BBF7A9-308A-43DC-89C8-2F10F3537804}">
       <p15:sldGuideLst xmlns:p15="http://schemas.microsoft.com/office/powerpoint/2012/main">
         <p15:guide id="1" pos="2832">
@@ -4313,39 +4318,38 @@
           <a:p>
             <a:pPr algn="l"/>
             <a:r>
-              <a:rPr lang="id-ID" dirty="0" smtClean="0"/>
+              <a:rPr lang="id-ID" dirty="0"/>
               <a:t>Patrick Sungk</a:t>
             </a:r>
             <a:r>
-              <a:rPr lang="en-US" dirty="0" smtClean="0"/>
+              <a:rPr lang="en-US" dirty="0"/>
               <a:t>h</a:t>
             </a:r>
             <a:r>
-              <a:rPr lang="id-ID" dirty="0" smtClean="0"/>
+              <a:rPr lang="id-ID" dirty="0"/>
               <a:t>arisma				05111740000041</a:t>
             </a:r>
           </a:p>
           <a:p>
             <a:pPr algn="l"/>
             <a:r>
-              <a:rPr lang="id-ID" dirty="0" smtClean="0"/>
+              <a:rPr lang="id-ID" dirty="0"/>
               <a:t>Jonathan Alphabert S				05111740000053</a:t>
             </a:r>
           </a:p>
           <a:p>
             <a:pPr algn="l"/>
             <a:r>
-              <a:rPr lang="id-ID" dirty="0" smtClean="0"/>
+              <a:rPr lang="id-ID" dirty="0"/>
               <a:t>Fandi Pranata Jaya				05111740000056</a:t>
             </a:r>
           </a:p>
           <a:p>
             <a:pPr algn="l"/>
             <a:r>
-              <a:rPr lang="id-ID" dirty="0" smtClean="0"/>
+              <a:rPr lang="id-ID" dirty="0"/>
               <a:t>Octavianus Giovanni 				05111740000113</a:t>
             </a:r>
-            <a:endParaRPr lang="id-ID" dirty="0"/>
           </a:p>
         </p:txBody>
       </p:sp>
@@ -4359,13 +4363,513 @@
   <p:clrMapOvr>
     <a:masterClrMapping/>
   </p:clrMapOvr>
-  <p:timing>
-    <p:tnLst>
-      <p:par>
-        <p:cTn id="1" dur="indefinite" restart="never" nodeType="tmRoot"/>
-      </p:par>
-    </p:tnLst>
-  </p:timing>
+</p:sld>
+</file>
+
+<file path=ppt/slides/slide10.xml><?xml version="1.0" encoding="utf-8"?>
+<p:sld xmlns:a="http://schemas.openxmlformats.org/drawingml/2006/main" xmlns:r="http://schemas.openxmlformats.org/officeDocument/2006/relationships" xmlns:p="http://schemas.openxmlformats.org/presentationml/2006/main">
+  <p:cSld>
+    <p:spTree>
+      <p:nvGrpSpPr>
+        <p:cNvPr id="1" name=""/>
+        <p:cNvGrpSpPr/>
+        <p:nvPr/>
+      </p:nvGrpSpPr>
+      <p:grpSpPr>
+        <a:xfrm>
+          <a:off x="0" y="0"/>
+          <a:ext cx="0" cy="0"/>
+          <a:chOff x="0" y="0"/>
+          <a:chExt cx="0" cy="0"/>
+        </a:xfrm>
+      </p:grpSpPr>
+      <p:sp>
+        <p:nvSpPr>
+          <p:cNvPr id="2" name="Title 1"/>
+          <p:cNvSpPr>
+            <a:spLocks noGrp="1"/>
+          </p:cNvSpPr>
+          <p:nvPr>
+            <p:ph type="title"/>
+          </p:nvPr>
+        </p:nvSpPr>
+        <p:spPr/>
+        <p:txBody>
+          <a:bodyPr>
+            <a:normAutofit/>
+          </a:bodyPr>
+          <a:lstStyle/>
+          <a:p>
+            <a:r>
+              <a:rPr lang="en-US" sz="3600" dirty="0"/>
+              <a:t>Multiple Texture</a:t>
+            </a:r>
+          </a:p>
+        </p:txBody>
+      </p:sp>
+      <p:sp>
+        <p:nvSpPr>
+          <p:cNvPr id="3" name="Content Placeholder 2"/>
+          <p:cNvSpPr>
+            <a:spLocks noGrp="1"/>
+          </p:cNvSpPr>
+          <p:nvPr>
+            <p:ph idx="1"/>
+          </p:nvPr>
+        </p:nvSpPr>
+        <p:spPr/>
+        <p:txBody>
+          <a:bodyPr>
+            <a:normAutofit fontScale="92500" lnSpcReduction="20000"/>
+          </a:bodyPr>
+          <a:lstStyle/>
+          <a:p>
+            <a:pPr marL="0" indent="0">
+              <a:buNone/>
+            </a:pPr>
+            <a:r>
+              <a:rPr lang="en-US" dirty="0" err="1"/>
+              <a:t>Menggunakan</a:t>
+            </a:r>
+            <a:r>
+              <a:rPr lang="en-US" dirty="0"/>
+              <a:t> </a:t>
+            </a:r>
+            <a:r>
+              <a:rPr lang="en-US" dirty="0" err="1"/>
+              <a:t>beberapa</a:t>
+            </a:r>
+            <a:r>
+              <a:rPr lang="en-US" dirty="0"/>
+              <a:t> particle system </a:t>
+            </a:r>
+            <a:r>
+              <a:rPr lang="en-US" dirty="0" err="1"/>
+              <a:t>untuk</a:t>
+            </a:r>
+            <a:r>
+              <a:rPr lang="en-US" dirty="0"/>
+              <a:t> load   texture yang </a:t>
+            </a:r>
+            <a:r>
+              <a:rPr lang="en-US" dirty="0" err="1"/>
+              <a:t>berbeda</a:t>
+            </a:r>
+            <a:endParaRPr lang="en-US" dirty="0"/>
+          </a:p>
+          <a:p>
+            <a:pPr marL="402336" lvl="1" indent="0">
+              <a:buNone/>
+            </a:pPr>
+            <a:r>
+              <a:rPr lang="en-US" dirty="0" err="1"/>
+              <a:t>var</a:t>
+            </a:r>
+            <a:r>
+              <a:rPr lang="en-US" dirty="0"/>
+              <a:t> texture1 = </a:t>
+            </a:r>
+            <a:r>
+              <a:rPr lang="en-US" dirty="0" err="1"/>
+              <a:t>THREE.ImageUtils.loadTexture</a:t>
+            </a:r>
+            <a:r>
+              <a:rPr lang="en-US" dirty="0"/>
+              <a:t>("…");</a:t>
+            </a:r>
+          </a:p>
+          <a:p>
+            <a:pPr marL="402336" lvl="1" indent="0">
+              <a:buNone/>
+            </a:pPr>
+            <a:r>
+              <a:rPr lang="en-US" dirty="0" err="1"/>
+              <a:t>var</a:t>
+            </a:r>
+            <a:r>
+              <a:rPr lang="en-US" dirty="0"/>
+              <a:t> texture2 = </a:t>
+            </a:r>
+            <a:r>
+              <a:rPr lang="en-US" dirty="0" err="1"/>
+              <a:t>THREE.ImageUtils.loadTexture</a:t>
+            </a:r>
+            <a:r>
+              <a:rPr lang="en-US" dirty="0"/>
+              <a:t>(“…");</a:t>
+            </a:r>
+          </a:p>
+          <a:p>
+            <a:pPr marL="402336" lvl="1" indent="0">
+              <a:buNone/>
+            </a:pPr>
+            <a:r>
+              <a:rPr lang="en-US" dirty="0"/>
+              <a:t>.</a:t>
+            </a:r>
+          </a:p>
+          <a:p>
+            <a:pPr marL="402336" lvl="1" indent="0">
+              <a:buNone/>
+            </a:pPr>
+            <a:r>
+              <a:rPr lang="en-US" dirty="0"/>
+              <a:t>.</a:t>
+            </a:r>
+          </a:p>
+          <a:p>
+            <a:pPr marL="402336" lvl="1" indent="0">
+              <a:buNone/>
+            </a:pPr>
+            <a:r>
+              <a:rPr lang="en-US" dirty="0" err="1"/>
+              <a:t>scene.add</a:t>
+            </a:r>
+            <a:r>
+              <a:rPr lang="en-US" dirty="0"/>
+              <a:t>(</a:t>
+            </a:r>
+            <a:r>
+              <a:rPr lang="en-US" dirty="0" err="1"/>
+              <a:t>createPointCloud</a:t>
+            </a:r>
+            <a:r>
+              <a:rPr lang="en-US" dirty="0"/>
+              <a:t>("system1", texture1, size, transparent, opacity, </a:t>
+            </a:r>
+            <a:r>
+              <a:rPr lang="en-US" dirty="0" err="1"/>
+              <a:t>sizeAttenuation</a:t>
+            </a:r>
+            <a:r>
+              <a:rPr lang="en-US" dirty="0"/>
+              <a:t>, color));</a:t>
+            </a:r>
+          </a:p>
+          <a:p>
+            <a:pPr marL="402336" lvl="1" indent="0">
+              <a:buNone/>
+            </a:pPr>
+            <a:r>
+              <a:rPr lang="en-US" dirty="0" err="1"/>
+              <a:t>scene.add</a:t>
+            </a:r>
+            <a:r>
+              <a:rPr lang="en-US" dirty="0"/>
+              <a:t>(</a:t>
+            </a:r>
+            <a:r>
+              <a:rPr lang="en-US" dirty="0" err="1"/>
+              <a:t>createPointCloud</a:t>
+            </a:r>
+            <a:r>
+              <a:rPr lang="en-US" dirty="0"/>
+              <a:t>("system2", texture2, size, transparent, opacity, </a:t>
+            </a:r>
+            <a:r>
+              <a:rPr lang="en-US" dirty="0" err="1"/>
+              <a:t>sizeAttenuation</a:t>
+            </a:r>
+            <a:r>
+              <a:rPr lang="en-US" dirty="0"/>
+              <a:t>, color));</a:t>
+            </a:r>
+          </a:p>
+          <a:p>
+            <a:pPr marL="0" indent="0">
+              <a:buNone/>
+            </a:pPr>
+            <a:endParaRPr lang="en-US" dirty="0"/>
+          </a:p>
+          <a:p>
+            <a:pPr marL="0" indent="0">
+              <a:buNone/>
+            </a:pPr>
+            <a:r>
+              <a:rPr lang="en-US" dirty="0" err="1"/>
+              <a:t>Meskipun</a:t>
+            </a:r>
+            <a:r>
+              <a:rPr lang="en-US" dirty="0"/>
+              <a:t> bisa load </a:t>
+            </a:r>
+            <a:r>
+              <a:rPr lang="en-US" dirty="0" err="1"/>
+              <a:t>beberapa</a:t>
+            </a:r>
+            <a:r>
+              <a:rPr lang="en-US" dirty="0"/>
+              <a:t> texture, tidak </a:t>
+            </a:r>
+            <a:r>
+              <a:rPr lang="en-US" dirty="0" err="1"/>
+              <a:t>efisien</a:t>
+            </a:r>
+            <a:r>
+              <a:rPr lang="en-US" dirty="0"/>
+              <a:t> </a:t>
+            </a:r>
+            <a:r>
+              <a:rPr lang="en-US" dirty="0" err="1"/>
+              <a:t>semakin</a:t>
+            </a:r>
+            <a:r>
+              <a:rPr lang="en-US" dirty="0"/>
+              <a:t> </a:t>
+            </a:r>
+            <a:r>
+              <a:rPr lang="en-US" dirty="0" err="1"/>
+              <a:t>banyak</a:t>
+            </a:r>
+            <a:r>
+              <a:rPr lang="en-US" dirty="0"/>
+              <a:t> </a:t>
+            </a:r>
+            <a:r>
+              <a:rPr lang="en-US" dirty="0" err="1"/>
+              <a:t>jenis</a:t>
+            </a:r>
+            <a:r>
+              <a:rPr lang="en-US" dirty="0"/>
+              <a:t> </a:t>
+            </a:r>
+            <a:r>
+              <a:rPr lang="en-US" dirty="0" err="1"/>
+              <a:t>texturenya</a:t>
+            </a:r>
+            <a:endParaRPr lang="en-US" dirty="0"/>
+          </a:p>
+          <a:p>
+            <a:pPr marL="0" indent="0">
+              <a:buNone/>
+            </a:pPr>
+            <a:endParaRPr lang="en-US" dirty="0"/>
+          </a:p>
+          <a:p>
+            <a:pPr marL="0" indent="0">
+              <a:buNone/>
+            </a:pPr>
+            <a:r>
+              <a:rPr lang="en-US" dirty="0" err="1"/>
+              <a:t>Jika</a:t>
+            </a:r>
+            <a:r>
+              <a:rPr lang="en-US" dirty="0"/>
+              <a:t> particle </a:t>
+            </a:r>
+            <a:r>
+              <a:rPr lang="en-US" dirty="0" err="1"/>
+              <a:t>sedikit</a:t>
+            </a:r>
+            <a:r>
+              <a:rPr lang="en-US" dirty="0"/>
+              <a:t> dan style texture </a:t>
+            </a:r>
+            <a:r>
+              <a:rPr lang="en-US" dirty="0" err="1"/>
+              <a:t>banyak</a:t>
+            </a:r>
+            <a:r>
+              <a:rPr lang="en-US" dirty="0"/>
+              <a:t>, lebih </a:t>
+            </a:r>
+            <a:r>
+              <a:rPr lang="en-US" dirty="0" err="1"/>
+              <a:t>baik</a:t>
+            </a:r>
+            <a:r>
+              <a:rPr lang="en-US" dirty="0"/>
+              <a:t> </a:t>
+            </a:r>
+            <a:r>
+              <a:rPr lang="en-US" dirty="0" err="1"/>
+              <a:t>menggunakan</a:t>
+            </a:r>
+            <a:r>
+              <a:rPr lang="en-US" dirty="0"/>
+              <a:t> </a:t>
+            </a:r>
+            <a:r>
+              <a:rPr lang="en-US" dirty="0" err="1"/>
+              <a:t>THREE.sprite</a:t>
+            </a:r>
+            <a:endParaRPr lang="en-US" dirty="0"/>
+          </a:p>
+          <a:p>
+            <a:pPr marL="0" indent="0">
+              <a:buNone/>
+            </a:pPr>
+            <a:endParaRPr lang="en-US" dirty="0"/>
+          </a:p>
+          <a:p>
+            <a:pPr marL="0" indent="0">
+              <a:buNone/>
+            </a:pPr>
+            <a:endParaRPr lang="en-US" dirty="0"/>
+          </a:p>
+        </p:txBody>
+      </p:sp>
+    </p:spTree>
+    <p:extLst>
+      <p:ext uri="{BB962C8B-B14F-4D97-AF65-F5344CB8AC3E}">
+        <p14:creationId xmlns:p14="http://schemas.microsoft.com/office/powerpoint/2010/main" val="1462763499"/>
+      </p:ext>
+    </p:extLst>
+  </p:cSld>
+  <p:clrMapOvr>
+    <a:masterClrMapping/>
+  </p:clrMapOvr>
+</p:sld>
+</file>
+
+<file path=ppt/slides/slide11.xml><?xml version="1.0" encoding="utf-8"?>
+<p:sld xmlns:a="http://schemas.openxmlformats.org/drawingml/2006/main" xmlns:r="http://schemas.openxmlformats.org/officeDocument/2006/relationships" xmlns:p="http://schemas.openxmlformats.org/presentationml/2006/main">
+  <p:cSld>
+    <p:spTree>
+      <p:nvGrpSpPr>
+        <p:cNvPr id="1" name=""/>
+        <p:cNvGrpSpPr/>
+        <p:nvPr/>
+      </p:nvGrpSpPr>
+      <p:grpSpPr>
+        <a:xfrm>
+          <a:off x="0" y="0"/>
+          <a:ext cx="0" cy="0"/>
+          <a:chOff x="0" y="0"/>
+          <a:chExt cx="0" cy="0"/>
+        </a:xfrm>
+      </p:grpSpPr>
+      <p:sp>
+        <p:nvSpPr>
+          <p:cNvPr id="2" name="Title 1"/>
+          <p:cNvSpPr>
+            <a:spLocks noGrp="1"/>
+          </p:cNvSpPr>
+          <p:nvPr>
+            <p:ph type="title"/>
+          </p:nvPr>
+        </p:nvSpPr>
+        <p:spPr/>
+        <p:txBody>
+          <a:bodyPr>
+            <a:noAutofit/>
+          </a:bodyPr>
+          <a:lstStyle/>
+          <a:p>
+            <a:r>
+              <a:rPr lang="en-US" sz="3600" dirty="0"/>
+              <a:t>Creating THREE.</a:t>
+            </a:r>
+            <a:br>
+              <a:rPr lang="id-ID" sz="3600" dirty="0"/>
+            </a:br>
+            <a:r>
+              <a:rPr lang="en-US" sz="3600" dirty="0" err="1"/>
+              <a:t>PointCloud</a:t>
+            </a:r>
+            <a:r>
+              <a:rPr lang="en-US" sz="3600" dirty="0"/>
+              <a:t> from an advanced geometry </a:t>
+            </a:r>
+          </a:p>
+        </p:txBody>
+      </p:sp>
+      <p:sp>
+        <p:nvSpPr>
+          <p:cNvPr id="3" name="Content Placeholder 2"/>
+          <p:cNvSpPr>
+            <a:spLocks noGrp="1"/>
+          </p:cNvSpPr>
+          <p:nvPr>
+            <p:ph idx="1"/>
+          </p:nvPr>
+        </p:nvSpPr>
+        <p:spPr/>
+        <p:txBody>
+          <a:bodyPr/>
+          <a:lstStyle/>
+          <a:p>
+            <a:r>
+              <a:rPr lang="id-ID" dirty="0"/>
+              <a:t>THREE.PointCloud merender setiap partikel berdasarkan dari geometri yang telah disediakan. Sehingga dengan demikian kita dapat menggunakan complex geometri dengan THREE.PointCloud</a:t>
+            </a:r>
+            <a:endParaRPr lang="en-US" dirty="0"/>
+          </a:p>
+        </p:txBody>
+      </p:sp>
+    </p:spTree>
+    <p:extLst>
+      <p:ext uri="{BB962C8B-B14F-4D97-AF65-F5344CB8AC3E}">
+        <p14:creationId xmlns:p14="http://schemas.microsoft.com/office/powerpoint/2010/main" val="1188032180"/>
+      </p:ext>
+    </p:extLst>
+  </p:cSld>
+  <p:clrMapOvr>
+    <a:masterClrMapping/>
+  </p:clrMapOvr>
+</p:sld>
+</file>
+
+<file path=ppt/slides/slide12.xml><?xml version="1.0" encoding="utf-8"?>
+<p:sld xmlns:a="http://schemas.openxmlformats.org/drawingml/2006/main" xmlns:r="http://schemas.openxmlformats.org/officeDocument/2006/relationships" xmlns:p="http://schemas.openxmlformats.org/presentationml/2006/main">
+  <p:cSld>
+    <p:spTree>
+      <p:nvGrpSpPr>
+        <p:cNvPr id="1" name=""/>
+        <p:cNvGrpSpPr/>
+        <p:nvPr/>
+      </p:nvGrpSpPr>
+      <p:grpSpPr>
+        <a:xfrm>
+          <a:off x="0" y="0"/>
+          <a:ext cx="0" cy="0"/>
+          <a:chOff x="0" y="0"/>
+          <a:chExt cx="0" cy="0"/>
+        </a:xfrm>
+      </p:grpSpPr>
+      <p:sp>
+        <p:nvSpPr>
+          <p:cNvPr id="2" name="Title 1">
+            <a:extLst>
+              <a:ext uri="{FF2B5EF4-FFF2-40B4-BE49-F238E27FC236}">
+                <a16:creationId xmlns:a16="http://schemas.microsoft.com/office/drawing/2014/main" id="{2365D281-D5F8-4B0E-AC2C-1E9CF2E6E93E}"/>
+              </a:ext>
+            </a:extLst>
+          </p:cNvPr>
+          <p:cNvSpPr>
+            <a:spLocks noGrp="1"/>
+          </p:cNvSpPr>
+          <p:nvPr>
+            <p:ph type="title"/>
+          </p:nvPr>
+        </p:nvSpPr>
+        <p:spPr>
+          <a:xfrm>
+            <a:off x="1447800" y="2940380"/>
+            <a:ext cx="9296400" cy="977240"/>
+          </a:xfrm>
+        </p:spPr>
+        <p:txBody>
+          <a:bodyPr/>
+          <a:lstStyle/>
+          <a:p>
+            <a:r>
+              <a:rPr lang="en-US" dirty="0"/>
+              <a:t>Thank You For Your Attention</a:t>
+            </a:r>
+          </a:p>
+        </p:txBody>
+      </p:sp>
+    </p:spTree>
+    <p:extLst>
+      <p:ext uri="{BB962C8B-B14F-4D97-AF65-F5344CB8AC3E}">
+        <p14:creationId xmlns:p14="http://schemas.microsoft.com/office/powerpoint/2010/main" val="109936516"/>
+      </p:ext>
+    </p:extLst>
+  </p:cSld>
+  <p:clrMapOvr>
+    <a:masterClrMapping/>
+  </p:clrMapOvr>
 </p:sld>
 </file>
 
@@ -4388,7 +4892,13 @@
       </p:grpSpPr>
       <p:sp>
         <p:nvSpPr>
-          <p:cNvPr id="2" name="Title 1"/>
+          <p:cNvPr id="2" name="Title 1">
+            <a:extLst>
+              <a:ext uri="{FF2B5EF4-FFF2-40B4-BE49-F238E27FC236}">
+                <a16:creationId xmlns:a16="http://schemas.microsoft.com/office/drawing/2014/main" id="{6114E6F0-6D4D-4480-B5E7-17E249364C02}"/>
+              </a:ext>
+            </a:extLst>
+          </p:cNvPr>
           <p:cNvSpPr>
             <a:spLocks noGrp="1"/>
           </p:cNvSpPr>
@@ -4398,8 +4908,8 @@
         </p:nvSpPr>
         <p:spPr>
           <a:xfrm>
-            <a:off x="256032" y="559678"/>
-            <a:ext cx="4339874" cy="4952492"/>
+            <a:off x="617838" y="559678"/>
+            <a:ext cx="3978068" cy="4952492"/>
           </a:xfrm>
         </p:spPr>
         <p:txBody>
@@ -4409,16 +4919,21 @@
           <a:lstStyle/>
           <a:p>
             <a:r>
-              <a:rPr lang="id-ID" sz="3600" b="1" dirty="0"/>
-              <a:t>THREE. CanvasRenderer </a:t>
-            </a:r>
-            <a:endParaRPr lang="id-ID" sz="3600" dirty="0"/>
-          </a:p>
-        </p:txBody>
-      </p:sp>
-      <p:sp>
-        <p:nvSpPr>
-          <p:cNvPr id="3" name="Content Placeholder 2"/>
+              <a:rPr lang="en-US" sz="3600" dirty="0"/>
+              <a:t>Introduction</a:t>
+            </a:r>
+          </a:p>
+        </p:txBody>
+      </p:sp>
+      <p:sp>
+        <p:nvSpPr>
+          <p:cNvPr id="3" name="Content Placeholder 2">
+            <a:extLst>
+              <a:ext uri="{FF2B5EF4-FFF2-40B4-BE49-F238E27FC236}">
+                <a16:creationId xmlns:a16="http://schemas.microsoft.com/office/drawing/2014/main" id="{C36A46F2-B24C-4B68-B14B-7B2680A699F3}"/>
+              </a:ext>
+            </a:extLst>
+          </p:cNvPr>
           <p:cNvSpPr>
             <a:spLocks noGrp="1"/>
           </p:cNvSpPr>
@@ -4431,33 +4946,147 @@
           <a:bodyPr/>
           <a:lstStyle/>
           <a:p>
-            <a:pPr marL="0" indent="0">
-              <a:buNone/>
-            </a:pPr>
-            <a:r>
-              <a:rPr lang="id-ID" dirty="0" smtClean="0"/>
-              <a:t>Dengan menggunakan THREE.CanvasRenderer, kita dapat menggunakan output dari HTML5 canvas sebagai texture dari sebuah partikel.</a:t>
-            </a:r>
+            <a:r>
+              <a:rPr lang="en-US" dirty="0"/>
+              <a:t>Sprite: </a:t>
+            </a:r>
+            <a:r>
+              <a:rPr lang="en-US" dirty="0" err="1"/>
+              <a:t>Sebuah</a:t>
+            </a:r>
+            <a:r>
+              <a:rPr lang="en-US" dirty="0"/>
+              <a:t> </a:t>
+            </a:r>
+            <a:r>
+              <a:rPr lang="en-US" dirty="0" err="1"/>
+              <a:t>bidang</a:t>
+            </a:r>
+            <a:r>
+              <a:rPr lang="en-US" dirty="0"/>
+              <a:t> 2 </a:t>
+            </a:r>
+            <a:r>
+              <a:rPr lang="en-US" dirty="0" err="1"/>
+              <a:t>dimensi</a:t>
+            </a:r>
+            <a:r>
+              <a:rPr lang="en-US" dirty="0"/>
+              <a:t> yang </a:t>
+            </a:r>
+            <a:r>
+              <a:rPr lang="en-US" dirty="0" err="1"/>
+              <a:t>selalu</a:t>
+            </a:r>
+            <a:r>
+              <a:rPr lang="en-US" dirty="0"/>
+              <a:t> </a:t>
+            </a:r>
+            <a:r>
+              <a:rPr lang="en-US" dirty="0" err="1"/>
+              <a:t>menghadap</a:t>
+            </a:r>
+            <a:r>
+              <a:rPr lang="en-US" dirty="0"/>
+              <a:t> </a:t>
+            </a:r>
+            <a:r>
+              <a:rPr lang="en-US" dirty="0" err="1"/>
+              <a:t>kepada</a:t>
+            </a:r>
+            <a:r>
+              <a:rPr lang="en-US" dirty="0"/>
+              <a:t> </a:t>
+            </a:r>
+            <a:r>
+              <a:rPr lang="en-US" dirty="0" err="1"/>
+              <a:t>kamera</a:t>
+            </a:r>
+            <a:r>
+              <a:rPr lang="en-US" dirty="0"/>
+              <a:t>.</a:t>
+            </a:r>
+          </a:p>
+          <a:p>
+            <a:r>
+              <a:rPr lang="en-US" dirty="0"/>
+              <a:t>Particle: </a:t>
+            </a:r>
+            <a:r>
+              <a:rPr lang="en-US" dirty="0" err="1"/>
+              <a:t>sama</a:t>
+            </a:r>
+            <a:r>
+              <a:rPr lang="en-US" dirty="0"/>
+              <a:t> </a:t>
+            </a:r>
+            <a:r>
+              <a:rPr lang="en-US" dirty="0" err="1"/>
+              <a:t>seperti</a:t>
+            </a:r>
+            <a:r>
+              <a:rPr lang="en-US" dirty="0"/>
+              <a:t> sprite, </a:t>
+            </a:r>
+            <a:r>
+              <a:rPr lang="en-US" dirty="0" err="1"/>
+              <a:t>penyebutan</a:t>
+            </a:r>
+            <a:r>
+              <a:rPr lang="en-US" dirty="0"/>
+              <a:t> di </a:t>
+            </a:r>
+            <a:r>
+              <a:rPr lang="en-US" dirty="0" err="1"/>
+              <a:t>versi</a:t>
+            </a:r>
+            <a:r>
+              <a:rPr lang="en-US" dirty="0"/>
+              <a:t> lama THREE </a:t>
+            </a:r>
+            <a:r>
+              <a:rPr lang="en-US" dirty="0" err="1"/>
+              <a:t>js</a:t>
+            </a:r>
+            <a:endParaRPr lang="en-US" dirty="0"/>
+          </a:p>
+          <a:p>
+            <a:r>
+              <a:rPr lang="en-US" dirty="0"/>
+              <a:t>Point Cloud: Kumpulan </a:t>
+            </a:r>
+            <a:r>
+              <a:rPr lang="en-US" dirty="0" err="1"/>
+              <a:t>dari</a:t>
+            </a:r>
+            <a:r>
+              <a:rPr lang="en-US" dirty="0"/>
+              <a:t> </a:t>
+            </a:r>
+            <a:r>
+              <a:rPr lang="en-US" dirty="0" err="1"/>
+              <a:t>banyak</a:t>
+            </a:r>
+            <a:r>
+              <a:rPr lang="en-US" dirty="0"/>
+              <a:t> particle</a:t>
+            </a:r>
+          </a:p>
+          <a:p>
+            <a:endParaRPr lang="en-US" sz="1800" dirty="0"/>
           </a:p>
         </p:txBody>
       </p:sp>
     </p:spTree>
     <p:extLst>
       <p:ext uri="{BB962C8B-B14F-4D97-AF65-F5344CB8AC3E}">
-        <p14:creationId xmlns:p14="http://schemas.microsoft.com/office/powerpoint/2010/main" val="1606193262"/>
+        <p14:creationId xmlns:p14="http://schemas.microsoft.com/office/powerpoint/2010/main" val="831421769"/>
       </p:ext>
     </p:extLst>
   </p:cSld>
   <p:clrMapOvr>
     <a:masterClrMapping/>
   </p:clrMapOvr>
-  <p:timing>
-    <p:tnLst>
-      <p:par>
-        <p:cTn id="1" dur="indefinite" restart="never" nodeType="tmRoot"/>
-      </p:par>
-    </p:tnLst>
-  </p:timing>
 </p:sld>
 </file>
 
@@ -4480,7 +5109,13 @@
       </p:grpSpPr>
       <p:sp>
         <p:nvSpPr>
-          <p:cNvPr id="2" name="Title 1"/>
+          <p:cNvPr id="2" name="Title 1">
+            <a:extLst>
+              <a:ext uri="{FF2B5EF4-FFF2-40B4-BE49-F238E27FC236}">
+                <a16:creationId xmlns:a16="http://schemas.microsoft.com/office/drawing/2014/main" id="{37F072F0-B4E1-44EE-A81E-3B92598A2D5B}"/>
+              </a:ext>
+            </a:extLst>
+          </p:cNvPr>
           <p:cNvSpPr>
             <a:spLocks noGrp="1"/>
           </p:cNvSpPr>
@@ -4488,7 +5123,12 @@
             <p:ph type="title"/>
           </p:nvPr>
         </p:nvSpPr>
-        <p:spPr/>
+        <p:spPr>
+          <a:xfrm>
+            <a:off x="762002" y="559678"/>
+            <a:ext cx="3833904" cy="4952492"/>
+          </a:xfrm>
+        </p:spPr>
         <p:txBody>
           <a:bodyPr>
             <a:normAutofit/>
@@ -4496,16 +5136,21 @@
           <a:lstStyle/>
           <a:p>
             <a:r>
-              <a:rPr lang="id-ID" sz="3600" b="1" dirty="0" smtClean="0"/>
-              <a:t>Attributte material THREE.CanvasRenderer</a:t>
-            </a:r>
-            <a:endParaRPr lang="id-ID" sz="3600" b="1" dirty="0"/>
-          </a:p>
-        </p:txBody>
-      </p:sp>
-      <p:sp>
-        <p:nvSpPr>
-          <p:cNvPr id="3" name="Content Placeholder 2"/>
+              <a:rPr lang="en-US" sz="3600" dirty="0"/>
+              <a:t>Point Cloud</a:t>
+            </a:r>
+          </a:p>
+        </p:txBody>
+      </p:sp>
+      <p:sp>
+        <p:nvSpPr>
+          <p:cNvPr id="3" name="Content Placeholder 2">
+            <a:extLst>
+              <a:ext uri="{FF2B5EF4-FFF2-40B4-BE49-F238E27FC236}">
+                <a16:creationId xmlns:a16="http://schemas.microsoft.com/office/drawing/2014/main" id="{5E64BCF9-72A3-4356-857C-FA045E84B672}"/>
+              </a:ext>
+            </a:extLst>
+          </p:cNvPr>
           <p:cNvSpPr>
             <a:spLocks noGrp="1"/>
           </p:cNvSpPr>
@@ -4513,71 +5158,82 @@
             <p:ph idx="1"/>
           </p:nvPr>
         </p:nvSpPr>
-        <p:spPr>
-          <a:xfrm>
-            <a:off x="4828710" y="679261"/>
-            <a:ext cx="7223082" cy="6416483"/>
-          </a:xfrm>
-        </p:spPr>
+        <p:spPr/>
         <p:txBody>
           <a:bodyPr/>
           <a:lstStyle/>
           <a:p>
             <a:r>
-              <a:rPr lang="id-ID" dirty="0" smtClean="0"/>
-              <a:t>color		: Attribut warna dari suatu partikel</a:t>
-            </a:r>
-          </a:p>
-          <a:p>
-            <a:r>
-              <a:rPr lang="id-ID" dirty="0"/>
-              <a:t>p</a:t>
-            </a:r>
-            <a:r>
-              <a:rPr lang="id-ID" dirty="0" smtClean="0"/>
-              <a:t>rogram	: Fungsi yang dapat mengambil sebuah html canvas sebagai parameter</a:t>
-            </a:r>
-          </a:p>
-          <a:p>
-            <a:r>
-              <a:rPr lang="id-ID" dirty="0"/>
-              <a:t>o</a:t>
-            </a:r>
-            <a:r>
-              <a:rPr lang="id-ID" dirty="0" smtClean="0"/>
-              <a:t>pacity	: Menentukan opacity dari partikel</a:t>
-            </a:r>
-          </a:p>
-          <a:p>
-            <a:r>
-              <a:rPr lang="id-ID" dirty="0"/>
-              <a:t>r</a:t>
-            </a:r>
-            <a:r>
-              <a:rPr lang="id-ID" dirty="0" smtClean="0"/>
-              <a:t>otation	: Properti ini dapat memutar isi dari sebuah canvas</a:t>
-            </a:r>
-            <a:endParaRPr lang="id-ID" dirty="0"/>
+              <a:rPr lang="en-US" dirty="0" err="1"/>
+              <a:t>Konstruktornya</a:t>
+            </a:r>
+            <a:r>
+              <a:rPr lang="en-US" dirty="0"/>
+              <a:t> </a:t>
+            </a:r>
+            <a:r>
+              <a:rPr lang="en-US" dirty="0" err="1"/>
+              <a:t>menerima</a:t>
+            </a:r>
+            <a:r>
+              <a:rPr lang="en-US" dirty="0"/>
+              <a:t> 2 parameter </a:t>
+            </a:r>
+            <a:r>
+              <a:rPr lang="en-US" dirty="0" err="1"/>
+              <a:t>yaitu</a:t>
+            </a:r>
+            <a:r>
+              <a:rPr lang="en-US" dirty="0"/>
+              <a:t> </a:t>
+            </a:r>
+            <a:r>
+              <a:rPr lang="en-US" dirty="0" err="1"/>
+              <a:t>geometri</a:t>
+            </a:r>
+            <a:r>
+              <a:rPr lang="en-US" dirty="0"/>
+              <a:t> dan material </a:t>
+            </a:r>
+            <a:r>
+              <a:rPr lang="en-US" dirty="0" err="1"/>
+              <a:t>dengan</a:t>
+            </a:r>
+            <a:r>
+              <a:rPr lang="en-US" dirty="0"/>
+              <a:t> syntax:</a:t>
+            </a:r>
+          </a:p>
+          <a:p>
+            <a:pPr lvl="1"/>
+            <a:r>
+              <a:rPr lang="en-US" dirty="0"/>
+              <a:t>var cloud = new </a:t>
+            </a:r>
+            <a:r>
+              <a:rPr lang="en-US" dirty="0" err="1"/>
+              <a:t>THREE.PointCloud</a:t>
+            </a:r>
+            <a:r>
+              <a:rPr lang="en-US" dirty="0"/>
+              <a:t>(geometry, material); </a:t>
+            </a:r>
+          </a:p>
+          <a:p>
+            <a:endParaRPr lang="en-US" dirty="0"/>
           </a:p>
         </p:txBody>
       </p:sp>
     </p:spTree>
     <p:extLst>
       <p:ext uri="{BB962C8B-B14F-4D97-AF65-F5344CB8AC3E}">
-        <p14:creationId xmlns:p14="http://schemas.microsoft.com/office/powerpoint/2010/main" val="2953476026"/>
+        <p14:creationId xmlns:p14="http://schemas.microsoft.com/office/powerpoint/2010/main" val="4149271975"/>
       </p:ext>
     </p:extLst>
   </p:cSld>
   <p:clrMapOvr>
     <a:masterClrMapping/>
   </p:clrMapOvr>
-  <p:timing>
-    <p:tnLst>
-      <p:par>
-        <p:cTn id="1" dur="indefinite" restart="never" nodeType="tmRoot"/>
-      </p:par>
-    </p:tnLst>
-  </p:timing>
 </p:sld>
 </file>
 
@@ -4600,35 +5256,18 @@
       </p:grpSpPr>
       <p:sp>
         <p:nvSpPr>
-          <p:cNvPr id="2" name="Title 1"/>
+          <p:cNvPr id="2" name="Title 1">
+            <a:extLst>
+              <a:ext uri="{FF2B5EF4-FFF2-40B4-BE49-F238E27FC236}">
+                <a16:creationId xmlns:a16="http://schemas.microsoft.com/office/drawing/2014/main" id="{0E84D6D3-4529-4692-8E82-B8769D5768F7}"/>
+              </a:ext>
+            </a:extLst>
+          </p:cNvPr>
           <p:cNvSpPr>
             <a:spLocks noGrp="1"/>
           </p:cNvSpPr>
           <p:nvPr>
             <p:ph type="title"/>
-          </p:nvPr>
-        </p:nvSpPr>
-        <p:spPr/>
-        <p:txBody>
-          <a:bodyPr/>
-          <a:lstStyle/>
-          <a:p>
-            <a:r>
-              <a:rPr lang="en-US" dirty="0" smtClean="0"/>
-              <a:t>Using Textures to Style Particles</a:t>
-            </a:r>
-            <a:endParaRPr lang="en-US" dirty="0"/>
-          </a:p>
-        </p:txBody>
-      </p:sp>
-      <p:sp>
-        <p:nvSpPr>
-          <p:cNvPr id="3" name="Content Placeholder 2"/>
-          <p:cNvSpPr>
-            <a:spLocks noGrp="1"/>
-          </p:cNvSpPr>
-          <p:nvPr>
-            <p:ph idx="1"/>
           </p:nvPr>
         </p:nvSpPr>
         <p:spPr/>
@@ -4638,148 +5277,455 @@
           </a:bodyPr>
           <a:lstStyle/>
           <a:p>
-            <a:pPr marL="0" indent="0">
-              <a:buNone/>
-            </a:pPr>
-            <a:r>
-              <a:rPr lang="en-US" dirty="0" err="1" smtClean="0"/>
-              <a:t>Menggunakan</a:t>
-            </a:r>
-            <a:r>
-              <a:rPr lang="en-US" dirty="0" smtClean="0"/>
-              <a:t> syntax:</a:t>
-            </a:r>
-          </a:p>
-          <a:p>
-            <a:pPr marL="402336" lvl="1" indent="0">
-              <a:buNone/>
-            </a:pPr>
-            <a:r>
-              <a:rPr lang="en-US" dirty="0" err="1" smtClean="0"/>
-              <a:t>var</a:t>
-            </a:r>
-            <a:r>
-              <a:rPr lang="en-US" dirty="0"/>
-              <a:t> </a:t>
-            </a:r>
-            <a:r>
-              <a:rPr lang="en-US" dirty="0" smtClean="0"/>
-              <a:t>texture</a:t>
-            </a:r>
-            <a:r>
-              <a:rPr lang="en-US" dirty="0"/>
-              <a:t> = </a:t>
-            </a:r>
-            <a:r>
-              <a:rPr lang="en-US" dirty="0" err="1" smtClean="0"/>
-              <a:t>THREE.ImageUtils.loadTexture</a:t>
-            </a:r>
-            <a:r>
-              <a:rPr lang="en-US" dirty="0" smtClean="0"/>
-              <a:t>("…");</a:t>
-            </a:r>
-            <a:endParaRPr lang="en-US" dirty="0"/>
-          </a:p>
-          <a:p>
-            <a:pPr marL="402336" lvl="1" indent="0">
-              <a:buNone/>
-            </a:pPr>
-            <a:endParaRPr lang="en-US" dirty="0"/>
-          </a:p>
-          <a:p>
-            <a:pPr marL="0" indent="0">
-              <a:buNone/>
-            </a:pPr>
-            <a:r>
-              <a:rPr lang="en-US" dirty="0" smtClean="0"/>
-              <a:t>Pada </a:t>
-            </a:r>
-            <a:r>
-              <a:rPr lang="en-US" dirty="0" err="1" smtClean="0"/>
-              <a:t>THREE.ParticleBasicMaterial</a:t>
-            </a:r>
-            <a:r>
-              <a:rPr lang="en-US" dirty="0" smtClean="0"/>
-              <a:t>() dapat </a:t>
-            </a:r>
-            <a:r>
-              <a:rPr lang="en-US" dirty="0" err="1" smtClean="0"/>
-              <a:t>menggunakan</a:t>
-            </a:r>
-            <a:r>
-              <a:rPr lang="en-US" dirty="0" smtClean="0"/>
-              <a:t> property map </a:t>
-            </a:r>
-            <a:r>
-              <a:rPr lang="en-US" dirty="0" err="1" smtClean="0"/>
-              <a:t>untuk</a:t>
-            </a:r>
-            <a:r>
-              <a:rPr lang="en-US" dirty="0" smtClean="0"/>
-              <a:t> assign texture</a:t>
-            </a:r>
-          </a:p>
-          <a:p>
-            <a:pPr marL="0" indent="0">
-              <a:buNone/>
-            </a:pPr>
-            <a:endParaRPr lang="en-US" dirty="0"/>
-          </a:p>
-          <a:p>
-            <a:pPr marL="0" indent="0">
-              <a:buNone/>
-            </a:pPr>
-            <a:r>
-              <a:rPr lang="en-US" dirty="0" err="1" smtClean="0"/>
-              <a:t>Menggunakan</a:t>
-            </a:r>
-            <a:r>
-              <a:rPr lang="en-US" dirty="0" smtClean="0"/>
-              <a:t> </a:t>
-            </a:r>
-            <a:r>
-              <a:rPr lang="en-US" dirty="0" err="1" smtClean="0"/>
-              <a:t>AdditiveBlending</a:t>
-            </a:r>
-            <a:r>
-              <a:rPr lang="en-US" dirty="0" smtClean="0"/>
-              <a:t> </a:t>
-            </a:r>
-            <a:r>
-              <a:rPr lang="en-US" dirty="0" err="1" smtClean="0"/>
-              <a:t>untuk</a:t>
-            </a:r>
-            <a:r>
-              <a:rPr lang="en-US" dirty="0" smtClean="0"/>
-              <a:t> mode blending</a:t>
-            </a:r>
-            <a:endParaRPr lang="en-US" dirty="0"/>
-          </a:p>
-          <a:p>
-            <a:pPr marL="0" indent="0">
-              <a:buNone/>
-            </a:pPr>
-            <a:endParaRPr lang="en-US" dirty="0"/>
+            <a:r>
+              <a:rPr lang="id-ID" sz="3600" dirty="0"/>
+              <a:t>Attributte THREE.</a:t>
+            </a:r>
+            <a:r>
+              <a:rPr lang="en-US" sz="3600" dirty="0"/>
+              <a:t>Point</a:t>
+            </a:r>
+            <a:br>
+              <a:rPr lang="en-US" sz="3600" dirty="0"/>
+            </a:br>
+            <a:r>
+              <a:rPr lang="en-US" sz="3600" dirty="0" err="1"/>
+              <a:t>CloudMaterial</a:t>
+            </a:r>
+            <a:endParaRPr lang="en-US" sz="3600" dirty="0"/>
+          </a:p>
+        </p:txBody>
+      </p:sp>
+      <p:sp>
+        <p:nvSpPr>
+          <p:cNvPr id="3" name="Content Placeholder 2">
+            <a:extLst>
+              <a:ext uri="{FF2B5EF4-FFF2-40B4-BE49-F238E27FC236}">
+                <a16:creationId xmlns:a16="http://schemas.microsoft.com/office/drawing/2014/main" id="{1FD336CC-DBD1-4100-A672-EFEE54969000}"/>
+              </a:ext>
+            </a:extLst>
+          </p:cNvPr>
+          <p:cNvSpPr>
+            <a:spLocks noGrp="1"/>
+          </p:cNvSpPr>
+          <p:nvPr>
+            <p:ph idx="1"/>
+          </p:nvPr>
+        </p:nvSpPr>
+        <p:spPr/>
+        <p:txBody>
+          <a:bodyPr>
+            <a:normAutofit lnSpcReduction="10000"/>
+          </a:bodyPr>
+          <a:lstStyle/>
+          <a:p>
+            <a:r>
+              <a:rPr lang="en-US" dirty="0"/>
+              <a:t>color: </a:t>
+            </a:r>
+            <a:r>
+              <a:rPr lang="en-US" dirty="0" err="1"/>
+              <a:t>warna</a:t>
+            </a:r>
+            <a:r>
+              <a:rPr lang="en-US" dirty="0"/>
+              <a:t> </a:t>
+            </a:r>
+            <a:r>
+              <a:rPr lang="en-US" dirty="0" err="1"/>
+              <a:t>dari</a:t>
+            </a:r>
+            <a:r>
+              <a:rPr lang="en-US" dirty="0"/>
+              <a:t> </a:t>
+            </a:r>
+            <a:r>
+              <a:rPr lang="en-US" dirty="0" err="1"/>
+              <a:t>semua</a:t>
+            </a:r>
+            <a:r>
+              <a:rPr lang="en-US" dirty="0"/>
+              <a:t> </a:t>
+            </a:r>
+            <a:r>
+              <a:rPr lang="en-US" dirty="0" err="1"/>
+              <a:t>partikel</a:t>
+            </a:r>
+            <a:r>
+              <a:rPr lang="en-US" dirty="0"/>
+              <a:t> di point cloud. Nilai </a:t>
+            </a:r>
+            <a:r>
+              <a:rPr lang="en-US" dirty="0" err="1"/>
+              <a:t>defaultnya</a:t>
+            </a:r>
+            <a:r>
+              <a:rPr lang="en-US" dirty="0"/>
+              <a:t> 0xFFFFFF 	</a:t>
+            </a:r>
+          </a:p>
+          <a:p>
+            <a:r>
+              <a:rPr lang="en-US" dirty="0"/>
+              <a:t>map: </a:t>
+            </a:r>
+            <a:r>
+              <a:rPr lang="en-US" dirty="0" err="1"/>
+              <a:t>memasang</a:t>
+            </a:r>
+            <a:r>
+              <a:rPr lang="en-US" dirty="0"/>
+              <a:t> </a:t>
+            </a:r>
+            <a:r>
+              <a:rPr lang="en-US" dirty="0" err="1"/>
+              <a:t>sebuah</a:t>
+            </a:r>
+            <a:r>
+              <a:rPr lang="en-US" dirty="0"/>
+              <a:t> </a:t>
+            </a:r>
+            <a:r>
+              <a:rPr lang="en-US" dirty="0" err="1"/>
+              <a:t>tekstur</a:t>
+            </a:r>
+            <a:r>
+              <a:rPr lang="en-US" dirty="0"/>
+              <a:t> </a:t>
+            </a:r>
+            <a:r>
+              <a:rPr lang="en-US" dirty="0" err="1"/>
+              <a:t>ke</a:t>
+            </a:r>
+            <a:r>
+              <a:rPr lang="en-US" dirty="0"/>
+              <a:t> </a:t>
+            </a:r>
+            <a:r>
+              <a:rPr lang="en-US" dirty="0" err="1"/>
+              <a:t>semua</a:t>
+            </a:r>
+            <a:r>
+              <a:rPr lang="en-US" dirty="0"/>
+              <a:t> </a:t>
+            </a:r>
+            <a:r>
+              <a:rPr lang="en-US" dirty="0" err="1"/>
+              <a:t>partikel</a:t>
+            </a:r>
+            <a:r>
+              <a:rPr lang="en-US" dirty="0"/>
+              <a:t> di point cloud</a:t>
+            </a:r>
+          </a:p>
+          <a:p>
+            <a:r>
+              <a:rPr lang="en-US" dirty="0"/>
+              <a:t>size: </a:t>
+            </a:r>
+            <a:r>
+              <a:rPr lang="en-US" dirty="0" err="1"/>
+              <a:t>Ukuran</a:t>
+            </a:r>
+            <a:r>
+              <a:rPr lang="en-US" dirty="0"/>
+              <a:t> </a:t>
+            </a:r>
+            <a:r>
+              <a:rPr lang="en-US" dirty="0" err="1"/>
+              <a:t>dari</a:t>
+            </a:r>
+            <a:r>
+              <a:rPr lang="en-US" dirty="0"/>
+              <a:t> </a:t>
+            </a:r>
+            <a:r>
+              <a:rPr lang="en-US" dirty="0" err="1"/>
+              <a:t>semua</a:t>
+            </a:r>
+            <a:r>
+              <a:rPr lang="en-US" dirty="0"/>
+              <a:t> </a:t>
+            </a:r>
+            <a:r>
+              <a:rPr lang="en-US" dirty="0" err="1"/>
+              <a:t>partikel</a:t>
+            </a:r>
+            <a:r>
+              <a:rPr lang="en-US" dirty="0"/>
+              <a:t> di point cloud. Nilai </a:t>
+            </a:r>
+            <a:r>
+              <a:rPr lang="en-US" dirty="0" err="1"/>
+              <a:t>defaultnya</a:t>
+            </a:r>
+            <a:r>
+              <a:rPr lang="en-US" dirty="0"/>
+              <a:t> 1</a:t>
+            </a:r>
+          </a:p>
+          <a:p>
+            <a:r>
+              <a:rPr lang="en-US" dirty="0" err="1"/>
+              <a:t>sizeAnnutation</a:t>
+            </a:r>
+            <a:r>
+              <a:rPr lang="en-US" dirty="0"/>
+              <a:t>: </a:t>
+            </a:r>
+            <a:r>
+              <a:rPr lang="en-US" dirty="0" err="1"/>
+              <a:t>ukuran</a:t>
+            </a:r>
+            <a:r>
+              <a:rPr lang="en-US" dirty="0"/>
+              <a:t> </a:t>
+            </a:r>
+            <a:r>
+              <a:rPr lang="en-US" dirty="0" err="1"/>
+              <a:t>dari</a:t>
+            </a:r>
+            <a:r>
+              <a:rPr lang="en-US" dirty="0"/>
+              <a:t> </a:t>
+            </a:r>
+            <a:r>
+              <a:rPr lang="en-US" dirty="0" err="1"/>
+              <a:t>semua</a:t>
+            </a:r>
+            <a:r>
+              <a:rPr lang="en-US" dirty="0"/>
+              <a:t> </a:t>
+            </a:r>
+            <a:r>
+              <a:rPr lang="en-US" dirty="0" err="1"/>
+              <a:t>partikel</a:t>
+            </a:r>
+            <a:r>
+              <a:rPr lang="en-US" dirty="0"/>
+              <a:t> di point cloud </a:t>
+            </a:r>
+            <a:r>
+              <a:rPr lang="en-US" dirty="0" err="1"/>
+              <a:t>berdasarkan</a:t>
+            </a:r>
+            <a:r>
+              <a:rPr lang="en-US" dirty="0"/>
+              <a:t> </a:t>
+            </a:r>
+            <a:r>
+              <a:rPr lang="en-US" dirty="0" err="1"/>
+              <a:t>jarak</a:t>
+            </a:r>
+            <a:r>
+              <a:rPr lang="en-US" dirty="0"/>
+              <a:t> </a:t>
+            </a:r>
+            <a:r>
+              <a:rPr lang="en-US" dirty="0" err="1"/>
+              <a:t>dari</a:t>
+            </a:r>
+            <a:r>
+              <a:rPr lang="en-US" dirty="0"/>
+              <a:t> </a:t>
+            </a:r>
+            <a:r>
+              <a:rPr lang="en-US" dirty="0" err="1"/>
+              <a:t>kamera</a:t>
+            </a:r>
+            <a:endParaRPr lang="en-US" dirty="0"/>
+          </a:p>
+          <a:p>
+            <a:r>
+              <a:rPr lang="en-US" dirty="0" err="1"/>
+              <a:t>vertexColors</a:t>
+            </a:r>
+            <a:r>
+              <a:rPr lang="en-US" dirty="0"/>
+              <a:t>: </a:t>
+            </a:r>
+            <a:r>
+              <a:rPr lang="en-US" dirty="0" err="1"/>
+              <a:t>warna</a:t>
+            </a:r>
+            <a:r>
+              <a:rPr lang="en-US" dirty="0"/>
+              <a:t> </a:t>
+            </a:r>
+            <a:r>
+              <a:rPr lang="en-US" dirty="0" err="1"/>
+              <a:t>dasar</a:t>
+            </a:r>
+            <a:r>
+              <a:rPr lang="en-US" dirty="0"/>
+              <a:t> </a:t>
+            </a:r>
+            <a:r>
+              <a:rPr lang="en-US" dirty="0" err="1"/>
+              <a:t>dari</a:t>
+            </a:r>
+            <a:r>
+              <a:rPr lang="en-US" dirty="0"/>
+              <a:t> </a:t>
+            </a:r>
+            <a:r>
+              <a:rPr lang="en-US" dirty="0" err="1"/>
+              <a:t>semua</a:t>
+            </a:r>
+            <a:r>
+              <a:rPr lang="en-US" dirty="0"/>
+              <a:t> </a:t>
+            </a:r>
+            <a:r>
+              <a:rPr lang="en-US" dirty="0" err="1"/>
+              <a:t>partikel</a:t>
+            </a:r>
+            <a:r>
+              <a:rPr lang="en-US" dirty="0"/>
+              <a:t> di point cloud. Nilai </a:t>
+            </a:r>
+            <a:r>
+              <a:rPr lang="en-US" dirty="0" err="1"/>
+              <a:t>defaultnya</a:t>
+            </a:r>
+            <a:r>
+              <a:rPr lang="en-US" dirty="0"/>
+              <a:t> </a:t>
+            </a:r>
+            <a:r>
+              <a:rPr lang="en-US" dirty="0" err="1"/>
+              <a:t>adalah</a:t>
+            </a:r>
+            <a:r>
+              <a:rPr lang="en-US" dirty="0"/>
+              <a:t> </a:t>
+            </a:r>
+            <a:r>
+              <a:rPr lang="en-US" dirty="0" err="1"/>
+              <a:t>THREE.NoColors</a:t>
+            </a:r>
+            <a:endParaRPr lang="en-US" dirty="0"/>
+          </a:p>
+          <a:p>
+            <a:r>
+              <a:rPr lang="en-US" dirty="0"/>
+              <a:t>opacity: </a:t>
+            </a:r>
+            <a:r>
+              <a:rPr lang="en-US" dirty="0" err="1"/>
+              <a:t>tingkat</a:t>
+            </a:r>
+            <a:r>
+              <a:rPr lang="en-US" dirty="0"/>
+              <a:t> </a:t>
+            </a:r>
+            <a:r>
+              <a:rPr lang="en-US" dirty="0" err="1"/>
+              <a:t>ketransparan</a:t>
+            </a:r>
+            <a:r>
+              <a:rPr lang="en-US" dirty="0"/>
+              <a:t> </a:t>
+            </a:r>
+            <a:r>
+              <a:rPr lang="en-US" dirty="0" err="1"/>
+              <a:t>semua</a:t>
+            </a:r>
+            <a:r>
+              <a:rPr lang="en-US" dirty="0"/>
+              <a:t> </a:t>
+            </a:r>
+            <a:r>
+              <a:rPr lang="en-US" dirty="0" err="1"/>
+              <a:t>partikel</a:t>
+            </a:r>
+            <a:r>
+              <a:rPr lang="en-US" dirty="0"/>
+              <a:t> di point cloud. Nilai </a:t>
+            </a:r>
+            <a:r>
+              <a:rPr lang="en-US" dirty="0" err="1"/>
+              <a:t>defaultnya</a:t>
+            </a:r>
+            <a:r>
+              <a:rPr lang="en-US" dirty="0"/>
+              <a:t> 1 (no opacity)</a:t>
+            </a:r>
+          </a:p>
+          <a:p>
+            <a:r>
+              <a:rPr lang="en-US" dirty="0"/>
+              <a:t>transparent: </a:t>
+            </a:r>
+            <a:r>
+              <a:rPr lang="en-US" dirty="0" err="1"/>
+              <a:t>menentukan</a:t>
+            </a:r>
+            <a:r>
+              <a:rPr lang="en-US" dirty="0"/>
+              <a:t> </a:t>
+            </a:r>
+            <a:r>
+              <a:rPr lang="en-US" dirty="0" err="1"/>
+              <a:t>apakah</a:t>
+            </a:r>
+            <a:r>
+              <a:rPr lang="en-US" dirty="0"/>
+              <a:t> </a:t>
+            </a:r>
+            <a:r>
+              <a:rPr lang="en-US" dirty="0" err="1"/>
+              <a:t>semua</a:t>
+            </a:r>
+            <a:r>
+              <a:rPr lang="en-US" dirty="0"/>
+              <a:t> </a:t>
+            </a:r>
+            <a:r>
+              <a:rPr lang="en-US" dirty="0" err="1"/>
+              <a:t>partikel</a:t>
+            </a:r>
+            <a:r>
+              <a:rPr lang="en-US" dirty="0"/>
+              <a:t> di point cloud </a:t>
+            </a:r>
+            <a:r>
+              <a:rPr lang="en-US" dirty="0" err="1"/>
+              <a:t>menerapkan</a:t>
+            </a:r>
+            <a:r>
+              <a:rPr lang="en-US" dirty="0"/>
+              <a:t> </a:t>
+            </a:r>
+            <a:r>
+              <a:rPr lang="en-US" dirty="0" err="1"/>
+              <a:t>atribut</a:t>
+            </a:r>
+            <a:r>
+              <a:rPr lang="en-US" dirty="0"/>
+              <a:t> opacity. Nilai </a:t>
+            </a:r>
+            <a:r>
+              <a:rPr lang="en-US" dirty="0" err="1"/>
+              <a:t>defaultnya</a:t>
+            </a:r>
+            <a:r>
+              <a:rPr lang="en-US" dirty="0"/>
+              <a:t> false</a:t>
+            </a:r>
           </a:p>
         </p:txBody>
       </p:sp>
     </p:spTree>
     <p:extLst>
       <p:ext uri="{BB962C8B-B14F-4D97-AF65-F5344CB8AC3E}">
-        <p14:creationId xmlns:p14="http://schemas.microsoft.com/office/powerpoint/2010/main" val="1606900230"/>
+        <p14:creationId xmlns:p14="http://schemas.microsoft.com/office/powerpoint/2010/main" val="1063886613"/>
       </p:ext>
     </p:extLst>
   </p:cSld>
   <p:clrMapOvr>
     <a:masterClrMapping/>
   </p:clrMapOvr>
-  <p:timing>
-    <p:tnLst>
-      <p:par>
-        <p:cTn id="1" dur="indefinite" restart="never" nodeType="tmRoot"/>
-      </p:par>
-    </p:tnLst>
-  </p:timing>
 </p:sld>
 </file>
 
@@ -4810,31 +5756,904 @@
             <p:ph type="title"/>
           </p:nvPr>
         </p:nvSpPr>
+        <p:spPr>
+          <a:xfrm>
+            <a:off x="256032" y="559678"/>
+            <a:ext cx="4339874" cy="4952492"/>
+          </a:xfrm>
+        </p:spPr>
+        <p:txBody>
+          <a:bodyPr>
+            <a:normAutofit/>
+          </a:bodyPr>
+          <a:lstStyle/>
+          <a:p>
+            <a:r>
+              <a:rPr lang="id-ID" sz="3600" dirty="0"/>
+              <a:t>THREE. CanvasRenderer </a:t>
+            </a:r>
+          </a:p>
+        </p:txBody>
+      </p:sp>
+      <p:sp>
+        <p:nvSpPr>
+          <p:cNvPr id="3" name="Content Placeholder 2"/>
+          <p:cNvSpPr>
+            <a:spLocks noGrp="1"/>
+          </p:cNvSpPr>
+          <p:nvPr>
+            <p:ph idx="1"/>
+          </p:nvPr>
+        </p:nvSpPr>
         <p:spPr/>
         <p:txBody>
           <a:bodyPr/>
           <a:lstStyle/>
           <a:p>
-            <a:r>
-              <a:rPr lang="id-ID" dirty="0" err="1"/>
-              <a:t>C</a:t>
-            </a:r>
-            <a:r>
-              <a:rPr lang="en-US" dirty="0" err="1" smtClean="0"/>
-              <a:t>riteria</a:t>
-            </a:r>
-            <a:r>
-              <a:rPr lang="en-US" dirty="0" smtClean="0"/>
-              <a:t> </a:t>
-            </a:r>
-            <a:r>
-              <a:rPr lang="en-US" dirty="0" smtClean="0"/>
-              <a:t>Texture</a:t>
+            <a:pPr marL="0" indent="0">
+              <a:buNone/>
+            </a:pPr>
+            <a:r>
+              <a:rPr lang="id-ID" dirty="0"/>
+              <a:t>Dengan menggunakan THREE.CanvasRenderer, kita dapat menggunakan output dari HTML5 canvas sebagai texture dari sebuah partikel.</a:t>
+            </a:r>
+          </a:p>
+        </p:txBody>
+      </p:sp>
+    </p:spTree>
+    <p:extLst>
+      <p:ext uri="{BB962C8B-B14F-4D97-AF65-F5344CB8AC3E}">
+        <p14:creationId xmlns:p14="http://schemas.microsoft.com/office/powerpoint/2010/main" val="1606193262"/>
+      </p:ext>
+    </p:extLst>
+  </p:cSld>
+  <p:clrMapOvr>
+    <a:masterClrMapping/>
+  </p:clrMapOvr>
+</p:sld>
+</file>
+
+<file path=ppt/slides/slide6.xml><?xml version="1.0" encoding="utf-8"?>
+<p:sld xmlns:a="http://schemas.openxmlformats.org/drawingml/2006/main" xmlns:r="http://schemas.openxmlformats.org/officeDocument/2006/relationships" xmlns:p="http://schemas.openxmlformats.org/presentationml/2006/main">
+  <p:cSld>
+    <p:spTree>
+      <p:nvGrpSpPr>
+        <p:cNvPr id="1" name=""/>
+        <p:cNvGrpSpPr/>
+        <p:nvPr/>
+      </p:nvGrpSpPr>
+      <p:grpSpPr>
+        <a:xfrm>
+          <a:off x="0" y="0"/>
+          <a:ext cx="0" cy="0"/>
+          <a:chOff x="0" y="0"/>
+          <a:chExt cx="0" cy="0"/>
+        </a:xfrm>
+      </p:grpSpPr>
+      <p:sp>
+        <p:nvSpPr>
+          <p:cNvPr id="2" name="Title 1"/>
+          <p:cNvSpPr>
+            <a:spLocks noGrp="1"/>
+          </p:cNvSpPr>
+          <p:nvPr>
+            <p:ph type="title"/>
+          </p:nvPr>
+        </p:nvSpPr>
+        <p:spPr/>
+        <p:txBody>
+          <a:bodyPr>
+            <a:normAutofit/>
+          </a:bodyPr>
+          <a:lstStyle/>
+          <a:p>
+            <a:r>
+              <a:rPr lang="id-ID" sz="3600" dirty="0"/>
+              <a:t>Attributte material THREE.CanvasRenderer</a:t>
+            </a:r>
+          </a:p>
+        </p:txBody>
+      </p:sp>
+      <p:sp>
+        <p:nvSpPr>
+          <p:cNvPr id="3" name="Content Placeholder 2"/>
+          <p:cNvSpPr>
+            <a:spLocks noGrp="1"/>
+          </p:cNvSpPr>
+          <p:nvPr>
+            <p:ph idx="1"/>
+          </p:nvPr>
+        </p:nvSpPr>
+        <p:spPr>
+          <a:xfrm>
+            <a:off x="4828710" y="679261"/>
+            <a:ext cx="7223082" cy="6416483"/>
+          </a:xfrm>
+        </p:spPr>
+        <p:txBody>
+          <a:bodyPr/>
+          <a:lstStyle/>
+          <a:p>
+            <a:r>
+              <a:rPr lang="id-ID" dirty="0"/>
+              <a:t>color		: Attribut warna dari suatu partikel</a:t>
+            </a:r>
+          </a:p>
+          <a:p>
+            <a:r>
+              <a:rPr lang="id-ID" dirty="0"/>
+              <a:t>program	: Fungsi yang dapat mengambil sebuah html canvas sebagai parameter</a:t>
+            </a:r>
+          </a:p>
+          <a:p>
+            <a:r>
+              <a:rPr lang="id-ID" dirty="0"/>
+              <a:t>opacity	: Menentukan opacity dari partikel</a:t>
+            </a:r>
+          </a:p>
+          <a:p>
+            <a:r>
+              <a:rPr lang="id-ID" dirty="0"/>
+              <a:t>rotation	: Properti ini dapat memutar isi dari sebuah canvas</a:t>
+            </a:r>
+          </a:p>
+        </p:txBody>
+      </p:sp>
+    </p:spTree>
+    <p:extLst>
+      <p:ext uri="{BB962C8B-B14F-4D97-AF65-F5344CB8AC3E}">
+        <p14:creationId xmlns:p14="http://schemas.microsoft.com/office/powerpoint/2010/main" val="2953476026"/>
+      </p:ext>
+    </p:extLst>
+  </p:cSld>
+  <p:clrMapOvr>
+    <a:masterClrMapping/>
+  </p:clrMapOvr>
+</p:sld>
+</file>
+
+<file path=ppt/slides/slide7.xml><?xml version="1.0" encoding="utf-8"?>
+<p:sld xmlns:a="http://schemas.openxmlformats.org/drawingml/2006/main" xmlns:r="http://schemas.openxmlformats.org/officeDocument/2006/relationships" xmlns:p="http://schemas.openxmlformats.org/presentationml/2006/main">
+  <p:cSld>
+    <p:spTree>
+      <p:nvGrpSpPr>
+        <p:cNvPr id="1" name=""/>
+        <p:cNvGrpSpPr/>
+        <p:nvPr/>
+      </p:nvGrpSpPr>
+      <p:grpSpPr>
+        <a:xfrm>
+          <a:off x="0" y="0"/>
+          <a:ext cx="0" cy="0"/>
+          <a:chOff x="0" y="0"/>
+          <a:chExt cx="0" cy="0"/>
+        </a:xfrm>
+      </p:grpSpPr>
+      <p:sp>
+        <p:nvSpPr>
+          <p:cNvPr id="2" name="Title 1">
+            <a:extLst>
+              <a:ext uri="{FF2B5EF4-FFF2-40B4-BE49-F238E27FC236}">
+                <a16:creationId xmlns:a16="http://schemas.microsoft.com/office/drawing/2014/main" id="{7484521C-16CE-4201-8B78-36D532031FE0}"/>
+              </a:ext>
+            </a:extLst>
+          </p:cNvPr>
+          <p:cNvSpPr>
+            <a:spLocks noGrp="1"/>
+          </p:cNvSpPr>
+          <p:nvPr>
+            <p:ph type="title"/>
+          </p:nvPr>
+        </p:nvSpPr>
+        <p:spPr>
+          <a:xfrm>
+            <a:off x="494270" y="559678"/>
+            <a:ext cx="4101636" cy="4952492"/>
+          </a:xfrm>
+        </p:spPr>
+        <p:txBody>
+          <a:bodyPr>
+            <a:normAutofit/>
+          </a:bodyPr>
+          <a:lstStyle/>
+          <a:p>
+            <a:r>
+              <a:rPr lang="en-US" sz="3600" dirty="0"/>
+              <a:t>THREE.</a:t>
             </a:r>
             <a:br>
-              <a:rPr lang="en-US" dirty="0" smtClean="0"/>
+              <a:rPr lang="en-US" sz="3600" dirty="0"/>
             </a:br>
-            <a:endParaRPr lang="en-US" dirty="0"/>
+            <a:r>
+              <a:rPr lang="en-US" sz="3600" dirty="0" err="1"/>
+              <a:t>WebGLRenderer</a:t>
+            </a:r>
+            <a:endParaRPr lang="en-US" sz="3600" dirty="0"/>
+          </a:p>
+        </p:txBody>
+      </p:sp>
+      <p:sp>
+        <p:nvSpPr>
+          <p:cNvPr id="3" name="Content Placeholder 2">
+            <a:extLst>
+              <a:ext uri="{FF2B5EF4-FFF2-40B4-BE49-F238E27FC236}">
+                <a16:creationId xmlns:a16="http://schemas.microsoft.com/office/drawing/2014/main" id="{EECAFDE8-903D-4508-848C-DDA501CA4CAE}"/>
+              </a:ext>
+            </a:extLst>
+          </p:cNvPr>
+          <p:cNvSpPr>
+            <a:spLocks noGrp="1"/>
+          </p:cNvSpPr>
+          <p:nvPr>
+            <p:ph idx="1"/>
+          </p:nvPr>
+        </p:nvSpPr>
+        <p:spPr/>
+        <p:txBody>
+          <a:bodyPr/>
+          <a:lstStyle/>
+          <a:p>
+            <a:r>
+              <a:rPr lang="id-ID" dirty="0"/>
+              <a:t>Dengan menggunakan THREE.CanvasRenderer, kita dapat menggunakan output dari HTML5 canvas sebagai texture dari sebuah partikel</a:t>
+            </a:r>
+            <a:r>
+              <a:rPr lang="en-US" dirty="0"/>
+              <a:t> </a:t>
+            </a:r>
+            <a:r>
+              <a:rPr lang="en-US" dirty="0" err="1"/>
+              <a:t>dengan</a:t>
+            </a:r>
+            <a:r>
+              <a:rPr lang="en-US" dirty="0"/>
+              <a:t> </a:t>
+            </a:r>
+            <a:r>
+              <a:rPr lang="en-US" dirty="0" err="1"/>
+              <a:t>menggunakan</a:t>
+            </a:r>
+            <a:r>
+              <a:rPr lang="en-US" dirty="0"/>
+              <a:t> 2 </a:t>
+            </a:r>
+            <a:r>
+              <a:rPr lang="en-US" dirty="0" err="1"/>
+              <a:t>cara</a:t>
+            </a:r>
+            <a:r>
+              <a:rPr lang="en-US" dirty="0"/>
+              <a:t> </a:t>
+            </a:r>
+            <a:r>
+              <a:rPr lang="en-US" dirty="0" err="1"/>
+              <a:t>yaitu</a:t>
+            </a:r>
+            <a:endParaRPr lang="en-US" dirty="0"/>
+          </a:p>
+          <a:p>
+            <a:pPr lvl="1"/>
+            <a:r>
+              <a:rPr lang="en-US" dirty="0" err="1"/>
+              <a:t>Menggunakan</a:t>
+            </a:r>
+            <a:r>
+              <a:rPr lang="en-US" dirty="0"/>
+              <a:t> </a:t>
+            </a:r>
+            <a:r>
+              <a:rPr lang="en-US" dirty="0" err="1"/>
+              <a:t>THREE.PointCloudMaterial</a:t>
+            </a:r>
+            <a:r>
+              <a:rPr lang="en-US" dirty="0"/>
+              <a:t> dan </a:t>
+            </a:r>
+            <a:r>
+              <a:rPr lang="en-US" dirty="0" err="1"/>
+              <a:t>THREE.PointCloud</a:t>
+            </a:r>
+            <a:endParaRPr lang="en-US" dirty="0"/>
+          </a:p>
+          <a:p>
+            <a:pPr lvl="1"/>
+            <a:r>
+              <a:rPr lang="en-US" dirty="0" err="1"/>
+              <a:t>Menggunakan</a:t>
+            </a:r>
+            <a:r>
+              <a:rPr lang="en-US" dirty="0"/>
+              <a:t> </a:t>
+            </a:r>
+            <a:r>
+              <a:rPr lang="en-US" dirty="0" err="1"/>
+              <a:t>THREE.Sprite</a:t>
+            </a:r>
+            <a:r>
+              <a:rPr lang="en-US" dirty="0"/>
+              <a:t> dan </a:t>
+            </a:r>
+            <a:r>
+              <a:rPr lang="en-US" dirty="0" err="1"/>
+              <a:t>atribut</a:t>
+            </a:r>
+            <a:r>
+              <a:rPr lang="en-US" dirty="0"/>
+              <a:t> </a:t>
+            </a:r>
+            <a:r>
+              <a:rPr lang="en-US" i="1" dirty="0"/>
+              <a:t>map </a:t>
+            </a:r>
+            <a:r>
+              <a:rPr lang="en-US" dirty="0" err="1"/>
+              <a:t>dari</a:t>
+            </a:r>
+            <a:r>
+              <a:rPr lang="en-US" dirty="0"/>
+              <a:t> </a:t>
+            </a:r>
+            <a:r>
+              <a:rPr lang="en-US" dirty="0" err="1"/>
+              <a:t>THREE.SpriteMaterial</a:t>
+            </a:r>
+            <a:endParaRPr lang="en-US" i="1" dirty="0"/>
+          </a:p>
+          <a:p>
+            <a:r>
+              <a:rPr lang="en-US" dirty="0" err="1"/>
+              <a:t>Dengan</a:t>
+            </a:r>
+            <a:r>
+              <a:rPr lang="en-US" dirty="0"/>
+              <a:t> </a:t>
+            </a:r>
+            <a:r>
+              <a:rPr lang="en-US" dirty="0" err="1"/>
+              <a:t>menggunakan</a:t>
+            </a:r>
+            <a:r>
+              <a:rPr lang="en-US" dirty="0"/>
+              <a:t> </a:t>
+            </a:r>
+            <a:r>
+              <a:rPr lang="en-US" dirty="0" err="1"/>
+              <a:t>THREE.Sprite</a:t>
+            </a:r>
+            <a:r>
+              <a:rPr lang="en-US" dirty="0"/>
+              <a:t>, </a:t>
+            </a:r>
+            <a:r>
+              <a:rPr lang="en-US" dirty="0" err="1"/>
+              <a:t>kita</a:t>
+            </a:r>
+            <a:r>
+              <a:rPr lang="en-US" dirty="0"/>
+              <a:t> </a:t>
+            </a:r>
+            <a:r>
+              <a:rPr lang="en-US" dirty="0" err="1"/>
+              <a:t>mempunyai</a:t>
+            </a:r>
+            <a:r>
+              <a:rPr lang="en-US" dirty="0"/>
+              <a:t> </a:t>
+            </a:r>
+            <a:r>
+              <a:rPr lang="en-US" dirty="0" err="1"/>
+              <a:t>kontrol</a:t>
+            </a:r>
+            <a:r>
+              <a:rPr lang="en-US" dirty="0"/>
+              <a:t> </a:t>
+            </a:r>
+            <a:r>
+              <a:rPr lang="en-US" dirty="0" err="1"/>
+              <a:t>lebih</a:t>
+            </a:r>
+            <a:r>
+              <a:rPr lang="en-US" dirty="0"/>
+              <a:t> </a:t>
+            </a:r>
+            <a:r>
+              <a:rPr lang="en-US" dirty="0" err="1"/>
+              <a:t>besar</a:t>
+            </a:r>
+            <a:r>
+              <a:rPr lang="en-US" dirty="0"/>
+              <a:t> </a:t>
+            </a:r>
+            <a:r>
+              <a:rPr lang="en-US" dirty="0" err="1"/>
+              <a:t>atas</a:t>
+            </a:r>
+            <a:r>
+              <a:rPr lang="en-US" dirty="0"/>
+              <a:t> </a:t>
+            </a:r>
+            <a:r>
+              <a:rPr lang="en-US" dirty="0" err="1"/>
+              <a:t>tiap</a:t>
+            </a:r>
+            <a:r>
+              <a:rPr lang="en-US" dirty="0"/>
+              <a:t> </a:t>
+            </a:r>
+            <a:r>
+              <a:rPr lang="en-US" dirty="0" err="1"/>
+              <a:t>individu</a:t>
+            </a:r>
+            <a:r>
+              <a:rPr lang="en-US" dirty="0"/>
+              <a:t> </a:t>
+            </a:r>
+            <a:r>
+              <a:rPr lang="en-US" dirty="0" err="1"/>
+              <a:t>partikel</a:t>
+            </a:r>
+            <a:r>
+              <a:rPr lang="en-US" dirty="0"/>
+              <a:t> </a:t>
+            </a:r>
+            <a:r>
+              <a:rPr lang="en-US" dirty="0" err="1"/>
+              <a:t>tetapi</a:t>
+            </a:r>
+            <a:r>
+              <a:rPr lang="en-US" dirty="0"/>
+              <a:t> </a:t>
+            </a:r>
+            <a:r>
+              <a:rPr lang="en-US" dirty="0" err="1"/>
+              <a:t>performa</a:t>
+            </a:r>
+            <a:r>
+              <a:rPr lang="en-US" dirty="0"/>
+              <a:t> </a:t>
+            </a:r>
+            <a:r>
+              <a:rPr lang="en-US" dirty="0" err="1"/>
+              <a:t>turun</a:t>
+            </a:r>
+            <a:r>
+              <a:rPr lang="en-US" dirty="0"/>
+              <a:t> dan </a:t>
+            </a:r>
+            <a:r>
+              <a:rPr lang="en-US" dirty="0" err="1"/>
+              <a:t>kompleks</a:t>
+            </a:r>
+            <a:r>
+              <a:rPr lang="en-US" dirty="0"/>
+              <a:t> </a:t>
+            </a:r>
+            <a:r>
+              <a:rPr lang="en-US" dirty="0" err="1"/>
+              <a:t>jika</a:t>
+            </a:r>
+            <a:r>
+              <a:rPr lang="en-US" dirty="0"/>
+              <a:t> </a:t>
+            </a:r>
+            <a:r>
+              <a:rPr lang="en-US" dirty="0" err="1"/>
+              <a:t>jumlah</a:t>
+            </a:r>
+            <a:r>
+              <a:rPr lang="en-US" dirty="0"/>
+              <a:t> </a:t>
+            </a:r>
+            <a:r>
+              <a:rPr lang="en-US" dirty="0" err="1"/>
+              <a:t>partikelnya</a:t>
+            </a:r>
+            <a:r>
+              <a:rPr lang="en-US" dirty="0"/>
+              <a:t> </a:t>
+            </a:r>
+            <a:r>
+              <a:rPr lang="en-US" dirty="0" err="1"/>
+              <a:t>banyak</a:t>
+            </a:r>
+            <a:r>
+              <a:rPr lang="en-US" dirty="0"/>
+              <a:t>.</a:t>
+            </a:r>
+          </a:p>
+          <a:p>
+            <a:r>
+              <a:rPr lang="en-US" dirty="0" err="1"/>
+              <a:t>Dengan</a:t>
+            </a:r>
+            <a:r>
+              <a:rPr lang="en-US" dirty="0"/>
+              <a:t> </a:t>
+            </a:r>
+            <a:r>
+              <a:rPr lang="en-US" dirty="0" err="1"/>
+              <a:t>THREE.PointCloud</a:t>
+            </a:r>
+            <a:r>
+              <a:rPr lang="en-US" dirty="0"/>
+              <a:t>, </a:t>
+            </a:r>
+            <a:r>
+              <a:rPr lang="en-US" dirty="0" err="1"/>
+              <a:t>kita</a:t>
+            </a:r>
+            <a:r>
+              <a:rPr lang="en-US" dirty="0"/>
+              <a:t> </a:t>
+            </a:r>
+            <a:r>
+              <a:rPr lang="en-US" dirty="0" err="1"/>
+              <a:t>dapat</a:t>
+            </a:r>
+            <a:r>
+              <a:rPr lang="en-US" dirty="0"/>
+              <a:t> </a:t>
+            </a:r>
+            <a:r>
+              <a:rPr lang="en-US" dirty="0" err="1"/>
+              <a:t>dengan</a:t>
+            </a:r>
+            <a:r>
+              <a:rPr lang="en-US" dirty="0"/>
+              <a:t> </a:t>
+            </a:r>
+            <a:r>
+              <a:rPr lang="en-US" dirty="0" err="1"/>
+              <a:t>mudah</a:t>
+            </a:r>
+            <a:r>
+              <a:rPr lang="en-US" dirty="0"/>
+              <a:t> </a:t>
+            </a:r>
+            <a:r>
+              <a:rPr lang="en-US" dirty="0" err="1"/>
+              <a:t>mengelola</a:t>
+            </a:r>
+            <a:r>
+              <a:rPr lang="en-US" dirty="0"/>
+              <a:t> </a:t>
+            </a:r>
+            <a:r>
+              <a:rPr lang="en-US" dirty="0" err="1"/>
+              <a:t>sejumlah</a:t>
+            </a:r>
+            <a:r>
+              <a:rPr lang="en-US" dirty="0"/>
+              <a:t> </a:t>
+            </a:r>
+            <a:r>
+              <a:rPr lang="en-US" dirty="0" err="1"/>
+              <a:t>besar</a:t>
+            </a:r>
+            <a:r>
+              <a:rPr lang="en-US" dirty="0"/>
+              <a:t> </a:t>
+            </a:r>
+            <a:r>
+              <a:rPr lang="en-US" dirty="0" err="1"/>
+              <a:t>partikel</a:t>
+            </a:r>
+            <a:r>
+              <a:rPr lang="en-US" dirty="0"/>
+              <a:t> </a:t>
+            </a:r>
+            <a:r>
+              <a:rPr lang="en-US" dirty="0" err="1"/>
+              <a:t>sekaligus</a:t>
+            </a:r>
+            <a:r>
+              <a:rPr lang="en-US" dirty="0"/>
+              <a:t>, </a:t>
+            </a:r>
+            <a:r>
+              <a:rPr lang="en-US" dirty="0" err="1"/>
+              <a:t>tetapi</a:t>
+            </a:r>
+            <a:r>
+              <a:rPr lang="en-US" dirty="0"/>
+              <a:t> </a:t>
+            </a:r>
+            <a:r>
+              <a:rPr lang="en-US" dirty="0" err="1"/>
+              <a:t>kurang</a:t>
+            </a:r>
+            <a:r>
+              <a:rPr lang="en-US" dirty="0"/>
+              <a:t> </a:t>
+            </a:r>
+            <a:r>
+              <a:rPr lang="en-US" dirty="0" err="1"/>
+              <a:t>mempunyai</a:t>
+            </a:r>
+            <a:r>
+              <a:rPr lang="en-US" dirty="0"/>
+              <a:t> </a:t>
+            </a:r>
+            <a:r>
+              <a:rPr lang="en-US" dirty="0" err="1"/>
+              <a:t>kontrol</a:t>
+            </a:r>
+            <a:r>
+              <a:rPr lang="en-US" dirty="0"/>
+              <a:t> pada </a:t>
+            </a:r>
+            <a:r>
+              <a:rPr lang="en-US" dirty="0" err="1"/>
+              <a:t>tiap</a:t>
+            </a:r>
+            <a:r>
+              <a:rPr lang="en-US" dirty="0"/>
+              <a:t> </a:t>
+            </a:r>
+            <a:r>
+              <a:rPr lang="en-US" dirty="0" err="1"/>
+              <a:t>individu</a:t>
+            </a:r>
+            <a:r>
+              <a:rPr lang="en-US" dirty="0"/>
+              <a:t> </a:t>
+            </a:r>
+            <a:r>
+              <a:rPr lang="en-US" dirty="0" err="1"/>
+              <a:t>partikel</a:t>
+            </a:r>
+            <a:r>
+              <a:rPr lang="en-US" dirty="0"/>
+              <a:t>.</a:t>
+            </a:r>
+          </a:p>
+        </p:txBody>
+      </p:sp>
+    </p:spTree>
+    <p:extLst>
+      <p:ext uri="{BB962C8B-B14F-4D97-AF65-F5344CB8AC3E}">
+        <p14:creationId xmlns:p14="http://schemas.microsoft.com/office/powerpoint/2010/main" val="3769656599"/>
+      </p:ext>
+    </p:extLst>
+  </p:cSld>
+  <p:clrMapOvr>
+    <a:masterClrMapping/>
+  </p:clrMapOvr>
+</p:sld>
+</file>
+
+<file path=ppt/slides/slide8.xml><?xml version="1.0" encoding="utf-8"?>
+<p:sld xmlns:a="http://schemas.openxmlformats.org/drawingml/2006/main" xmlns:r="http://schemas.openxmlformats.org/officeDocument/2006/relationships" xmlns:p="http://schemas.openxmlformats.org/presentationml/2006/main">
+  <p:cSld>
+    <p:spTree>
+      <p:nvGrpSpPr>
+        <p:cNvPr id="1" name=""/>
+        <p:cNvGrpSpPr/>
+        <p:nvPr/>
+      </p:nvGrpSpPr>
+      <p:grpSpPr>
+        <a:xfrm>
+          <a:off x="0" y="0"/>
+          <a:ext cx="0" cy="0"/>
+          <a:chOff x="0" y="0"/>
+          <a:chExt cx="0" cy="0"/>
+        </a:xfrm>
+      </p:grpSpPr>
+      <p:sp>
+        <p:nvSpPr>
+          <p:cNvPr id="2" name="Title 1"/>
+          <p:cNvSpPr>
+            <a:spLocks noGrp="1"/>
+          </p:cNvSpPr>
+          <p:nvPr>
+            <p:ph type="title"/>
+          </p:nvPr>
+        </p:nvSpPr>
+        <p:spPr/>
+        <p:txBody>
+          <a:bodyPr>
+            <a:normAutofit/>
+          </a:bodyPr>
+          <a:lstStyle/>
+          <a:p>
+            <a:r>
+              <a:rPr lang="en-US" sz="3600" dirty="0"/>
+              <a:t>Using Textures to Style Particles</a:t>
+            </a:r>
+          </a:p>
+        </p:txBody>
+      </p:sp>
+      <p:sp>
+        <p:nvSpPr>
+          <p:cNvPr id="3" name="Content Placeholder 2"/>
+          <p:cNvSpPr>
+            <a:spLocks noGrp="1"/>
+          </p:cNvSpPr>
+          <p:nvPr>
+            <p:ph idx="1"/>
+          </p:nvPr>
+        </p:nvSpPr>
+        <p:spPr/>
+        <p:txBody>
+          <a:bodyPr>
+            <a:normAutofit/>
+          </a:bodyPr>
+          <a:lstStyle/>
+          <a:p>
+            <a:pPr marL="0" indent="0">
+              <a:buNone/>
+            </a:pPr>
+            <a:r>
+              <a:rPr lang="en-US" dirty="0" err="1"/>
+              <a:t>Menggunakan</a:t>
+            </a:r>
+            <a:r>
+              <a:rPr lang="en-US" dirty="0"/>
+              <a:t> syntax:</a:t>
+            </a:r>
+          </a:p>
+          <a:p>
+            <a:pPr marL="402336" lvl="1" indent="0">
+              <a:buNone/>
+            </a:pPr>
+            <a:r>
+              <a:rPr lang="en-US" dirty="0" err="1"/>
+              <a:t>var</a:t>
+            </a:r>
+            <a:r>
+              <a:rPr lang="en-US" dirty="0"/>
+              <a:t> texture = </a:t>
+            </a:r>
+            <a:r>
+              <a:rPr lang="en-US" dirty="0" err="1"/>
+              <a:t>THREE.ImageUtils.loadTexture</a:t>
+            </a:r>
+            <a:r>
+              <a:rPr lang="en-US" dirty="0"/>
+              <a:t>("…");</a:t>
+            </a:r>
+          </a:p>
+          <a:p>
+            <a:pPr marL="402336" lvl="1" indent="0">
+              <a:buNone/>
+            </a:pPr>
+            <a:endParaRPr lang="en-US" dirty="0"/>
+          </a:p>
+          <a:p>
+            <a:pPr marL="0" indent="0">
+              <a:buNone/>
+            </a:pPr>
+            <a:r>
+              <a:rPr lang="en-US" dirty="0"/>
+              <a:t>Pada </a:t>
+            </a:r>
+            <a:r>
+              <a:rPr lang="en-US" dirty="0" err="1"/>
+              <a:t>THREE.ParticleBasicMaterial</a:t>
+            </a:r>
+            <a:r>
+              <a:rPr lang="en-US" dirty="0"/>
+              <a:t>() dapat </a:t>
+            </a:r>
+            <a:r>
+              <a:rPr lang="en-US" dirty="0" err="1"/>
+              <a:t>menggunakan</a:t>
+            </a:r>
+            <a:r>
+              <a:rPr lang="en-US" dirty="0"/>
+              <a:t> property map </a:t>
+            </a:r>
+            <a:r>
+              <a:rPr lang="en-US" dirty="0" err="1"/>
+              <a:t>untuk</a:t>
+            </a:r>
+            <a:r>
+              <a:rPr lang="en-US" dirty="0"/>
+              <a:t> assign texture</a:t>
+            </a:r>
+          </a:p>
+          <a:p>
+            <a:pPr marL="0" indent="0">
+              <a:buNone/>
+            </a:pPr>
+            <a:endParaRPr lang="en-US" dirty="0"/>
+          </a:p>
+          <a:p>
+            <a:pPr marL="0" indent="0">
+              <a:buNone/>
+            </a:pPr>
+            <a:r>
+              <a:rPr lang="en-US" dirty="0" err="1"/>
+              <a:t>Menggunakan</a:t>
+            </a:r>
+            <a:r>
+              <a:rPr lang="en-US" dirty="0"/>
+              <a:t> </a:t>
+            </a:r>
+            <a:r>
+              <a:rPr lang="en-US" dirty="0" err="1"/>
+              <a:t>AdditiveBlending</a:t>
+            </a:r>
+            <a:r>
+              <a:rPr lang="en-US" dirty="0"/>
+              <a:t> </a:t>
+            </a:r>
+            <a:r>
+              <a:rPr lang="en-US" dirty="0" err="1"/>
+              <a:t>untuk</a:t>
+            </a:r>
+            <a:r>
+              <a:rPr lang="en-US" dirty="0"/>
+              <a:t> mode blending</a:t>
+            </a:r>
+          </a:p>
+          <a:p>
+            <a:pPr marL="0" indent="0">
+              <a:buNone/>
+            </a:pPr>
+            <a:endParaRPr lang="en-US" dirty="0"/>
+          </a:p>
+        </p:txBody>
+      </p:sp>
+    </p:spTree>
+    <p:extLst>
+      <p:ext uri="{BB962C8B-B14F-4D97-AF65-F5344CB8AC3E}">
+        <p14:creationId xmlns:p14="http://schemas.microsoft.com/office/powerpoint/2010/main" val="1606900230"/>
+      </p:ext>
+    </p:extLst>
+  </p:cSld>
+  <p:clrMapOvr>
+    <a:masterClrMapping/>
+  </p:clrMapOvr>
+</p:sld>
+</file>
+
+<file path=ppt/slides/slide9.xml><?xml version="1.0" encoding="utf-8"?>
+<p:sld xmlns:a="http://schemas.openxmlformats.org/drawingml/2006/main" xmlns:r="http://schemas.openxmlformats.org/officeDocument/2006/relationships" xmlns:p="http://schemas.openxmlformats.org/presentationml/2006/main">
+  <p:cSld>
+    <p:spTree>
+      <p:nvGrpSpPr>
+        <p:cNvPr id="1" name=""/>
+        <p:cNvGrpSpPr/>
+        <p:nvPr/>
+      </p:nvGrpSpPr>
+      <p:grpSpPr>
+        <a:xfrm>
+          <a:off x="0" y="0"/>
+          <a:ext cx="0" cy="0"/>
+          <a:chOff x="0" y="0"/>
+          <a:chExt cx="0" cy="0"/>
+        </a:xfrm>
+      </p:grpSpPr>
+      <p:sp>
+        <p:nvSpPr>
+          <p:cNvPr id="2" name="Title 1"/>
+          <p:cNvSpPr>
+            <a:spLocks noGrp="1"/>
+          </p:cNvSpPr>
+          <p:nvPr>
+            <p:ph type="title"/>
+          </p:nvPr>
+        </p:nvSpPr>
+        <p:spPr/>
+        <p:txBody>
+          <a:bodyPr>
+            <a:normAutofit/>
+          </a:bodyPr>
+          <a:lstStyle/>
+          <a:p>
+            <a:r>
+              <a:rPr lang="en-US" sz="3600" dirty="0" err="1"/>
+              <a:t>Kriteria</a:t>
+            </a:r>
+            <a:r>
+              <a:rPr lang="en-US" sz="3600" dirty="0"/>
+              <a:t> Texture</a:t>
+            </a:r>
+            <a:br>
+              <a:rPr lang="en-US" sz="3600" dirty="0"/>
+            </a:br>
+            <a:endParaRPr lang="en-US" sz="3600" dirty="0"/>
           </a:p>
         </p:txBody>
       </p:sp>
@@ -4858,15 +6677,15 @@
               <a:buChar char="-"/>
             </a:pPr>
             <a:r>
-              <a:rPr lang="en-US" dirty="0" smtClean="0"/>
+              <a:rPr lang="en-US" dirty="0"/>
               <a:t>Texture </a:t>
             </a:r>
             <a:r>
-              <a:rPr lang="en-US" dirty="0" err="1" smtClean="0"/>
+              <a:rPr lang="en-US" dirty="0" err="1"/>
               <a:t>bersize</a:t>
             </a:r>
             <a:r>
-              <a:rPr lang="en-US" dirty="0" smtClean="0"/>
+              <a:rPr lang="en-US" dirty="0"/>
               <a:t> power-of-2</a:t>
             </a:r>
           </a:p>
@@ -4876,26 +6695,25 @@
               <a:buChar char="-"/>
             </a:pPr>
             <a:r>
-              <a:rPr lang="en-US" dirty="0" smtClean="0"/>
+              <a:rPr lang="en-US" dirty="0"/>
               <a:t>Background </a:t>
             </a:r>
             <a:r>
-              <a:rPr lang="en-US" dirty="0" err="1" smtClean="0"/>
+              <a:rPr lang="en-US" dirty="0" err="1"/>
               <a:t>hitam</a:t>
             </a:r>
             <a:r>
-              <a:rPr lang="en-US" dirty="0" smtClean="0"/>
+              <a:rPr lang="en-US" dirty="0"/>
               <a:t> agar dapat </a:t>
             </a:r>
             <a:r>
-              <a:rPr lang="en-US" dirty="0" err="1" smtClean="0"/>
+              <a:rPr lang="en-US" dirty="0" err="1"/>
               <a:t>menggunakan</a:t>
             </a:r>
             <a:r>
-              <a:rPr lang="en-US" dirty="0" smtClean="0"/>
+              <a:rPr lang="en-US" dirty="0"/>
               <a:t> additive blending</a:t>
             </a:r>
-            <a:endParaRPr lang="en-US" dirty="0"/>
           </a:p>
           <a:p>
             <a:pPr>
@@ -4909,11 +6727,11 @@
               <a:buNone/>
             </a:pPr>
             <a:r>
-              <a:rPr lang="en-US" dirty="0" err="1" smtClean="0"/>
+              <a:rPr lang="en-US" dirty="0" err="1"/>
               <a:t>Contoh</a:t>
             </a:r>
             <a:r>
-              <a:rPr lang="en-US" dirty="0" smtClean="0"/>
+              <a:rPr lang="en-US" dirty="0"/>
               <a:t> Texture :</a:t>
             </a:r>
           </a:p>
@@ -4921,7 +6739,7 @@
             <a:pPr marL="0" indent="0">
               <a:buNone/>
             </a:pPr>
-            <a:endParaRPr lang="en-US" dirty="0" smtClean="0"/>
+            <a:endParaRPr lang="en-US" dirty="0"/>
           </a:p>
           <a:p>
             <a:pPr marL="0" indent="0">
@@ -4933,7 +6751,7 @@
             <a:pPr marL="0" indent="0">
               <a:buNone/>
             </a:pPr>
-            <a:endParaRPr lang="en-US" dirty="0" smtClean="0"/>
+            <a:endParaRPr lang="en-US" dirty="0"/>
           </a:p>
           <a:p>
             <a:pPr marL="0" indent="0">
@@ -4945,17 +6763,16 @@
             <a:pPr marL="0" indent="0">
               <a:buNone/>
             </a:pPr>
-            <a:endParaRPr lang="en-US" dirty="0" smtClean="0"/>
+            <a:endParaRPr lang="en-US" dirty="0"/>
           </a:p>
           <a:p>
             <a:pPr marL="0" indent="0">
               <a:buNone/>
             </a:pPr>
             <a:r>
-              <a:rPr lang="en-US" dirty="0" smtClean="0"/>
-              <a:t> </a:t>
-            </a:r>
-            <a:endParaRPr lang="en-US" dirty="0"/>
+              <a:rPr lang="en-US" dirty="0"/>
+              <a:t> </a:t>
+            </a:r>
           </a:p>
         </p:txBody>
       </p:sp>
@@ -4999,492 +6816,6 @@
   <p:clrMapOvr>
     <a:masterClrMapping/>
   </p:clrMapOvr>
-  <p:timing>
-    <p:tnLst>
-      <p:par>
-        <p:cTn id="1" dur="indefinite" restart="never" nodeType="tmRoot"/>
-      </p:par>
-    </p:tnLst>
-  </p:timing>
-</p:sld>
-</file>
-
-<file path=ppt/slides/slide6.xml><?xml version="1.0" encoding="utf-8"?>
-<p:sld xmlns:a="http://schemas.openxmlformats.org/drawingml/2006/main" xmlns:r="http://schemas.openxmlformats.org/officeDocument/2006/relationships" xmlns:p="http://schemas.openxmlformats.org/presentationml/2006/main">
-  <p:cSld>
-    <p:spTree>
-      <p:nvGrpSpPr>
-        <p:cNvPr id="1" name=""/>
-        <p:cNvGrpSpPr/>
-        <p:nvPr/>
-      </p:nvGrpSpPr>
-      <p:grpSpPr>
-        <a:xfrm>
-          <a:off x="0" y="0"/>
-          <a:ext cx="0" cy="0"/>
-          <a:chOff x="0" y="0"/>
-          <a:chExt cx="0" cy="0"/>
-        </a:xfrm>
-      </p:grpSpPr>
-      <p:sp>
-        <p:nvSpPr>
-          <p:cNvPr id="2" name="Title 1"/>
-          <p:cNvSpPr>
-            <a:spLocks noGrp="1"/>
-          </p:cNvSpPr>
-          <p:nvPr>
-            <p:ph type="title"/>
-          </p:nvPr>
-        </p:nvSpPr>
-        <p:spPr/>
-        <p:txBody>
-          <a:bodyPr/>
-          <a:lstStyle/>
-          <a:p>
-            <a:r>
-              <a:rPr lang="en-US" dirty="0" smtClean="0"/>
-              <a:t>Multiple Texture</a:t>
-            </a:r>
-            <a:endParaRPr lang="en-US" dirty="0"/>
-          </a:p>
-        </p:txBody>
-      </p:sp>
-      <p:sp>
-        <p:nvSpPr>
-          <p:cNvPr id="3" name="Content Placeholder 2"/>
-          <p:cNvSpPr>
-            <a:spLocks noGrp="1"/>
-          </p:cNvSpPr>
-          <p:nvPr>
-            <p:ph idx="1"/>
-          </p:nvPr>
-        </p:nvSpPr>
-        <p:spPr/>
-        <p:txBody>
-          <a:bodyPr>
-            <a:normAutofit fontScale="92500" lnSpcReduction="20000"/>
-          </a:bodyPr>
-          <a:lstStyle/>
-          <a:p>
-            <a:pPr marL="0" indent="0">
-              <a:buNone/>
-            </a:pPr>
-            <a:r>
-              <a:rPr lang="en-US" dirty="0" err="1" smtClean="0"/>
-              <a:t>Menggunakan</a:t>
-            </a:r>
-            <a:r>
-              <a:rPr lang="en-US" dirty="0" smtClean="0"/>
-              <a:t> </a:t>
-            </a:r>
-            <a:r>
-              <a:rPr lang="en-US" dirty="0" err="1" smtClean="0"/>
-              <a:t>beberapa</a:t>
-            </a:r>
-            <a:r>
-              <a:rPr lang="en-US" dirty="0" smtClean="0"/>
-              <a:t> particle system </a:t>
-            </a:r>
-            <a:r>
-              <a:rPr lang="en-US" dirty="0" err="1" smtClean="0"/>
-              <a:t>untuk</a:t>
-            </a:r>
-            <a:r>
-              <a:rPr lang="en-US" dirty="0" smtClean="0"/>
-              <a:t> load   texture yang </a:t>
-            </a:r>
-            <a:r>
-              <a:rPr lang="en-US" dirty="0" err="1" smtClean="0"/>
-              <a:t>berbeda</a:t>
-            </a:r>
-            <a:endParaRPr lang="en-US" dirty="0" smtClean="0"/>
-          </a:p>
-          <a:p>
-            <a:pPr marL="402336" lvl="1" indent="0">
-              <a:buNone/>
-            </a:pPr>
-            <a:r>
-              <a:rPr lang="en-US" dirty="0" err="1"/>
-              <a:t>var</a:t>
-            </a:r>
-            <a:r>
-              <a:rPr lang="en-US" dirty="0"/>
-              <a:t> texture1 = </a:t>
-            </a:r>
-            <a:r>
-              <a:rPr lang="en-US" dirty="0" err="1"/>
-              <a:t>THREE.ImageUtils.loadTexture</a:t>
-            </a:r>
-            <a:r>
-              <a:rPr lang="en-US" dirty="0" smtClean="0"/>
-              <a:t>("…</a:t>
-            </a:r>
-            <a:r>
-              <a:rPr lang="en-US" dirty="0"/>
-              <a:t>"</a:t>
-            </a:r>
-            <a:r>
-              <a:rPr lang="en-US" dirty="0" smtClean="0"/>
-              <a:t>);</a:t>
-            </a:r>
-            <a:endParaRPr lang="en-US" dirty="0"/>
-          </a:p>
-          <a:p>
-            <a:pPr marL="402336" lvl="1" indent="0">
-              <a:buNone/>
-            </a:pPr>
-            <a:r>
-              <a:rPr lang="en-US" dirty="0" err="1" smtClean="0"/>
-              <a:t>var</a:t>
-            </a:r>
-            <a:r>
-              <a:rPr lang="en-US" dirty="0"/>
-              <a:t> texture2 = </a:t>
-            </a:r>
-            <a:r>
-              <a:rPr lang="en-US" dirty="0" err="1" smtClean="0"/>
-              <a:t>THREE.ImageUtils.loadTexture</a:t>
-            </a:r>
-            <a:r>
-              <a:rPr lang="en-US" dirty="0" smtClean="0"/>
-              <a:t>(“…");</a:t>
-            </a:r>
-          </a:p>
-          <a:p>
-            <a:pPr marL="402336" lvl="1" indent="0">
-              <a:buNone/>
-            </a:pPr>
-            <a:r>
-              <a:rPr lang="en-US" dirty="0" smtClean="0"/>
-              <a:t>.</a:t>
-            </a:r>
-          </a:p>
-          <a:p>
-            <a:pPr marL="402336" lvl="1" indent="0">
-              <a:buNone/>
-            </a:pPr>
-            <a:r>
-              <a:rPr lang="en-US" dirty="0" smtClean="0"/>
-              <a:t>.</a:t>
-            </a:r>
-          </a:p>
-          <a:p>
-            <a:pPr marL="402336" lvl="1" indent="0">
-              <a:buNone/>
-            </a:pPr>
-            <a:r>
-              <a:rPr lang="en-US" dirty="0" err="1" smtClean="0"/>
-              <a:t>scene.add</a:t>
-            </a:r>
-            <a:r>
-              <a:rPr lang="en-US" dirty="0" smtClean="0"/>
-              <a:t>(</a:t>
-            </a:r>
-            <a:r>
-              <a:rPr lang="en-US" dirty="0" err="1" smtClean="0"/>
-              <a:t>createPointCloud</a:t>
-            </a:r>
-            <a:r>
-              <a:rPr lang="en-US" dirty="0"/>
-              <a:t>("system1", texture1, size, transparent, opacity, </a:t>
-            </a:r>
-            <a:r>
-              <a:rPr lang="en-US" dirty="0" err="1"/>
-              <a:t>sizeAttenuation</a:t>
-            </a:r>
-            <a:r>
-              <a:rPr lang="en-US" dirty="0"/>
-              <a:t>, color));</a:t>
-            </a:r>
-          </a:p>
-          <a:p>
-            <a:pPr marL="402336" lvl="1" indent="0">
-              <a:buNone/>
-            </a:pPr>
-            <a:r>
-              <a:rPr lang="en-US" dirty="0" err="1" smtClean="0"/>
-              <a:t>scene.add</a:t>
-            </a:r>
-            <a:r>
-              <a:rPr lang="en-US" dirty="0" smtClean="0"/>
-              <a:t>(</a:t>
-            </a:r>
-            <a:r>
-              <a:rPr lang="en-US" dirty="0" err="1" smtClean="0"/>
-              <a:t>createPointCloud</a:t>
-            </a:r>
-            <a:r>
-              <a:rPr lang="en-US" dirty="0"/>
-              <a:t>("system2", texture2, size, transparent, opacity, </a:t>
-            </a:r>
-            <a:r>
-              <a:rPr lang="en-US" dirty="0" err="1"/>
-              <a:t>sizeAttenuation</a:t>
-            </a:r>
-            <a:r>
-              <a:rPr lang="en-US" dirty="0"/>
-              <a:t>, color));</a:t>
-            </a:r>
-          </a:p>
-          <a:p>
-            <a:pPr marL="0" indent="0">
-              <a:buNone/>
-            </a:pPr>
-            <a:endParaRPr lang="en-US" dirty="0" smtClean="0"/>
-          </a:p>
-          <a:p>
-            <a:pPr marL="0" indent="0">
-              <a:buNone/>
-            </a:pPr>
-            <a:r>
-              <a:rPr lang="en-US" dirty="0" err="1" smtClean="0"/>
-              <a:t>Meskipun</a:t>
-            </a:r>
-            <a:r>
-              <a:rPr lang="en-US" dirty="0" smtClean="0"/>
-              <a:t> bisa load </a:t>
-            </a:r>
-            <a:r>
-              <a:rPr lang="en-US" dirty="0" err="1" smtClean="0"/>
-              <a:t>beberapa</a:t>
-            </a:r>
-            <a:r>
-              <a:rPr lang="en-US" dirty="0" smtClean="0"/>
-              <a:t> texture, tidak </a:t>
-            </a:r>
-            <a:r>
-              <a:rPr lang="en-US" dirty="0" err="1" smtClean="0"/>
-              <a:t>efisien</a:t>
-            </a:r>
-            <a:r>
-              <a:rPr lang="en-US" dirty="0" smtClean="0"/>
-              <a:t> </a:t>
-            </a:r>
-            <a:r>
-              <a:rPr lang="en-US" dirty="0" err="1" smtClean="0"/>
-              <a:t>semakin</a:t>
-            </a:r>
-            <a:r>
-              <a:rPr lang="en-US" dirty="0" smtClean="0"/>
-              <a:t> </a:t>
-            </a:r>
-            <a:r>
-              <a:rPr lang="en-US" dirty="0" err="1" smtClean="0"/>
-              <a:t>banyak</a:t>
-            </a:r>
-            <a:r>
-              <a:rPr lang="en-US" dirty="0" smtClean="0"/>
-              <a:t> </a:t>
-            </a:r>
-            <a:r>
-              <a:rPr lang="en-US" dirty="0" err="1" smtClean="0"/>
-              <a:t>jenis</a:t>
-            </a:r>
-            <a:r>
-              <a:rPr lang="en-US" dirty="0" smtClean="0"/>
-              <a:t> </a:t>
-            </a:r>
-            <a:r>
-              <a:rPr lang="en-US" dirty="0" err="1" smtClean="0"/>
-              <a:t>texturenya</a:t>
-            </a:r>
-            <a:endParaRPr lang="en-US" dirty="0" smtClean="0"/>
-          </a:p>
-          <a:p>
-            <a:pPr marL="0" indent="0">
-              <a:buNone/>
-            </a:pPr>
-            <a:endParaRPr lang="en-US" dirty="0"/>
-          </a:p>
-          <a:p>
-            <a:pPr marL="0" indent="0">
-              <a:buNone/>
-            </a:pPr>
-            <a:r>
-              <a:rPr lang="en-US" dirty="0" err="1" smtClean="0"/>
-              <a:t>Jika</a:t>
-            </a:r>
-            <a:r>
-              <a:rPr lang="en-US" dirty="0" smtClean="0"/>
-              <a:t> particle </a:t>
-            </a:r>
-            <a:r>
-              <a:rPr lang="en-US" dirty="0" err="1" smtClean="0"/>
-              <a:t>sedikit</a:t>
-            </a:r>
-            <a:r>
-              <a:rPr lang="en-US" dirty="0" smtClean="0"/>
-              <a:t> dan style texture </a:t>
-            </a:r>
-            <a:r>
-              <a:rPr lang="en-US" dirty="0" err="1" smtClean="0"/>
-              <a:t>banyak</a:t>
-            </a:r>
-            <a:r>
-              <a:rPr lang="en-US" dirty="0" smtClean="0"/>
-              <a:t>, lebih </a:t>
-            </a:r>
-            <a:r>
-              <a:rPr lang="en-US" dirty="0" err="1" smtClean="0"/>
-              <a:t>baik</a:t>
-            </a:r>
-            <a:r>
-              <a:rPr lang="en-US" dirty="0" smtClean="0"/>
-              <a:t> </a:t>
-            </a:r>
-            <a:r>
-              <a:rPr lang="en-US" dirty="0" err="1" smtClean="0"/>
-              <a:t>menggunakan</a:t>
-            </a:r>
-            <a:r>
-              <a:rPr lang="en-US" dirty="0" smtClean="0"/>
-              <a:t> </a:t>
-            </a:r>
-            <a:r>
-              <a:rPr lang="en-US" dirty="0" err="1" smtClean="0"/>
-              <a:t>THREE.sprite</a:t>
-            </a:r>
-            <a:endParaRPr lang="en-US" dirty="0" smtClean="0"/>
-          </a:p>
-          <a:p>
-            <a:pPr marL="0" indent="0">
-              <a:buNone/>
-            </a:pPr>
-            <a:endParaRPr lang="en-US" dirty="0" smtClean="0"/>
-          </a:p>
-          <a:p>
-            <a:pPr marL="0" indent="0">
-              <a:buNone/>
-            </a:pPr>
-            <a:endParaRPr lang="en-US" dirty="0"/>
-          </a:p>
-        </p:txBody>
-      </p:sp>
-    </p:spTree>
-    <p:extLst>
-      <p:ext uri="{BB962C8B-B14F-4D97-AF65-F5344CB8AC3E}">
-        <p14:creationId xmlns:p14="http://schemas.microsoft.com/office/powerpoint/2010/main" val="1462763499"/>
-      </p:ext>
-    </p:extLst>
-  </p:cSld>
-  <p:clrMapOvr>
-    <a:masterClrMapping/>
-  </p:clrMapOvr>
-  <p:timing>
-    <p:tnLst>
-      <p:par>
-        <p:cTn id="1" dur="indefinite" restart="never" nodeType="tmRoot"/>
-      </p:par>
-    </p:tnLst>
-  </p:timing>
-</p:sld>
-</file>
-
-<file path=ppt/slides/slide7.xml><?xml version="1.0" encoding="utf-8"?>
-<p:sld xmlns:a="http://schemas.openxmlformats.org/drawingml/2006/main" xmlns:r="http://schemas.openxmlformats.org/officeDocument/2006/relationships" xmlns:p="http://schemas.openxmlformats.org/presentationml/2006/main">
-  <p:cSld>
-    <p:spTree>
-      <p:nvGrpSpPr>
-        <p:cNvPr id="1" name=""/>
-        <p:cNvGrpSpPr/>
-        <p:nvPr/>
-      </p:nvGrpSpPr>
-      <p:grpSpPr>
-        <a:xfrm>
-          <a:off x="0" y="0"/>
-          <a:ext cx="0" cy="0"/>
-          <a:chOff x="0" y="0"/>
-          <a:chExt cx="0" cy="0"/>
-        </a:xfrm>
-      </p:grpSpPr>
-      <p:sp>
-        <p:nvSpPr>
-          <p:cNvPr id="2" name="Title 1"/>
-          <p:cNvSpPr>
-            <a:spLocks noGrp="1"/>
-          </p:cNvSpPr>
-          <p:nvPr>
-            <p:ph type="title"/>
-          </p:nvPr>
-        </p:nvSpPr>
-        <p:spPr/>
-        <p:txBody>
-          <a:bodyPr>
-            <a:noAutofit/>
-          </a:bodyPr>
-          <a:lstStyle/>
-          <a:p>
-            <a:r>
-              <a:rPr lang="en-US" sz="4800" dirty="0"/>
-              <a:t>Creating THREE</a:t>
-            </a:r>
-            <a:r>
-              <a:rPr lang="en-US" sz="4800" dirty="0" smtClean="0"/>
-              <a:t>.</a:t>
-            </a:r>
-            <a:r>
-              <a:rPr lang="id-ID" sz="4800" dirty="0" smtClean="0"/>
-              <a:t/>
-            </a:r>
-            <a:br>
-              <a:rPr lang="id-ID" sz="4800" dirty="0" smtClean="0"/>
-            </a:br>
-            <a:r>
-              <a:rPr lang="en-US" sz="4800" dirty="0" err="1" smtClean="0"/>
-              <a:t>PointCloud</a:t>
-            </a:r>
-            <a:r>
-              <a:rPr lang="en-US" sz="4800" dirty="0" smtClean="0"/>
-              <a:t> </a:t>
-            </a:r>
-            <a:r>
-              <a:rPr lang="en-US" sz="4800" dirty="0"/>
-              <a:t>from an advanced geometry </a:t>
-            </a:r>
-            <a:endParaRPr lang="en-US" sz="4800" dirty="0"/>
-          </a:p>
-        </p:txBody>
-      </p:sp>
-      <p:sp>
-        <p:nvSpPr>
-          <p:cNvPr id="3" name="Content Placeholder 2"/>
-          <p:cNvSpPr>
-            <a:spLocks noGrp="1"/>
-          </p:cNvSpPr>
-          <p:nvPr>
-            <p:ph idx="1"/>
-          </p:nvPr>
-        </p:nvSpPr>
-        <p:spPr/>
-        <p:txBody>
-          <a:bodyPr/>
-          <a:lstStyle/>
-          <a:p>
-            <a:r>
-              <a:rPr lang="id-ID" dirty="0" smtClean="0"/>
-              <a:t>THREE.PointCloud merender setiap partikel berdasarkan dari geometri yang telah disediakan. Sehingga dengan demikian kita dapat menggunakan complex geometri dengan THREE.PointCloud</a:t>
-            </a:r>
-            <a:endParaRPr lang="en-US" dirty="0"/>
-          </a:p>
-        </p:txBody>
-      </p:sp>
-    </p:spTree>
-    <p:extLst>
-      <p:ext uri="{BB962C8B-B14F-4D97-AF65-F5344CB8AC3E}">
-        <p14:creationId xmlns:p14="http://schemas.microsoft.com/office/powerpoint/2010/main" val="1188032180"/>
-      </p:ext>
-    </p:extLst>
-  </p:cSld>
-  <p:clrMapOvr>
-    <a:masterClrMapping/>
-  </p:clrMapOvr>
-  <p:timing>
-    <p:tnLst>
-      <p:par>
-        <p:cTn id="1" dur="indefinite" restart="never" nodeType="tmRoot"/>
-      </p:par>
-    </p:tnLst>
-  </p:timing>
 </p:sld>
 </file>
 

--- a/presentation/Particles, Sprites, and the Point Cloud.pptx
+++ b/presentation/Particles, Sprites, and the Point Cloud.pptx
@@ -1,38 +1,133 @@
 
 <file path=ppt/presentation.xml><?xml version="1.0" encoding="utf-8"?>
-<p:presentation xmlns:a="http://schemas.openxmlformats.org/drawingml/2006/main" xmlns:p="http://schemas.openxmlformats.org/presentationml/2006/main" xmlns:r="http://schemas.openxmlformats.org/officeDocument/2006/relationships" xmlns:p14="http://schemas.microsoft.com/office/powerpoint/2010/main" xmlns:p15="http://schemas.microsoft.com/office/powerpoint/2012/main" xmlns:mc="http://schemas.openxmlformats.org/markup-compatibility/2006">
+<p:presentation xmlns:a="http://schemas.openxmlformats.org/drawingml/2006/main" xmlns:r="http://schemas.openxmlformats.org/officeDocument/2006/relationships" xmlns:p="http://schemas.openxmlformats.org/presentationml/2006/main">
   <p:sldMasterIdLst>
-    <p:sldMasterId id="2147483648" r:id="rId2"/>
-    <p:sldMasterId id="2147483661" r:id="rId3"/>
-    <p:sldMasterId id="2147483674" r:id="rId4"/>
+    <p:sldMasterId id="2147483648" r:id="rId1"/>
+    <p:sldMasterId id="2147483661" r:id="rId2"/>
+    <p:sldMasterId id="2147483674" r:id="rId3"/>
   </p:sldMasterIdLst>
   <p:sldIdLst>
-    <p:sldId id="256" r:id="rId5"/>
-    <p:sldId id="257" r:id="rId6"/>
-    <p:sldId id="258" r:id="rId7"/>
-    <p:sldId id="259" r:id="rId8"/>
-    <p:sldId id="260" r:id="rId9"/>
-    <p:sldId id="261" r:id="rId10"/>
-    <p:sldId id="262" r:id="rId11"/>
-    <p:sldId id="263" r:id="rId12"/>
-    <p:sldId id="264" r:id="rId13"/>
-    <p:sldId id="265" r:id="rId14"/>
-    <p:sldId id="266" r:id="rId15"/>
-    <p:sldId id="267" r:id="rId16"/>
-    <p:sldId id="268" r:id="rId17"/>
-    <p:sldId id="269" r:id="rId18"/>
-    <p:sldId id="270" r:id="rId19"/>
-    <p:sldId id="271" r:id="rId20"/>
-    <p:sldId id="272" r:id="rId21"/>
-    <p:sldId id="273" r:id="rId22"/>
+    <p:sldId id="256" r:id="rId4"/>
+    <p:sldId id="257" r:id="rId5"/>
+    <p:sldId id="258" r:id="rId6"/>
+    <p:sldId id="259" r:id="rId7"/>
+    <p:sldId id="260" r:id="rId8"/>
+    <p:sldId id="261" r:id="rId9"/>
+    <p:sldId id="262" r:id="rId10"/>
+    <p:sldId id="263" r:id="rId11"/>
+    <p:sldId id="264" r:id="rId12"/>
+    <p:sldId id="265" r:id="rId13"/>
+    <p:sldId id="266" r:id="rId14"/>
+    <p:sldId id="267" r:id="rId15"/>
+    <p:sldId id="268" r:id="rId16"/>
+    <p:sldId id="269" r:id="rId17"/>
+    <p:sldId id="270" r:id="rId18"/>
+    <p:sldId id="271" r:id="rId19"/>
+    <p:sldId id="272" r:id="rId20"/>
+    <p:sldId id="273" r:id="rId21"/>
   </p:sldIdLst>
   <p:sldSz cx="12192000" cy="6858000"/>
-  <p:notesSz cx="7559675" cy="10691812"/>
+  <p:notesSz cx="7559675" cy="10691813"/>
+  <p:defaultTextStyle>
+    <a:defPPr>
+      <a:defRPr lang="id-ID"/>
+    </a:defPPr>
+    <a:lvl1pPr marL="0" algn="l" defTabSz="914400" rtl="0" eaLnBrk="1" latinLnBrk="0" hangingPunct="1">
+      <a:defRPr sz="1800" kern="1200">
+        <a:solidFill>
+          <a:schemeClr val="tx1"/>
+        </a:solidFill>
+        <a:latin typeface="+mn-lt"/>
+        <a:ea typeface="+mn-ea"/>
+        <a:cs typeface="+mn-cs"/>
+      </a:defRPr>
+    </a:lvl1pPr>
+    <a:lvl2pPr marL="457200" algn="l" defTabSz="914400" rtl="0" eaLnBrk="1" latinLnBrk="0" hangingPunct="1">
+      <a:defRPr sz="1800" kern="1200">
+        <a:solidFill>
+          <a:schemeClr val="tx1"/>
+        </a:solidFill>
+        <a:latin typeface="+mn-lt"/>
+        <a:ea typeface="+mn-ea"/>
+        <a:cs typeface="+mn-cs"/>
+      </a:defRPr>
+    </a:lvl2pPr>
+    <a:lvl3pPr marL="914400" algn="l" defTabSz="914400" rtl="0" eaLnBrk="1" latinLnBrk="0" hangingPunct="1">
+      <a:defRPr sz="1800" kern="1200">
+        <a:solidFill>
+          <a:schemeClr val="tx1"/>
+        </a:solidFill>
+        <a:latin typeface="+mn-lt"/>
+        <a:ea typeface="+mn-ea"/>
+        <a:cs typeface="+mn-cs"/>
+      </a:defRPr>
+    </a:lvl3pPr>
+    <a:lvl4pPr marL="1371600" algn="l" defTabSz="914400" rtl="0" eaLnBrk="1" latinLnBrk="0" hangingPunct="1">
+      <a:defRPr sz="1800" kern="1200">
+        <a:solidFill>
+          <a:schemeClr val="tx1"/>
+        </a:solidFill>
+        <a:latin typeface="+mn-lt"/>
+        <a:ea typeface="+mn-ea"/>
+        <a:cs typeface="+mn-cs"/>
+      </a:defRPr>
+    </a:lvl4pPr>
+    <a:lvl5pPr marL="1828800" algn="l" defTabSz="914400" rtl="0" eaLnBrk="1" latinLnBrk="0" hangingPunct="1">
+      <a:defRPr sz="1800" kern="1200">
+        <a:solidFill>
+          <a:schemeClr val="tx1"/>
+        </a:solidFill>
+        <a:latin typeface="+mn-lt"/>
+        <a:ea typeface="+mn-ea"/>
+        <a:cs typeface="+mn-cs"/>
+      </a:defRPr>
+    </a:lvl5pPr>
+    <a:lvl6pPr marL="2286000" algn="l" defTabSz="914400" rtl="0" eaLnBrk="1" latinLnBrk="0" hangingPunct="1">
+      <a:defRPr sz="1800" kern="1200">
+        <a:solidFill>
+          <a:schemeClr val="tx1"/>
+        </a:solidFill>
+        <a:latin typeface="+mn-lt"/>
+        <a:ea typeface="+mn-ea"/>
+        <a:cs typeface="+mn-cs"/>
+      </a:defRPr>
+    </a:lvl6pPr>
+    <a:lvl7pPr marL="2743200" algn="l" defTabSz="914400" rtl="0" eaLnBrk="1" latinLnBrk="0" hangingPunct="1">
+      <a:defRPr sz="1800" kern="1200">
+        <a:solidFill>
+          <a:schemeClr val="tx1"/>
+        </a:solidFill>
+        <a:latin typeface="+mn-lt"/>
+        <a:ea typeface="+mn-ea"/>
+        <a:cs typeface="+mn-cs"/>
+      </a:defRPr>
+    </a:lvl7pPr>
+    <a:lvl8pPr marL="3200400" algn="l" defTabSz="914400" rtl="0" eaLnBrk="1" latinLnBrk="0" hangingPunct="1">
+      <a:defRPr sz="1800" kern="1200">
+        <a:solidFill>
+          <a:schemeClr val="tx1"/>
+        </a:solidFill>
+        <a:latin typeface="+mn-lt"/>
+        <a:ea typeface="+mn-ea"/>
+        <a:cs typeface="+mn-cs"/>
+      </a:defRPr>
+    </a:lvl8pPr>
+    <a:lvl9pPr marL="3657600" algn="l" defTabSz="914400" rtl="0" eaLnBrk="1" latinLnBrk="0" hangingPunct="1">
+      <a:defRPr sz="1800" kern="1200">
+        <a:solidFill>
+          <a:schemeClr val="tx1"/>
+        </a:solidFill>
+        <a:latin typeface="+mn-lt"/>
+        <a:ea typeface="+mn-ea"/>
+        <a:cs typeface="+mn-cs"/>
+      </a:defRPr>
+    </a:lvl9pPr>
+  </p:defaultTextStyle>
 </p:presentation>
 </file>
 
 <file path=ppt/slideLayouts/slideLayout1.xml><?xml version="1.0" encoding="utf-8"?>
-<p:sldLayout xmlns:a="http://schemas.openxmlformats.org/drawingml/2006/main" xmlns:p="http://schemas.openxmlformats.org/presentationml/2006/main" xmlns:r="http://schemas.openxmlformats.org/officeDocument/2006/relationships" xmlns:p14="http://schemas.microsoft.com/office/powerpoint/2010/main" xmlns:p15="http://schemas.microsoft.com/office/powerpoint/2012/main" xmlns:mc="http://schemas.openxmlformats.org/markup-compatibility/2006" type="blank" preserve="1">
+<p:sldLayout xmlns:a="http://schemas.openxmlformats.org/drawingml/2006/main" xmlns:r="http://schemas.openxmlformats.org/officeDocument/2006/relationships" xmlns:p="http://schemas.openxmlformats.org/presentationml/2006/main" type="blank" preserve="1">
   <p:cSld name="Blank Slide">
     <p:spTree>
       <p:nvGrpSpPr>
@@ -50,11 +145,14 @@
       </p:grpSpPr>
     </p:spTree>
   </p:cSld>
+  <p:clrMapOvr>
+    <a:masterClrMapping/>
+  </p:clrMapOvr>
 </p:sldLayout>
 </file>
 
 <file path=ppt/slideLayouts/slideLayout10.xml><?xml version="1.0" encoding="utf-8"?>
-<p:sldLayout xmlns:a="http://schemas.openxmlformats.org/drawingml/2006/main" xmlns:p="http://schemas.openxmlformats.org/presentationml/2006/main" xmlns:r="http://schemas.openxmlformats.org/officeDocument/2006/relationships" xmlns:p14="http://schemas.microsoft.com/office/powerpoint/2010/main" xmlns:p15="http://schemas.microsoft.com/office/powerpoint/2012/main" xmlns:mc="http://schemas.openxmlformats.org/markup-compatibility/2006" type="objOverTx" preserve="1">
+<p:sldLayout xmlns:a="http://schemas.openxmlformats.org/drawingml/2006/main" xmlns:r="http://schemas.openxmlformats.org/officeDocument/2006/relationships" xmlns:p="http://schemas.openxmlformats.org/presentationml/2006/main" type="objOverTx" preserve="1">
   <p:cSld name="Title, Content over Content">
     <p:spTree>
       <p:nvGrpSpPr>
@@ -90,9 +188,10 @@
           </a:prstGeom>
         </p:spPr>
         <p:txBody>
-          <a:bodyPr lIns="0" rIns="0" tIns="0" bIns="0" anchor="ctr"/>
-          <a:p>
-            <a:endParaRPr b="0" lang="en-US" sz="1800" spc="-1" strike="noStrike">
+          <a:bodyPr lIns="0" tIns="0" rIns="0" bIns="0" anchor="ctr"/>
+          <a:lstStyle/>
+          <a:p>
+            <a:endParaRPr lang="en-US" sz="1800" b="0" strike="noStrike" spc="-1">
               <a:solidFill>
                 <a:srgbClr val="000000"/>
               </a:solidFill>
@@ -121,11 +220,12 @@
           </a:prstGeom>
         </p:spPr>
         <p:txBody>
-          <a:bodyPr lIns="0" rIns="0" tIns="0" bIns="0">
+          <a:bodyPr lIns="0" tIns="0" rIns="0" bIns="0">
             <a:normAutofit/>
           </a:bodyPr>
-          <a:p>
-            <a:endParaRPr b="0" lang="en-US" sz="2000" spc="-1" strike="noStrike">
+          <a:lstStyle/>
+          <a:p>
+            <a:endParaRPr lang="en-US" sz="2000" b="0" strike="noStrike" spc="-1">
               <a:solidFill>
                 <a:srgbClr val="262626"/>
               </a:solidFill>
@@ -154,11 +254,12 @@
           </a:prstGeom>
         </p:spPr>
         <p:txBody>
-          <a:bodyPr lIns="0" rIns="0" tIns="0" bIns="0">
+          <a:bodyPr lIns="0" tIns="0" rIns="0" bIns="0">
             <a:normAutofit/>
           </a:bodyPr>
-          <a:p>
-            <a:endParaRPr b="0" lang="en-US" sz="2000" spc="-1" strike="noStrike">
+          <a:lstStyle/>
+          <a:p>
+            <a:endParaRPr lang="en-US" sz="2000" b="0" strike="noStrike" spc="-1">
               <a:solidFill>
                 <a:srgbClr val="262626"/>
               </a:solidFill>
@@ -169,11 +270,14 @@
       </p:sp>
     </p:spTree>
   </p:cSld>
+  <p:clrMapOvr>
+    <a:masterClrMapping/>
+  </p:clrMapOvr>
 </p:sldLayout>
 </file>
 
 <file path=ppt/slideLayouts/slideLayout11.xml><?xml version="1.0" encoding="utf-8"?>
-<p:sldLayout xmlns:a="http://schemas.openxmlformats.org/drawingml/2006/main" xmlns:p="http://schemas.openxmlformats.org/presentationml/2006/main" xmlns:r="http://schemas.openxmlformats.org/officeDocument/2006/relationships" xmlns:p14="http://schemas.microsoft.com/office/powerpoint/2010/main" xmlns:p15="http://schemas.microsoft.com/office/powerpoint/2012/main" xmlns:mc="http://schemas.openxmlformats.org/markup-compatibility/2006" type="fourObj" preserve="1">
+<p:sldLayout xmlns:a="http://schemas.openxmlformats.org/drawingml/2006/main" xmlns:r="http://schemas.openxmlformats.org/officeDocument/2006/relationships" xmlns:p="http://schemas.openxmlformats.org/presentationml/2006/main" type="fourObj" preserve="1">
   <p:cSld name="Title, 4 Content">
     <p:spTree>
       <p:nvGrpSpPr>
@@ -209,9 +313,10 @@
           </a:prstGeom>
         </p:spPr>
         <p:txBody>
-          <a:bodyPr lIns="0" rIns="0" tIns="0" bIns="0" anchor="ctr"/>
-          <a:p>
-            <a:endParaRPr b="0" lang="en-US" sz="1800" spc="-1" strike="noStrike">
+          <a:bodyPr lIns="0" tIns="0" rIns="0" bIns="0" anchor="ctr"/>
+          <a:lstStyle/>
+          <a:p>
+            <a:endParaRPr lang="en-US" sz="1800" b="0" strike="noStrike" spc="-1">
               <a:solidFill>
                 <a:srgbClr val="000000"/>
               </a:solidFill>
@@ -240,11 +345,12 @@
           </a:prstGeom>
         </p:spPr>
         <p:txBody>
-          <a:bodyPr lIns="0" rIns="0" tIns="0" bIns="0">
+          <a:bodyPr lIns="0" tIns="0" rIns="0" bIns="0">
             <a:normAutofit/>
           </a:bodyPr>
-          <a:p>
-            <a:endParaRPr b="0" lang="en-US" sz="2000" spc="-1" strike="noStrike">
+          <a:lstStyle/>
+          <a:p>
+            <a:endParaRPr lang="en-US" sz="2000" b="0" strike="noStrike" spc="-1">
               <a:solidFill>
                 <a:srgbClr val="262626"/>
               </a:solidFill>
@@ -273,11 +379,12 @@
           </a:prstGeom>
         </p:spPr>
         <p:txBody>
-          <a:bodyPr lIns="0" rIns="0" tIns="0" bIns="0">
+          <a:bodyPr lIns="0" tIns="0" rIns="0" bIns="0">
             <a:normAutofit/>
           </a:bodyPr>
-          <a:p>
-            <a:endParaRPr b="0" lang="en-US" sz="2000" spc="-1" strike="noStrike">
+          <a:lstStyle/>
+          <a:p>
+            <a:endParaRPr lang="en-US" sz="2000" b="0" strike="noStrike" spc="-1">
               <a:solidFill>
                 <a:srgbClr val="262626"/>
               </a:solidFill>
@@ -306,11 +413,12 @@
           </a:prstGeom>
         </p:spPr>
         <p:txBody>
-          <a:bodyPr lIns="0" rIns="0" tIns="0" bIns="0">
+          <a:bodyPr lIns="0" tIns="0" rIns="0" bIns="0">
             <a:normAutofit/>
           </a:bodyPr>
-          <a:p>
-            <a:endParaRPr b="0" lang="en-US" sz="2000" spc="-1" strike="noStrike">
+          <a:lstStyle/>
+          <a:p>
+            <a:endParaRPr lang="en-US" sz="2000" b="0" strike="noStrike" spc="-1">
               <a:solidFill>
                 <a:srgbClr val="262626"/>
               </a:solidFill>
@@ -339,11 +447,12 @@
           </a:prstGeom>
         </p:spPr>
         <p:txBody>
-          <a:bodyPr lIns="0" rIns="0" tIns="0" bIns="0">
+          <a:bodyPr lIns="0" tIns="0" rIns="0" bIns="0">
             <a:normAutofit/>
           </a:bodyPr>
-          <a:p>
-            <a:endParaRPr b="0" lang="en-US" sz="2000" spc="-1" strike="noStrike">
+          <a:lstStyle/>
+          <a:p>
+            <a:endParaRPr lang="en-US" sz="2000" b="0" strike="noStrike" spc="-1">
               <a:solidFill>
                 <a:srgbClr val="262626"/>
               </a:solidFill>
@@ -354,11 +463,14 @@
       </p:sp>
     </p:spTree>
   </p:cSld>
+  <p:clrMapOvr>
+    <a:masterClrMapping/>
+  </p:clrMapOvr>
 </p:sldLayout>
 </file>
 
 <file path=ppt/slideLayouts/slideLayout12.xml><?xml version="1.0" encoding="utf-8"?>
-<p:sldLayout xmlns:a="http://schemas.openxmlformats.org/drawingml/2006/main" xmlns:p="http://schemas.openxmlformats.org/presentationml/2006/main" xmlns:r="http://schemas.openxmlformats.org/officeDocument/2006/relationships" xmlns:p14="http://schemas.microsoft.com/office/powerpoint/2010/main" xmlns:p15="http://schemas.microsoft.com/office/powerpoint/2012/main" xmlns:mc="http://schemas.openxmlformats.org/markup-compatibility/2006" type="blank" preserve="1">
+<p:sldLayout xmlns:a="http://schemas.openxmlformats.org/drawingml/2006/main" xmlns:r="http://schemas.openxmlformats.org/officeDocument/2006/relationships" xmlns:p="http://schemas.openxmlformats.org/presentationml/2006/main" type="blank" preserve="1">
   <p:cSld name="Title, 6 Content">
     <p:spTree>
       <p:nvGrpSpPr>
@@ -394,9 +506,10 @@
           </a:prstGeom>
         </p:spPr>
         <p:txBody>
-          <a:bodyPr lIns="0" rIns="0" tIns="0" bIns="0" anchor="ctr"/>
-          <a:p>
-            <a:endParaRPr b="0" lang="en-US" sz="1800" spc="-1" strike="noStrike">
+          <a:bodyPr lIns="0" tIns="0" rIns="0" bIns="0" anchor="ctr"/>
+          <a:lstStyle/>
+          <a:p>
+            <a:endParaRPr lang="en-US" sz="1800" b="0" strike="noStrike" spc="-1">
               <a:solidFill>
                 <a:srgbClr val="000000"/>
               </a:solidFill>
@@ -425,11 +538,12 @@
           </a:prstGeom>
         </p:spPr>
         <p:txBody>
-          <a:bodyPr lIns="0" rIns="0" tIns="0" bIns="0">
+          <a:bodyPr lIns="0" tIns="0" rIns="0" bIns="0">
             <a:normAutofit/>
           </a:bodyPr>
-          <a:p>
-            <a:endParaRPr b="0" lang="en-US" sz="2000" spc="-1" strike="noStrike">
+          <a:lstStyle/>
+          <a:p>
+            <a:endParaRPr lang="en-US" sz="2000" b="0" strike="noStrike" spc="-1">
               <a:solidFill>
                 <a:srgbClr val="262626"/>
               </a:solidFill>
@@ -458,11 +572,12 @@
           </a:prstGeom>
         </p:spPr>
         <p:txBody>
-          <a:bodyPr lIns="0" rIns="0" tIns="0" bIns="0">
+          <a:bodyPr lIns="0" tIns="0" rIns="0" bIns="0">
             <a:normAutofit/>
           </a:bodyPr>
-          <a:p>
-            <a:endParaRPr b="0" lang="en-US" sz="2000" spc="-1" strike="noStrike">
+          <a:lstStyle/>
+          <a:p>
+            <a:endParaRPr lang="en-US" sz="2000" b="0" strike="noStrike" spc="-1">
               <a:solidFill>
                 <a:srgbClr val="262626"/>
               </a:solidFill>
@@ -491,11 +606,12 @@
           </a:prstGeom>
         </p:spPr>
         <p:txBody>
-          <a:bodyPr lIns="0" rIns="0" tIns="0" bIns="0">
+          <a:bodyPr lIns="0" tIns="0" rIns="0" bIns="0">
             <a:normAutofit/>
           </a:bodyPr>
-          <a:p>
-            <a:endParaRPr b="0" lang="en-US" sz="2000" spc="-1" strike="noStrike">
+          <a:lstStyle/>
+          <a:p>
+            <a:endParaRPr lang="en-US" sz="2000" b="0" strike="noStrike" spc="-1">
               <a:solidFill>
                 <a:srgbClr val="262626"/>
               </a:solidFill>
@@ -524,11 +640,12 @@
           </a:prstGeom>
         </p:spPr>
         <p:txBody>
-          <a:bodyPr lIns="0" rIns="0" tIns="0" bIns="0">
+          <a:bodyPr lIns="0" tIns="0" rIns="0" bIns="0">
             <a:normAutofit/>
           </a:bodyPr>
-          <a:p>
-            <a:endParaRPr b="0" lang="en-US" sz="2000" spc="-1" strike="noStrike">
+          <a:lstStyle/>
+          <a:p>
+            <a:endParaRPr lang="en-US" sz="2000" b="0" strike="noStrike" spc="-1">
               <a:solidFill>
                 <a:srgbClr val="262626"/>
               </a:solidFill>
@@ -557,11 +674,12 @@
           </a:prstGeom>
         </p:spPr>
         <p:txBody>
-          <a:bodyPr lIns="0" rIns="0" tIns="0" bIns="0">
+          <a:bodyPr lIns="0" tIns="0" rIns="0" bIns="0">
             <a:normAutofit/>
           </a:bodyPr>
-          <a:p>
-            <a:endParaRPr b="0" lang="en-US" sz="2000" spc="-1" strike="noStrike">
+          <a:lstStyle/>
+          <a:p>
+            <a:endParaRPr lang="en-US" sz="2000" b="0" strike="noStrike" spc="-1">
               <a:solidFill>
                 <a:srgbClr val="262626"/>
               </a:solidFill>
@@ -590,11 +708,12 @@
           </a:prstGeom>
         </p:spPr>
         <p:txBody>
-          <a:bodyPr lIns="0" rIns="0" tIns="0" bIns="0">
+          <a:bodyPr lIns="0" tIns="0" rIns="0" bIns="0">
             <a:normAutofit/>
           </a:bodyPr>
-          <a:p>
-            <a:endParaRPr b="0" lang="en-US" sz="2000" spc="-1" strike="noStrike">
+          <a:lstStyle/>
+          <a:p>
+            <a:endParaRPr lang="en-US" sz="2000" b="0" strike="noStrike" spc="-1">
               <a:solidFill>
                 <a:srgbClr val="262626"/>
               </a:solidFill>
@@ -605,11 +724,14 @@
       </p:sp>
     </p:spTree>
   </p:cSld>
+  <p:clrMapOvr>
+    <a:masterClrMapping/>
+  </p:clrMapOvr>
 </p:sldLayout>
 </file>
 
 <file path=ppt/slideLayouts/slideLayout13.xml><?xml version="1.0" encoding="utf-8"?>
-<p:sldLayout xmlns:a="http://schemas.openxmlformats.org/drawingml/2006/main" xmlns:p="http://schemas.openxmlformats.org/presentationml/2006/main" xmlns:r="http://schemas.openxmlformats.org/officeDocument/2006/relationships" xmlns:p14="http://schemas.microsoft.com/office/powerpoint/2010/main" xmlns:p15="http://schemas.microsoft.com/office/powerpoint/2012/main" xmlns:mc="http://schemas.openxmlformats.org/markup-compatibility/2006" type="blank" preserve="1">
+<p:sldLayout xmlns:a="http://schemas.openxmlformats.org/drawingml/2006/main" xmlns:r="http://schemas.openxmlformats.org/officeDocument/2006/relationships" xmlns:p="http://schemas.openxmlformats.org/presentationml/2006/main" type="blank" preserve="1">
   <p:cSld name="Blank Slide">
     <p:spTree>
       <p:nvGrpSpPr>
@@ -627,11 +749,14 @@
       </p:grpSpPr>
     </p:spTree>
   </p:cSld>
+  <p:clrMapOvr>
+    <a:masterClrMapping/>
+  </p:clrMapOvr>
 </p:sldLayout>
 </file>
 
 <file path=ppt/slideLayouts/slideLayout14.xml><?xml version="1.0" encoding="utf-8"?>
-<p:sldLayout xmlns:a="http://schemas.openxmlformats.org/drawingml/2006/main" xmlns:p="http://schemas.openxmlformats.org/presentationml/2006/main" xmlns:r="http://schemas.openxmlformats.org/officeDocument/2006/relationships" xmlns:p14="http://schemas.microsoft.com/office/powerpoint/2010/main" xmlns:p15="http://schemas.microsoft.com/office/powerpoint/2012/main" xmlns:mc="http://schemas.openxmlformats.org/markup-compatibility/2006" type="tx" preserve="1">
+<p:sldLayout xmlns:a="http://schemas.openxmlformats.org/drawingml/2006/main" xmlns:r="http://schemas.openxmlformats.org/officeDocument/2006/relationships" xmlns:p="http://schemas.openxmlformats.org/presentationml/2006/main" type="tx" preserve="1">
   <p:cSld name="Title Slide">
     <p:spTree>
       <p:nvGrpSpPr>
@@ -667,9 +792,10 @@
           </a:prstGeom>
         </p:spPr>
         <p:txBody>
-          <a:bodyPr lIns="0" rIns="0" tIns="0" bIns="0" anchor="ctr"/>
-          <a:p>
-            <a:endParaRPr b="0" lang="en-US" sz="1800" spc="-1" strike="noStrike">
+          <a:bodyPr lIns="0" tIns="0" rIns="0" bIns="0" anchor="ctr"/>
+          <a:lstStyle/>
+          <a:p>
+            <a:endParaRPr lang="en-US" sz="1800" b="0" strike="noStrike" spc="-1">
               <a:solidFill>
                 <a:srgbClr val="000000"/>
               </a:solidFill>
@@ -698,10 +824,11 @@
           </a:prstGeom>
         </p:spPr>
         <p:txBody>
-          <a:bodyPr lIns="0" rIns="0" tIns="0" bIns="0" anchor="ctr"/>
+          <a:bodyPr lIns="0" tIns="0" rIns="0" bIns="0" anchor="ctr"/>
+          <a:lstStyle/>
           <a:p>
             <a:pPr algn="ctr"/>
-            <a:endParaRPr b="0" lang="en-US" sz="3200" spc="-1" strike="noStrike">
+            <a:endParaRPr lang="en-US" sz="3200" b="0" strike="noStrike" spc="-1">
               <a:latin typeface="Arial"/>
             </a:endParaRPr>
           </a:p>
@@ -709,11 +836,14 @@
       </p:sp>
     </p:spTree>
   </p:cSld>
+  <p:clrMapOvr>
+    <a:masterClrMapping/>
+  </p:clrMapOvr>
 </p:sldLayout>
 </file>
 
 <file path=ppt/slideLayouts/slideLayout15.xml><?xml version="1.0" encoding="utf-8"?>
-<p:sldLayout xmlns:a="http://schemas.openxmlformats.org/drawingml/2006/main" xmlns:p="http://schemas.openxmlformats.org/presentationml/2006/main" xmlns:r="http://schemas.openxmlformats.org/officeDocument/2006/relationships" xmlns:p14="http://schemas.microsoft.com/office/powerpoint/2010/main" xmlns:p15="http://schemas.microsoft.com/office/powerpoint/2012/main" xmlns:mc="http://schemas.openxmlformats.org/markup-compatibility/2006" type="obj" preserve="1">
+<p:sldLayout xmlns:a="http://schemas.openxmlformats.org/drawingml/2006/main" xmlns:r="http://schemas.openxmlformats.org/officeDocument/2006/relationships" xmlns:p="http://schemas.openxmlformats.org/presentationml/2006/main" type="obj" preserve="1">
   <p:cSld name="Title, Content">
     <p:spTree>
       <p:nvGrpSpPr>
@@ -749,9 +879,10 @@
           </a:prstGeom>
         </p:spPr>
         <p:txBody>
-          <a:bodyPr lIns="0" rIns="0" tIns="0" bIns="0" anchor="ctr"/>
-          <a:p>
-            <a:endParaRPr b="0" lang="en-US" sz="1800" spc="-1" strike="noStrike">
+          <a:bodyPr lIns="0" tIns="0" rIns="0" bIns="0" anchor="ctr"/>
+          <a:lstStyle/>
+          <a:p>
+            <a:endParaRPr lang="en-US" sz="1800" b="0" strike="noStrike" spc="-1">
               <a:solidFill>
                 <a:srgbClr val="000000"/>
               </a:solidFill>
@@ -780,11 +911,12 @@
           </a:prstGeom>
         </p:spPr>
         <p:txBody>
-          <a:bodyPr lIns="0" rIns="0" tIns="0" bIns="0">
+          <a:bodyPr lIns="0" tIns="0" rIns="0" bIns="0">
             <a:normAutofit/>
           </a:bodyPr>
-          <a:p>
-            <a:endParaRPr b="0" lang="en-US" sz="2000" spc="-1" strike="noStrike">
+          <a:lstStyle/>
+          <a:p>
+            <a:endParaRPr lang="en-US" sz="2000" b="0" strike="noStrike" spc="-1">
               <a:solidFill>
                 <a:srgbClr val="262626"/>
               </a:solidFill>
@@ -795,11 +927,14 @@
       </p:sp>
     </p:spTree>
   </p:cSld>
+  <p:clrMapOvr>
+    <a:masterClrMapping/>
+  </p:clrMapOvr>
 </p:sldLayout>
 </file>
 
 <file path=ppt/slideLayouts/slideLayout16.xml><?xml version="1.0" encoding="utf-8"?>
-<p:sldLayout xmlns:a="http://schemas.openxmlformats.org/drawingml/2006/main" xmlns:p="http://schemas.openxmlformats.org/presentationml/2006/main" xmlns:r="http://schemas.openxmlformats.org/officeDocument/2006/relationships" xmlns:p14="http://schemas.microsoft.com/office/powerpoint/2010/main" xmlns:p15="http://schemas.microsoft.com/office/powerpoint/2012/main" xmlns:mc="http://schemas.openxmlformats.org/markup-compatibility/2006" type="twoObj" preserve="1">
+<p:sldLayout xmlns:a="http://schemas.openxmlformats.org/drawingml/2006/main" xmlns:r="http://schemas.openxmlformats.org/officeDocument/2006/relationships" xmlns:p="http://schemas.openxmlformats.org/presentationml/2006/main" type="twoObj" preserve="1">
   <p:cSld name="Title, 2 Content">
     <p:spTree>
       <p:nvGrpSpPr>
@@ -835,9 +970,10 @@
           </a:prstGeom>
         </p:spPr>
         <p:txBody>
-          <a:bodyPr lIns="0" rIns="0" tIns="0" bIns="0" anchor="ctr"/>
-          <a:p>
-            <a:endParaRPr b="0" lang="en-US" sz="1800" spc="-1" strike="noStrike">
+          <a:bodyPr lIns="0" tIns="0" rIns="0" bIns="0" anchor="ctr"/>
+          <a:lstStyle/>
+          <a:p>
+            <a:endParaRPr lang="en-US" sz="1800" b="0" strike="noStrike" spc="-1">
               <a:solidFill>
                 <a:srgbClr val="000000"/>
               </a:solidFill>
@@ -866,11 +1002,12 @@
           </a:prstGeom>
         </p:spPr>
         <p:txBody>
-          <a:bodyPr lIns="0" rIns="0" tIns="0" bIns="0">
+          <a:bodyPr lIns="0" tIns="0" rIns="0" bIns="0">
             <a:normAutofit/>
           </a:bodyPr>
-          <a:p>
-            <a:endParaRPr b="0" lang="en-US" sz="2000" spc="-1" strike="noStrike">
+          <a:lstStyle/>
+          <a:p>
+            <a:endParaRPr lang="en-US" sz="2000" b="0" strike="noStrike" spc="-1">
               <a:solidFill>
                 <a:srgbClr val="262626"/>
               </a:solidFill>
@@ -899,11 +1036,12 @@
           </a:prstGeom>
         </p:spPr>
         <p:txBody>
-          <a:bodyPr lIns="0" rIns="0" tIns="0" bIns="0">
+          <a:bodyPr lIns="0" tIns="0" rIns="0" bIns="0">
             <a:normAutofit/>
           </a:bodyPr>
-          <a:p>
-            <a:endParaRPr b="0" lang="en-US" sz="2000" spc="-1" strike="noStrike">
+          <a:lstStyle/>
+          <a:p>
+            <a:endParaRPr lang="en-US" sz="2000" b="0" strike="noStrike" spc="-1">
               <a:solidFill>
                 <a:srgbClr val="262626"/>
               </a:solidFill>
@@ -914,11 +1052,14 @@
       </p:sp>
     </p:spTree>
   </p:cSld>
+  <p:clrMapOvr>
+    <a:masterClrMapping/>
+  </p:clrMapOvr>
 </p:sldLayout>
 </file>
 
 <file path=ppt/slideLayouts/slideLayout17.xml><?xml version="1.0" encoding="utf-8"?>
-<p:sldLayout xmlns:a="http://schemas.openxmlformats.org/drawingml/2006/main" xmlns:p="http://schemas.openxmlformats.org/presentationml/2006/main" xmlns:r="http://schemas.openxmlformats.org/officeDocument/2006/relationships" xmlns:p14="http://schemas.microsoft.com/office/powerpoint/2010/main" xmlns:p15="http://schemas.microsoft.com/office/powerpoint/2012/main" xmlns:mc="http://schemas.openxmlformats.org/markup-compatibility/2006" type="titleOnly" preserve="1">
+<p:sldLayout xmlns:a="http://schemas.openxmlformats.org/drawingml/2006/main" xmlns:r="http://schemas.openxmlformats.org/officeDocument/2006/relationships" xmlns:p="http://schemas.openxmlformats.org/presentationml/2006/main" type="titleOnly" preserve="1">
   <p:cSld name="Title Only">
     <p:spTree>
       <p:nvGrpSpPr>
@@ -954,9 +1095,10 @@
           </a:prstGeom>
         </p:spPr>
         <p:txBody>
-          <a:bodyPr lIns="0" rIns="0" tIns="0" bIns="0" anchor="ctr"/>
-          <a:p>
-            <a:endParaRPr b="0" lang="en-US" sz="1800" spc="-1" strike="noStrike">
+          <a:bodyPr lIns="0" tIns="0" rIns="0" bIns="0" anchor="ctr"/>
+          <a:lstStyle/>
+          <a:p>
+            <a:endParaRPr lang="en-US" sz="1800" b="0" strike="noStrike" spc="-1">
               <a:solidFill>
                 <a:srgbClr val="000000"/>
               </a:solidFill>
@@ -967,11 +1109,14 @@
       </p:sp>
     </p:spTree>
   </p:cSld>
+  <p:clrMapOvr>
+    <a:masterClrMapping/>
+  </p:clrMapOvr>
 </p:sldLayout>
 </file>
 
 <file path=ppt/slideLayouts/slideLayout18.xml><?xml version="1.0" encoding="utf-8"?>
-<p:sldLayout xmlns:a="http://schemas.openxmlformats.org/drawingml/2006/main" xmlns:p="http://schemas.openxmlformats.org/presentationml/2006/main" xmlns:r="http://schemas.openxmlformats.org/officeDocument/2006/relationships" xmlns:p14="http://schemas.microsoft.com/office/powerpoint/2010/main" xmlns:p15="http://schemas.microsoft.com/office/powerpoint/2012/main" xmlns:mc="http://schemas.openxmlformats.org/markup-compatibility/2006" type="objOnly" preserve="1">
+<p:sldLayout xmlns:a="http://schemas.openxmlformats.org/drawingml/2006/main" xmlns:r="http://schemas.openxmlformats.org/officeDocument/2006/relationships" xmlns:p="http://schemas.openxmlformats.org/presentationml/2006/main" type="objOnly" preserve="1">
   <p:cSld name="Centered Text">
     <p:spTree>
       <p:nvGrpSpPr>
@@ -1007,10 +1152,11 @@
           </a:prstGeom>
         </p:spPr>
         <p:txBody>
-          <a:bodyPr lIns="0" rIns="0" tIns="0" bIns="0" anchor="ctr"/>
+          <a:bodyPr lIns="0" tIns="0" rIns="0" bIns="0" anchor="ctr"/>
+          <a:lstStyle/>
           <a:p>
             <a:pPr algn="ctr"/>
-            <a:endParaRPr b="0" lang="en-US" sz="3200" spc="-1" strike="noStrike">
+            <a:endParaRPr lang="en-US" sz="3200" b="0" strike="noStrike" spc="-1">
               <a:latin typeface="Arial"/>
             </a:endParaRPr>
           </a:p>
@@ -1018,11 +1164,14 @@
       </p:sp>
     </p:spTree>
   </p:cSld>
+  <p:clrMapOvr>
+    <a:masterClrMapping/>
+  </p:clrMapOvr>
 </p:sldLayout>
 </file>
 
 <file path=ppt/slideLayouts/slideLayout19.xml><?xml version="1.0" encoding="utf-8"?>
-<p:sldLayout xmlns:a="http://schemas.openxmlformats.org/drawingml/2006/main" xmlns:p="http://schemas.openxmlformats.org/presentationml/2006/main" xmlns:r="http://schemas.openxmlformats.org/officeDocument/2006/relationships" xmlns:p14="http://schemas.microsoft.com/office/powerpoint/2010/main" xmlns:p15="http://schemas.microsoft.com/office/powerpoint/2012/main" xmlns:mc="http://schemas.openxmlformats.org/markup-compatibility/2006" type="twoObjAndObj" preserve="1">
+<p:sldLayout xmlns:a="http://schemas.openxmlformats.org/drawingml/2006/main" xmlns:r="http://schemas.openxmlformats.org/officeDocument/2006/relationships" xmlns:p="http://schemas.openxmlformats.org/presentationml/2006/main" type="twoObjAndObj" preserve="1">
   <p:cSld name="Title, 2 Content and Content">
     <p:spTree>
       <p:nvGrpSpPr>
@@ -1058,9 +1207,10 @@
           </a:prstGeom>
         </p:spPr>
         <p:txBody>
-          <a:bodyPr lIns="0" rIns="0" tIns="0" bIns="0" anchor="ctr"/>
-          <a:p>
-            <a:endParaRPr b="0" lang="en-US" sz="1800" spc="-1" strike="noStrike">
+          <a:bodyPr lIns="0" tIns="0" rIns="0" bIns="0" anchor="ctr"/>
+          <a:lstStyle/>
+          <a:p>
+            <a:endParaRPr lang="en-US" sz="1800" b="0" strike="noStrike" spc="-1">
               <a:solidFill>
                 <a:srgbClr val="000000"/>
               </a:solidFill>
@@ -1089,11 +1239,12 @@
           </a:prstGeom>
         </p:spPr>
         <p:txBody>
-          <a:bodyPr lIns="0" rIns="0" tIns="0" bIns="0">
+          <a:bodyPr lIns="0" tIns="0" rIns="0" bIns="0">
             <a:normAutofit/>
           </a:bodyPr>
-          <a:p>
-            <a:endParaRPr b="0" lang="en-US" sz="2000" spc="-1" strike="noStrike">
+          <a:lstStyle/>
+          <a:p>
+            <a:endParaRPr lang="en-US" sz="2000" b="0" strike="noStrike" spc="-1">
               <a:solidFill>
                 <a:srgbClr val="262626"/>
               </a:solidFill>
@@ -1122,11 +1273,12 @@
           </a:prstGeom>
         </p:spPr>
         <p:txBody>
-          <a:bodyPr lIns="0" rIns="0" tIns="0" bIns="0">
+          <a:bodyPr lIns="0" tIns="0" rIns="0" bIns="0">
             <a:normAutofit/>
           </a:bodyPr>
-          <a:p>
-            <a:endParaRPr b="0" lang="en-US" sz="2000" spc="-1" strike="noStrike">
+          <a:lstStyle/>
+          <a:p>
+            <a:endParaRPr lang="en-US" sz="2000" b="0" strike="noStrike" spc="-1">
               <a:solidFill>
                 <a:srgbClr val="262626"/>
               </a:solidFill>
@@ -1155,11 +1307,12 @@
           </a:prstGeom>
         </p:spPr>
         <p:txBody>
-          <a:bodyPr lIns="0" rIns="0" tIns="0" bIns="0">
+          <a:bodyPr lIns="0" tIns="0" rIns="0" bIns="0">
             <a:normAutofit/>
           </a:bodyPr>
-          <a:p>
-            <a:endParaRPr b="0" lang="en-US" sz="2000" spc="-1" strike="noStrike">
+          <a:lstStyle/>
+          <a:p>
+            <a:endParaRPr lang="en-US" sz="2000" b="0" strike="noStrike" spc="-1">
               <a:solidFill>
                 <a:srgbClr val="262626"/>
               </a:solidFill>
@@ -1170,11 +1323,14 @@
       </p:sp>
     </p:spTree>
   </p:cSld>
+  <p:clrMapOvr>
+    <a:masterClrMapping/>
+  </p:clrMapOvr>
 </p:sldLayout>
 </file>
 
 <file path=ppt/slideLayouts/slideLayout2.xml><?xml version="1.0" encoding="utf-8"?>
-<p:sldLayout xmlns:a="http://schemas.openxmlformats.org/drawingml/2006/main" xmlns:p="http://schemas.openxmlformats.org/presentationml/2006/main" xmlns:r="http://schemas.openxmlformats.org/officeDocument/2006/relationships" xmlns:p14="http://schemas.microsoft.com/office/powerpoint/2010/main" xmlns:p15="http://schemas.microsoft.com/office/powerpoint/2012/main" xmlns:mc="http://schemas.openxmlformats.org/markup-compatibility/2006" type="tx" preserve="1">
+<p:sldLayout xmlns:a="http://schemas.openxmlformats.org/drawingml/2006/main" xmlns:r="http://schemas.openxmlformats.org/officeDocument/2006/relationships" xmlns:p="http://schemas.openxmlformats.org/presentationml/2006/main" type="tx" preserve="1">
   <p:cSld name="Title Slide">
     <p:spTree>
       <p:nvGrpSpPr>
@@ -1210,9 +1366,10 @@
           </a:prstGeom>
         </p:spPr>
         <p:txBody>
-          <a:bodyPr lIns="0" rIns="0" tIns="0" bIns="0" anchor="ctr"/>
-          <a:p>
-            <a:endParaRPr b="0" lang="en-US" sz="1800" spc="-1" strike="noStrike">
+          <a:bodyPr lIns="0" tIns="0" rIns="0" bIns="0" anchor="ctr"/>
+          <a:lstStyle/>
+          <a:p>
+            <a:endParaRPr lang="en-US" sz="1800" b="0" strike="noStrike" spc="-1">
               <a:solidFill>
                 <a:srgbClr val="000000"/>
               </a:solidFill>
@@ -1241,10 +1398,11 @@
           </a:prstGeom>
         </p:spPr>
         <p:txBody>
-          <a:bodyPr lIns="0" rIns="0" tIns="0" bIns="0" anchor="ctr"/>
+          <a:bodyPr lIns="0" tIns="0" rIns="0" bIns="0" anchor="ctr"/>
+          <a:lstStyle/>
           <a:p>
             <a:pPr algn="ctr"/>
-            <a:endParaRPr b="0" lang="en-US" sz="3200" spc="-1" strike="noStrike">
+            <a:endParaRPr lang="en-US" sz="3200" b="0" strike="noStrike" spc="-1">
               <a:latin typeface="Arial"/>
             </a:endParaRPr>
           </a:p>
@@ -1252,11 +1410,14 @@
       </p:sp>
     </p:spTree>
   </p:cSld>
+  <p:clrMapOvr>
+    <a:masterClrMapping/>
+  </p:clrMapOvr>
 </p:sldLayout>
 </file>
 
 <file path=ppt/slideLayouts/slideLayout20.xml><?xml version="1.0" encoding="utf-8"?>
-<p:sldLayout xmlns:a="http://schemas.openxmlformats.org/drawingml/2006/main" xmlns:p="http://schemas.openxmlformats.org/presentationml/2006/main" xmlns:r="http://schemas.openxmlformats.org/officeDocument/2006/relationships" xmlns:p14="http://schemas.microsoft.com/office/powerpoint/2010/main" xmlns:p15="http://schemas.microsoft.com/office/powerpoint/2012/main" xmlns:mc="http://schemas.openxmlformats.org/markup-compatibility/2006" type="objAndTwoObj" preserve="1">
+<p:sldLayout xmlns:a="http://schemas.openxmlformats.org/drawingml/2006/main" xmlns:r="http://schemas.openxmlformats.org/officeDocument/2006/relationships" xmlns:p="http://schemas.openxmlformats.org/presentationml/2006/main" type="objAndTwoObj" preserve="1">
   <p:cSld name="Title Content and 2 Content">
     <p:spTree>
       <p:nvGrpSpPr>
@@ -1292,9 +1453,10 @@
           </a:prstGeom>
         </p:spPr>
         <p:txBody>
-          <a:bodyPr lIns="0" rIns="0" tIns="0" bIns="0" anchor="ctr"/>
-          <a:p>
-            <a:endParaRPr b="0" lang="en-US" sz="1800" spc="-1" strike="noStrike">
+          <a:bodyPr lIns="0" tIns="0" rIns="0" bIns="0" anchor="ctr"/>
+          <a:lstStyle/>
+          <a:p>
+            <a:endParaRPr lang="en-US" sz="1800" b="0" strike="noStrike" spc="-1">
               <a:solidFill>
                 <a:srgbClr val="000000"/>
               </a:solidFill>
@@ -1323,11 +1485,12 @@
           </a:prstGeom>
         </p:spPr>
         <p:txBody>
-          <a:bodyPr lIns="0" rIns="0" tIns="0" bIns="0">
+          <a:bodyPr lIns="0" tIns="0" rIns="0" bIns="0">
             <a:normAutofit/>
           </a:bodyPr>
-          <a:p>
-            <a:endParaRPr b="0" lang="en-US" sz="2000" spc="-1" strike="noStrike">
+          <a:lstStyle/>
+          <a:p>
+            <a:endParaRPr lang="en-US" sz="2000" b="0" strike="noStrike" spc="-1">
               <a:solidFill>
                 <a:srgbClr val="262626"/>
               </a:solidFill>
@@ -1356,11 +1519,12 @@
           </a:prstGeom>
         </p:spPr>
         <p:txBody>
-          <a:bodyPr lIns="0" rIns="0" tIns="0" bIns="0">
+          <a:bodyPr lIns="0" tIns="0" rIns="0" bIns="0">
             <a:normAutofit/>
           </a:bodyPr>
-          <a:p>
-            <a:endParaRPr b="0" lang="en-US" sz="2000" spc="-1" strike="noStrike">
+          <a:lstStyle/>
+          <a:p>
+            <a:endParaRPr lang="en-US" sz="2000" b="0" strike="noStrike" spc="-1">
               <a:solidFill>
                 <a:srgbClr val="262626"/>
               </a:solidFill>
@@ -1389,11 +1553,12 @@
           </a:prstGeom>
         </p:spPr>
         <p:txBody>
-          <a:bodyPr lIns="0" rIns="0" tIns="0" bIns="0">
+          <a:bodyPr lIns="0" tIns="0" rIns="0" bIns="0">
             <a:normAutofit/>
           </a:bodyPr>
-          <a:p>
-            <a:endParaRPr b="0" lang="en-US" sz="2000" spc="-1" strike="noStrike">
+          <a:lstStyle/>
+          <a:p>
+            <a:endParaRPr lang="en-US" sz="2000" b="0" strike="noStrike" spc="-1">
               <a:solidFill>
                 <a:srgbClr val="262626"/>
               </a:solidFill>
@@ -1404,11 +1569,14 @@
       </p:sp>
     </p:spTree>
   </p:cSld>
+  <p:clrMapOvr>
+    <a:masterClrMapping/>
+  </p:clrMapOvr>
 </p:sldLayout>
 </file>
 
 <file path=ppt/slideLayouts/slideLayout21.xml><?xml version="1.0" encoding="utf-8"?>
-<p:sldLayout xmlns:a="http://schemas.openxmlformats.org/drawingml/2006/main" xmlns:p="http://schemas.openxmlformats.org/presentationml/2006/main" xmlns:r="http://schemas.openxmlformats.org/officeDocument/2006/relationships" xmlns:p14="http://schemas.microsoft.com/office/powerpoint/2010/main" xmlns:p15="http://schemas.microsoft.com/office/powerpoint/2012/main" xmlns:mc="http://schemas.openxmlformats.org/markup-compatibility/2006" type="twoObjOverTx" preserve="1">
+<p:sldLayout xmlns:a="http://schemas.openxmlformats.org/drawingml/2006/main" xmlns:r="http://schemas.openxmlformats.org/officeDocument/2006/relationships" xmlns:p="http://schemas.openxmlformats.org/presentationml/2006/main" type="twoObjOverTx" preserve="1">
   <p:cSld name="Title, 2 Content over Content">
     <p:spTree>
       <p:nvGrpSpPr>
@@ -1444,9 +1612,10 @@
           </a:prstGeom>
         </p:spPr>
         <p:txBody>
-          <a:bodyPr lIns="0" rIns="0" tIns="0" bIns="0" anchor="ctr"/>
-          <a:p>
-            <a:endParaRPr b="0" lang="en-US" sz="1800" spc="-1" strike="noStrike">
+          <a:bodyPr lIns="0" tIns="0" rIns="0" bIns="0" anchor="ctr"/>
+          <a:lstStyle/>
+          <a:p>
+            <a:endParaRPr lang="en-US" sz="1800" b="0" strike="noStrike" spc="-1">
               <a:solidFill>
                 <a:srgbClr val="000000"/>
               </a:solidFill>
@@ -1475,11 +1644,12 @@
           </a:prstGeom>
         </p:spPr>
         <p:txBody>
-          <a:bodyPr lIns="0" rIns="0" tIns="0" bIns="0">
+          <a:bodyPr lIns="0" tIns="0" rIns="0" bIns="0">
             <a:normAutofit/>
           </a:bodyPr>
-          <a:p>
-            <a:endParaRPr b="0" lang="en-US" sz="2000" spc="-1" strike="noStrike">
+          <a:lstStyle/>
+          <a:p>
+            <a:endParaRPr lang="en-US" sz="2000" b="0" strike="noStrike" spc="-1">
               <a:solidFill>
                 <a:srgbClr val="262626"/>
               </a:solidFill>
@@ -1508,11 +1678,12 @@
           </a:prstGeom>
         </p:spPr>
         <p:txBody>
-          <a:bodyPr lIns="0" rIns="0" tIns="0" bIns="0">
+          <a:bodyPr lIns="0" tIns="0" rIns="0" bIns="0">
             <a:normAutofit/>
           </a:bodyPr>
-          <a:p>
-            <a:endParaRPr b="0" lang="en-US" sz="2000" spc="-1" strike="noStrike">
+          <a:lstStyle/>
+          <a:p>
+            <a:endParaRPr lang="en-US" sz="2000" b="0" strike="noStrike" spc="-1">
               <a:solidFill>
                 <a:srgbClr val="262626"/>
               </a:solidFill>
@@ -1541,11 +1712,12 @@
           </a:prstGeom>
         </p:spPr>
         <p:txBody>
-          <a:bodyPr lIns="0" rIns="0" tIns="0" bIns="0">
+          <a:bodyPr lIns="0" tIns="0" rIns="0" bIns="0">
             <a:normAutofit/>
           </a:bodyPr>
-          <a:p>
-            <a:endParaRPr b="0" lang="en-US" sz="2000" spc="-1" strike="noStrike">
+          <a:lstStyle/>
+          <a:p>
+            <a:endParaRPr lang="en-US" sz="2000" b="0" strike="noStrike" spc="-1">
               <a:solidFill>
                 <a:srgbClr val="262626"/>
               </a:solidFill>
@@ -1556,11 +1728,14 @@
       </p:sp>
     </p:spTree>
   </p:cSld>
+  <p:clrMapOvr>
+    <a:masterClrMapping/>
+  </p:clrMapOvr>
 </p:sldLayout>
 </file>
 
 <file path=ppt/slideLayouts/slideLayout22.xml><?xml version="1.0" encoding="utf-8"?>
-<p:sldLayout xmlns:a="http://schemas.openxmlformats.org/drawingml/2006/main" xmlns:p="http://schemas.openxmlformats.org/presentationml/2006/main" xmlns:r="http://schemas.openxmlformats.org/officeDocument/2006/relationships" xmlns:p14="http://schemas.microsoft.com/office/powerpoint/2010/main" xmlns:p15="http://schemas.microsoft.com/office/powerpoint/2012/main" xmlns:mc="http://schemas.openxmlformats.org/markup-compatibility/2006" type="objOverTx" preserve="1">
+<p:sldLayout xmlns:a="http://schemas.openxmlformats.org/drawingml/2006/main" xmlns:r="http://schemas.openxmlformats.org/officeDocument/2006/relationships" xmlns:p="http://schemas.openxmlformats.org/presentationml/2006/main" type="objOverTx" preserve="1">
   <p:cSld name="Title, Content over Content">
     <p:spTree>
       <p:nvGrpSpPr>
@@ -1596,9 +1771,10 @@
           </a:prstGeom>
         </p:spPr>
         <p:txBody>
-          <a:bodyPr lIns="0" rIns="0" tIns="0" bIns="0" anchor="ctr"/>
-          <a:p>
-            <a:endParaRPr b="0" lang="en-US" sz="1800" spc="-1" strike="noStrike">
+          <a:bodyPr lIns="0" tIns="0" rIns="0" bIns="0" anchor="ctr"/>
+          <a:lstStyle/>
+          <a:p>
+            <a:endParaRPr lang="en-US" sz="1800" b="0" strike="noStrike" spc="-1">
               <a:solidFill>
                 <a:srgbClr val="000000"/>
               </a:solidFill>
@@ -1627,11 +1803,12 @@
           </a:prstGeom>
         </p:spPr>
         <p:txBody>
-          <a:bodyPr lIns="0" rIns="0" tIns="0" bIns="0">
+          <a:bodyPr lIns="0" tIns="0" rIns="0" bIns="0">
             <a:normAutofit/>
           </a:bodyPr>
-          <a:p>
-            <a:endParaRPr b="0" lang="en-US" sz="2000" spc="-1" strike="noStrike">
+          <a:lstStyle/>
+          <a:p>
+            <a:endParaRPr lang="en-US" sz="2000" b="0" strike="noStrike" spc="-1">
               <a:solidFill>
                 <a:srgbClr val="262626"/>
               </a:solidFill>
@@ -1660,11 +1837,12 @@
           </a:prstGeom>
         </p:spPr>
         <p:txBody>
-          <a:bodyPr lIns="0" rIns="0" tIns="0" bIns="0">
+          <a:bodyPr lIns="0" tIns="0" rIns="0" bIns="0">
             <a:normAutofit/>
           </a:bodyPr>
-          <a:p>
-            <a:endParaRPr b="0" lang="en-US" sz="2000" spc="-1" strike="noStrike">
+          <a:lstStyle/>
+          <a:p>
+            <a:endParaRPr lang="en-US" sz="2000" b="0" strike="noStrike" spc="-1">
               <a:solidFill>
                 <a:srgbClr val="262626"/>
               </a:solidFill>
@@ -1675,11 +1853,14 @@
       </p:sp>
     </p:spTree>
   </p:cSld>
+  <p:clrMapOvr>
+    <a:masterClrMapping/>
+  </p:clrMapOvr>
 </p:sldLayout>
 </file>
 
 <file path=ppt/slideLayouts/slideLayout23.xml><?xml version="1.0" encoding="utf-8"?>
-<p:sldLayout xmlns:a="http://schemas.openxmlformats.org/drawingml/2006/main" xmlns:p="http://schemas.openxmlformats.org/presentationml/2006/main" xmlns:r="http://schemas.openxmlformats.org/officeDocument/2006/relationships" xmlns:p14="http://schemas.microsoft.com/office/powerpoint/2010/main" xmlns:p15="http://schemas.microsoft.com/office/powerpoint/2012/main" xmlns:mc="http://schemas.openxmlformats.org/markup-compatibility/2006" type="fourObj" preserve="1">
+<p:sldLayout xmlns:a="http://schemas.openxmlformats.org/drawingml/2006/main" xmlns:r="http://schemas.openxmlformats.org/officeDocument/2006/relationships" xmlns:p="http://schemas.openxmlformats.org/presentationml/2006/main" type="fourObj" preserve="1">
   <p:cSld name="Title, 4 Content">
     <p:spTree>
       <p:nvGrpSpPr>
@@ -1715,9 +1896,10 @@
           </a:prstGeom>
         </p:spPr>
         <p:txBody>
-          <a:bodyPr lIns="0" rIns="0" tIns="0" bIns="0" anchor="ctr"/>
-          <a:p>
-            <a:endParaRPr b="0" lang="en-US" sz="1800" spc="-1" strike="noStrike">
+          <a:bodyPr lIns="0" tIns="0" rIns="0" bIns="0" anchor="ctr"/>
+          <a:lstStyle/>
+          <a:p>
+            <a:endParaRPr lang="en-US" sz="1800" b="0" strike="noStrike" spc="-1">
               <a:solidFill>
                 <a:srgbClr val="000000"/>
               </a:solidFill>
@@ -1746,11 +1928,12 @@
           </a:prstGeom>
         </p:spPr>
         <p:txBody>
-          <a:bodyPr lIns="0" rIns="0" tIns="0" bIns="0">
+          <a:bodyPr lIns="0" tIns="0" rIns="0" bIns="0">
             <a:normAutofit/>
           </a:bodyPr>
-          <a:p>
-            <a:endParaRPr b="0" lang="en-US" sz="2000" spc="-1" strike="noStrike">
+          <a:lstStyle/>
+          <a:p>
+            <a:endParaRPr lang="en-US" sz="2000" b="0" strike="noStrike" spc="-1">
               <a:solidFill>
                 <a:srgbClr val="262626"/>
               </a:solidFill>
@@ -1779,11 +1962,12 @@
           </a:prstGeom>
         </p:spPr>
         <p:txBody>
-          <a:bodyPr lIns="0" rIns="0" tIns="0" bIns="0">
+          <a:bodyPr lIns="0" tIns="0" rIns="0" bIns="0">
             <a:normAutofit/>
           </a:bodyPr>
-          <a:p>
-            <a:endParaRPr b="0" lang="en-US" sz="2000" spc="-1" strike="noStrike">
+          <a:lstStyle/>
+          <a:p>
+            <a:endParaRPr lang="en-US" sz="2000" b="0" strike="noStrike" spc="-1">
               <a:solidFill>
                 <a:srgbClr val="262626"/>
               </a:solidFill>
@@ -1812,11 +1996,12 @@
           </a:prstGeom>
         </p:spPr>
         <p:txBody>
-          <a:bodyPr lIns="0" rIns="0" tIns="0" bIns="0">
+          <a:bodyPr lIns="0" tIns="0" rIns="0" bIns="0">
             <a:normAutofit/>
           </a:bodyPr>
-          <a:p>
-            <a:endParaRPr b="0" lang="en-US" sz="2000" spc="-1" strike="noStrike">
+          <a:lstStyle/>
+          <a:p>
+            <a:endParaRPr lang="en-US" sz="2000" b="0" strike="noStrike" spc="-1">
               <a:solidFill>
                 <a:srgbClr val="262626"/>
               </a:solidFill>
@@ -1845,11 +2030,12 @@
           </a:prstGeom>
         </p:spPr>
         <p:txBody>
-          <a:bodyPr lIns="0" rIns="0" tIns="0" bIns="0">
+          <a:bodyPr lIns="0" tIns="0" rIns="0" bIns="0">
             <a:normAutofit/>
           </a:bodyPr>
-          <a:p>
-            <a:endParaRPr b="0" lang="en-US" sz="2000" spc="-1" strike="noStrike">
+          <a:lstStyle/>
+          <a:p>
+            <a:endParaRPr lang="en-US" sz="2000" b="0" strike="noStrike" spc="-1">
               <a:solidFill>
                 <a:srgbClr val="262626"/>
               </a:solidFill>
@@ -1860,11 +2046,14 @@
       </p:sp>
     </p:spTree>
   </p:cSld>
+  <p:clrMapOvr>
+    <a:masterClrMapping/>
+  </p:clrMapOvr>
 </p:sldLayout>
 </file>
 
 <file path=ppt/slideLayouts/slideLayout24.xml><?xml version="1.0" encoding="utf-8"?>
-<p:sldLayout xmlns:a="http://schemas.openxmlformats.org/drawingml/2006/main" xmlns:p="http://schemas.openxmlformats.org/presentationml/2006/main" xmlns:r="http://schemas.openxmlformats.org/officeDocument/2006/relationships" xmlns:p14="http://schemas.microsoft.com/office/powerpoint/2010/main" xmlns:p15="http://schemas.microsoft.com/office/powerpoint/2012/main" xmlns:mc="http://schemas.openxmlformats.org/markup-compatibility/2006" type="blank" preserve="1">
+<p:sldLayout xmlns:a="http://schemas.openxmlformats.org/drawingml/2006/main" xmlns:r="http://schemas.openxmlformats.org/officeDocument/2006/relationships" xmlns:p="http://schemas.openxmlformats.org/presentationml/2006/main" type="blank" preserve="1">
   <p:cSld name="Title, 6 Content">
     <p:spTree>
       <p:nvGrpSpPr>
@@ -1900,9 +2089,10 @@
           </a:prstGeom>
         </p:spPr>
         <p:txBody>
-          <a:bodyPr lIns="0" rIns="0" tIns="0" bIns="0" anchor="ctr"/>
-          <a:p>
-            <a:endParaRPr b="0" lang="en-US" sz="1800" spc="-1" strike="noStrike">
+          <a:bodyPr lIns="0" tIns="0" rIns="0" bIns="0" anchor="ctr"/>
+          <a:lstStyle/>
+          <a:p>
+            <a:endParaRPr lang="en-US" sz="1800" b="0" strike="noStrike" spc="-1">
               <a:solidFill>
                 <a:srgbClr val="000000"/>
               </a:solidFill>
@@ -1931,11 +2121,12 @@
           </a:prstGeom>
         </p:spPr>
         <p:txBody>
-          <a:bodyPr lIns="0" rIns="0" tIns="0" bIns="0">
+          <a:bodyPr lIns="0" tIns="0" rIns="0" bIns="0">
             <a:normAutofit/>
           </a:bodyPr>
-          <a:p>
-            <a:endParaRPr b="0" lang="en-US" sz="2000" spc="-1" strike="noStrike">
+          <a:lstStyle/>
+          <a:p>
+            <a:endParaRPr lang="en-US" sz="2000" b="0" strike="noStrike" spc="-1">
               <a:solidFill>
                 <a:srgbClr val="262626"/>
               </a:solidFill>
@@ -1964,11 +2155,12 @@
           </a:prstGeom>
         </p:spPr>
         <p:txBody>
-          <a:bodyPr lIns="0" rIns="0" tIns="0" bIns="0">
+          <a:bodyPr lIns="0" tIns="0" rIns="0" bIns="0">
             <a:normAutofit/>
           </a:bodyPr>
-          <a:p>
-            <a:endParaRPr b="0" lang="en-US" sz="2000" spc="-1" strike="noStrike">
+          <a:lstStyle/>
+          <a:p>
+            <a:endParaRPr lang="en-US" sz="2000" b="0" strike="noStrike" spc="-1">
               <a:solidFill>
                 <a:srgbClr val="262626"/>
               </a:solidFill>
@@ -1997,11 +2189,12 @@
           </a:prstGeom>
         </p:spPr>
         <p:txBody>
-          <a:bodyPr lIns="0" rIns="0" tIns="0" bIns="0">
+          <a:bodyPr lIns="0" tIns="0" rIns="0" bIns="0">
             <a:normAutofit/>
           </a:bodyPr>
-          <a:p>
-            <a:endParaRPr b="0" lang="en-US" sz="2000" spc="-1" strike="noStrike">
+          <a:lstStyle/>
+          <a:p>
+            <a:endParaRPr lang="en-US" sz="2000" b="0" strike="noStrike" spc="-1">
               <a:solidFill>
                 <a:srgbClr val="262626"/>
               </a:solidFill>
@@ -2030,11 +2223,12 @@
           </a:prstGeom>
         </p:spPr>
         <p:txBody>
-          <a:bodyPr lIns="0" rIns="0" tIns="0" bIns="0">
+          <a:bodyPr lIns="0" tIns="0" rIns="0" bIns="0">
             <a:normAutofit/>
           </a:bodyPr>
-          <a:p>
-            <a:endParaRPr b="0" lang="en-US" sz="2000" spc="-1" strike="noStrike">
+          <a:lstStyle/>
+          <a:p>
+            <a:endParaRPr lang="en-US" sz="2000" b="0" strike="noStrike" spc="-1">
               <a:solidFill>
                 <a:srgbClr val="262626"/>
               </a:solidFill>
@@ -2063,11 +2257,12 @@
           </a:prstGeom>
         </p:spPr>
         <p:txBody>
-          <a:bodyPr lIns="0" rIns="0" tIns="0" bIns="0">
+          <a:bodyPr lIns="0" tIns="0" rIns="0" bIns="0">
             <a:normAutofit/>
           </a:bodyPr>
-          <a:p>
-            <a:endParaRPr b="0" lang="en-US" sz="2000" spc="-1" strike="noStrike">
+          <a:lstStyle/>
+          <a:p>
+            <a:endParaRPr lang="en-US" sz="2000" b="0" strike="noStrike" spc="-1">
               <a:solidFill>
                 <a:srgbClr val="262626"/>
               </a:solidFill>
@@ -2096,11 +2291,12 @@
           </a:prstGeom>
         </p:spPr>
         <p:txBody>
-          <a:bodyPr lIns="0" rIns="0" tIns="0" bIns="0">
+          <a:bodyPr lIns="0" tIns="0" rIns="0" bIns="0">
             <a:normAutofit/>
           </a:bodyPr>
-          <a:p>
-            <a:endParaRPr b="0" lang="en-US" sz="2000" spc="-1" strike="noStrike">
+          <a:lstStyle/>
+          <a:p>
+            <a:endParaRPr lang="en-US" sz="2000" b="0" strike="noStrike" spc="-1">
               <a:solidFill>
                 <a:srgbClr val="262626"/>
               </a:solidFill>
@@ -2111,11 +2307,14 @@
       </p:sp>
     </p:spTree>
   </p:cSld>
+  <p:clrMapOvr>
+    <a:masterClrMapping/>
+  </p:clrMapOvr>
 </p:sldLayout>
 </file>
 
 <file path=ppt/slideLayouts/slideLayout25.xml><?xml version="1.0" encoding="utf-8"?>
-<p:sldLayout xmlns:a="http://schemas.openxmlformats.org/drawingml/2006/main" xmlns:p="http://schemas.openxmlformats.org/presentationml/2006/main" xmlns:r="http://schemas.openxmlformats.org/officeDocument/2006/relationships" xmlns:p14="http://schemas.microsoft.com/office/powerpoint/2010/main" xmlns:p15="http://schemas.microsoft.com/office/powerpoint/2012/main" xmlns:mc="http://schemas.openxmlformats.org/markup-compatibility/2006" type="blank" preserve="1">
+<p:sldLayout xmlns:a="http://schemas.openxmlformats.org/drawingml/2006/main" xmlns:r="http://schemas.openxmlformats.org/officeDocument/2006/relationships" xmlns:p="http://schemas.openxmlformats.org/presentationml/2006/main" type="blank" preserve="1">
   <p:cSld name="Blank Slide">
     <p:spTree>
       <p:nvGrpSpPr>
@@ -2133,11 +2332,14 @@
       </p:grpSpPr>
     </p:spTree>
   </p:cSld>
+  <p:clrMapOvr>
+    <a:masterClrMapping/>
+  </p:clrMapOvr>
 </p:sldLayout>
 </file>
 
 <file path=ppt/slideLayouts/slideLayout26.xml><?xml version="1.0" encoding="utf-8"?>
-<p:sldLayout xmlns:a="http://schemas.openxmlformats.org/drawingml/2006/main" xmlns:p="http://schemas.openxmlformats.org/presentationml/2006/main" xmlns:r="http://schemas.openxmlformats.org/officeDocument/2006/relationships" xmlns:p14="http://schemas.microsoft.com/office/powerpoint/2010/main" xmlns:p15="http://schemas.microsoft.com/office/powerpoint/2012/main" xmlns:mc="http://schemas.openxmlformats.org/markup-compatibility/2006" type="tx" preserve="1">
+<p:sldLayout xmlns:a="http://schemas.openxmlformats.org/drawingml/2006/main" xmlns:r="http://schemas.openxmlformats.org/officeDocument/2006/relationships" xmlns:p="http://schemas.openxmlformats.org/presentationml/2006/main" type="tx" preserve="1">
   <p:cSld name="Title Slide">
     <p:spTree>
       <p:nvGrpSpPr>
@@ -2173,9 +2375,10 @@
           </a:prstGeom>
         </p:spPr>
         <p:txBody>
-          <a:bodyPr lIns="0" rIns="0" tIns="0" bIns="0" anchor="ctr"/>
-          <a:p>
-            <a:endParaRPr b="0" lang="en-US" sz="1800" spc="-1" strike="noStrike">
+          <a:bodyPr lIns="0" tIns="0" rIns="0" bIns="0" anchor="ctr"/>
+          <a:lstStyle/>
+          <a:p>
+            <a:endParaRPr lang="en-US" sz="1800" b="0" strike="noStrike" spc="-1">
               <a:solidFill>
                 <a:srgbClr val="000000"/>
               </a:solidFill>
@@ -2204,10 +2407,11 @@
           </a:prstGeom>
         </p:spPr>
         <p:txBody>
-          <a:bodyPr lIns="0" rIns="0" tIns="0" bIns="0" anchor="ctr"/>
+          <a:bodyPr lIns="0" tIns="0" rIns="0" bIns="0" anchor="ctr"/>
+          <a:lstStyle/>
           <a:p>
             <a:pPr algn="ctr"/>
-            <a:endParaRPr b="0" lang="en-US" sz="3200" spc="-1" strike="noStrike">
+            <a:endParaRPr lang="en-US" sz="3200" b="0" strike="noStrike" spc="-1">
               <a:latin typeface="Arial"/>
             </a:endParaRPr>
           </a:p>
@@ -2215,11 +2419,14 @@
       </p:sp>
     </p:spTree>
   </p:cSld>
+  <p:clrMapOvr>
+    <a:masterClrMapping/>
+  </p:clrMapOvr>
 </p:sldLayout>
 </file>
 
 <file path=ppt/slideLayouts/slideLayout27.xml><?xml version="1.0" encoding="utf-8"?>
-<p:sldLayout xmlns:a="http://schemas.openxmlformats.org/drawingml/2006/main" xmlns:p="http://schemas.openxmlformats.org/presentationml/2006/main" xmlns:r="http://schemas.openxmlformats.org/officeDocument/2006/relationships" xmlns:p14="http://schemas.microsoft.com/office/powerpoint/2010/main" xmlns:p15="http://schemas.microsoft.com/office/powerpoint/2012/main" xmlns:mc="http://schemas.openxmlformats.org/markup-compatibility/2006" type="obj" preserve="1">
+<p:sldLayout xmlns:a="http://schemas.openxmlformats.org/drawingml/2006/main" xmlns:r="http://schemas.openxmlformats.org/officeDocument/2006/relationships" xmlns:p="http://schemas.openxmlformats.org/presentationml/2006/main" type="obj" preserve="1">
   <p:cSld name="Title, Content">
     <p:spTree>
       <p:nvGrpSpPr>
@@ -2255,9 +2462,10 @@
           </a:prstGeom>
         </p:spPr>
         <p:txBody>
-          <a:bodyPr lIns="0" rIns="0" tIns="0" bIns="0" anchor="ctr"/>
-          <a:p>
-            <a:endParaRPr b="0" lang="en-US" sz="1800" spc="-1" strike="noStrike">
+          <a:bodyPr lIns="0" tIns="0" rIns="0" bIns="0" anchor="ctr"/>
+          <a:lstStyle/>
+          <a:p>
+            <a:endParaRPr lang="en-US" sz="1800" b="0" strike="noStrike" spc="-1">
               <a:solidFill>
                 <a:srgbClr val="000000"/>
               </a:solidFill>
@@ -2286,11 +2494,12 @@
           </a:prstGeom>
         </p:spPr>
         <p:txBody>
-          <a:bodyPr lIns="0" rIns="0" tIns="0" bIns="0">
+          <a:bodyPr lIns="0" tIns="0" rIns="0" bIns="0">
             <a:normAutofit/>
           </a:bodyPr>
-          <a:p>
-            <a:endParaRPr b="0" lang="en-US" sz="2000" spc="-1" strike="noStrike">
+          <a:lstStyle/>
+          <a:p>
+            <a:endParaRPr lang="en-US" sz="2000" b="0" strike="noStrike" spc="-1">
               <a:solidFill>
                 <a:srgbClr val="262626"/>
               </a:solidFill>
@@ -2301,11 +2510,14 @@
       </p:sp>
     </p:spTree>
   </p:cSld>
+  <p:clrMapOvr>
+    <a:masterClrMapping/>
+  </p:clrMapOvr>
 </p:sldLayout>
 </file>
 
 <file path=ppt/slideLayouts/slideLayout28.xml><?xml version="1.0" encoding="utf-8"?>
-<p:sldLayout xmlns:a="http://schemas.openxmlformats.org/drawingml/2006/main" xmlns:p="http://schemas.openxmlformats.org/presentationml/2006/main" xmlns:r="http://schemas.openxmlformats.org/officeDocument/2006/relationships" xmlns:p14="http://schemas.microsoft.com/office/powerpoint/2010/main" xmlns:p15="http://schemas.microsoft.com/office/powerpoint/2012/main" xmlns:mc="http://schemas.openxmlformats.org/markup-compatibility/2006" type="twoObj" preserve="1">
+<p:sldLayout xmlns:a="http://schemas.openxmlformats.org/drawingml/2006/main" xmlns:r="http://schemas.openxmlformats.org/officeDocument/2006/relationships" xmlns:p="http://schemas.openxmlformats.org/presentationml/2006/main" type="twoObj" preserve="1">
   <p:cSld name="Title, 2 Content">
     <p:spTree>
       <p:nvGrpSpPr>
@@ -2341,9 +2553,10 @@
           </a:prstGeom>
         </p:spPr>
         <p:txBody>
-          <a:bodyPr lIns="0" rIns="0" tIns="0" bIns="0" anchor="ctr"/>
-          <a:p>
-            <a:endParaRPr b="0" lang="en-US" sz="1800" spc="-1" strike="noStrike">
+          <a:bodyPr lIns="0" tIns="0" rIns="0" bIns="0" anchor="ctr"/>
+          <a:lstStyle/>
+          <a:p>
+            <a:endParaRPr lang="en-US" sz="1800" b="0" strike="noStrike" spc="-1">
               <a:solidFill>
                 <a:srgbClr val="000000"/>
               </a:solidFill>
@@ -2372,11 +2585,12 @@
           </a:prstGeom>
         </p:spPr>
         <p:txBody>
-          <a:bodyPr lIns="0" rIns="0" tIns="0" bIns="0">
+          <a:bodyPr lIns="0" tIns="0" rIns="0" bIns="0">
             <a:normAutofit/>
           </a:bodyPr>
-          <a:p>
-            <a:endParaRPr b="0" lang="en-US" sz="2000" spc="-1" strike="noStrike">
+          <a:lstStyle/>
+          <a:p>
+            <a:endParaRPr lang="en-US" sz="2000" b="0" strike="noStrike" spc="-1">
               <a:solidFill>
                 <a:srgbClr val="262626"/>
               </a:solidFill>
@@ -2405,11 +2619,12 @@
           </a:prstGeom>
         </p:spPr>
         <p:txBody>
-          <a:bodyPr lIns="0" rIns="0" tIns="0" bIns="0">
+          <a:bodyPr lIns="0" tIns="0" rIns="0" bIns="0">
             <a:normAutofit/>
           </a:bodyPr>
-          <a:p>
-            <a:endParaRPr b="0" lang="en-US" sz="2000" spc="-1" strike="noStrike">
+          <a:lstStyle/>
+          <a:p>
+            <a:endParaRPr lang="en-US" sz="2000" b="0" strike="noStrike" spc="-1">
               <a:solidFill>
                 <a:srgbClr val="262626"/>
               </a:solidFill>
@@ -2420,11 +2635,14 @@
       </p:sp>
     </p:spTree>
   </p:cSld>
+  <p:clrMapOvr>
+    <a:masterClrMapping/>
+  </p:clrMapOvr>
 </p:sldLayout>
 </file>
 
 <file path=ppt/slideLayouts/slideLayout29.xml><?xml version="1.0" encoding="utf-8"?>
-<p:sldLayout xmlns:a="http://schemas.openxmlformats.org/drawingml/2006/main" xmlns:p="http://schemas.openxmlformats.org/presentationml/2006/main" xmlns:r="http://schemas.openxmlformats.org/officeDocument/2006/relationships" xmlns:p14="http://schemas.microsoft.com/office/powerpoint/2010/main" xmlns:p15="http://schemas.microsoft.com/office/powerpoint/2012/main" xmlns:mc="http://schemas.openxmlformats.org/markup-compatibility/2006" type="titleOnly" preserve="1">
+<p:sldLayout xmlns:a="http://schemas.openxmlformats.org/drawingml/2006/main" xmlns:r="http://schemas.openxmlformats.org/officeDocument/2006/relationships" xmlns:p="http://schemas.openxmlformats.org/presentationml/2006/main" type="titleOnly" preserve="1">
   <p:cSld name="Title Only">
     <p:spTree>
       <p:nvGrpSpPr>
@@ -2460,9 +2678,10 @@
           </a:prstGeom>
         </p:spPr>
         <p:txBody>
-          <a:bodyPr lIns="0" rIns="0" tIns="0" bIns="0" anchor="ctr"/>
-          <a:p>
-            <a:endParaRPr b="0" lang="en-US" sz="1800" spc="-1" strike="noStrike">
+          <a:bodyPr lIns="0" tIns="0" rIns="0" bIns="0" anchor="ctr"/>
+          <a:lstStyle/>
+          <a:p>
+            <a:endParaRPr lang="en-US" sz="1800" b="0" strike="noStrike" spc="-1">
               <a:solidFill>
                 <a:srgbClr val="000000"/>
               </a:solidFill>
@@ -2473,11 +2692,14 @@
       </p:sp>
     </p:spTree>
   </p:cSld>
+  <p:clrMapOvr>
+    <a:masterClrMapping/>
+  </p:clrMapOvr>
 </p:sldLayout>
 </file>
 
 <file path=ppt/slideLayouts/slideLayout3.xml><?xml version="1.0" encoding="utf-8"?>
-<p:sldLayout xmlns:a="http://schemas.openxmlformats.org/drawingml/2006/main" xmlns:p="http://schemas.openxmlformats.org/presentationml/2006/main" xmlns:r="http://schemas.openxmlformats.org/officeDocument/2006/relationships" xmlns:p14="http://schemas.microsoft.com/office/powerpoint/2010/main" xmlns:p15="http://schemas.microsoft.com/office/powerpoint/2012/main" xmlns:mc="http://schemas.openxmlformats.org/markup-compatibility/2006" type="obj" preserve="1">
+<p:sldLayout xmlns:a="http://schemas.openxmlformats.org/drawingml/2006/main" xmlns:r="http://schemas.openxmlformats.org/officeDocument/2006/relationships" xmlns:p="http://schemas.openxmlformats.org/presentationml/2006/main" type="obj" preserve="1">
   <p:cSld name="Title, Content">
     <p:spTree>
       <p:nvGrpSpPr>
@@ -2513,9 +2735,10 @@
           </a:prstGeom>
         </p:spPr>
         <p:txBody>
-          <a:bodyPr lIns="0" rIns="0" tIns="0" bIns="0" anchor="ctr"/>
-          <a:p>
-            <a:endParaRPr b="0" lang="en-US" sz="1800" spc="-1" strike="noStrike">
+          <a:bodyPr lIns="0" tIns="0" rIns="0" bIns="0" anchor="ctr"/>
+          <a:lstStyle/>
+          <a:p>
+            <a:endParaRPr lang="en-US" sz="1800" b="0" strike="noStrike" spc="-1">
               <a:solidFill>
                 <a:srgbClr val="000000"/>
               </a:solidFill>
@@ -2544,11 +2767,12 @@
           </a:prstGeom>
         </p:spPr>
         <p:txBody>
-          <a:bodyPr lIns="0" rIns="0" tIns="0" bIns="0">
+          <a:bodyPr lIns="0" tIns="0" rIns="0" bIns="0">
             <a:normAutofit/>
           </a:bodyPr>
-          <a:p>
-            <a:endParaRPr b="0" lang="en-US" sz="2000" spc="-1" strike="noStrike">
+          <a:lstStyle/>
+          <a:p>
+            <a:endParaRPr lang="en-US" sz="2000" b="0" strike="noStrike" spc="-1">
               <a:solidFill>
                 <a:srgbClr val="262626"/>
               </a:solidFill>
@@ -2559,11 +2783,14 @@
       </p:sp>
     </p:spTree>
   </p:cSld>
+  <p:clrMapOvr>
+    <a:masterClrMapping/>
+  </p:clrMapOvr>
 </p:sldLayout>
 </file>
 
 <file path=ppt/slideLayouts/slideLayout30.xml><?xml version="1.0" encoding="utf-8"?>
-<p:sldLayout xmlns:a="http://schemas.openxmlformats.org/drawingml/2006/main" xmlns:p="http://schemas.openxmlformats.org/presentationml/2006/main" xmlns:r="http://schemas.openxmlformats.org/officeDocument/2006/relationships" xmlns:p14="http://schemas.microsoft.com/office/powerpoint/2010/main" xmlns:p15="http://schemas.microsoft.com/office/powerpoint/2012/main" xmlns:mc="http://schemas.openxmlformats.org/markup-compatibility/2006" type="objOnly" preserve="1">
+<p:sldLayout xmlns:a="http://schemas.openxmlformats.org/drawingml/2006/main" xmlns:r="http://schemas.openxmlformats.org/officeDocument/2006/relationships" xmlns:p="http://schemas.openxmlformats.org/presentationml/2006/main" type="objOnly" preserve="1">
   <p:cSld name="Centered Text">
     <p:spTree>
       <p:nvGrpSpPr>
@@ -2599,10 +2826,11 @@
           </a:prstGeom>
         </p:spPr>
         <p:txBody>
-          <a:bodyPr lIns="0" rIns="0" tIns="0" bIns="0" anchor="ctr"/>
+          <a:bodyPr lIns="0" tIns="0" rIns="0" bIns="0" anchor="ctr"/>
+          <a:lstStyle/>
           <a:p>
             <a:pPr algn="ctr"/>
-            <a:endParaRPr b="0" lang="en-US" sz="3200" spc="-1" strike="noStrike">
+            <a:endParaRPr lang="en-US" sz="3200" b="0" strike="noStrike" spc="-1">
               <a:latin typeface="Arial"/>
             </a:endParaRPr>
           </a:p>
@@ -2610,11 +2838,14 @@
       </p:sp>
     </p:spTree>
   </p:cSld>
+  <p:clrMapOvr>
+    <a:masterClrMapping/>
+  </p:clrMapOvr>
 </p:sldLayout>
 </file>
 
 <file path=ppt/slideLayouts/slideLayout31.xml><?xml version="1.0" encoding="utf-8"?>
-<p:sldLayout xmlns:a="http://schemas.openxmlformats.org/drawingml/2006/main" xmlns:p="http://schemas.openxmlformats.org/presentationml/2006/main" xmlns:r="http://schemas.openxmlformats.org/officeDocument/2006/relationships" xmlns:p14="http://schemas.microsoft.com/office/powerpoint/2010/main" xmlns:p15="http://schemas.microsoft.com/office/powerpoint/2012/main" xmlns:mc="http://schemas.openxmlformats.org/markup-compatibility/2006" type="twoObjAndObj" preserve="1">
+<p:sldLayout xmlns:a="http://schemas.openxmlformats.org/drawingml/2006/main" xmlns:r="http://schemas.openxmlformats.org/officeDocument/2006/relationships" xmlns:p="http://schemas.openxmlformats.org/presentationml/2006/main" type="twoObjAndObj" preserve="1">
   <p:cSld name="Title, 2 Content and Content">
     <p:spTree>
       <p:nvGrpSpPr>
@@ -2650,9 +2881,10 @@
           </a:prstGeom>
         </p:spPr>
         <p:txBody>
-          <a:bodyPr lIns="0" rIns="0" tIns="0" bIns="0" anchor="ctr"/>
-          <a:p>
-            <a:endParaRPr b="0" lang="en-US" sz="1800" spc="-1" strike="noStrike">
+          <a:bodyPr lIns="0" tIns="0" rIns="0" bIns="0" anchor="ctr"/>
+          <a:lstStyle/>
+          <a:p>
+            <a:endParaRPr lang="en-US" sz="1800" b="0" strike="noStrike" spc="-1">
               <a:solidFill>
                 <a:srgbClr val="000000"/>
               </a:solidFill>
@@ -2681,11 +2913,12 @@
           </a:prstGeom>
         </p:spPr>
         <p:txBody>
-          <a:bodyPr lIns="0" rIns="0" tIns="0" bIns="0">
+          <a:bodyPr lIns="0" tIns="0" rIns="0" bIns="0">
             <a:normAutofit/>
           </a:bodyPr>
-          <a:p>
-            <a:endParaRPr b="0" lang="en-US" sz="2000" spc="-1" strike="noStrike">
+          <a:lstStyle/>
+          <a:p>
+            <a:endParaRPr lang="en-US" sz="2000" b="0" strike="noStrike" spc="-1">
               <a:solidFill>
                 <a:srgbClr val="262626"/>
               </a:solidFill>
@@ -2714,11 +2947,12 @@
           </a:prstGeom>
         </p:spPr>
         <p:txBody>
-          <a:bodyPr lIns="0" rIns="0" tIns="0" bIns="0">
+          <a:bodyPr lIns="0" tIns="0" rIns="0" bIns="0">
             <a:normAutofit/>
           </a:bodyPr>
-          <a:p>
-            <a:endParaRPr b="0" lang="en-US" sz="2000" spc="-1" strike="noStrike">
+          <a:lstStyle/>
+          <a:p>
+            <a:endParaRPr lang="en-US" sz="2000" b="0" strike="noStrike" spc="-1">
               <a:solidFill>
                 <a:srgbClr val="262626"/>
               </a:solidFill>
@@ -2747,11 +2981,12 @@
           </a:prstGeom>
         </p:spPr>
         <p:txBody>
-          <a:bodyPr lIns="0" rIns="0" tIns="0" bIns="0">
+          <a:bodyPr lIns="0" tIns="0" rIns="0" bIns="0">
             <a:normAutofit/>
           </a:bodyPr>
-          <a:p>
-            <a:endParaRPr b="0" lang="en-US" sz="2000" spc="-1" strike="noStrike">
+          <a:lstStyle/>
+          <a:p>
+            <a:endParaRPr lang="en-US" sz="2000" b="0" strike="noStrike" spc="-1">
               <a:solidFill>
                 <a:srgbClr val="262626"/>
               </a:solidFill>
@@ -2762,11 +2997,14 @@
       </p:sp>
     </p:spTree>
   </p:cSld>
+  <p:clrMapOvr>
+    <a:masterClrMapping/>
+  </p:clrMapOvr>
 </p:sldLayout>
 </file>
 
 <file path=ppt/slideLayouts/slideLayout32.xml><?xml version="1.0" encoding="utf-8"?>
-<p:sldLayout xmlns:a="http://schemas.openxmlformats.org/drawingml/2006/main" xmlns:p="http://schemas.openxmlformats.org/presentationml/2006/main" xmlns:r="http://schemas.openxmlformats.org/officeDocument/2006/relationships" xmlns:p14="http://schemas.microsoft.com/office/powerpoint/2010/main" xmlns:p15="http://schemas.microsoft.com/office/powerpoint/2012/main" xmlns:mc="http://schemas.openxmlformats.org/markup-compatibility/2006" type="objAndTwoObj" preserve="1">
+<p:sldLayout xmlns:a="http://schemas.openxmlformats.org/drawingml/2006/main" xmlns:r="http://schemas.openxmlformats.org/officeDocument/2006/relationships" xmlns:p="http://schemas.openxmlformats.org/presentationml/2006/main" type="objAndTwoObj" preserve="1">
   <p:cSld name="Title Content and 2 Content">
     <p:spTree>
       <p:nvGrpSpPr>
@@ -2802,9 +3040,10 @@
           </a:prstGeom>
         </p:spPr>
         <p:txBody>
-          <a:bodyPr lIns="0" rIns="0" tIns="0" bIns="0" anchor="ctr"/>
-          <a:p>
-            <a:endParaRPr b="0" lang="en-US" sz="1800" spc="-1" strike="noStrike">
+          <a:bodyPr lIns="0" tIns="0" rIns="0" bIns="0" anchor="ctr"/>
+          <a:lstStyle/>
+          <a:p>
+            <a:endParaRPr lang="en-US" sz="1800" b="0" strike="noStrike" spc="-1">
               <a:solidFill>
                 <a:srgbClr val="000000"/>
               </a:solidFill>
@@ -2833,11 +3072,12 @@
           </a:prstGeom>
         </p:spPr>
         <p:txBody>
-          <a:bodyPr lIns="0" rIns="0" tIns="0" bIns="0">
+          <a:bodyPr lIns="0" tIns="0" rIns="0" bIns="0">
             <a:normAutofit/>
           </a:bodyPr>
-          <a:p>
-            <a:endParaRPr b="0" lang="en-US" sz="2000" spc="-1" strike="noStrike">
+          <a:lstStyle/>
+          <a:p>
+            <a:endParaRPr lang="en-US" sz="2000" b="0" strike="noStrike" spc="-1">
               <a:solidFill>
                 <a:srgbClr val="262626"/>
               </a:solidFill>
@@ -2866,11 +3106,12 @@
           </a:prstGeom>
         </p:spPr>
         <p:txBody>
-          <a:bodyPr lIns="0" rIns="0" tIns="0" bIns="0">
+          <a:bodyPr lIns="0" tIns="0" rIns="0" bIns="0">
             <a:normAutofit/>
           </a:bodyPr>
-          <a:p>
-            <a:endParaRPr b="0" lang="en-US" sz="2000" spc="-1" strike="noStrike">
+          <a:lstStyle/>
+          <a:p>
+            <a:endParaRPr lang="en-US" sz="2000" b="0" strike="noStrike" spc="-1">
               <a:solidFill>
                 <a:srgbClr val="262626"/>
               </a:solidFill>
@@ -2899,11 +3140,12 @@
           </a:prstGeom>
         </p:spPr>
         <p:txBody>
-          <a:bodyPr lIns="0" rIns="0" tIns="0" bIns="0">
+          <a:bodyPr lIns="0" tIns="0" rIns="0" bIns="0">
             <a:normAutofit/>
           </a:bodyPr>
-          <a:p>
-            <a:endParaRPr b="0" lang="en-US" sz="2000" spc="-1" strike="noStrike">
+          <a:lstStyle/>
+          <a:p>
+            <a:endParaRPr lang="en-US" sz="2000" b="0" strike="noStrike" spc="-1">
               <a:solidFill>
                 <a:srgbClr val="262626"/>
               </a:solidFill>
@@ -2914,11 +3156,14 @@
       </p:sp>
     </p:spTree>
   </p:cSld>
+  <p:clrMapOvr>
+    <a:masterClrMapping/>
+  </p:clrMapOvr>
 </p:sldLayout>
 </file>
 
 <file path=ppt/slideLayouts/slideLayout33.xml><?xml version="1.0" encoding="utf-8"?>
-<p:sldLayout xmlns:a="http://schemas.openxmlformats.org/drawingml/2006/main" xmlns:p="http://schemas.openxmlformats.org/presentationml/2006/main" xmlns:r="http://schemas.openxmlformats.org/officeDocument/2006/relationships" xmlns:p14="http://schemas.microsoft.com/office/powerpoint/2010/main" xmlns:p15="http://schemas.microsoft.com/office/powerpoint/2012/main" xmlns:mc="http://schemas.openxmlformats.org/markup-compatibility/2006" type="twoObjOverTx" preserve="1">
+<p:sldLayout xmlns:a="http://schemas.openxmlformats.org/drawingml/2006/main" xmlns:r="http://schemas.openxmlformats.org/officeDocument/2006/relationships" xmlns:p="http://schemas.openxmlformats.org/presentationml/2006/main" type="twoObjOverTx" preserve="1">
   <p:cSld name="Title, 2 Content over Content">
     <p:spTree>
       <p:nvGrpSpPr>
@@ -2954,9 +3199,10 @@
           </a:prstGeom>
         </p:spPr>
         <p:txBody>
-          <a:bodyPr lIns="0" rIns="0" tIns="0" bIns="0" anchor="ctr"/>
-          <a:p>
-            <a:endParaRPr b="0" lang="en-US" sz="1800" spc="-1" strike="noStrike">
+          <a:bodyPr lIns="0" tIns="0" rIns="0" bIns="0" anchor="ctr"/>
+          <a:lstStyle/>
+          <a:p>
+            <a:endParaRPr lang="en-US" sz="1800" b="0" strike="noStrike" spc="-1">
               <a:solidFill>
                 <a:srgbClr val="000000"/>
               </a:solidFill>
@@ -2985,11 +3231,12 @@
           </a:prstGeom>
         </p:spPr>
         <p:txBody>
-          <a:bodyPr lIns="0" rIns="0" tIns="0" bIns="0">
+          <a:bodyPr lIns="0" tIns="0" rIns="0" bIns="0">
             <a:normAutofit/>
           </a:bodyPr>
-          <a:p>
-            <a:endParaRPr b="0" lang="en-US" sz="2000" spc="-1" strike="noStrike">
+          <a:lstStyle/>
+          <a:p>
+            <a:endParaRPr lang="en-US" sz="2000" b="0" strike="noStrike" spc="-1">
               <a:solidFill>
                 <a:srgbClr val="262626"/>
               </a:solidFill>
@@ -3018,11 +3265,12 @@
           </a:prstGeom>
         </p:spPr>
         <p:txBody>
-          <a:bodyPr lIns="0" rIns="0" tIns="0" bIns="0">
+          <a:bodyPr lIns="0" tIns="0" rIns="0" bIns="0">
             <a:normAutofit/>
           </a:bodyPr>
-          <a:p>
-            <a:endParaRPr b="0" lang="en-US" sz="2000" spc="-1" strike="noStrike">
+          <a:lstStyle/>
+          <a:p>
+            <a:endParaRPr lang="en-US" sz="2000" b="0" strike="noStrike" spc="-1">
               <a:solidFill>
                 <a:srgbClr val="262626"/>
               </a:solidFill>
@@ -3051,11 +3299,12 @@
           </a:prstGeom>
         </p:spPr>
         <p:txBody>
-          <a:bodyPr lIns="0" rIns="0" tIns="0" bIns="0">
+          <a:bodyPr lIns="0" tIns="0" rIns="0" bIns="0">
             <a:normAutofit/>
           </a:bodyPr>
-          <a:p>
-            <a:endParaRPr b="0" lang="en-US" sz="2000" spc="-1" strike="noStrike">
+          <a:lstStyle/>
+          <a:p>
+            <a:endParaRPr lang="en-US" sz="2000" b="0" strike="noStrike" spc="-1">
               <a:solidFill>
                 <a:srgbClr val="262626"/>
               </a:solidFill>
@@ -3066,11 +3315,14 @@
       </p:sp>
     </p:spTree>
   </p:cSld>
+  <p:clrMapOvr>
+    <a:masterClrMapping/>
+  </p:clrMapOvr>
 </p:sldLayout>
 </file>
 
 <file path=ppt/slideLayouts/slideLayout34.xml><?xml version="1.0" encoding="utf-8"?>
-<p:sldLayout xmlns:a="http://schemas.openxmlformats.org/drawingml/2006/main" xmlns:p="http://schemas.openxmlformats.org/presentationml/2006/main" xmlns:r="http://schemas.openxmlformats.org/officeDocument/2006/relationships" xmlns:p14="http://schemas.microsoft.com/office/powerpoint/2010/main" xmlns:p15="http://schemas.microsoft.com/office/powerpoint/2012/main" xmlns:mc="http://schemas.openxmlformats.org/markup-compatibility/2006" type="objOverTx" preserve="1">
+<p:sldLayout xmlns:a="http://schemas.openxmlformats.org/drawingml/2006/main" xmlns:r="http://schemas.openxmlformats.org/officeDocument/2006/relationships" xmlns:p="http://schemas.openxmlformats.org/presentationml/2006/main" type="objOverTx" preserve="1">
   <p:cSld name="Title, Content over Content">
     <p:spTree>
       <p:nvGrpSpPr>
@@ -3106,9 +3358,10 @@
           </a:prstGeom>
         </p:spPr>
         <p:txBody>
-          <a:bodyPr lIns="0" rIns="0" tIns="0" bIns="0" anchor="ctr"/>
-          <a:p>
-            <a:endParaRPr b="0" lang="en-US" sz="1800" spc="-1" strike="noStrike">
+          <a:bodyPr lIns="0" tIns="0" rIns="0" bIns="0" anchor="ctr"/>
+          <a:lstStyle/>
+          <a:p>
+            <a:endParaRPr lang="en-US" sz="1800" b="0" strike="noStrike" spc="-1">
               <a:solidFill>
                 <a:srgbClr val="000000"/>
               </a:solidFill>
@@ -3137,11 +3390,12 @@
           </a:prstGeom>
         </p:spPr>
         <p:txBody>
-          <a:bodyPr lIns="0" rIns="0" tIns="0" bIns="0">
+          <a:bodyPr lIns="0" tIns="0" rIns="0" bIns="0">
             <a:normAutofit/>
           </a:bodyPr>
-          <a:p>
-            <a:endParaRPr b="0" lang="en-US" sz="2000" spc="-1" strike="noStrike">
+          <a:lstStyle/>
+          <a:p>
+            <a:endParaRPr lang="en-US" sz="2000" b="0" strike="noStrike" spc="-1">
               <a:solidFill>
                 <a:srgbClr val="262626"/>
               </a:solidFill>
@@ -3170,11 +3424,12 @@
           </a:prstGeom>
         </p:spPr>
         <p:txBody>
-          <a:bodyPr lIns="0" rIns="0" tIns="0" bIns="0">
+          <a:bodyPr lIns="0" tIns="0" rIns="0" bIns="0">
             <a:normAutofit/>
           </a:bodyPr>
-          <a:p>
-            <a:endParaRPr b="0" lang="en-US" sz="2000" spc="-1" strike="noStrike">
+          <a:lstStyle/>
+          <a:p>
+            <a:endParaRPr lang="en-US" sz="2000" b="0" strike="noStrike" spc="-1">
               <a:solidFill>
                 <a:srgbClr val="262626"/>
               </a:solidFill>
@@ -3185,11 +3440,14 @@
       </p:sp>
     </p:spTree>
   </p:cSld>
+  <p:clrMapOvr>
+    <a:masterClrMapping/>
+  </p:clrMapOvr>
 </p:sldLayout>
 </file>
 
 <file path=ppt/slideLayouts/slideLayout35.xml><?xml version="1.0" encoding="utf-8"?>
-<p:sldLayout xmlns:a="http://schemas.openxmlformats.org/drawingml/2006/main" xmlns:p="http://schemas.openxmlformats.org/presentationml/2006/main" xmlns:r="http://schemas.openxmlformats.org/officeDocument/2006/relationships" xmlns:p14="http://schemas.microsoft.com/office/powerpoint/2010/main" xmlns:p15="http://schemas.microsoft.com/office/powerpoint/2012/main" xmlns:mc="http://schemas.openxmlformats.org/markup-compatibility/2006" type="fourObj" preserve="1">
+<p:sldLayout xmlns:a="http://schemas.openxmlformats.org/drawingml/2006/main" xmlns:r="http://schemas.openxmlformats.org/officeDocument/2006/relationships" xmlns:p="http://schemas.openxmlformats.org/presentationml/2006/main" type="fourObj" preserve="1">
   <p:cSld name="Title, 4 Content">
     <p:spTree>
       <p:nvGrpSpPr>
@@ -3225,9 +3483,10 @@
           </a:prstGeom>
         </p:spPr>
         <p:txBody>
-          <a:bodyPr lIns="0" rIns="0" tIns="0" bIns="0" anchor="ctr"/>
-          <a:p>
-            <a:endParaRPr b="0" lang="en-US" sz="1800" spc="-1" strike="noStrike">
+          <a:bodyPr lIns="0" tIns="0" rIns="0" bIns="0" anchor="ctr"/>
+          <a:lstStyle/>
+          <a:p>
+            <a:endParaRPr lang="en-US" sz="1800" b="0" strike="noStrike" spc="-1">
               <a:solidFill>
                 <a:srgbClr val="000000"/>
               </a:solidFill>
@@ -3256,11 +3515,12 @@
           </a:prstGeom>
         </p:spPr>
         <p:txBody>
-          <a:bodyPr lIns="0" rIns="0" tIns="0" bIns="0">
+          <a:bodyPr lIns="0" tIns="0" rIns="0" bIns="0">
             <a:normAutofit/>
           </a:bodyPr>
-          <a:p>
-            <a:endParaRPr b="0" lang="en-US" sz="2000" spc="-1" strike="noStrike">
+          <a:lstStyle/>
+          <a:p>
+            <a:endParaRPr lang="en-US" sz="2000" b="0" strike="noStrike" spc="-1">
               <a:solidFill>
                 <a:srgbClr val="262626"/>
               </a:solidFill>
@@ -3289,11 +3549,12 @@
           </a:prstGeom>
         </p:spPr>
         <p:txBody>
-          <a:bodyPr lIns="0" rIns="0" tIns="0" bIns="0">
+          <a:bodyPr lIns="0" tIns="0" rIns="0" bIns="0">
             <a:normAutofit/>
           </a:bodyPr>
-          <a:p>
-            <a:endParaRPr b="0" lang="en-US" sz="2000" spc="-1" strike="noStrike">
+          <a:lstStyle/>
+          <a:p>
+            <a:endParaRPr lang="en-US" sz="2000" b="0" strike="noStrike" spc="-1">
               <a:solidFill>
                 <a:srgbClr val="262626"/>
               </a:solidFill>
@@ -3322,11 +3583,12 @@
           </a:prstGeom>
         </p:spPr>
         <p:txBody>
-          <a:bodyPr lIns="0" rIns="0" tIns="0" bIns="0">
+          <a:bodyPr lIns="0" tIns="0" rIns="0" bIns="0">
             <a:normAutofit/>
           </a:bodyPr>
-          <a:p>
-            <a:endParaRPr b="0" lang="en-US" sz="2000" spc="-1" strike="noStrike">
+          <a:lstStyle/>
+          <a:p>
+            <a:endParaRPr lang="en-US" sz="2000" b="0" strike="noStrike" spc="-1">
               <a:solidFill>
                 <a:srgbClr val="262626"/>
               </a:solidFill>
@@ -3355,11 +3617,12 @@
           </a:prstGeom>
         </p:spPr>
         <p:txBody>
-          <a:bodyPr lIns="0" rIns="0" tIns="0" bIns="0">
+          <a:bodyPr lIns="0" tIns="0" rIns="0" bIns="0">
             <a:normAutofit/>
           </a:bodyPr>
-          <a:p>
-            <a:endParaRPr b="0" lang="en-US" sz="2000" spc="-1" strike="noStrike">
+          <a:lstStyle/>
+          <a:p>
+            <a:endParaRPr lang="en-US" sz="2000" b="0" strike="noStrike" spc="-1">
               <a:solidFill>
                 <a:srgbClr val="262626"/>
               </a:solidFill>
@@ -3370,11 +3633,14 @@
       </p:sp>
     </p:spTree>
   </p:cSld>
+  <p:clrMapOvr>
+    <a:masterClrMapping/>
+  </p:clrMapOvr>
 </p:sldLayout>
 </file>
 
 <file path=ppt/slideLayouts/slideLayout36.xml><?xml version="1.0" encoding="utf-8"?>
-<p:sldLayout xmlns:a="http://schemas.openxmlformats.org/drawingml/2006/main" xmlns:p="http://schemas.openxmlformats.org/presentationml/2006/main" xmlns:r="http://schemas.openxmlformats.org/officeDocument/2006/relationships" xmlns:p14="http://schemas.microsoft.com/office/powerpoint/2010/main" xmlns:p15="http://schemas.microsoft.com/office/powerpoint/2012/main" xmlns:mc="http://schemas.openxmlformats.org/markup-compatibility/2006" type="blank" preserve="1">
+<p:sldLayout xmlns:a="http://schemas.openxmlformats.org/drawingml/2006/main" xmlns:r="http://schemas.openxmlformats.org/officeDocument/2006/relationships" xmlns:p="http://schemas.openxmlformats.org/presentationml/2006/main" type="blank" preserve="1">
   <p:cSld name="Title, 6 Content">
     <p:spTree>
       <p:nvGrpSpPr>
@@ -3410,9 +3676,10 @@
           </a:prstGeom>
         </p:spPr>
         <p:txBody>
-          <a:bodyPr lIns="0" rIns="0" tIns="0" bIns="0" anchor="ctr"/>
-          <a:p>
-            <a:endParaRPr b="0" lang="en-US" sz="1800" spc="-1" strike="noStrike">
+          <a:bodyPr lIns="0" tIns="0" rIns="0" bIns="0" anchor="ctr"/>
+          <a:lstStyle/>
+          <a:p>
+            <a:endParaRPr lang="en-US" sz="1800" b="0" strike="noStrike" spc="-1">
               <a:solidFill>
                 <a:srgbClr val="000000"/>
               </a:solidFill>
@@ -3441,11 +3708,12 @@
           </a:prstGeom>
         </p:spPr>
         <p:txBody>
-          <a:bodyPr lIns="0" rIns="0" tIns="0" bIns="0">
+          <a:bodyPr lIns="0" tIns="0" rIns="0" bIns="0">
             <a:normAutofit/>
           </a:bodyPr>
-          <a:p>
-            <a:endParaRPr b="0" lang="en-US" sz="2000" spc="-1" strike="noStrike">
+          <a:lstStyle/>
+          <a:p>
+            <a:endParaRPr lang="en-US" sz="2000" b="0" strike="noStrike" spc="-1">
               <a:solidFill>
                 <a:srgbClr val="262626"/>
               </a:solidFill>
@@ -3474,11 +3742,12 @@
           </a:prstGeom>
         </p:spPr>
         <p:txBody>
-          <a:bodyPr lIns="0" rIns="0" tIns="0" bIns="0">
+          <a:bodyPr lIns="0" tIns="0" rIns="0" bIns="0">
             <a:normAutofit/>
           </a:bodyPr>
-          <a:p>
-            <a:endParaRPr b="0" lang="en-US" sz="2000" spc="-1" strike="noStrike">
+          <a:lstStyle/>
+          <a:p>
+            <a:endParaRPr lang="en-US" sz="2000" b="0" strike="noStrike" spc="-1">
               <a:solidFill>
                 <a:srgbClr val="262626"/>
               </a:solidFill>
@@ -3507,11 +3776,12 @@
           </a:prstGeom>
         </p:spPr>
         <p:txBody>
-          <a:bodyPr lIns="0" rIns="0" tIns="0" bIns="0">
+          <a:bodyPr lIns="0" tIns="0" rIns="0" bIns="0">
             <a:normAutofit/>
           </a:bodyPr>
-          <a:p>
-            <a:endParaRPr b="0" lang="en-US" sz="2000" spc="-1" strike="noStrike">
+          <a:lstStyle/>
+          <a:p>
+            <a:endParaRPr lang="en-US" sz="2000" b="0" strike="noStrike" spc="-1">
               <a:solidFill>
                 <a:srgbClr val="262626"/>
               </a:solidFill>
@@ -3540,11 +3810,12 @@
           </a:prstGeom>
         </p:spPr>
         <p:txBody>
-          <a:bodyPr lIns="0" rIns="0" tIns="0" bIns="0">
+          <a:bodyPr lIns="0" tIns="0" rIns="0" bIns="0">
             <a:normAutofit/>
           </a:bodyPr>
-          <a:p>
-            <a:endParaRPr b="0" lang="en-US" sz="2000" spc="-1" strike="noStrike">
+          <a:lstStyle/>
+          <a:p>
+            <a:endParaRPr lang="en-US" sz="2000" b="0" strike="noStrike" spc="-1">
               <a:solidFill>
                 <a:srgbClr val="262626"/>
               </a:solidFill>
@@ -3573,11 +3844,12 @@
           </a:prstGeom>
         </p:spPr>
         <p:txBody>
-          <a:bodyPr lIns="0" rIns="0" tIns="0" bIns="0">
+          <a:bodyPr lIns="0" tIns="0" rIns="0" bIns="0">
             <a:normAutofit/>
           </a:bodyPr>
-          <a:p>
-            <a:endParaRPr b="0" lang="en-US" sz="2000" spc="-1" strike="noStrike">
+          <a:lstStyle/>
+          <a:p>
+            <a:endParaRPr lang="en-US" sz="2000" b="0" strike="noStrike" spc="-1">
               <a:solidFill>
                 <a:srgbClr val="262626"/>
               </a:solidFill>
@@ -3606,11 +3878,12 @@
           </a:prstGeom>
         </p:spPr>
         <p:txBody>
-          <a:bodyPr lIns="0" rIns="0" tIns="0" bIns="0">
+          <a:bodyPr lIns="0" tIns="0" rIns="0" bIns="0">
             <a:normAutofit/>
           </a:bodyPr>
-          <a:p>
-            <a:endParaRPr b="0" lang="en-US" sz="2000" spc="-1" strike="noStrike">
+          <a:lstStyle/>
+          <a:p>
+            <a:endParaRPr lang="en-US" sz="2000" b="0" strike="noStrike" spc="-1">
               <a:solidFill>
                 <a:srgbClr val="262626"/>
               </a:solidFill>
@@ -3621,11 +3894,14 @@
       </p:sp>
     </p:spTree>
   </p:cSld>
+  <p:clrMapOvr>
+    <a:masterClrMapping/>
+  </p:clrMapOvr>
 </p:sldLayout>
 </file>
 
 <file path=ppt/slideLayouts/slideLayout4.xml><?xml version="1.0" encoding="utf-8"?>
-<p:sldLayout xmlns:a="http://schemas.openxmlformats.org/drawingml/2006/main" xmlns:p="http://schemas.openxmlformats.org/presentationml/2006/main" xmlns:r="http://schemas.openxmlformats.org/officeDocument/2006/relationships" xmlns:p14="http://schemas.microsoft.com/office/powerpoint/2010/main" xmlns:p15="http://schemas.microsoft.com/office/powerpoint/2012/main" xmlns:mc="http://schemas.openxmlformats.org/markup-compatibility/2006" type="twoObj" preserve="1">
+<p:sldLayout xmlns:a="http://schemas.openxmlformats.org/drawingml/2006/main" xmlns:r="http://schemas.openxmlformats.org/officeDocument/2006/relationships" xmlns:p="http://schemas.openxmlformats.org/presentationml/2006/main" type="twoObj" preserve="1">
   <p:cSld name="Title, 2 Content">
     <p:spTree>
       <p:nvGrpSpPr>
@@ -3661,9 +3937,10 @@
           </a:prstGeom>
         </p:spPr>
         <p:txBody>
-          <a:bodyPr lIns="0" rIns="0" tIns="0" bIns="0" anchor="ctr"/>
-          <a:p>
-            <a:endParaRPr b="0" lang="en-US" sz="1800" spc="-1" strike="noStrike">
+          <a:bodyPr lIns="0" tIns="0" rIns="0" bIns="0" anchor="ctr"/>
+          <a:lstStyle/>
+          <a:p>
+            <a:endParaRPr lang="en-US" sz="1800" b="0" strike="noStrike" spc="-1">
               <a:solidFill>
                 <a:srgbClr val="000000"/>
               </a:solidFill>
@@ -3692,11 +3969,12 @@
           </a:prstGeom>
         </p:spPr>
         <p:txBody>
-          <a:bodyPr lIns="0" rIns="0" tIns="0" bIns="0">
+          <a:bodyPr lIns="0" tIns="0" rIns="0" bIns="0">
             <a:normAutofit/>
           </a:bodyPr>
-          <a:p>
-            <a:endParaRPr b="0" lang="en-US" sz="2000" spc="-1" strike="noStrike">
+          <a:lstStyle/>
+          <a:p>
+            <a:endParaRPr lang="en-US" sz="2000" b="0" strike="noStrike" spc="-1">
               <a:solidFill>
                 <a:srgbClr val="262626"/>
               </a:solidFill>
@@ -3725,11 +4003,12 @@
           </a:prstGeom>
         </p:spPr>
         <p:txBody>
-          <a:bodyPr lIns="0" rIns="0" tIns="0" bIns="0">
+          <a:bodyPr lIns="0" tIns="0" rIns="0" bIns="0">
             <a:normAutofit/>
           </a:bodyPr>
-          <a:p>
-            <a:endParaRPr b="0" lang="en-US" sz="2000" spc="-1" strike="noStrike">
+          <a:lstStyle/>
+          <a:p>
+            <a:endParaRPr lang="en-US" sz="2000" b="0" strike="noStrike" spc="-1">
               <a:solidFill>
                 <a:srgbClr val="262626"/>
               </a:solidFill>
@@ -3740,11 +4019,14 @@
       </p:sp>
     </p:spTree>
   </p:cSld>
+  <p:clrMapOvr>
+    <a:masterClrMapping/>
+  </p:clrMapOvr>
 </p:sldLayout>
 </file>
 
 <file path=ppt/slideLayouts/slideLayout5.xml><?xml version="1.0" encoding="utf-8"?>
-<p:sldLayout xmlns:a="http://schemas.openxmlformats.org/drawingml/2006/main" xmlns:p="http://schemas.openxmlformats.org/presentationml/2006/main" xmlns:r="http://schemas.openxmlformats.org/officeDocument/2006/relationships" xmlns:p14="http://schemas.microsoft.com/office/powerpoint/2010/main" xmlns:p15="http://schemas.microsoft.com/office/powerpoint/2012/main" xmlns:mc="http://schemas.openxmlformats.org/markup-compatibility/2006" type="titleOnly" preserve="1">
+<p:sldLayout xmlns:a="http://schemas.openxmlformats.org/drawingml/2006/main" xmlns:r="http://schemas.openxmlformats.org/officeDocument/2006/relationships" xmlns:p="http://schemas.openxmlformats.org/presentationml/2006/main" type="titleOnly" preserve="1">
   <p:cSld name="Title Only">
     <p:spTree>
       <p:nvGrpSpPr>
@@ -3780,9 +4062,10 @@
           </a:prstGeom>
         </p:spPr>
         <p:txBody>
-          <a:bodyPr lIns="0" rIns="0" tIns="0" bIns="0" anchor="ctr"/>
-          <a:p>
-            <a:endParaRPr b="0" lang="en-US" sz="1800" spc="-1" strike="noStrike">
+          <a:bodyPr lIns="0" tIns="0" rIns="0" bIns="0" anchor="ctr"/>
+          <a:lstStyle/>
+          <a:p>
+            <a:endParaRPr lang="en-US" sz="1800" b="0" strike="noStrike" spc="-1">
               <a:solidFill>
                 <a:srgbClr val="000000"/>
               </a:solidFill>
@@ -3793,11 +4076,14 @@
       </p:sp>
     </p:spTree>
   </p:cSld>
+  <p:clrMapOvr>
+    <a:masterClrMapping/>
+  </p:clrMapOvr>
 </p:sldLayout>
 </file>
 
 <file path=ppt/slideLayouts/slideLayout6.xml><?xml version="1.0" encoding="utf-8"?>
-<p:sldLayout xmlns:a="http://schemas.openxmlformats.org/drawingml/2006/main" xmlns:p="http://schemas.openxmlformats.org/presentationml/2006/main" xmlns:r="http://schemas.openxmlformats.org/officeDocument/2006/relationships" xmlns:p14="http://schemas.microsoft.com/office/powerpoint/2010/main" xmlns:p15="http://schemas.microsoft.com/office/powerpoint/2012/main" xmlns:mc="http://schemas.openxmlformats.org/markup-compatibility/2006" type="objOnly" preserve="1">
+<p:sldLayout xmlns:a="http://schemas.openxmlformats.org/drawingml/2006/main" xmlns:r="http://schemas.openxmlformats.org/officeDocument/2006/relationships" xmlns:p="http://schemas.openxmlformats.org/presentationml/2006/main" type="objOnly" preserve="1">
   <p:cSld name="Centered Text">
     <p:spTree>
       <p:nvGrpSpPr>
@@ -3833,10 +4119,11 @@
           </a:prstGeom>
         </p:spPr>
         <p:txBody>
-          <a:bodyPr lIns="0" rIns="0" tIns="0" bIns="0" anchor="ctr"/>
+          <a:bodyPr lIns="0" tIns="0" rIns="0" bIns="0" anchor="ctr"/>
+          <a:lstStyle/>
           <a:p>
             <a:pPr algn="ctr"/>
-            <a:endParaRPr b="0" lang="en-US" sz="3200" spc="-1" strike="noStrike">
+            <a:endParaRPr lang="en-US" sz="3200" b="0" strike="noStrike" spc="-1">
               <a:latin typeface="Arial"/>
             </a:endParaRPr>
           </a:p>
@@ -3844,11 +4131,14 @@
       </p:sp>
     </p:spTree>
   </p:cSld>
+  <p:clrMapOvr>
+    <a:masterClrMapping/>
+  </p:clrMapOvr>
 </p:sldLayout>
 </file>
 
 <file path=ppt/slideLayouts/slideLayout7.xml><?xml version="1.0" encoding="utf-8"?>
-<p:sldLayout xmlns:a="http://schemas.openxmlformats.org/drawingml/2006/main" xmlns:p="http://schemas.openxmlformats.org/presentationml/2006/main" xmlns:r="http://schemas.openxmlformats.org/officeDocument/2006/relationships" xmlns:p14="http://schemas.microsoft.com/office/powerpoint/2010/main" xmlns:p15="http://schemas.microsoft.com/office/powerpoint/2012/main" xmlns:mc="http://schemas.openxmlformats.org/markup-compatibility/2006" type="twoObjAndObj" preserve="1">
+<p:sldLayout xmlns:a="http://schemas.openxmlformats.org/drawingml/2006/main" xmlns:r="http://schemas.openxmlformats.org/officeDocument/2006/relationships" xmlns:p="http://schemas.openxmlformats.org/presentationml/2006/main" type="twoObjAndObj" preserve="1">
   <p:cSld name="Title, 2 Content and Content">
     <p:spTree>
       <p:nvGrpSpPr>
@@ -3884,9 +4174,10 @@
           </a:prstGeom>
         </p:spPr>
         <p:txBody>
-          <a:bodyPr lIns="0" rIns="0" tIns="0" bIns="0" anchor="ctr"/>
-          <a:p>
-            <a:endParaRPr b="0" lang="en-US" sz="1800" spc="-1" strike="noStrike">
+          <a:bodyPr lIns="0" tIns="0" rIns="0" bIns="0" anchor="ctr"/>
+          <a:lstStyle/>
+          <a:p>
+            <a:endParaRPr lang="en-US" sz="1800" b="0" strike="noStrike" spc="-1">
               <a:solidFill>
                 <a:srgbClr val="000000"/>
               </a:solidFill>
@@ -3915,11 +4206,12 @@
           </a:prstGeom>
         </p:spPr>
         <p:txBody>
-          <a:bodyPr lIns="0" rIns="0" tIns="0" bIns="0">
+          <a:bodyPr lIns="0" tIns="0" rIns="0" bIns="0">
             <a:normAutofit/>
           </a:bodyPr>
-          <a:p>
-            <a:endParaRPr b="0" lang="en-US" sz="2000" spc="-1" strike="noStrike">
+          <a:lstStyle/>
+          <a:p>
+            <a:endParaRPr lang="en-US" sz="2000" b="0" strike="noStrike" spc="-1">
               <a:solidFill>
                 <a:srgbClr val="262626"/>
               </a:solidFill>
@@ -3948,11 +4240,12 @@
           </a:prstGeom>
         </p:spPr>
         <p:txBody>
-          <a:bodyPr lIns="0" rIns="0" tIns="0" bIns="0">
+          <a:bodyPr lIns="0" tIns="0" rIns="0" bIns="0">
             <a:normAutofit/>
           </a:bodyPr>
-          <a:p>
-            <a:endParaRPr b="0" lang="en-US" sz="2000" spc="-1" strike="noStrike">
+          <a:lstStyle/>
+          <a:p>
+            <a:endParaRPr lang="en-US" sz="2000" b="0" strike="noStrike" spc="-1">
               <a:solidFill>
                 <a:srgbClr val="262626"/>
               </a:solidFill>
@@ -3981,11 +4274,12 @@
           </a:prstGeom>
         </p:spPr>
         <p:txBody>
-          <a:bodyPr lIns="0" rIns="0" tIns="0" bIns="0">
+          <a:bodyPr lIns="0" tIns="0" rIns="0" bIns="0">
             <a:normAutofit/>
           </a:bodyPr>
-          <a:p>
-            <a:endParaRPr b="0" lang="en-US" sz="2000" spc="-1" strike="noStrike">
+          <a:lstStyle/>
+          <a:p>
+            <a:endParaRPr lang="en-US" sz="2000" b="0" strike="noStrike" spc="-1">
               <a:solidFill>
                 <a:srgbClr val="262626"/>
               </a:solidFill>
@@ -3996,11 +4290,14 @@
       </p:sp>
     </p:spTree>
   </p:cSld>
+  <p:clrMapOvr>
+    <a:masterClrMapping/>
+  </p:clrMapOvr>
 </p:sldLayout>
 </file>
 
 <file path=ppt/slideLayouts/slideLayout8.xml><?xml version="1.0" encoding="utf-8"?>
-<p:sldLayout xmlns:a="http://schemas.openxmlformats.org/drawingml/2006/main" xmlns:p="http://schemas.openxmlformats.org/presentationml/2006/main" xmlns:r="http://schemas.openxmlformats.org/officeDocument/2006/relationships" xmlns:p14="http://schemas.microsoft.com/office/powerpoint/2010/main" xmlns:p15="http://schemas.microsoft.com/office/powerpoint/2012/main" xmlns:mc="http://schemas.openxmlformats.org/markup-compatibility/2006" type="objAndTwoObj" preserve="1">
+<p:sldLayout xmlns:a="http://schemas.openxmlformats.org/drawingml/2006/main" xmlns:r="http://schemas.openxmlformats.org/officeDocument/2006/relationships" xmlns:p="http://schemas.openxmlformats.org/presentationml/2006/main" type="objAndTwoObj" preserve="1">
   <p:cSld name="Title Content and 2 Content">
     <p:spTree>
       <p:nvGrpSpPr>
@@ -4036,9 +4333,10 @@
           </a:prstGeom>
         </p:spPr>
         <p:txBody>
-          <a:bodyPr lIns="0" rIns="0" tIns="0" bIns="0" anchor="ctr"/>
-          <a:p>
-            <a:endParaRPr b="0" lang="en-US" sz="1800" spc="-1" strike="noStrike">
+          <a:bodyPr lIns="0" tIns="0" rIns="0" bIns="0" anchor="ctr"/>
+          <a:lstStyle/>
+          <a:p>
+            <a:endParaRPr lang="en-US" sz="1800" b="0" strike="noStrike" spc="-1">
               <a:solidFill>
                 <a:srgbClr val="000000"/>
               </a:solidFill>
@@ -4067,11 +4365,12 @@
           </a:prstGeom>
         </p:spPr>
         <p:txBody>
-          <a:bodyPr lIns="0" rIns="0" tIns="0" bIns="0">
+          <a:bodyPr lIns="0" tIns="0" rIns="0" bIns="0">
             <a:normAutofit/>
           </a:bodyPr>
-          <a:p>
-            <a:endParaRPr b="0" lang="en-US" sz="2000" spc="-1" strike="noStrike">
+          <a:lstStyle/>
+          <a:p>
+            <a:endParaRPr lang="en-US" sz="2000" b="0" strike="noStrike" spc="-1">
               <a:solidFill>
                 <a:srgbClr val="262626"/>
               </a:solidFill>
@@ -4100,11 +4399,12 @@
           </a:prstGeom>
         </p:spPr>
         <p:txBody>
-          <a:bodyPr lIns="0" rIns="0" tIns="0" bIns="0">
+          <a:bodyPr lIns="0" tIns="0" rIns="0" bIns="0">
             <a:normAutofit/>
           </a:bodyPr>
-          <a:p>
-            <a:endParaRPr b="0" lang="en-US" sz="2000" spc="-1" strike="noStrike">
+          <a:lstStyle/>
+          <a:p>
+            <a:endParaRPr lang="en-US" sz="2000" b="0" strike="noStrike" spc="-1">
               <a:solidFill>
                 <a:srgbClr val="262626"/>
               </a:solidFill>
@@ -4133,11 +4433,12 @@
           </a:prstGeom>
         </p:spPr>
         <p:txBody>
-          <a:bodyPr lIns="0" rIns="0" tIns="0" bIns="0">
+          <a:bodyPr lIns="0" tIns="0" rIns="0" bIns="0">
             <a:normAutofit/>
           </a:bodyPr>
-          <a:p>
-            <a:endParaRPr b="0" lang="en-US" sz="2000" spc="-1" strike="noStrike">
+          <a:lstStyle/>
+          <a:p>
+            <a:endParaRPr lang="en-US" sz="2000" b="0" strike="noStrike" spc="-1">
               <a:solidFill>
                 <a:srgbClr val="262626"/>
               </a:solidFill>
@@ -4148,11 +4449,14 @@
       </p:sp>
     </p:spTree>
   </p:cSld>
+  <p:clrMapOvr>
+    <a:masterClrMapping/>
+  </p:clrMapOvr>
 </p:sldLayout>
 </file>
 
 <file path=ppt/slideLayouts/slideLayout9.xml><?xml version="1.0" encoding="utf-8"?>
-<p:sldLayout xmlns:a="http://schemas.openxmlformats.org/drawingml/2006/main" xmlns:p="http://schemas.openxmlformats.org/presentationml/2006/main" xmlns:r="http://schemas.openxmlformats.org/officeDocument/2006/relationships" xmlns:p14="http://schemas.microsoft.com/office/powerpoint/2010/main" xmlns:p15="http://schemas.microsoft.com/office/powerpoint/2012/main" xmlns:mc="http://schemas.openxmlformats.org/markup-compatibility/2006" type="twoObjOverTx" preserve="1">
+<p:sldLayout xmlns:a="http://schemas.openxmlformats.org/drawingml/2006/main" xmlns:r="http://schemas.openxmlformats.org/officeDocument/2006/relationships" xmlns:p="http://schemas.openxmlformats.org/presentationml/2006/main" type="twoObjOverTx" preserve="1">
   <p:cSld name="Title, 2 Content over Content">
     <p:spTree>
       <p:nvGrpSpPr>
@@ -4188,9 +4492,10 @@
           </a:prstGeom>
         </p:spPr>
         <p:txBody>
-          <a:bodyPr lIns="0" rIns="0" tIns="0" bIns="0" anchor="ctr"/>
-          <a:p>
-            <a:endParaRPr b="0" lang="en-US" sz="1800" spc="-1" strike="noStrike">
+          <a:bodyPr lIns="0" tIns="0" rIns="0" bIns="0" anchor="ctr"/>
+          <a:lstStyle/>
+          <a:p>
+            <a:endParaRPr lang="en-US" sz="1800" b="0" strike="noStrike" spc="-1">
               <a:solidFill>
                 <a:srgbClr val="000000"/>
               </a:solidFill>
@@ -4219,11 +4524,12 @@
           </a:prstGeom>
         </p:spPr>
         <p:txBody>
-          <a:bodyPr lIns="0" rIns="0" tIns="0" bIns="0">
+          <a:bodyPr lIns="0" tIns="0" rIns="0" bIns="0">
             <a:normAutofit/>
           </a:bodyPr>
-          <a:p>
-            <a:endParaRPr b="0" lang="en-US" sz="2000" spc="-1" strike="noStrike">
+          <a:lstStyle/>
+          <a:p>
+            <a:endParaRPr lang="en-US" sz="2000" b="0" strike="noStrike" spc="-1">
               <a:solidFill>
                 <a:srgbClr val="262626"/>
               </a:solidFill>
@@ -4252,11 +4558,12 @@
           </a:prstGeom>
         </p:spPr>
         <p:txBody>
-          <a:bodyPr lIns="0" rIns="0" tIns="0" bIns="0">
+          <a:bodyPr lIns="0" tIns="0" rIns="0" bIns="0">
             <a:normAutofit/>
           </a:bodyPr>
-          <a:p>
-            <a:endParaRPr b="0" lang="en-US" sz="2000" spc="-1" strike="noStrike">
+          <a:lstStyle/>
+          <a:p>
+            <a:endParaRPr lang="en-US" sz="2000" b="0" strike="noStrike" spc="-1">
               <a:solidFill>
                 <a:srgbClr val="262626"/>
               </a:solidFill>
@@ -4285,11 +4592,12 @@
           </a:prstGeom>
         </p:spPr>
         <p:txBody>
-          <a:bodyPr lIns="0" rIns="0" tIns="0" bIns="0">
+          <a:bodyPr lIns="0" tIns="0" rIns="0" bIns="0">
             <a:normAutofit/>
           </a:bodyPr>
-          <a:p>
-            <a:endParaRPr b="0" lang="en-US" sz="2000" spc="-1" strike="noStrike">
+          <a:lstStyle/>
+          <a:p>
+            <a:endParaRPr lang="en-US" sz="2000" b="0" strike="noStrike" spc="-1">
               <a:solidFill>
                 <a:srgbClr val="262626"/>
               </a:solidFill>
@@ -4300,17 +4608,21 @@
       </p:sp>
     </p:spTree>
   </p:cSld>
+  <p:clrMapOvr>
+    <a:masterClrMapping/>
+  </p:clrMapOvr>
 </p:sldLayout>
 </file>
 
 <file path=ppt/slideMasters/slideMaster1.xml><?xml version="1.0" encoding="utf-8"?>
-<p:sldMaster xmlns:a="http://schemas.openxmlformats.org/drawingml/2006/main" xmlns:p="http://schemas.openxmlformats.org/presentationml/2006/main" xmlns:r="http://schemas.openxmlformats.org/officeDocument/2006/relationships" xmlns:p14="http://schemas.microsoft.com/office/powerpoint/2010/main" xmlns:p15="http://schemas.microsoft.com/office/powerpoint/2012/main" xmlns:mc="http://schemas.openxmlformats.org/markup-compatibility/2006">
+<p:sldMaster xmlns:a="http://schemas.openxmlformats.org/drawingml/2006/main" xmlns:r="http://schemas.openxmlformats.org/officeDocument/2006/relationships" xmlns:p="http://schemas.openxmlformats.org/presentationml/2006/main">
   <p:cSld>
     <p:bg>
       <p:bgPr>
         <a:solidFill>
-          <a:srgbClr val="1d1a1d"/>
+          <a:srgbClr val="1D1A1D"/>
         </a:solidFill>
+        <a:effectLst/>
       </p:bgPr>
     </p:bg>
     <p:spTree>
@@ -4329,7 +4641,7 @@
       </p:grpSpPr>
       <p:sp>
         <p:nvSpPr>
-          <p:cNvPr id="0" name="CustomShape 1" hidden="1"/>
+          <p:cNvPr id="9" name="CustomShape 1" hidden="1"/>
           <p:cNvSpPr/>
           <p:nvPr/>
         </p:nvSpPr>
@@ -4342,6 +4654,7 @@
             <a:avLst/>
             <a:gdLst/>
             <a:ahLst/>
+            <a:cxnLst/>
             <a:rect l="l" t="t" r="r" b="b"/>
             <a:pathLst>
               <a:path w="1799" h="3612">
@@ -4522,15 +4835,21 @@
           </a:ln>
         </p:spPr>
         <p:style>
-          <a:lnRef idx="0"/>
-          <a:fillRef idx="0"/>
-          <a:effectRef idx="0"/>
+          <a:lnRef idx="0">
+            <a:scrgbClr r="0" g="0" b="0"/>
+          </a:lnRef>
+          <a:fillRef idx="0">
+            <a:scrgbClr r="0" g="0" b="0"/>
+          </a:fillRef>
+          <a:effectRef idx="0">
+            <a:scrgbClr r="0" g="0" b="0"/>
+          </a:effectRef>
           <a:fontRef idx="minor"/>
         </p:style>
       </p:sp>
       <p:sp>
         <p:nvSpPr>
-          <p:cNvPr id="1" name="Line 2"/>
+          <p:cNvPr id="10" name="Line 2"/>
           <p:cNvSpPr/>
           <p:nvPr/>
         </p:nvSpPr>
@@ -4580,6 +4899,7 @@
             <a:avLst/>
             <a:gdLst/>
             <a:ahLst/>
+            <a:cxnLst/>
             <a:rect l="l" t="t" r="r" b="b"/>
             <a:pathLst>
               <a:path w="1799" h="3612">
@@ -4757,9 +5077,15 @@
           </a:ln>
         </p:spPr>
         <p:style>
-          <a:lnRef idx="0"/>
-          <a:fillRef idx="0"/>
-          <a:effectRef idx="0"/>
+          <a:lnRef idx="0">
+            <a:scrgbClr r="0" g="0" b="0"/>
+          </a:lnRef>
+          <a:fillRef idx="0">
+            <a:scrgbClr r="0" g="0" b="0"/>
+          </a:fillRef>
+          <a:effectRef idx="0">
+            <a:scrgbClr r="0" g="0" b="0"/>
+          </a:effectRef>
           <a:fontRef idx="minor"/>
         </p:style>
       </p:sp>
@@ -4786,6 +5112,7 @@
           <a:bodyPr>
             <a:normAutofit/>
           </a:bodyPr>
+          <a:lstStyle/>
           <a:p>
             <a:pPr>
               <a:lnSpc>
@@ -4793,17 +5120,17 @@
               </a:lnSpc>
             </a:pPr>
             <a:r>
-              <a:rPr b="0" i="1" lang="en-US" sz="7700" spc="-1" strike="noStrike" cap="all">
-                <a:solidFill>
-                  <a:srgbClr val="f5f5f5"/>
+              <a:rPr lang="en-US" sz="7700" b="0" i="1" strike="noStrike" cap="all" spc="-1">
+                <a:solidFill>
+                  <a:srgbClr val="F5F5F5"/>
                 </a:solidFill>
                 <a:latin typeface="Century Schoolbook"/>
               </a:rPr>
               <a:t>Click to edit Master title style</a:t>
             </a:r>
-            <a:endParaRPr b="0" lang="en-US" sz="7700" spc="-1" strike="noStrike">
-              <a:solidFill>
-                <a:srgbClr val="ffffff"/>
+            <a:endParaRPr lang="en-US" sz="7700" b="0" strike="noStrike" spc="-1">
+              <a:solidFill>
+                <a:srgbClr val="FFFFFF"/>
               </a:solidFill>
               <a:latin typeface="Corbel"/>
             </a:endParaRPr>
@@ -4831,6 +5158,7 @@
         </p:spPr>
         <p:txBody>
           <a:bodyPr/>
+          <a:lstStyle/>
           <a:p>
             <a:pPr>
               <a:lnSpc>
@@ -4838,15 +5166,15 @@
               </a:lnSpc>
             </a:pPr>
             <a:fld id="{33AF3A29-24CD-4FC8-8608-90FC83C3725C}" type="datetime">
-              <a:rPr b="0" i="1" lang="en-US" sz="1200" spc="-1" strike="noStrike">
-                <a:solidFill>
-                  <a:srgbClr val="f6f6f6"/>
+              <a:rPr lang="en-US" sz="1200" b="0" i="1" strike="noStrike" spc="-1">
+                <a:solidFill>
+                  <a:srgbClr val="F6F6F6"/>
                 </a:solidFill>
                 <a:latin typeface="Century Schoolbook"/>
               </a:rPr>
-              <a:t>12/4/19</a:t>
+              <a:t>12/6/2019</a:t>
             </a:fld>
-            <a:endParaRPr b="0" lang="en-US" sz="1200" spc="-1" strike="noStrike">
+            <a:endParaRPr lang="en-US" sz="1200" b="0" strike="noStrike" spc="-1">
               <a:latin typeface="Times New Roman"/>
             </a:endParaRPr>
           </a:p>
@@ -4873,8 +5201,9 @@
         </p:spPr>
         <p:txBody>
           <a:bodyPr/>
-          <a:p>
-            <a:endParaRPr b="0" lang="en-US" sz="2400" spc="-1" strike="noStrike">
+          <a:lstStyle/>
+          <a:p>
+            <a:endParaRPr lang="en-US" sz="2400" b="0" strike="noStrike" spc="-1">
               <a:latin typeface="Times New Roman"/>
             </a:endParaRPr>
           </a:p>
@@ -4901,6 +5230,7 @@
         </p:spPr>
         <p:txBody>
           <a:bodyPr anchor="ctr"/>
+          <a:lstStyle/>
           <a:p>
             <a:pPr algn="r">
               <a:lnSpc>
@@ -4908,15 +5238,15 @@
               </a:lnSpc>
             </a:pPr>
             <a:fld id="{4FC31F5A-DA69-463D-86BD-87F9D6459555}" type="slidenum">
-              <a:rPr b="0" i="1" lang="en-US" sz="1200" spc="-1" strike="noStrike">
-                <a:solidFill>
-                  <a:srgbClr val="1d1a1d"/>
+              <a:rPr lang="en-US" sz="1200" b="0" i="1" strike="noStrike" spc="-1">
+                <a:solidFill>
+                  <a:srgbClr val="1D1A1D"/>
                 </a:solidFill>
                 <a:latin typeface="Century Schoolbook"/>
               </a:rPr>
-              <a:t>&lt;number&gt;</a:t>
+              <a:t>‹#›</a:t>
             </a:fld>
-            <a:endParaRPr b="0" lang="en-US" sz="1200" spc="-1" strike="noStrike">
+            <a:endParaRPr lang="en-US" sz="1200" b="0" strike="noStrike" spc="-1">
               <a:latin typeface="Times New Roman"/>
             </a:endParaRPr>
           </a:p>
@@ -4976,235 +5306,475 @@
           </a:prstGeom>
         </p:spPr>
         <p:txBody>
-          <a:bodyPr lIns="0" rIns="0" tIns="0" bIns="0">
+          <a:bodyPr lIns="0" tIns="0" rIns="0" bIns="0">
             <a:normAutofit/>
           </a:bodyPr>
+          <a:lstStyle/>
           <a:p>
             <a:pPr marL="432000" indent="-324000">
               <a:spcBef>
                 <a:spcPts val="1417"/>
               </a:spcBef>
               <a:buClr>
-                <a:srgbClr val="ffffff"/>
+                <a:srgbClr val="FFFFFF"/>
               </a:buClr>
               <a:buSzPct val="45000"/>
               <a:buFont typeface="Wingdings" charset="2"/>
               <a:buChar char=""/>
             </a:pPr>
             <a:r>
-              <a:rPr b="0" lang="en-US" sz="2000" spc="-1" strike="noStrike">
-                <a:solidFill>
-                  <a:srgbClr val="ffffff"/>
+              <a:rPr lang="en-US" sz="2000" b="0" strike="noStrike" spc="-1">
+                <a:solidFill>
+                  <a:srgbClr val="FFFFFF"/>
                 </a:solidFill>
                 <a:latin typeface="Corbel"/>
               </a:rPr>
               <a:t>Click to edit the outline text format</a:t>
             </a:r>
-            <a:endParaRPr b="0" lang="en-US" sz="2000" spc="-1" strike="noStrike">
-              <a:solidFill>
-                <a:srgbClr val="ffffff"/>
-              </a:solidFill>
-              <a:latin typeface="Corbel"/>
-            </a:endParaRPr>
-          </a:p>
-          <a:p>
-            <a:pPr lvl="1" marL="864000" indent="-324000">
+          </a:p>
+          <a:p>
+            <a:pPr marL="864000" lvl="1" indent="-324000">
               <a:spcBef>
                 <a:spcPts val="1134"/>
               </a:spcBef>
               <a:buClr>
-                <a:srgbClr val="ffffff"/>
+                <a:srgbClr val="FFFFFF"/>
               </a:buClr>
               <a:buSzPct val="75000"/>
               <a:buFont typeface="Symbol" charset="2"/>
               <a:buChar char=""/>
             </a:pPr>
             <a:r>
-              <a:rPr b="0" lang="en-US" sz="1600" spc="-1" strike="noStrike">
-                <a:solidFill>
-                  <a:srgbClr val="ffffff"/>
+              <a:rPr lang="en-US" sz="1600" b="0" strike="noStrike" spc="-1">
+                <a:solidFill>
+                  <a:srgbClr val="FFFFFF"/>
                 </a:solidFill>
                 <a:latin typeface="Corbel"/>
               </a:rPr>
               <a:t>Second Outline Level</a:t>
             </a:r>
-            <a:endParaRPr b="0" lang="en-US" sz="1600" spc="-1" strike="noStrike">
-              <a:solidFill>
-                <a:srgbClr val="ffffff"/>
-              </a:solidFill>
-              <a:latin typeface="Corbel"/>
-            </a:endParaRPr>
-          </a:p>
-          <a:p>
-            <a:pPr lvl="2" marL="1296000" indent="-288000">
+          </a:p>
+          <a:p>
+            <a:pPr marL="1296000" lvl="2" indent="-288000">
               <a:spcBef>
                 <a:spcPts val="850"/>
               </a:spcBef>
               <a:buClr>
-                <a:srgbClr val="ffffff"/>
+                <a:srgbClr val="FFFFFF"/>
               </a:buClr>
               <a:buSzPct val="45000"/>
               <a:buFont typeface="Wingdings" charset="2"/>
               <a:buChar char=""/>
             </a:pPr>
             <a:r>
-              <a:rPr b="0" lang="en-US" sz="1400" spc="-1" strike="noStrike">
-                <a:solidFill>
-                  <a:srgbClr val="ffffff"/>
+              <a:rPr lang="en-US" sz="1400" b="0" strike="noStrike" spc="-1">
+                <a:solidFill>
+                  <a:srgbClr val="FFFFFF"/>
                 </a:solidFill>
                 <a:latin typeface="Corbel"/>
               </a:rPr>
               <a:t>Third Outline Level</a:t>
             </a:r>
-            <a:endParaRPr b="0" lang="en-US" sz="1400" spc="-1" strike="noStrike">
-              <a:solidFill>
-                <a:srgbClr val="ffffff"/>
-              </a:solidFill>
-              <a:latin typeface="Corbel"/>
-            </a:endParaRPr>
-          </a:p>
-          <a:p>
-            <a:pPr lvl="3" marL="1728000" indent="-216000">
+          </a:p>
+          <a:p>
+            <a:pPr marL="1728000" lvl="3" indent="-216000">
               <a:spcBef>
                 <a:spcPts val="567"/>
               </a:spcBef>
               <a:buClr>
-                <a:srgbClr val="ffffff"/>
+                <a:srgbClr val="FFFFFF"/>
               </a:buClr>
               <a:buSzPct val="75000"/>
               <a:buFont typeface="Symbol" charset="2"/>
               <a:buChar char=""/>
             </a:pPr>
             <a:r>
-              <a:rPr b="0" i="1" lang="en-US" sz="1400" spc="-1" strike="noStrike">
-                <a:solidFill>
-                  <a:srgbClr val="ffffff"/>
+              <a:rPr lang="en-US" sz="1400" b="0" i="1" strike="noStrike" spc="-1">
+                <a:solidFill>
+                  <a:srgbClr val="FFFFFF"/>
                 </a:solidFill>
                 <a:latin typeface="Corbel"/>
               </a:rPr>
               <a:t>Fourth Outline Level</a:t>
             </a:r>
-            <a:endParaRPr b="0" i="1" lang="en-US" sz="1400" spc="-1" strike="noStrike">
-              <a:solidFill>
-                <a:srgbClr val="ffffff"/>
-              </a:solidFill>
-              <a:latin typeface="Corbel"/>
-            </a:endParaRPr>
-          </a:p>
-          <a:p>
-            <a:pPr lvl="4" marL="2160000" indent="-216000">
+          </a:p>
+          <a:p>
+            <a:pPr marL="2160000" lvl="4" indent="-216000">
               <a:spcBef>
                 <a:spcPts val="283"/>
               </a:spcBef>
               <a:buClr>
-                <a:srgbClr val="ffffff"/>
+                <a:srgbClr val="FFFFFF"/>
               </a:buClr>
               <a:buSzPct val="45000"/>
               <a:buFont typeface="Wingdings" charset="2"/>
               <a:buChar char=""/>
             </a:pPr>
             <a:r>
-              <a:rPr b="0" i="1" lang="en-US" sz="2000" spc="-1" strike="noStrike">
-                <a:solidFill>
-                  <a:srgbClr val="ffffff"/>
+              <a:rPr lang="en-US" sz="2000" b="0" i="1" strike="noStrike" spc="-1">
+                <a:solidFill>
+                  <a:srgbClr val="FFFFFF"/>
                 </a:solidFill>
                 <a:latin typeface="Corbel"/>
               </a:rPr>
               <a:t>Fifth Outline Level</a:t>
             </a:r>
-            <a:endParaRPr b="0" i="1" lang="en-US" sz="2000" spc="-1" strike="noStrike">
-              <a:solidFill>
-                <a:srgbClr val="ffffff"/>
-              </a:solidFill>
-              <a:latin typeface="Corbel"/>
-            </a:endParaRPr>
-          </a:p>
-          <a:p>
-            <a:pPr lvl="5" marL="2592000" indent="-216000">
+          </a:p>
+          <a:p>
+            <a:pPr marL="2592000" lvl="5" indent="-216000">
               <a:spcBef>
                 <a:spcPts val="283"/>
               </a:spcBef>
               <a:buClr>
-                <a:srgbClr val="ffffff"/>
+                <a:srgbClr val="FFFFFF"/>
               </a:buClr>
               <a:buSzPct val="45000"/>
               <a:buFont typeface="Wingdings" charset="2"/>
               <a:buChar char=""/>
             </a:pPr>
             <a:r>
-              <a:rPr b="0" i="1" lang="en-US" sz="2000" spc="-1" strike="noStrike">
-                <a:solidFill>
-                  <a:srgbClr val="ffffff"/>
+              <a:rPr lang="en-US" sz="2000" b="0" i="1" strike="noStrike" spc="-1">
+                <a:solidFill>
+                  <a:srgbClr val="FFFFFF"/>
                 </a:solidFill>
                 <a:latin typeface="Corbel"/>
               </a:rPr>
               <a:t>Sixth Outline Level</a:t>
             </a:r>
-            <a:endParaRPr b="0" i="1" lang="en-US" sz="2000" spc="-1" strike="noStrike">
-              <a:solidFill>
-                <a:srgbClr val="ffffff"/>
-              </a:solidFill>
-              <a:latin typeface="Corbel"/>
-            </a:endParaRPr>
-          </a:p>
-          <a:p>
-            <a:pPr lvl="6" marL="3024000" indent="-216000">
+          </a:p>
+          <a:p>
+            <a:pPr marL="3024000" lvl="6" indent="-216000">
               <a:spcBef>
                 <a:spcPts val="283"/>
               </a:spcBef>
               <a:buClr>
-                <a:srgbClr val="ffffff"/>
+                <a:srgbClr val="FFFFFF"/>
               </a:buClr>
               <a:buSzPct val="45000"/>
               <a:buFont typeface="Wingdings" charset="2"/>
               <a:buChar char=""/>
             </a:pPr>
             <a:r>
-              <a:rPr b="0" i="1" lang="en-US" sz="2000" spc="-1" strike="noStrike">
-                <a:solidFill>
-                  <a:srgbClr val="ffffff"/>
+              <a:rPr lang="en-US" sz="2000" b="0" i="1" strike="noStrike" spc="-1">
+                <a:solidFill>
+                  <a:srgbClr val="FFFFFF"/>
                 </a:solidFill>
                 <a:latin typeface="Corbel"/>
               </a:rPr>
               <a:t>Seventh Outline Level</a:t>
             </a:r>
-            <a:endParaRPr b="0" i="1" lang="en-US" sz="2000" spc="-1" strike="noStrike">
-              <a:solidFill>
-                <a:srgbClr val="ffffff"/>
-              </a:solidFill>
-              <a:latin typeface="Corbel"/>
-            </a:endParaRPr>
           </a:p>
         </p:txBody>
       </p:sp>
     </p:spTree>
   </p:cSld>
-  <p:clrMap bg1="lt1" bg2="lt2" tx1="dk1" tx2="dk2" accent1="accent1" accent2="accent2" accent3="accent3" accent4="accent4" accent5="accent5" accent6="accent6" hlink="hlink" folHlink="folHlink"/>
+  <p:clrMap bg1="lt1" tx1="dk1" bg2="lt2" tx2="dk2" accent1="accent1" accent2="accent2" accent3="accent3" accent4="accent4" accent5="accent5" accent6="accent6" hlink="hlink" folHlink="folHlink"/>
   <p:sldLayoutIdLst>
-    <p:sldLayoutId id="2147483649" r:id="rId2"/>
-    <p:sldLayoutId id="2147483650" r:id="rId3"/>
-    <p:sldLayoutId id="2147483651" r:id="rId4"/>
-    <p:sldLayoutId id="2147483652" r:id="rId5"/>
-    <p:sldLayoutId id="2147483653" r:id="rId6"/>
-    <p:sldLayoutId id="2147483654" r:id="rId7"/>
-    <p:sldLayoutId id="2147483655" r:id="rId8"/>
-    <p:sldLayoutId id="2147483656" r:id="rId9"/>
-    <p:sldLayoutId id="2147483657" r:id="rId10"/>
-    <p:sldLayoutId id="2147483658" r:id="rId11"/>
-    <p:sldLayoutId id="2147483659" r:id="rId12"/>
-    <p:sldLayoutId id="2147483660" r:id="rId13"/>
+    <p:sldLayoutId id="2147483649" r:id="rId1"/>
+    <p:sldLayoutId id="2147483650" r:id="rId2"/>
+    <p:sldLayoutId id="2147483651" r:id="rId3"/>
+    <p:sldLayoutId id="2147483652" r:id="rId4"/>
+    <p:sldLayoutId id="2147483653" r:id="rId5"/>
+    <p:sldLayoutId id="2147483654" r:id="rId6"/>
+    <p:sldLayoutId id="2147483655" r:id="rId7"/>
+    <p:sldLayoutId id="2147483656" r:id="rId8"/>
+    <p:sldLayoutId id="2147483657" r:id="rId9"/>
+    <p:sldLayoutId id="2147483658" r:id="rId10"/>
+    <p:sldLayoutId id="2147483659" r:id="rId11"/>
+    <p:sldLayoutId id="2147483660" r:id="rId12"/>
   </p:sldLayoutIdLst>
+  <p:txStyles>
+    <p:titleStyle>
+      <a:lvl1pPr algn="l" defTabSz="914400" rtl="0" eaLnBrk="1" latinLnBrk="0" hangingPunct="1">
+        <a:lnSpc>
+          <a:spcPct val="90000"/>
+        </a:lnSpc>
+        <a:spcBef>
+          <a:spcPct val="0"/>
+        </a:spcBef>
+        <a:buNone/>
+        <a:defRPr sz="4400" kern="1200">
+          <a:solidFill>
+            <a:schemeClr val="tx1"/>
+          </a:solidFill>
+          <a:latin typeface="+mj-lt"/>
+          <a:ea typeface="+mj-ea"/>
+          <a:cs typeface="+mj-cs"/>
+        </a:defRPr>
+      </a:lvl1pPr>
+    </p:titleStyle>
+    <p:bodyStyle>
+      <a:lvl1pPr marL="228600" indent="-228600" algn="l" defTabSz="914400" rtl="0" eaLnBrk="1" latinLnBrk="0" hangingPunct="1">
+        <a:lnSpc>
+          <a:spcPct val="90000"/>
+        </a:lnSpc>
+        <a:spcBef>
+          <a:spcPts val="1000"/>
+        </a:spcBef>
+        <a:buFont typeface="Arial" panose="020B0604020202020204" pitchFamily="34" charset="0"/>
+        <a:buChar char="•"/>
+        <a:defRPr sz="2800" kern="1200">
+          <a:solidFill>
+            <a:schemeClr val="tx1"/>
+          </a:solidFill>
+          <a:latin typeface="+mn-lt"/>
+          <a:ea typeface="+mn-ea"/>
+          <a:cs typeface="+mn-cs"/>
+        </a:defRPr>
+      </a:lvl1pPr>
+      <a:lvl2pPr marL="685800" indent="-228600" algn="l" defTabSz="914400" rtl="0" eaLnBrk="1" latinLnBrk="0" hangingPunct="1">
+        <a:lnSpc>
+          <a:spcPct val="90000"/>
+        </a:lnSpc>
+        <a:spcBef>
+          <a:spcPts val="500"/>
+        </a:spcBef>
+        <a:buFont typeface="Arial" panose="020B0604020202020204" pitchFamily="34" charset="0"/>
+        <a:buChar char="•"/>
+        <a:defRPr sz="2400" kern="1200">
+          <a:solidFill>
+            <a:schemeClr val="tx1"/>
+          </a:solidFill>
+          <a:latin typeface="+mn-lt"/>
+          <a:ea typeface="+mn-ea"/>
+          <a:cs typeface="+mn-cs"/>
+        </a:defRPr>
+      </a:lvl2pPr>
+      <a:lvl3pPr marL="1143000" indent="-228600" algn="l" defTabSz="914400" rtl="0" eaLnBrk="1" latinLnBrk="0" hangingPunct="1">
+        <a:lnSpc>
+          <a:spcPct val="90000"/>
+        </a:lnSpc>
+        <a:spcBef>
+          <a:spcPts val="500"/>
+        </a:spcBef>
+        <a:buFont typeface="Arial" panose="020B0604020202020204" pitchFamily="34" charset="0"/>
+        <a:buChar char="•"/>
+        <a:defRPr sz="2000" kern="1200">
+          <a:solidFill>
+            <a:schemeClr val="tx1"/>
+          </a:solidFill>
+          <a:latin typeface="+mn-lt"/>
+          <a:ea typeface="+mn-ea"/>
+          <a:cs typeface="+mn-cs"/>
+        </a:defRPr>
+      </a:lvl3pPr>
+      <a:lvl4pPr marL="1600200" indent="-228600" algn="l" defTabSz="914400" rtl="0" eaLnBrk="1" latinLnBrk="0" hangingPunct="1">
+        <a:lnSpc>
+          <a:spcPct val="90000"/>
+        </a:lnSpc>
+        <a:spcBef>
+          <a:spcPts val="500"/>
+        </a:spcBef>
+        <a:buFont typeface="Arial" panose="020B0604020202020204" pitchFamily="34" charset="0"/>
+        <a:buChar char="•"/>
+        <a:defRPr sz="1800" kern="1200">
+          <a:solidFill>
+            <a:schemeClr val="tx1"/>
+          </a:solidFill>
+          <a:latin typeface="+mn-lt"/>
+          <a:ea typeface="+mn-ea"/>
+          <a:cs typeface="+mn-cs"/>
+        </a:defRPr>
+      </a:lvl4pPr>
+      <a:lvl5pPr marL="2057400" indent="-228600" algn="l" defTabSz="914400" rtl="0" eaLnBrk="1" latinLnBrk="0" hangingPunct="1">
+        <a:lnSpc>
+          <a:spcPct val="90000"/>
+        </a:lnSpc>
+        <a:spcBef>
+          <a:spcPts val="500"/>
+        </a:spcBef>
+        <a:buFont typeface="Arial" panose="020B0604020202020204" pitchFamily="34" charset="0"/>
+        <a:buChar char="•"/>
+        <a:defRPr sz="1800" kern="1200">
+          <a:solidFill>
+            <a:schemeClr val="tx1"/>
+          </a:solidFill>
+          <a:latin typeface="+mn-lt"/>
+          <a:ea typeface="+mn-ea"/>
+          <a:cs typeface="+mn-cs"/>
+        </a:defRPr>
+      </a:lvl5pPr>
+      <a:lvl6pPr marL="2514600" indent="-228600" algn="l" defTabSz="914400" rtl="0" eaLnBrk="1" latinLnBrk="0" hangingPunct="1">
+        <a:lnSpc>
+          <a:spcPct val="90000"/>
+        </a:lnSpc>
+        <a:spcBef>
+          <a:spcPts val="500"/>
+        </a:spcBef>
+        <a:buFont typeface="Arial" panose="020B0604020202020204" pitchFamily="34" charset="0"/>
+        <a:buChar char="•"/>
+        <a:defRPr sz="1800" kern="1200">
+          <a:solidFill>
+            <a:schemeClr val="tx1"/>
+          </a:solidFill>
+          <a:latin typeface="+mn-lt"/>
+          <a:ea typeface="+mn-ea"/>
+          <a:cs typeface="+mn-cs"/>
+        </a:defRPr>
+      </a:lvl6pPr>
+      <a:lvl7pPr marL="2971800" indent="-228600" algn="l" defTabSz="914400" rtl="0" eaLnBrk="1" latinLnBrk="0" hangingPunct="1">
+        <a:lnSpc>
+          <a:spcPct val="90000"/>
+        </a:lnSpc>
+        <a:spcBef>
+          <a:spcPts val="500"/>
+        </a:spcBef>
+        <a:buFont typeface="Arial" panose="020B0604020202020204" pitchFamily="34" charset="0"/>
+        <a:buChar char="•"/>
+        <a:defRPr sz="1800" kern="1200">
+          <a:solidFill>
+            <a:schemeClr val="tx1"/>
+          </a:solidFill>
+          <a:latin typeface="+mn-lt"/>
+          <a:ea typeface="+mn-ea"/>
+          <a:cs typeface="+mn-cs"/>
+        </a:defRPr>
+      </a:lvl7pPr>
+      <a:lvl8pPr marL="3429000" indent="-228600" algn="l" defTabSz="914400" rtl="0" eaLnBrk="1" latinLnBrk="0" hangingPunct="1">
+        <a:lnSpc>
+          <a:spcPct val="90000"/>
+        </a:lnSpc>
+        <a:spcBef>
+          <a:spcPts val="500"/>
+        </a:spcBef>
+        <a:buFont typeface="Arial" panose="020B0604020202020204" pitchFamily="34" charset="0"/>
+        <a:buChar char="•"/>
+        <a:defRPr sz="1800" kern="1200">
+          <a:solidFill>
+            <a:schemeClr val="tx1"/>
+          </a:solidFill>
+          <a:latin typeface="+mn-lt"/>
+          <a:ea typeface="+mn-ea"/>
+          <a:cs typeface="+mn-cs"/>
+        </a:defRPr>
+      </a:lvl8pPr>
+      <a:lvl9pPr marL="3886200" indent="-228600" algn="l" defTabSz="914400" rtl="0" eaLnBrk="1" latinLnBrk="0" hangingPunct="1">
+        <a:lnSpc>
+          <a:spcPct val="90000"/>
+        </a:lnSpc>
+        <a:spcBef>
+          <a:spcPts val="500"/>
+        </a:spcBef>
+        <a:buFont typeface="Arial" panose="020B0604020202020204" pitchFamily="34" charset="0"/>
+        <a:buChar char="•"/>
+        <a:defRPr sz="1800" kern="1200">
+          <a:solidFill>
+            <a:schemeClr val="tx1"/>
+          </a:solidFill>
+          <a:latin typeface="+mn-lt"/>
+          <a:ea typeface="+mn-ea"/>
+          <a:cs typeface="+mn-cs"/>
+        </a:defRPr>
+      </a:lvl9pPr>
+    </p:bodyStyle>
+    <p:otherStyle>
+      <a:defPPr>
+        <a:defRPr lang="id-ID"/>
+      </a:defPPr>
+      <a:lvl1pPr marL="0" algn="l" defTabSz="914400" rtl="0" eaLnBrk="1" latinLnBrk="0" hangingPunct="1">
+        <a:defRPr sz="1800" kern="1200">
+          <a:solidFill>
+            <a:schemeClr val="tx1"/>
+          </a:solidFill>
+          <a:latin typeface="+mn-lt"/>
+          <a:ea typeface="+mn-ea"/>
+          <a:cs typeface="+mn-cs"/>
+        </a:defRPr>
+      </a:lvl1pPr>
+      <a:lvl2pPr marL="457200" algn="l" defTabSz="914400" rtl="0" eaLnBrk="1" latinLnBrk="0" hangingPunct="1">
+        <a:defRPr sz="1800" kern="1200">
+          <a:solidFill>
+            <a:schemeClr val="tx1"/>
+          </a:solidFill>
+          <a:latin typeface="+mn-lt"/>
+          <a:ea typeface="+mn-ea"/>
+          <a:cs typeface="+mn-cs"/>
+        </a:defRPr>
+      </a:lvl2pPr>
+      <a:lvl3pPr marL="914400" algn="l" defTabSz="914400" rtl="0" eaLnBrk="1" latinLnBrk="0" hangingPunct="1">
+        <a:defRPr sz="1800" kern="1200">
+          <a:solidFill>
+            <a:schemeClr val="tx1"/>
+          </a:solidFill>
+          <a:latin typeface="+mn-lt"/>
+          <a:ea typeface="+mn-ea"/>
+          <a:cs typeface="+mn-cs"/>
+        </a:defRPr>
+      </a:lvl3pPr>
+      <a:lvl4pPr marL="1371600" algn="l" defTabSz="914400" rtl="0" eaLnBrk="1" latinLnBrk="0" hangingPunct="1">
+        <a:defRPr sz="1800" kern="1200">
+          <a:solidFill>
+            <a:schemeClr val="tx1"/>
+          </a:solidFill>
+          <a:latin typeface="+mn-lt"/>
+          <a:ea typeface="+mn-ea"/>
+          <a:cs typeface="+mn-cs"/>
+        </a:defRPr>
+      </a:lvl4pPr>
+      <a:lvl5pPr marL="1828800" algn="l" defTabSz="914400" rtl="0" eaLnBrk="1" latinLnBrk="0" hangingPunct="1">
+        <a:defRPr sz="1800" kern="1200">
+          <a:solidFill>
+            <a:schemeClr val="tx1"/>
+          </a:solidFill>
+          <a:latin typeface="+mn-lt"/>
+          <a:ea typeface="+mn-ea"/>
+          <a:cs typeface="+mn-cs"/>
+        </a:defRPr>
+      </a:lvl5pPr>
+      <a:lvl6pPr marL="2286000" algn="l" defTabSz="914400" rtl="0" eaLnBrk="1" latinLnBrk="0" hangingPunct="1">
+        <a:defRPr sz="1800" kern="1200">
+          <a:solidFill>
+            <a:schemeClr val="tx1"/>
+          </a:solidFill>
+          <a:latin typeface="+mn-lt"/>
+          <a:ea typeface="+mn-ea"/>
+          <a:cs typeface="+mn-cs"/>
+        </a:defRPr>
+      </a:lvl6pPr>
+      <a:lvl7pPr marL="2743200" algn="l" defTabSz="914400" rtl="0" eaLnBrk="1" latinLnBrk="0" hangingPunct="1">
+        <a:defRPr sz="1800" kern="1200">
+          <a:solidFill>
+            <a:schemeClr val="tx1"/>
+          </a:solidFill>
+          <a:latin typeface="+mn-lt"/>
+          <a:ea typeface="+mn-ea"/>
+          <a:cs typeface="+mn-cs"/>
+        </a:defRPr>
+      </a:lvl7pPr>
+      <a:lvl8pPr marL="3200400" algn="l" defTabSz="914400" rtl="0" eaLnBrk="1" latinLnBrk="0" hangingPunct="1">
+        <a:defRPr sz="1800" kern="1200">
+          <a:solidFill>
+            <a:schemeClr val="tx1"/>
+          </a:solidFill>
+          <a:latin typeface="+mn-lt"/>
+          <a:ea typeface="+mn-ea"/>
+          <a:cs typeface="+mn-cs"/>
+        </a:defRPr>
+      </a:lvl8pPr>
+      <a:lvl9pPr marL="3657600" algn="l" defTabSz="914400" rtl="0" eaLnBrk="1" latinLnBrk="0" hangingPunct="1">
+        <a:defRPr sz="1800" kern="1200">
+          <a:solidFill>
+            <a:schemeClr val="tx1"/>
+          </a:solidFill>
+          <a:latin typeface="+mn-lt"/>
+          <a:ea typeface="+mn-ea"/>
+          <a:cs typeface="+mn-cs"/>
+        </a:defRPr>
+      </a:lvl9pPr>
+    </p:otherStyle>
+  </p:txStyles>
 </p:sldMaster>
 </file>
 
 <file path=ppt/slideMasters/slideMaster2.xml><?xml version="1.0" encoding="utf-8"?>
-<p:sldMaster xmlns:a="http://schemas.openxmlformats.org/drawingml/2006/main" xmlns:p="http://schemas.openxmlformats.org/presentationml/2006/main" xmlns:r="http://schemas.openxmlformats.org/officeDocument/2006/relationships" xmlns:p14="http://schemas.microsoft.com/office/powerpoint/2010/main" xmlns:p15="http://schemas.microsoft.com/office/powerpoint/2012/main" xmlns:mc="http://schemas.openxmlformats.org/markup-compatibility/2006">
+<p:sldMaster xmlns:a="http://schemas.openxmlformats.org/drawingml/2006/main" xmlns:r="http://schemas.openxmlformats.org/officeDocument/2006/relationships" xmlns:p="http://schemas.openxmlformats.org/presentationml/2006/main">
   <p:cSld>
     <p:bg>
       <p:bgPr>
         <a:solidFill>
-          <a:srgbClr val="f5f5f5"/>
+          <a:srgbClr val="F5F5F5"/>
         </a:solidFill>
+        <a:effectLst/>
       </p:bgPr>
     </p:bg>
     <p:spTree>
@@ -5236,6 +5806,7 @@
             <a:avLst/>
             <a:gdLst/>
             <a:ahLst/>
+            <a:cxnLst/>
             <a:rect l="l" t="t" r="r" b="b"/>
             <a:pathLst>
               <a:path w="1799" h="3612">
@@ -5416,9 +5987,15 @@
           </a:ln>
         </p:spPr>
         <p:style>
-          <a:lnRef idx="0"/>
-          <a:fillRef idx="0"/>
-          <a:effectRef idx="0"/>
+          <a:lnRef idx="0">
+            <a:scrgbClr r="0" g="0" b="0"/>
+          </a:lnRef>
+          <a:fillRef idx="0">
+            <a:scrgbClr r="0" g="0" b="0"/>
+          </a:fillRef>
+          <a:effectRef idx="0">
+            <a:scrgbClr r="0" g="0" b="0"/>
+          </a:effectRef>
           <a:fontRef idx="minor"/>
         </p:style>
       </p:sp>
@@ -5480,6 +6057,7 @@
         </p:spPr>
         <p:txBody>
           <a:bodyPr/>
+          <a:lstStyle/>
           <a:p>
             <a:pPr algn="r">
               <a:lnSpc>
@@ -5487,7 +6065,7 @@
               </a:lnSpc>
             </a:pPr>
             <a:r>
-              <a:rPr b="0" i="1" lang="en-US" sz="5000" spc="-1" strike="noStrike">
+              <a:rPr lang="en-US" sz="5000" b="0" i="1" strike="noStrike" spc="-1">
                 <a:solidFill>
                   <a:srgbClr val="262626"/>
                 </a:solidFill>
@@ -5495,7 +6073,7 @@
               </a:rPr>
               <a:t>Click to edit Master title style</a:t>
             </a:r>
-            <a:endParaRPr b="0" lang="en-US" sz="5000" spc="-1" strike="noStrike">
+            <a:endParaRPr lang="en-US" sz="5000" b="0" strike="noStrike" spc="-1">
               <a:solidFill>
                 <a:srgbClr val="000000"/>
               </a:solidFill>
@@ -5525,6 +6103,7 @@
         </p:spPr>
         <p:txBody>
           <a:bodyPr/>
+          <a:lstStyle/>
           <a:p>
             <a:pPr marL="283320" indent="-282960">
               <a:lnSpc>
@@ -5540,7 +6119,7 @@
               <a:buChar char="•"/>
             </a:pPr>
             <a:r>
-              <a:rPr b="0" lang="en-US" sz="2000" spc="-1" strike="noStrike">
+              <a:rPr lang="en-US" sz="2000" b="0" strike="noStrike" spc="-1">
                 <a:solidFill>
                   <a:srgbClr val="262626"/>
                 </a:solidFill>
@@ -5548,15 +6127,9 @@
               </a:rPr>
               <a:t>Edit Master text styles</a:t>
             </a:r>
-            <a:endParaRPr b="0" lang="en-US" sz="2000" spc="-1" strike="noStrike">
-              <a:solidFill>
-                <a:srgbClr val="262626"/>
-              </a:solidFill>
-              <a:latin typeface="Corbel"/>
-            </a:endParaRPr>
-          </a:p>
-          <a:p>
-            <a:pPr lvl="1" marL="685800" indent="-282960">
+          </a:p>
+          <a:p>
+            <a:pPr marL="685800" lvl="1" indent="-282960">
               <a:lnSpc>
                 <a:spcPct val="112000"/>
               </a:lnSpc>
@@ -5570,7 +6143,7 @@
               <a:buChar char="–"/>
             </a:pPr>
             <a:r>
-              <a:rPr b="0" lang="en-US" sz="1800" spc="-1" strike="noStrike">
+              <a:rPr lang="en-US" sz="1800" b="0" strike="noStrike" spc="-1">
                 <a:solidFill>
                   <a:srgbClr val="262626"/>
                 </a:solidFill>
@@ -5578,15 +6151,9 @@
               </a:rPr>
               <a:t>Second level</a:t>
             </a:r>
-            <a:endParaRPr b="0" lang="en-US" sz="1800" spc="-1" strike="noStrike">
-              <a:solidFill>
-                <a:srgbClr val="262626"/>
-              </a:solidFill>
-              <a:latin typeface="Corbel"/>
-            </a:endParaRPr>
-          </a:p>
-          <a:p>
-            <a:pPr lvl="2" marL="1143000" indent="-282960">
+          </a:p>
+          <a:p>
+            <a:pPr marL="1143000" lvl="2" indent="-282960">
               <a:lnSpc>
                 <a:spcPct val="112000"/>
               </a:lnSpc>
@@ -5600,7 +6167,7 @@
               <a:buChar char="•"/>
             </a:pPr>
             <a:r>
-              <a:rPr b="0" lang="en-US" sz="1600" spc="-1" strike="noStrike">
+              <a:rPr lang="en-US" sz="1600" b="0" strike="noStrike" spc="-1">
                 <a:solidFill>
                   <a:srgbClr val="262626"/>
                 </a:solidFill>
@@ -5608,15 +6175,9 @@
               </a:rPr>
               <a:t>Third level</a:t>
             </a:r>
-            <a:endParaRPr b="0" lang="en-US" sz="1600" spc="-1" strike="noStrike">
-              <a:solidFill>
-                <a:srgbClr val="262626"/>
-              </a:solidFill>
-              <a:latin typeface="Corbel"/>
-            </a:endParaRPr>
-          </a:p>
-          <a:p>
-            <a:pPr lvl="3" marL="1600200" indent="-282960">
+          </a:p>
+          <a:p>
+            <a:pPr marL="1600200" lvl="3" indent="-282960">
               <a:lnSpc>
                 <a:spcPct val="112000"/>
               </a:lnSpc>
@@ -5630,7 +6191,7 @@
               <a:buChar char="–"/>
             </a:pPr>
             <a:r>
-              <a:rPr b="0" lang="en-US" sz="1400" spc="-1" strike="noStrike">
+              <a:rPr lang="en-US" sz="1400" b="0" strike="noStrike" spc="-1">
                 <a:solidFill>
                   <a:srgbClr val="262626"/>
                 </a:solidFill>
@@ -5638,15 +6199,15 @@
               </a:rPr>
               <a:t>Fourth level</a:t>
             </a:r>
-            <a:endParaRPr b="0" i="1" lang="en-US" sz="1400" spc="-1" strike="noStrike">
-              <a:solidFill>
-                <a:srgbClr val="262626"/>
-              </a:solidFill>
-              <a:latin typeface="Corbel"/>
-            </a:endParaRPr>
-          </a:p>
-          <a:p>
-            <a:pPr lvl="4" marL="2057400" indent="-282960">
+            <a:endParaRPr lang="en-US" sz="1400" b="0" i="1" strike="noStrike" spc="-1">
+              <a:solidFill>
+                <a:srgbClr val="262626"/>
+              </a:solidFill>
+              <a:latin typeface="Corbel"/>
+            </a:endParaRPr>
+          </a:p>
+          <a:p>
+            <a:pPr marL="2057400" lvl="4" indent="-282960">
               <a:lnSpc>
                 <a:spcPct val="112000"/>
               </a:lnSpc>
@@ -5660,7 +6221,7 @@
               <a:buChar char="•"/>
             </a:pPr>
             <a:r>
-              <a:rPr b="0" i="1" lang="en-US" sz="1400" spc="-1" strike="noStrike">
+              <a:rPr lang="en-US" sz="1400" b="0" i="1" strike="noStrike" spc="-1">
                 <a:solidFill>
                   <a:srgbClr val="262626"/>
                 </a:solidFill>
@@ -5668,12 +6229,6 @@
               </a:rPr>
               <a:t>Fifth level</a:t>
             </a:r>
-            <a:endParaRPr b="0" i="1" lang="en-US" sz="1400" spc="-1" strike="noStrike">
-              <a:solidFill>
-                <a:srgbClr val="262626"/>
-              </a:solidFill>
-              <a:latin typeface="Corbel"/>
-            </a:endParaRPr>
           </a:p>
         </p:txBody>
       </p:sp>
@@ -5698,6 +6253,7 @@
         </p:spPr>
         <p:txBody>
           <a:bodyPr/>
+          <a:lstStyle/>
           <a:p>
             <a:pPr algn="r">
               <a:lnSpc>
@@ -5705,15 +6261,15 @@
               </a:lnSpc>
             </a:pPr>
             <a:fld id="{D734B862-1AD1-4FF5-A00C-A2BD4D8C666B}" type="datetime">
-              <a:rPr b="0" i="1" lang="en-US" sz="1000" spc="-1" strike="noStrike">
+              <a:rPr lang="en-US" sz="1000" b="0" i="1" strike="noStrike" spc="-1">
                 <a:solidFill>
                   <a:srgbClr val="262626"/>
                 </a:solidFill>
                 <a:latin typeface="Century Schoolbook"/>
               </a:rPr>
-              <a:t>12/4/19</a:t>
+              <a:t>12/6/2019</a:t>
             </a:fld>
-            <a:endParaRPr b="0" lang="en-US" sz="1000" spc="-1" strike="noStrike">
+            <a:endParaRPr lang="en-US" sz="1000" b="0" strike="noStrike" spc="-1">
               <a:latin typeface="Times New Roman"/>
             </a:endParaRPr>
           </a:p>
@@ -5740,8 +6296,9 @@
         </p:spPr>
         <p:txBody>
           <a:bodyPr/>
-          <a:p>
-            <a:endParaRPr b="0" lang="en-US" sz="2400" spc="-1" strike="noStrike">
+          <a:lstStyle/>
+          <a:p>
+            <a:endParaRPr lang="en-US" sz="2400" b="0" strike="noStrike" spc="-1">
               <a:latin typeface="Times New Roman"/>
             </a:endParaRPr>
           </a:p>
@@ -5768,6 +6325,7 @@
         </p:spPr>
         <p:txBody>
           <a:bodyPr anchor="ctr"/>
+          <a:lstStyle/>
           <a:p>
             <a:pPr algn="r">
               <a:lnSpc>
@@ -5775,15 +6333,15 @@
               </a:lnSpc>
             </a:pPr>
             <a:fld id="{CA06DB5E-18E0-47D5-A52B-891E95A798E0}" type="slidenum">
-              <a:rPr b="0" i="1" lang="en-US" sz="1200" spc="-1" strike="noStrike">
-                <a:solidFill>
-                  <a:srgbClr val="f5f5f5"/>
+              <a:rPr lang="en-US" sz="1200" b="0" i="1" strike="noStrike" spc="-1">
+                <a:solidFill>
+                  <a:srgbClr val="F5F5F5"/>
                 </a:solidFill>
                 <a:latin typeface="Century Schoolbook"/>
               </a:rPr>
-              <a:t>1</a:t>
+              <a:t>‹#›</a:t>
             </a:fld>
-            <a:endParaRPr b="0" lang="en-US" sz="1200" spc="-1" strike="noStrike">
+            <a:endParaRPr lang="en-US" sz="1200" b="0" strike="noStrike" spc="-1">
               <a:latin typeface="Times New Roman"/>
             </a:endParaRPr>
           </a:p>
@@ -5791,32 +6349,313 @@
       </p:sp>
     </p:spTree>
   </p:cSld>
-  <p:clrMap bg1="lt1" bg2="lt2" tx1="dk1" tx2="dk2" accent1="accent1" accent2="accent2" accent3="accent3" accent4="accent4" accent5="accent5" accent6="accent6" hlink="hlink" folHlink="folHlink"/>
+  <p:clrMap bg1="lt1" tx1="dk1" bg2="lt2" tx2="dk2" accent1="accent1" accent2="accent2" accent3="accent3" accent4="accent4" accent5="accent5" accent6="accent6" hlink="hlink" folHlink="folHlink"/>
   <p:sldLayoutIdLst>
-    <p:sldLayoutId id="2147483662" r:id="rId2"/>
-    <p:sldLayoutId id="2147483663" r:id="rId3"/>
-    <p:sldLayoutId id="2147483664" r:id="rId4"/>
-    <p:sldLayoutId id="2147483665" r:id="rId5"/>
-    <p:sldLayoutId id="2147483666" r:id="rId6"/>
-    <p:sldLayoutId id="2147483667" r:id="rId7"/>
-    <p:sldLayoutId id="2147483668" r:id="rId8"/>
-    <p:sldLayoutId id="2147483669" r:id="rId9"/>
-    <p:sldLayoutId id="2147483670" r:id="rId10"/>
-    <p:sldLayoutId id="2147483671" r:id="rId11"/>
-    <p:sldLayoutId id="2147483672" r:id="rId12"/>
-    <p:sldLayoutId id="2147483673" r:id="rId13"/>
+    <p:sldLayoutId id="2147483662" r:id="rId1"/>
+    <p:sldLayoutId id="2147483663" r:id="rId2"/>
+    <p:sldLayoutId id="2147483664" r:id="rId3"/>
+    <p:sldLayoutId id="2147483665" r:id="rId4"/>
+    <p:sldLayoutId id="2147483666" r:id="rId5"/>
+    <p:sldLayoutId id="2147483667" r:id="rId6"/>
+    <p:sldLayoutId id="2147483668" r:id="rId7"/>
+    <p:sldLayoutId id="2147483669" r:id="rId8"/>
+    <p:sldLayoutId id="2147483670" r:id="rId9"/>
+    <p:sldLayoutId id="2147483671" r:id="rId10"/>
+    <p:sldLayoutId id="2147483672" r:id="rId11"/>
+    <p:sldLayoutId id="2147483673" r:id="rId12"/>
   </p:sldLayoutIdLst>
+  <p:txStyles>
+    <p:titleStyle>
+      <a:lvl1pPr algn="l" defTabSz="914400" rtl="0" eaLnBrk="1" latinLnBrk="0" hangingPunct="1">
+        <a:lnSpc>
+          <a:spcPct val="90000"/>
+        </a:lnSpc>
+        <a:spcBef>
+          <a:spcPct val="0"/>
+        </a:spcBef>
+        <a:buNone/>
+        <a:defRPr sz="4400" kern="1200">
+          <a:solidFill>
+            <a:schemeClr val="tx1"/>
+          </a:solidFill>
+          <a:latin typeface="+mj-lt"/>
+          <a:ea typeface="+mj-ea"/>
+          <a:cs typeface="+mj-cs"/>
+        </a:defRPr>
+      </a:lvl1pPr>
+    </p:titleStyle>
+    <p:bodyStyle>
+      <a:lvl1pPr marL="228600" indent="-228600" algn="l" defTabSz="914400" rtl="0" eaLnBrk="1" latinLnBrk="0" hangingPunct="1">
+        <a:lnSpc>
+          <a:spcPct val="90000"/>
+        </a:lnSpc>
+        <a:spcBef>
+          <a:spcPts val="1000"/>
+        </a:spcBef>
+        <a:buFont typeface="Arial" panose="020B0604020202020204" pitchFamily="34" charset="0"/>
+        <a:buChar char="•"/>
+        <a:defRPr sz="2800" kern="1200">
+          <a:solidFill>
+            <a:schemeClr val="tx1"/>
+          </a:solidFill>
+          <a:latin typeface="+mn-lt"/>
+          <a:ea typeface="+mn-ea"/>
+          <a:cs typeface="+mn-cs"/>
+        </a:defRPr>
+      </a:lvl1pPr>
+      <a:lvl2pPr marL="685800" indent="-228600" algn="l" defTabSz="914400" rtl="0" eaLnBrk="1" latinLnBrk="0" hangingPunct="1">
+        <a:lnSpc>
+          <a:spcPct val="90000"/>
+        </a:lnSpc>
+        <a:spcBef>
+          <a:spcPts val="500"/>
+        </a:spcBef>
+        <a:buFont typeface="Arial" panose="020B0604020202020204" pitchFamily="34" charset="0"/>
+        <a:buChar char="•"/>
+        <a:defRPr sz="2400" kern="1200">
+          <a:solidFill>
+            <a:schemeClr val="tx1"/>
+          </a:solidFill>
+          <a:latin typeface="+mn-lt"/>
+          <a:ea typeface="+mn-ea"/>
+          <a:cs typeface="+mn-cs"/>
+        </a:defRPr>
+      </a:lvl2pPr>
+      <a:lvl3pPr marL="1143000" indent="-228600" algn="l" defTabSz="914400" rtl="0" eaLnBrk="1" latinLnBrk="0" hangingPunct="1">
+        <a:lnSpc>
+          <a:spcPct val="90000"/>
+        </a:lnSpc>
+        <a:spcBef>
+          <a:spcPts val="500"/>
+        </a:spcBef>
+        <a:buFont typeface="Arial" panose="020B0604020202020204" pitchFamily="34" charset="0"/>
+        <a:buChar char="•"/>
+        <a:defRPr sz="2000" kern="1200">
+          <a:solidFill>
+            <a:schemeClr val="tx1"/>
+          </a:solidFill>
+          <a:latin typeface="+mn-lt"/>
+          <a:ea typeface="+mn-ea"/>
+          <a:cs typeface="+mn-cs"/>
+        </a:defRPr>
+      </a:lvl3pPr>
+      <a:lvl4pPr marL="1600200" indent="-228600" algn="l" defTabSz="914400" rtl="0" eaLnBrk="1" latinLnBrk="0" hangingPunct="1">
+        <a:lnSpc>
+          <a:spcPct val="90000"/>
+        </a:lnSpc>
+        <a:spcBef>
+          <a:spcPts val="500"/>
+        </a:spcBef>
+        <a:buFont typeface="Arial" panose="020B0604020202020204" pitchFamily="34" charset="0"/>
+        <a:buChar char="•"/>
+        <a:defRPr sz="1800" kern="1200">
+          <a:solidFill>
+            <a:schemeClr val="tx1"/>
+          </a:solidFill>
+          <a:latin typeface="+mn-lt"/>
+          <a:ea typeface="+mn-ea"/>
+          <a:cs typeface="+mn-cs"/>
+        </a:defRPr>
+      </a:lvl4pPr>
+      <a:lvl5pPr marL="2057400" indent="-228600" algn="l" defTabSz="914400" rtl="0" eaLnBrk="1" latinLnBrk="0" hangingPunct="1">
+        <a:lnSpc>
+          <a:spcPct val="90000"/>
+        </a:lnSpc>
+        <a:spcBef>
+          <a:spcPts val="500"/>
+        </a:spcBef>
+        <a:buFont typeface="Arial" panose="020B0604020202020204" pitchFamily="34" charset="0"/>
+        <a:buChar char="•"/>
+        <a:defRPr sz="1800" kern="1200">
+          <a:solidFill>
+            <a:schemeClr val="tx1"/>
+          </a:solidFill>
+          <a:latin typeface="+mn-lt"/>
+          <a:ea typeface="+mn-ea"/>
+          <a:cs typeface="+mn-cs"/>
+        </a:defRPr>
+      </a:lvl5pPr>
+      <a:lvl6pPr marL="2514600" indent="-228600" algn="l" defTabSz="914400" rtl="0" eaLnBrk="1" latinLnBrk="0" hangingPunct="1">
+        <a:lnSpc>
+          <a:spcPct val="90000"/>
+        </a:lnSpc>
+        <a:spcBef>
+          <a:spcPts val="500"/>
+        </a:spcBef>
+        <a:buFont typeface="Arial" panose="020B0604020202020204" pitchFamily="34" charset="0"/>
+        <a:buChar char="•"/>
+        <a:defRPr sz="1800" kern="1200">
+          <a:solidFill>
+            <a:schemeClr val="tx1"/>
+          </a:solidFill>
+          <a:latin typeface="+mn-lt"/>
+          <a:ea typeface="+mn-ea"/>
+          <a:cs typeface="+mn-cs"/>
+        </a:defRPr>
+      </a:lvl6pPr>
+      <a:lvl7pPr marL="2971800" indent="-228600" algn="l" defTabSz="914400" rtl="0" eaLnBrk="1" latinLnBrk="0" hangingPunct="1">
+        <a:lnSpc>
+          <a:spcPct val="90000"/>
+        </a:lnSpc>
+        <a:spcBef>
+          <a:spcPts val="500"/>
+        </a:spcBef>
+        <a:buFont typeface="Arial" panose="020B0604020202020204" pitchFamily="34" charset="0"/>
+        <a:buChar char="•"/>
+        <a:defRPr sz="1800" kern="1200">
+          <a:solidFill>
+            <a:schemeClr val="tx1"/>
+          </a:solidFill>
+          <a:latin typeface="+mn-lt"/>
+          <a:ea typeface="+mn-ea"/>
+          <a:cs typeface="+mn-cs"/>
+        </a:defRPr>
+      </a:lvl7pPr>
+      <a:lvl8pPr marL="3429000" indent="-228600" algn="l" defTabSz="914400" rtl="0" eaLnBrk="1" latinLnBrk="0" hangingPunct="1">
+        <a:lnSpc>
+          <a:spcPct val="90000"/>
+        </a:lnSpc>
+        <a:spcBef>
+          <a:spcPts val="500"/>
+        </a:spcBef>
+        <a:buFont typeface="Arial" panose="020B0604020202020204" pitchFamily="34" charset="0"/>
+        <a:buChar char="•"/>
+        <a:defRPr sz="1800" kern="1200">
+          <a:solidFill>
+            <a:schemeClr val="tx1"/>
+          </a:solidFill>
+          <a:latin typeface="+mn-lt"/>
+          <a:ea typeface="+mn-ea"/>
+          <a:cs typeface="+mn-cs"/>
+        </a:defRPr>
+      </a:lvl8pPr>
+      <a:lvl9pPr marL="3886200" indent="-228600" algn="l" defTabSz="914400" rtl="0" eaLnBrk="1" latinLnBrk="0" hangingPunct="1">
+        <a:lnSpc>
+          <a:spcPct val="90000"/>
+        </a:lnSpc>
+        <a:spcBef>
+          <a:spcPts val="500"/>
+        </a:spcBef>
+        <a:buFont typeface="Arial" panose="020B0604020202020204" pitchFamily="34" charset="0"/>
+        <a:buChar char="•"/>
+        <a:defRPr sz="1800" kern="1200">
+          <a:solidFill>
+            <a:schemeClr val="tx1"/>
+          </a:solidFill>
+          <a:latin typeface="+mn-lt"/>
+          <a:ea typeface="+mn-ea"/>
+          <a:cs typeface="+mn-cs"/>
+        </a:defRPr>
+      </a:lvl9pPr>
+    </p:bodyStyle>
+    <p:otherStyle>
+      <a:defPPr>
+        <a:defRPr lang="id-ID"/>
+      </a:defPPr>
+      <a:lvl1pPr marL="0" algn="l" defTabSz="914400" rtl="0" eaLnBrk="1" latinLnBrk="0" hangingPunct="1">
+        <a:defRPr sz="1800" kern="1200">
+          <a:solidFill>
+            <a:schemeClr val="tx1"/>
+          </a:solidFill>
+          <a:latin typeface="+mn-lt"/>
+          <a:ea typeface="+mn-ea"/>
+          <a:cs typeface="+mn-cs"/>
+        </a:defRPr>
+      </a:lvl1pPr>
+      <a:lvl2pPr marL="457200" algn="l" defTabSz="914400" rtl="0" eaLnBrk="1" latinLnBrk="0" hangingPunct="1">
+        <a:defRPr sz="1800" kern="1200">
+          <a:solidFill>
+            <a:schemeClr val="tx1"/>
+          </a:solidFill>
+          <a:latin typeface="+mn-lt"/>
+          <a:ea typeface="+mn-ea"/>
+          <a:cs typeface="+mn-cs"/>
+        </a:defRPr>
+      </a:lvl2pPr>
+      <a:lvl3pPr marL="914400" algn="l" defTabSz="914400" rtl="0" eaLnBrk="1" latinLnBrk="0" hangingPunct="1">
+        <a:defRPr sz="1800" kern="1200">
+          <a:solidFill>
+            <a:schemeClr val="tx1"/>
+          </a:solidFill>
+          <a:latin typeface="+mn-lt"/>
+          <a:ea typeface="+mn-ea"/>
+          <a:cs typeface="+mn-cs"/>
+        </a:defRPr>
+      </a:lvl3pPr>
+      <a:lvl4pPr marL="1371600" algn="l" defTabSz="914400" rtl="0" eaLnBrk="1" latinLnBrk="0" hangingPunct="1">
+        <a:defRPr sz="1800" kern="1200">
+          <a:solidFill>
+            <a:schemeClr val="tx1"/>
+          </a:solidFill>
+          <a:latin typeface="+mn-lt"/>
+          <a:ea typeface="+mn-ea"/>
+          <a:cs typeface="+mn-cs"/>
+        </a:defRPr>
+      </a:lvl4pPr>
+      <a:lvl5pPr marL="1828800" algn="l" defTabSz="914400" rtl="0" eaLnBrk="1" latinLnBrk="0" hangingPunct="1">
+        <a:defRPr sz="1800" kern="1200">
+          <a:solidFill>
+            <a:schemeClr val="tx1"/>
+          </a:solidFill>
+          <a:latin typeface="+mn-lt"/>
+          <a:ea typeface="+mn-ea"/>
+          <a:cs typeface="+mn-cs"/>
+        </a:defRPr>
+      </a:lvl5pPr>
+      <a:lvl6pPr marL="2286000" algn="l" defTabSz="914400" rtl="0" eaLnBrk="1" latinLnBrk="0" hangingPunct="1">
+        <a:defRPr sz="1800" kern="1200">
+          <a:solidFill>
+            <a:schemeClr val="tx1"/>
+          </a:solidFill>
+          <a:latin typeface="+mn-lt"/>
+          <a:ea typeface="+mn-ea"/>
+          <a:cs typeface="+mn-cs"/>
+        </a:defRPr>
+      </a:lvl6pPr>
+      <a:lvl7pPr marL="2743200" algn="l" defTabSz="914400" rtl="0" eaLnBrk="1" latinLnBrk="0" hangingPunct="1">
+        <a:defRPr sz="1800" kern="1200">
+          <a:solidFill>
+            <a:schemeClr val="tx1"/>
+          </a:solidFill>
+          <a:latin typeface="+mn-lt"/>
+          <a:ea typeface="+mn-ea"/>
+          <a:cs typeface="+mn-cs"/>
+        </a:defRPr>
+      </a:lvl7pPr>
+      <a:lvl8pPr marL="3200400" algn="l" defTabSz="914400" rtl="0" eaLnBrk="1" latinLnBrk="0" hangingPunct="1">
+        <a:defRPr sz="1800" kern="1200">
+          <a:solidFill>
+            <a:schemeClr val="tx1"/>
+          </a:solidFill>
+          <a:latin typeface="+mn-lt"/>
+          <a:ea typeface="+mn-ea"/>
+          <a:cs typeface="+mn-cs"/>
+        </a:defRPr>
+      </a:lvl8pPr>
+      <a:lvl9pPr marL="3657600" algn="l" defTabSz="914400" rtl="0" eaLnBrk="1" latinLnBrk="0" hangingPunct="1">
+        <a:defRPr sz="1800" kern="1200">
+          <a:solidFill>
+            <a:schemeClr val="tx1"/>
+          </a:solidFill>
+          <a:latin typeface="+mn-lt"/>
+          <a:ea typeface="+mn-ea"/>
+          <a:cs typeface="+mn-cs"/>
+        </a:defRPr>
+      </a:lvl9pPr>
+    </p:otherStyle>
+  </p:txStyles>
 </p:sldMaster>
 </file>
 
 <file path=ppt/slideMasters/slideMaster3.xml><?xml version="1.0" encoding="utf-8"?>
-<p:sldMaster xmlns:a="http://schemas.openxmlformats.org/drawingml/2006/main" xmlns:p="http://schemas.openxmlformats.org/presentationml/2006/main" xmlns:r="http://schemas.openxmlformats.org/officeDocument/2006/relationships" xmlns:p14="http://schemas.microsoft.com/office/powerpoint/2010/main" xmlns:p15="http://schemas.microsoft.com/office/powerpoint/2012/main" xmlns:mc="http://schemas.openxmlformats.org/markup-compatibility/2006">
+<p:sldMaster xmlns:a="http://schemas.openxmlformats.org/drawingml/2006/main" xmlns:r="http://schemas.openxmlformats.org/officeDocument/2006/relationships" xmlns:p="http://schemas.openxmlformats.org/presentationml/2006/main">
   <p:cSld>
     <p:bg>
       <p:bgPr>
         <a:solidFill>
-          <a:srgbClr val="f5f5f5"/>
+          <a:srgbClr val="F5F5F5"/>
         </a:solidFill>
+        <a:effectLst/>
       </p:bgPr>
     </p:bg>
     <p:spTree>
@@ -5848,6 +6687,7 @@
             <a:avLst/>
             <a:gdLst/>
             <a:ahLst/>
+            <a:cxnLst/>
             <a:rect l="l" t="t" r="r" b="b"/>
             <a:pathLst>
               <a:path w="1799" h="3612">
@@ -6028,9 +6868,15 @@
           </a:ln>
         </p:spPr>
         <p:style>
-          <a:lnRef idx="0"/>
-          <a:fillRef idx="0"/>
-          <a:effectRef idx="0"/>
+          <a:lnRef idx="0">
+            <a:scrgbClr r="0" g="0" b="0"/>
+          </a:lnRef>
+          <a:fillRef idx="0">
+            <a:scrgbClr r="0" g="0" b="0"/>
+          </a:fillRef>
+          <a:effectRef idx="0">
+            <a:scrgbClr r="0" g="0" b="0"/>
+          </a:effectRef>
           <a:fontRef idx="minor"/>
         </p:style>
       </p:sp>
@@ -6092,6 +6938,7 @@
         </p:spPr>
         <p:txBody>
           <a:bodyPr/>
+          <a:lstStyle/>
           <a:p>
             <a:pPr algn="r">
               <a:lnSpc>
@@ -6099,33 +6946,15 @@
               </a:lnSpc>
             </a:pPr>
             <a:r>
-              <a:rPr b="0" i="1" lang="en-US" sz="5000" spc="-1" strike="noStrike">
+              <a:rPr lang="en-US" sz="5000" b="0" i="1" strike="noStrike" spc="-1">
                 <a:solidFill>
                   <a:srgbClr val="262626"/>
                 </a:solidFill>
                 <a:latin typeface="Century Schoolbook"/>
               </a:rPr>
-              <a:t>Click to </a:t>
-            </a:r>
-            <a:r>
-              <a:rPr b="0" i="1" lang="en-US" sz="5000" spc="-1" strike="noStrike">
-                <a:solidFill>
-                  <a:srgbClr val="262626"/>
-                </a:solidFill>
-                <a:latin typeface="Century Schoolbook"/>
-              </a:rPr>
-              <a:t>edit Master </a:t>
-            </a:r>
-            <a:r>
-              <a:rPr b="0" i="1" lang="en-US" sz="5000" spc="-1" strike="noStrike">
-                <a:solidFill>
-                  <a:srgbClr val="262626"/>
-                </a:solidFill>
-                <a:latin typeface="Century Schoolbook"/>
-              </a:rPr>
-              <a:t>title style</a:t>
-            </a:r>
-            <a:endParaRPr b="0" lang="en-US" sz="5000" spc="-1" strike="noStrike">
+              <a:t>Click to edit Master title style</a:t>
+            </a:r>
+            <a:endParaRPr lang="en-US" sz="5000" b="0" strike="noStrike" spc="-1">
               <a:solidFill>
                 <a:srgbClr val="000000"/>
               </a:solidFill>
@@ -6155,6 +6984,7 @@
         </p:spPr>
         <p:txBody>
           <a:bodyPr/>
+          <a:lstStyle/>
           <a:p>
             <a:pPr algn="r">
               <a:lnSpc>
@@ -6162,15 +6992,15 @@
               </a:lnSpc>
             </a:pPr>
             <a:fld id="{A927FA53-52BE-4949-9D26-F9C297E6B7FF}" type="datetime">
-              <a:rPr b="0" i="1" lang="en-US" sz="1000" spc="-1" strike="noStrike">
+              <a:rPr lang="en-US" sz="1000" b="0" i="1" strike="noStrike" spc="-1">
                 <a:solidFill>
                   <a:srgbClr val="262626"/>
                 </a:solidFill>
                 <a:latin typeface="Century Schoolbook"/>
               </a:rPr>
-              <a:t>12/4/19</a:t>
+              <a:t>12/6/2019</a:t>
             </a:fld>
-            <a:endParaRPr b="0" lang="en-US" sz="1000" spc="-1" strike="noStrike">
+            <a:endParaRPr lang="en-US" sz="1000" b="0" strike="noStrike" spc="-1">
               <a:latin typeface="Times New Roman"/>
             </a:endParaRPr>
           </a:p>
@@ -6197,8 +7027,9 @@
         </p:spPr>
         <p:txBody>
           <a:bodyPr/>
-          <a:p>
-            <a:endParaRPr b="0" lang="en-US" sz="2400" spc="-1" strike="noStrike">
+          <a:lstStyle/>
+          <a:p>
+            <a:endParaRPr lang="en-US" sz="2400" b="0" strike="noStrike" spc="-1">
               <a:latin typeface="Times New Roman"/>
             </a:endParaRPr>
           </a:p>
@@ -6225,6 +7056,7 @@
         </p:spPr>
         <p:txBody>
           <a:bodyPr anchor="ctr"/>
+          <a:lstStyle/>
           <a:p>
             <a:pPr algn="r">
               <a:lnSpc>
@@ -6232,15 +7064,15 @@
               </a:lnSpc>
             </a:pPr>
             <a:fld id="{901F1531-FB53-42A0-A33F-E8B330A8710E}" type="slidenum">
-              <a:rPr b="0" i="1" lang="en-US" sz="1200" spc="-1" strike="noStrike">
-                <a:solidFill>
-                  <a:srgbClr val="f5f5f5"/>
+              <a:rPr lang="en-US" sz="1200" b="0" i="1" strike="noStrike" spc="-1">
+                <a:solidFill>
+                  <a:srgbClr val="F5F5F5"/>
                 </a:solidFill>
                 <a:latin typeface="Century Schoolbook"/>
               </a:rPr>
-              <a:t>1</a:t>
+              <a:t>‹#›</a:t>
             </a:fld>
-            <a:endParaRPr b="0" lang="en-US" sz="1200" spc="-1" strike="noStrike">
+            <a:endParaRPr lang="en-US" sz="1200" b="0" strike="noStrike" spc="-1">
               <a:latin typeface="Times New Roman"/>
             </a:endParaRPr>
           </a:p>
@@ -6266,9 +7098,10 @@
           </a:prstGeom>
         </p:spPr>
         <p:txBody>
-          <a:bodyPr lIns="0" rIns="0" tIns="0" bIns="0">
+          <a:bodyPr lIns="0" tIns="0" rIns="0" bIns="0">
             <a:normAutofit/>
           </a:bodyPr>
+          <a:lstStyle/>
           <a:p>
             <a:pPr marL="432000" indent="-324000">
               <a:spcBef>
@@ -6282,7 +7115,7 @@
               <a:buChar char=""/>
             </a:pPr>
             <a:r>
-              <a:rPr b="0" lang="en-US" sz="2000" spc="-1" strike="noStrike">
+              <a:rPr lang="en-US" sz="2000" b="0" strike="noStrike" spc="-1">
                 <a:solidFill>
                   <a:srgbClr val="262626"/>
                 </a:solidFill>
@@ -6290,15 +7123,9 @@
               </a:rPr>
               <a:t>Click to edit the outline text format</a:t>
             </a:r>
-            <a:endParaRPr b="0" lang="en-US" sz="2000" spc="-1" strike="noStrike">
-              <a:solidFill>
-                <a:srgbClr val="262626"/>
-              </a:solidFill>
-              <a:latin typeface="Corbel"/>
-            </a:endParaRPr>
-          </a:p>
-          <a:p>
-            <a:pPr lvl="1" marL="864000" indent="-324000">
+          </a:p>
+          <a:p>
+            <a:pPr marL="864000" lvl="1" indent="-324000">
               <a:spcBef>
                 <a:spcPts val="1134"/>
               </a:spcBef>
@@ -6310,7 +7137,7 @@
               <a:buChar char=""/>
             </a:pPr>
             <a:r>
-              <a:rPr b="0" lang="en-US" sz="1600" spc="-1" strike="noStrike">
+              <a:rPr lang="en-US" sz="1600" b="0" strike="noStrike" spc="-1">
                 <a:solidFill>
                   <a:srgbClr val="262626"/>
                 </a:solidFill>
@@ -6318,15 +7145,9 @@
               </a:rPr>
               <a:t>Second Outline Level</a:t>
             </a:r>
-            <a:endParaRPr b="0" lang="en-US" sz="1600" spc="-1" strike="noStrike">
-              <a:solidFill>
-                <a:srgbClr val="262626"/>
-              </a:solidFill>
-              <a:latin typeface="Corbel"/>
-            </a:endParaRPr>
-          </a:p>
-          <a:p>
-            <a:pPr lvl="2" marL="1296000" indent="-288000">
+          </a:p>
+          <a:p>
+            <a:pPr marL="1296000" lvl="2" indent="-288000">
               <a:spcBef>
                 <a:spcPts val="850"/>
               </a:spcBef>
@@ -6338,7 +7159,7 @@
               <a:buChar char=""/>
             </a:pPr>
             <a:r>
-              <a:rPr b="0" lang="en-US" sz="1400" spc="-1" strike="noStrike">
+              <a:rPr lang="en-US" sz="1400" b="0" strike="noStrike" spc="-1">
                 <a:solidFill>
                   <a:srgbClr val="262626"/>
                 </a:solidFill>
@@ -6346,15 +7167,9 @@
               </a:rPr>
               <a:t>Third Outline Level</a:t>
             </a:r>
-            <a:endParaRPr b="0" lang="en-US" sz="1400" spc="-1" strike="noStrike">
-              <a:solidFill>
-                <a:srgbClr val="262626"/>
-              </a:solidFill>
-              <a:latin typeface="Corbel"/>
-            </a:endParaRPr>
-          </a:p>
-          <a:p>
-            <a:pPr lvl="3" marL="1728000" indent="-216000">
+          </a:p>
+          <a:p>
+            <a:pPr marL="1728000" lvl="3" indent="-216000">
               <a:spcBef>
                 <a:spcPts val="567"/>
               </a:spcBef>
@@ -6366,7 +7181,7 @@
               <a:buChar char=""/>
             </a:pPr>
             <a:r>
-              <a:rPr b="0" i="1" lang="en-US" sz="1400" spc="-1" strike="noStrike">
+              <a:rPr lang="en-US" sz="1400" b="0" i="1" strike="noStrike" spc="-1">
                 <a:solidFill>
                   <a:srgbClr val="262626"/>
                 </a:solidFill>
@@ -6374,15 +7189,9 @@
               </a:rPr>
               <a:t>Fourth Outline Level</a:t>
             </a:r>
-            <a:endParaRPr b="0" i="1" lang="en-US" sz="1400" spc="-1" strike="noStrike">
-              <a:solidFill>
-                <a:srgbClr val="262626"/>
-              </a:solidFill>
-              <a:latin typeface="Corbel"/>
-            </a:endParaRPr>
-          </a:p>
-          <a:p>
-            <a:pPr lvl="4" marL="2160000" indent="-216000">
+          </a:p>
+          <a:p>
+            <a:pPr marL="2160000" lvl="4" indent="-216000">
               <a:spcBef>
                 <a:spcPts val="283"/>
               </a:spcBef>
@@ -6394,7 +7203,7 @@
               <a:buChar char=""/>
             </a:pPr>
             <a:r>
-              <a:rPr b="0" i="1" lang="en-US" sz="2000" spc="-1" strike="noStrike">
+              <a:rPr lang="en-US" sz="2000" b="0" i="1" strike="noStrike" spc="-1">
                 <a:solidFill>
                   <a:srgbClr val="262626"/>
                 </a:solidFill>
@@ -6402,15 +7211,9 @@
               </a:rPr>
               <a:t>Fifth Outline Level</a:t>
             </a:r>
-            <a:endParaRPr b="0" i="1" lang="en-US" sz="2000" spc="-1" strike="noStrike">
-              <a:solidFill>
-                <a:srgbClr val="262626"/>
-              </a:solidFill>
-              <a:latin typeface="Corbel"/>
-            </a:endParaRPr>
-          </a:p>
-          <a:p>
-            <a:pPr lvl="5" marL="2592000" indent="-216000">
+          </a:p>
+          <a:p>
+            <a:pPr marL="2592000" lvl="5" indent="-216000">
               <a:spcBef>
                 <a:spcPts val="283"/>
               </a:spcBef>
@@ -6422,7 +7225,7 @@
               <a:buChar char=""/>
             </a:pPr>
             <a:r>
-              <a:rPr b="0" i="1" lang="en-US" sz="2000" spc="-1" strike="noStrike">
+              <a:rPr lang="en-US" sz="2000" b="0" i="1" strike="noStrike" spc="-1">
                 <a:solidFill>
                   <a:srgbClr val="262626"/>
                 </a:solidFill>
@@ -6430,15 +7233,9 @@
               </a:rPr>
               <a:t>Sixth Outline Level</a:t>
             </a:r>
-            <a:endParaRPr b="0" i="1" lang="en-US" sz="2000" spc="-1" strike="noStrike">
-              <a:solidFill>
-                <a:srgbClr val="262626"/>
-              </a:solidFill>
-              <a:latin typeface="Corbel"/>
-            </a:endParaRPr>
-          </a:p>
-          <a:p>
-            <a:pPr lvl="6" marL="3024000" indent="-216000">
+          </a:p>
+          <a:p>
+            <a:pPr marL="3024000" lvl="6" indent="-216000">
               <a:spcBef>
                 <a:spcPts val="283"/>
               </a:spcBef>
@@ -6450,7 +7247,7 @@
               <a:buChar char=""/>
             </a:pPr>
             <a:r>
-              <a:rPr b="0" i="1" lang="en-US" sz="2000" spc="-1" strike="noStrike">
+              <a:rPr lang="en-US" sz="2000" b="0" i="1" strike="noStrike" spc="-1">
                 <a:solidFill>
                   <a:srgbClr val="262626"/>
                 </a:solidFill>
@@ -6458,37 +7255,311 @@
               </a:rPr>
               <a:t>Seventh Outline Level</a:t>
             </a:r>
-            <a:endParaRPr b="0" i="1" lang="en-US" sz="2000" spc="-1" strike="noStrike">
-              <a:solidFill>
-                <a:srgbClr val="262626"/>
-              </a:solidFill>
-              <a:latin typeface="Corbel"/>
-            </a:endParaRPr>
           </a:p>
         </p:txBody>
       </p:sp>
     </p:spTree>
   </p:cSld>
-  <p:clrMap bg1="lt1" bg2="lt2" tx1="dk1" tx2="dk2" accent1="accent1" accent2="accent2" accent3="accent3" accent4="accent4" accent5="accent5" accent6="accent6" hlink="hlink" folHlink="folHlink"/>
+  <p:clrMap bg1="lt1" tx1="dk1" bg2="lt2" tx2="dk2" accent1="accent1" accent2="accent2" accent3="accent3" accent4="accent4" accent5="accent5" accent6="accent6" hlink="hlink" folHlink="folHlink"/>
   <p:sldLayoutIdLst>
-    <p:sldLayoutId id="2147483675" r:id="rId2"/>
-    <p:sldLayoutId id="2147483676" r:id="rId3"/>
-    <p:sldLayoutId id="2147483677" r:id="rId4"/>
-    <p:sldLayoutId id="2147483678" r:id="rId5"/>
-    <p:sldLayoutId id="2147483679" r:id="rId6"/>
-    <p:sldLayoutId id="2147483680" r:id="rId7"/>
-    <p:sldLayoutId id="2147483681" r:id="rId8"/>
-    <p:sldLayoutId id="2147483682" r:id="rId9"/>
-    <p:sldLayoutId id="2147483683" r:id="rId10"/>
-    <p:sldLayoutId id="2147483684" r:id="rId11"/>
-    <p:sldLayoutId id="2147483685" r:id="rId12"/>
-    <p:sldLayoutId id="2147483686" r:id="rId13"/>
+    <p:sldLayoutId id="2147483675" r:id="rId1"/>
+    <p:sldLayoutId id="2147483676" r:id="rId2"/>
+    <p:sldLayoutId id="2147483677" r:id="rId3"/>
+    <p:sldLayoutId id="2147483678" r:id="rId4"/>
+    <p:sldLayoutId id="2147483679" r:id="rId5"/>
+    <p:sldLayoutId id="2147483680" r:id="rId6"/>
+    <p:sldLayoutId id="2147483681" r:id="rId7"/>
+    <p:sldLayoutId id="2147483682" r:id="rId8"/>
+    <p:sldLayoutId id="2147483683" r:id="rId9"/>
+    <p:sldLayoutId id="2147483684" r:id="rId10"/>
+    <p:sldLayoutId id="2147483685" r:id="rId11"/>
+    <p:sldLayoutId id="2147483686" r:id="rId12"/>
   </p:sldLayoutIdLst>
+  <p:txStyles>
+    <p:titleStyle>
+      <a:lvl1pPr algn="l" defTabSz="914400" rtl="0" eaLnBrk="1" latinLnBrk="0" hangingPunct="1">
+        <a:lnSpc>
+          <a:spcPct val="90000"/>
+        </a:lnSpc>
+        <a:spcBef>
+          <a:spcPct val="0"/>
+        </a:spcBef>
+        <a:buNone/>
+        <a:defRPr sz="4400" kern="1200">
+          <a:solidFill>
+            <a:schemeClr val="tx1"/>
+          </a:solidFill>
+          <a:latin typeface="+mj-lt"/>
+          <a:ea typeface="+mj-ea"/>
+          <a:cs typeface="+mj-cs"/>
+        </a:defRPr>
+      </a:lvl1pPr>
+    </p:titleStyle>
+    <p:bodyStyle>
+      <a:lvl1pPr marL="228600" indent="-228600" algn="l" defTabSz="914400" rtl="0" eaLnBrk="1" latinLnBrk="0" hangingPunct="1">
+        <a:lnSpc>
+          <a:spcPct val="90000"/>
+        </a:lnSpc>
+        <a:spcBef>
+          <a:spcPts val="1000"/>
+        </a:spcBef>
+        <a:buFont typeface="Arial" panose="020B0604020202020204" pitchFamily="34" charset="0"/>
+        <a:buChar char="•"/>
+        <a:defRPr sz="2800" kern="1200">
+          <a:solidFill>
+            <a:schemeClr val="tx1"/>
+          </a:solidFill>
+          <a:latin typeface="+mn-lt"/>
+          <a:ea typeface="+mn-ea"/>
+          <a:cs typeface="+mn-cs"/>
+        </a:defRPr>
+      </a:lvl1pPr>
+      <a:lvl2pPr marL="685800" indent="-228600" algn="l" defTabSz="914400" rtl="0" eaLnBrk="1" latinLnBrk="0" hangingPunct="1">
+        <a:lnSpc>
+          <a:spcPct val="90000"/>
+        </a:lnSpc>
+        <a:spcBef>
+          <a:spcPts val="500"/>
+        </a:spcBef>
+        <a:buFont typeface="Arial" panose="020B0604020202020204" pitchFamily="34" charset="0"/>
+        <a:buChar char="•"/>
+        <a:defRPr sz="2400" kern="1200">
+          <a:solidFill>
+            <a:schemeClr val="tx1"/>
+          </a:solidFill>
+          <a:latin typeface="+mn-lt"/>
+          <a:ea typeface="+mn-ea"/>
+          <a:cs typeface="+mn-cs"/>
+        </a:defRPr>
+      </a:lvl2pPr>
+      <a:lvl3pPr marL="1143000" indent="-228600" algn="l" defTabSz="914400" rtl="0" eaLnBrk="1" latinLnBrk="0" hangingPunct="1">
+        <a:lnSpc>
+          <a:spcPct val="90000"/>
+        </a:lnSpc>
+        <a:spcBef>
+          <a:spcPts val="500"/>
+        </a:spcBef>
+        <a:buFont typeface="Arial" panose="020B0604020202020204" pitchFamily="34" charset="0"/>
+        <a:buChar char="•"/>
+        <a:defRPr sz="2000" kern="1200">
+          <a:solidFill>
+            <a:schemeClr val="tx1"/>
+          </a:solidFill>
+          <a:latin typeface="+mn-lt"/>
+          <a:ea typeface="+mn-ea"/>
+          <a:cs typeface="+mn-cs"/>
+        </a:defRPr>
+      </a:lvl3pPr>
+      <a:lvl4pPr marL="1600200" indent="-228600" algn="l" defTabSz="914400" rtl="0" eaLnBrk="1" latinLnBrk="0" hangingPunct="1">
+        <a:lnSpc>
+          <a:spcPct val="90000"/>
+        </a:lnSpc>
+        <a:spcBef>
+          <a:spcPts val="500"/>
+        </a:spcBef>
+        <a:buFont typeface="Arial" panose="020B0604020202020204" pitchFamily="34" charset="0"/>
+        <a:buChar char="•"/>
+        <a:defRPr sz="1800" kern="1200">
+          <a:solidFill>
+            <a:schemeClr val="tx1"/>
+          </a:solidFill>
+          <a:latin typeface="+mn-lt"/>
+          <a:ea typeface="+mn-ea"/>
+          <a:cs typeface="+mn-cs"/>
+        </a:defRPr>
+      </a:lvl4pPr>
+      <a:lvl5pPr marL="2057400" indent="-228600" algn="l" defTabSz="914400" rtl="0" eaLnBrk="1" latinLnBrk="0" hangingPunct="1">
+        <a:lnSpc>
+          <a:spcPct val="90000"/>
+        </a:lnSpc>
+        <a:spcBef>
+          <a:spcPts val="500"/>
+        </a:spcBef>
+        <a:buFont typeface="Arial" panose="020B0604020202020204" pitchFamily="34" charset="0"/>
+        <a:buChar char="•"/>
+        <a:defRPr sz="1800" kern="1200">
+          <a:solidFill>
+            <a:schemeClr val="tx1"/>
+          </a:solidFill>
+          <a:latin typeface="+mn-lt"/>
+          <a:ea typeface="+mn-ea"/>
+          <a:cs typeface="+mn-cs"/>
+        </a:defRPr>
+      </a:lvl5pPr>
+      <a:lvl6pPr marL="2514600" indent="-228600" algn="l" defTabSz="914400" rtl="0" eaLnBrk="1" latinLnBrk="0" hangingPunct="1">
+        <a:lnSpc>
+          <a:spcPct val="90000"/>
+        </a:lnSpc>
+        <a:spcBef>
+          <a:spcPts val="500"/>
+        </a:spcBef>
+        <a:buFont typeface="Arial" panose="020B0604020202020204" pitchFamily="34" charset="0"/>
+        <a:buChar char="•"/>
+        <a:defRPr sz="1800" kern="1200">
+          <a:solidFill>
+            <a:schemeClr val="tx1"/>
+          </a:solidFill>
+          <a:latin typeface="+mn-lt"/>
+          <a:ea typeface="+mn-ea"/>
+          <a:cs typeface="+mn-cs"/>
+        </a:defRPr>
+      </a:lvl6pPr>
+      <a:lvl7pPr marL="2971800" indent="-228600" algn="l" defTabSz="914400" rtl="0" eaLnBrk="1" latinLnBrk="0" hangingPunct="1">
+        <a:lnSpc>
+          <a:spcPct val="90000"/>
+        </a:lnSpc>
+        <a:spcBef>
+          <a:spcPts val="500"/>
+        </a:spcBef>
+        <a:buFont typeface="Arial" panose="020B0604020202020204" pitchFamily="34" charset="0"/>
+        <a:buChar char="•"/>
+        <a:defRPr sz="1800" kern="1200">
+          <a:solidFill>
+            <a:schemeClr val="tx1"/>
+          </a:solidFill>
+          <a:latin typeface="+mn-lt"/>
+          <a:ea typeface="+mn-ea"/>
+          <a:cs typeface="+mn-cs"/>
+        </a:defRPr>
+      </a:lvl7pPr>
+      <a:lvl8pPr marL="3429000" indent="-228600" algn="l" defTabSz="914400" rtl="0" eaLnBrk="1" latinLnBrk="0" hangingPunct="1">
+        <a:lnSpc>
+          <a:spcPct val="90000"/>
+        </a:lnSpc>
+        <a:spcBef>
+          <a:spcPts val="500"/>
+        </a:spcBef>
+        <a:buFont typeface="Arial" panose="020B0604020202020204" pitchFamily="34" charset="0"/>
+        <a:buChar char="•"/>
+        <a:defRPr sz="1800" kern="1200">
+          <a:solidFill>
+            <a:schemeClr val="tx1"/>
+          </a:solidFill>
+          <a:latin typeface="+mn-lt"/>
+          <a:ea typeface="+mn-ea"/>
+          <a:cs typeface="+mn-cs"/>
+        </a:defRPr>
+      </a:lvl8pPr>
+      <a:lvl9pPr marL="3886200" indent="-228600" algn="l" defTabSz="914400" rtl="0" eaLnBrk="1" latinLnBrk="0" hangingPunct="1">
+        <a:lnSpc>
+          <a:spcPct val="90000"/>
+        </a:lnSpc>
+        <a:spcBef>
+          <a:spcPts val="500"/>
+        </a:spcBef>
+        <a:buFont typeface="Arial" panose="020B0604020202020204" pitchFamily="34" charset="0"/>
+        <a:buChar char="•"/>
+        <a:defRPr sz="1800" kern="1200">
+          <a:solidFill>
+            <a:schemeClr val="tx1"/>
+          </a:solidFill>
+          <a:latin typeface="+mn-lt"/>
+          <a:ea typeface="+mn-ea"/>
+          <a:cs typeface="+mn-cs"/>
+        </a:defRPr>
+      </a:lvl9pPr>
+    </p:bodyStyle>
+    <p:otherStyle>
+      <a:defPPr>
+        <a:defRPr lang="id-ID"/>
+      </a:defPPr>
+      <a:lvl1pPr marL="0" algn="l" defTabSz="914400" rtl="0" eaLnBrk="1" latinLnBrk="0" hangingPunct="1">
+        <a:defRPr sz="1800" kern="1200">
+          <a:solidFill>
+            <a:schemeClr val="tx1"/>
+          </a:solidFill>
+          <a:latin typeface="+mn-lt"/>
+          <a:ea typeface="+mn-ea"/>
+          <a:cs typeface="+mn-cs"/>
+        </a:defRPr>
+      </a:lvl1pPr>
+      <a:lvl2pPr marL="457200" algn="l" defTabSz="914400" rtl="0" eaLnBrk="1" latinLnBrk="0" hangingPunct="1">
+        <a:defRPr sz="1800" kern="1200">
+          <a:solidFill>
+            <a:schemeClr val="tx1"/>
+          </a:solidFill>
+          <a:latin typeface="+mn-lt"/>
+          <a:ea typeface="+mn-ea"/>
+          <a:cs typeface="+mn-cs"/>
+        </a:defRPr>
+      </a:lvl2pPr>
+      <a:lvl3pPr marL="914400" algn="l" defTabSz="914400" rtl="0" eaLnBrk="1" latinLnBrk="0" hangingPunct="1">
+        <a:defRPr sz="1800" kern="1200">
+          <a:solidFill>
+            <a:schemeClr val="tx1"/>
+          </a:solidFill>
+          <a:latin typeface="+mn-lt"/>
+          <a:ea typeface="+mn-ea"/>
+          <a:cs typeface="+mn-cs"/>
+        </a:defRPr>
+      </a:lvl3pPr>
+      <a:lvl4pPr marL="1371600" algn="l" defTabSz="914400" rtl="0" eaLnBrk="1" latinLnBrk="0" hangingPunct="1">
+        <a:defRPr sz="1800" kern="1200">
+          <a:solidFill>
+            <a:schemeClr val="tx1"/>
+          </a:solidFill>
+          <a:latin typeface="+mn-lt"/>
+          <a:ea typeface="+mn-ea"/>
+          <a:cs typeface="+mn-cs"/>
+        </a:defRPr>
+      </a:lvl4pPr>
+      <a:lvl5pPr marL="1828800" algn="l" defTabSz="914400" rtl="0" eaLnBrk="1" latinLnBrk="0" hangingPunct="1">
+        <a:defRPr sz="1800" kern="1200">
+          <a:solidFill>
+            <a:schemeClr val="tx1"/>
+          </a:solidFill>
+          <a:latin typeface="+mn-lt"/>
+          <a:ea typeface="+mn-ea"/>
+          <a:cs typeface="+mn-cs"/>
+        </a:defRPr>
+      </a:lvl5pPr>
+      <a:lvl6pPr marL="2286000" algn="l" defTabSz="914400" rtl="0" eaLnBrk="1" latinLnBrk="0" hangingPunct="1">
+        <a:defRPr sz="1800" kern="1200">
+          <a:solidFill>
+            <a:schemeClr val="tx1"/>
+          </a:solidFill>
+          <a:latin typeface="+mn-lt"/>
+          <a:ea typeface="+mn-ea"/>
+          <a:cs typeface="+mn-cs"/>
+        </a:defRPr>
+      </a:lvl6pPr>
+      <a:lvl7pPr marL="2743200" algn="l" defTabSz="914400" rtl="0" eaLnBrk="1" latinLnBrk="0" hangingPunct="1">
+        <a:defRPr sz="1800" kern="1200">
+          <a:solidFill>
+            <a:schemeClr val="tx1"/>
+          </a:solidFill>
+          <a:latin typeface="+mn-lt"/>
+          <a:ea typeface="+mn-ea"/>
+          <a:cs typeface="+mn-cs"/>
+        </a:defRPr>
+      </a:lvl7pPr>
+      <a:lvl8pPr marL="3200400" algn="l" defTabSz="914400" rtl="0" eaLnBrk="1" latinLnBrk="0" hangingPunct="1">
+        <a:defRPr sz="1800" kern="1200">
+          <a:solidFill>
+            <a:schemeClr val="tx1"/>
+          </a:solidFill>
+          <a:latin typeface="+mn-lt"/>
+          <a:ea typeface="+mn-ea"/>
+          <a:cs typeface="+mn-cs"/>
+        </a:defRPr>
+      </a:lvl8pPr>
+      <a:lvl9pPr marL="3657600" algn="l" defTabSz="914400" rtl="0" eaLnBrk="1" latinLnBrk="0" hangingPunct="1">
+        <a:defRPr sz="1800" kern="1200">
+          <a:solidFill>
+            <a:schemeClr val="tx1"/>
+          </a:solidFill>
+          <a:latin typeface="+mn-lt"/>
+          <a:ea typeface="+mn-ea"/>
+          <a:cs typeface="+mn-cs"/>
+        </a:defRPr>
+      </a:lvl9pPr>
+    </p:otherStyle>
+  </p:txStyles>
 </p:sldMaster>
 </file>
 
 <file path=ppt/slides/slide1.xml><?xml version="1.0" encoding="utf-8"?>
-<p:sld xmlns:a="http://schemas.openxmlformats.org/drawingml/2006/main" xmlns:p="http://schemas.openxmlformats.org/presentationml/2006/main" xmlns:r="http://schemas.openxmlformats.org/officeDocument/2006/relationships" xmlns:p14="http://schemas.microsoft.com/office/powerpoint/2010/main" xmlns:p15="http://schemas.microsoft.com/office/powerpoint/2012/main" xmlns:mc="http://schemas.openxmlformats.org/markup-compatibility/2006">
+<p:sld xmlns:a="http://schemas.openxmlformats.org/drawingml/2006/main" xmlns:r="http://schemas.openxmlformats.org/officeDocument/2006/relationships" xmlns:p="http://schemas.openxmlformats.org/presentationml/2006/main">
   <p:cSld>
     <p:spTree>
       <p:nvGrpSpPr>
@@ -6527,6 +7598,7 @@
           <a:bodyPr>
             <a:normAutofit/>
           </a:bodyPr>
+          <a:lstStyle/>
           <a:p>
             <a:pPr>
               <a:lnSpc>
@@ -6534,17 +7606,17 @@
               </a:lnSpc>
             </a:pPr>
             <a:r>
-              <a:rPr b="0" i="1" lang="en-US" sz="6600" spc="-1" strike="noStrike" cap="all">
-                <a:solidFill>
-                  <a:srgbClr val="f5f5f5"/>
+              <a:rPr lang="en-US" sz="6600" b="0" i="1" strike="noStrike" cap="all" spc="-1">
+                <a:solidFill>
+                  <a:srgbClr val="F5F5F5"/>
                 </a:solidFill>
                 <a:latin typeface="Century Schoolbook"/>
               </a:rPr>
               <a:t>Particles, Sprites, and the Point Cloud</a:t>
             </a:r>
-            <a:endParaRPr b="0" lang="en-US" sz="6600" spc="-1" strike="noStrike">
-              <a:solidFill>
-                <a:srgbClr val="ffffff"/>
+            <a:endParaRPr lang="en-US" sz="6600" b="0" strike="noStrike" spc="-1">
+              <a:solidFill>
+                <a:srgbClr val="FFFFFF"/>
               </a:solidFill>
               <a:latin typeface="Corbel"/>
             </a:endParaRPr>
@@ -6560,7 +7632,7 @@
         <p:spPr>
           <a:xfrm>
             <a:off x="1089000" y="5020200"/>
-            <a:ext cx="7034040" cy="1452600"/>
+            <a:ext cx="8533302" cy="1452600"/>
           </a:xfrm>
           <a:prstGeom prst="rect">
             <a:avLst/>
@@ -6572,8 +7644,9 @@
         </p:spPr>
         <p:txBody>
           <a:bodyPr>
-            <a:normAutofit/>
+            <a:normAutofit lnSpcReduction="10000"/>
           </a:bodyPr>
+          <a:lstStyle/>
           <a:p>
             <a:pPr>
               <a:lnSpc>
@@ -6581,60 +7654,33 @@
               </a:lnSpc>
             </a:pPr>
             <a:r>
-              <a:rPr b="0" i="1" lang="en-US" sz="2000" spc="-1" strike="noStrike">
-                <a:solidFill>
-                  <a:srgbClr val="f5f5f5"/>
-                </a:solidFill>
-                <a:latin typeface="Corbel"/>
-              </a:rPr>
-              <a:t>Patrick Sungkharisma</a:t>
-            </a:r>
-            <a:r>
-              <a:rPr b="0" i="1" lang="en-US" sz="2000" spc="-1" strike="noStrike">
-                <a:solidFill>
-                  <a:srgbClr val="f5f5f5"/>
-                </a:solidFill>
-                <a:latin typeface="Corbel"/>
-              </a:rPr>
-              <a:t>	</a:t>
-            </a:r>
-            <a:r>
-              <a:rPr b="0" i="1" lang="en-US" sz="2000" spc="-1" strike="noStrike">
-                <a:solidFill>
-                  <a:srgbClr val="f5f5f5"/>
-                </a:solidFill>
-                <a:latin typeface="Corbel"/>
-              </a:rPr>
-              <a:t>	</a:t>
-            </a:r>
-            <a:r>
-              <a:rPr b="0" i="1" lang="en-US" sz="2000" spc="-1" strike="noStrike">
-                <a:solidFill>
-                  <a:srgbClr val="f5f5f5"/>
-                </a:solidFill>
-                <a:latin typeface="Corbel"/>
-              </a:rPr>
-              <a:t>	</a:t>
-            </a:r>
-            <a:r>
-              <a:rPr b="0" i="1" lang="en-US" sz="2000" spc="-1" strike="noStrike">
-                <a:solidFill>
-                  <a:srgbClr val="f5f5f5"/>
-                </a:solidFill>
-                <a:latin typeface="Corbel"/>
-              </a:rPr>
-              <a:t>	</a:t>
-            </a:r>
-            <a:r>
-              <a:rPr b="0" i="1" lang="en-US" sz="2000" spc="-1" strike="noStrike">
-                <a:solidFill>
-                  <a:srgbClr val="f5f5f5"/>
-                </a:solidFill>
-                <a:latin typeface="Corbel"/>
-              </a:rPr>
-              <a:t>05111740000041</a:t>
-            </a:r>
-            <a:endParaRPr b="0" lang="en-US" sz="2000" spc="-1" strike="noStrike">
+              <a:rPr lang="en-US" sz="2000" b="0" i="1" strike="noStrike" spc="-1" dirty="0">
+                <a:solidFill>
+                  <a:srgbClr val="F5F5F5"/>
+                </a:solidFill>
+                <a:latin typeface="Corbel"/>
+              </a:rPr>
+              <a:t>Patrick </a:t>
+            </a:r>
+            <a:r>
+              <a:rPr lang="en-US" sz="2000" b="0" i="1" strike="noStrike" spc="-1" dirty="0" err="1">
+                <a:solidFill>
+                  <a:srgbClr val="F5F5F5"/>
+                </a:solidFill>
+                <a:latin typeface="Corbel"/>
+              </a:rPr>
+              <a:t>Sungkharisma</a:t>
+            </a:r>
+            <a:r>
+              <a:rPr lang="en-US" sz="2000" b="0" i="1" strike="noStrike" spc="-1" dirty="0">
+                <a:solidFill>
+                  <a:srgbClr val="F5F5F5"/>
+                </a:solidFill>
+                <a:latin typeface="Corbel"/>
+              </a:rPr>
+              <a:t>				05111740000041</a:t>
+            </a:r>
+            <a:endParaRPr lang="en-US" sz="2000" b="0" strike="noStrike" spc="-1" dirty="0">
               <a:latin typeface="Arial"/>
             </a:endParaRPr>
           </a:p>
@@ -6645,60 +7691,33 @@
               </a:lnSpc>
             </a:pPr>
             <a:r>
-              <a:rPr b="0" i="1" lang="en-US" sz="2000" spc="-1" strike="noStrike">
-                <a:solidFill>
-                  <a:srgbClr val="f5f5f5"/>
-                </a:solidFill>
-                <a:latin typeface="Corbel"/>
-              </a:rPr>
-              <a:t>Jonathan Alphabert S</a:t>
-            </a:r>
-            <a:r>
-              <a:rPr b="0" i="1" lang="en-US" sz="2000" spc="-1" strike="noStrike">
-                <a:solidFill>
-                  <a:srgbClr val="f5f5f5"/>
-                </a:solidFill>
-                <a:latin typeface="Corbel"/>
-              </a:rPr>
-              <a:t>	</a:t>
-            </a:r>
-            <a:r>
-              <a:rPr b="0" i="1" lang="en-US" sz="2000" spc="-1" strike="noStrike">
-                <a:solidFill>
-                  <a:srgbClr val="f5f5f5"/>
-                </a:solidFill>
-                <a:latin typeface="Corbel"/>
-              </a:rPr>
-              <a:t>	</a:t>
-            </a:r>
-            <a:r>
-              <a:rPr b="0" i="1" lang="en-US" sz="2000" spc="-1" strike="noStrike">
-                <a:solidFill>
-                  <a:srgbClr val="f5f5f5"/>
-                </a:solidFill>
-                <a:latin typeface="Corbel"/>
-              </a:rPr>
-              <a:t>	</a:t>
-            </a:r>
-            <a:r>
-              <a:rPr b="0" i="1" lang="en-US" sz="2000" spc="-1" strike="noStrike">
-                <a:solidFill>
-                  <a:srgbClr val="f5f5f5"/>
-                </a:solidFill>
-                <a:latin typeface="Corbel"/>
-              </a:rPr>
-              <a:t>	</a:t>
-            </a:r>
-            <a:r>
-              <a:rPr b="0" i="1" lang="en-US" sz="2000" spc="-1" strike="noStrike">
-                <a:solidFill>
-                  <a:srgbClr val="f5f5f5"/>
-                </a:solidFill>
-                <a:latin typeface="Corbel"/>
-              </a:rPr>
-              <a:t>05111740000053</a:t>
-            </a:r>
-            <a:endParaRPr b="0" lang="en-US" sz="2000" spc="-1" strike="noStrike">
+              <a:rPr lang="en-US" sz="2000" b="0" i="1" strike="noStrike" spc="-1" dirty="0">
+                <a:solidFill>
+                  <a:srgbClr val="F5F5F5"/>
+                </a:solidFill>
+                <a:latin typeface="Corbel"/>
+              </a:rPr>
+              <a:t>Jonathan </a:t>
+            </a:r>
+            <a:r>
+              <a:rPr lang="en-US" sz="2000" b="0" i="1" strike="noStrike" spc="-1" dirty="0" err="1">
+                <a:solidFill>
+                  <a:srgbClr val="F5F5F5"/>
+                </a:solidFill>
+                <a:latin typeface="Corbel"/>
+              </a:rPr>
+              <a:t>Alphabert</a:t>
+            </a:r>
+            <a:r>
+              <a:rPr lang="en-US" sz="2000" b="0" i="1" strike="noStrike" spc="-1" dirty="0">
+                <a:solidFill>
+                  <a:srgbClr val="F5F5F5"/>
+                </a:solidFill>
+                <a:latin typeface="Corbel"/>
+              </a:rPr>
+              <a:t> S				05111740000053</a:t>
+            </a:r>
+            <a:endParaRPr lang="en-US" sz="2000" b="0" strike="noStrike" spc="-1" dirty="0">
               <a:latin typeface="Arial"/>
             </a:endParaRPr>
           </a:p>
@@ -6709,60 +7728,42 @@
               </a:lnSpc>
             </a:pPr>
             <a:r>
-              <a:rPr b="0" i="1" lang="en-US" sz="2000" spc="-1" strike="noStrike">
-                <a:solidFill>
-                  <a:srgbClr val="f5f5f5"/>
-                </a:solidFill>
-                <a:latin typeface="Corbel"/>
-              </a:rPr>
-              <a:t>Fandi Pranata Jaya</a:t>
-            </a:r>
-            <a:r>
-              <a:rPr b="0" i="1" lang="en-US" sz="2000" spc="-1" strike="noStrike">
-                <a:solidFill>
-                  <a:srgbClr val="f5f5f5"/>
-                </a:solidFill>
-                <a:latin typeface="Corbel"/>
-              </a:rPr>
-              <a:t>	</a:t>
-            </a:r>
-            <a:r>
-              <a:rPr b="0" i="1" lang="en-US" sz="2000" spc="-1" strike="noStrike">
-                <a:solidFill>
-                  <a:srgbClr val="f5f5f5"/>
-                </a:solidFill>
-                <a:latin typeface="Corbel"/>
-              </a:rPr>
-              <a:t>	</a:t>
-            </a:r>
-            <a:r>
-              <a:rPr b="0" i="1" lang="en-US" sz="2000" spc="-1" strike="noStrike">
-                <a:solidFill>
-                  <a:srgbClr val="f5f5f5"/>
-                </a:solidFill>
-                <a:latin typeface="Corbel"/>
-              </a:rPr>
-              <a:t>	</a:t>
-            </a:r>
-            <a:r>
-              <a:rPr b="0" i="1" lang="en-US" sz="2000" spc="-1" strike="noStrike">
-                <a:solidFill>
-                  <a:srgbClr val="f5f5f5"/>
-                </a:solidFill>
-                <a:latin typeface="Corbel"/>
-              </a:rPr>
-              <a:t>	</a:t>
-            </a:r>
-            <a:r>
-              <a:rPr b="0" i="1" lang="en-US" sz="2000" spc="-1" strike="noStrike">
-                <a:solidFill>
-                  <a:srgbClr val="f5f5f5"/>
-                </a:solidFill>
-                <a:latin typeface="Corbel"/>
-              </a:rPr>
-              <a:t>05111740000056</a:t>
-            </a:r>
-            <a:endParaRPr b="0" lang="en-US" sz="2000" spc="-1" strike="noStrike">
+              <a:rPr lang="en-US" sz="2000" b="0" i="1" strike="noStrike" spc="-1" dirty="0" err="1">
+                <a:solidFill>
+                  <a:srgbClr val="F5F5F5"/>
+                </a:solidFill>
+                <a:latin typeface="Corbel"/>
+              </a:rPr>
+              <a:t>Fandi</a:t>
+            </a:r>
+            <a:r>
+              <a:rPr lang="en-US" sz="2000" b="0" i="1" strike="noStrike" spc="-1" dirty="0">
+                <a:solidFill>
+                  <a:srgbClr val="F5F5F5"/>
+                </a:solidFill>
+                <a:latin typeface="Corbel"/>
+              </a:rPr>
+              <a:t> </a:t>
+            </a:r>
+            <a:r>
+              <a:rPr lang="en-US" sz="2000" b="0" i="1" strike="noStrike" spc="-1" dirty="0" err="1">
+                <a:solidFill>
+                  <a:srgbClr val="F5F5F5"/>
+                </a:solidFill>
+                <a:latin typeface="Corbel"/>
+              </a:rPr>
+              <a:t>Pranata</a:t>
+            </a:r>
+            <a:r>
+              <a:rPr lang="en-US" sz="2000" b="0" i="1" strike="noStrike" spc="-1" dirty="0">
+                <a:solidFill>
+                  <a:srgbClr val="F5F5F5"/>
+                </a:solidFill>
+                <a:latin typeface="Corbel"/>
+              </a:rPr>
+              <a:t> Jaya				05111740000056</a:t>
+            </a:r>
+            <a:endParaRPr lang="en-US" sz="2000" b="0" strike="noStrike" spc="-1" dirty="0">
               <a:latin typeface="Arial"/>
             </a:endParaRPr>
           </a:p>
@@ -6773,60 +7774,24 @@
               </a:lnSpc>
             </a:pPr>
             <a:r>
-              <a:rPr b="0" i="1" lang="en-US" sz="2000" spc="-1" strike="noStrike">
-                <a:solidFill>
-                  <a:srgbClr val="f5f5f5"/>
-                </a:solidFill>
-                <a:latin typeface="Corbel"/>
-              </a:rPr>
-              <a:t>Octavianus Giovanni </a:t>
-            </a:r>
-            <a:r>
-              <a:rPr b="0" i="1" lang="en-US" sz="2000" spc="-1" strike="noStrike">
-                <a:solidFill>
-                  <a:srgbClr val="f5f5f5"/>
-                </a:solidFill>
-                <a:latin typeface="Corbel"/>
-              </a:rPr>
-              <a:t>	</a:t>
-            </a:r>
-            <a:r>
-              <a:rPr b="0" i="1" lang="en-US" sz="2000" spc="-1" strike="noStrike">
-                <a:solidFill>
-                  <a:srgbClr val="f5f5f5"/>
-                </a:solidFill>
-                <a:latin typeface="Corbel"/>
-              </a:rPr>
-              <a:t>	</a:t>
-            </a:r>
-            <a:r>
-              <a:rPr b="0" i="1" lang="en-US" sz="2000" spc="-1" strike="noStrike">
-                <a:solidFill>
-                  <a:srgbClr val="f5f5f5"/>
-                </a:solidFill>
-                <a:latin typeface="Corbel"/>
-              </a:rPr>
-              <a:t>	</a:t>
-            </a:r>
-            <a:r>
-              <a:rPr b="0" i="1" lang="en-US" sz="2000" spc="-1" strike="noStrike">
-                <a:solidFill>
-                  <a:srgbClr val="f5f5f5"/>
-                </a:solidFill>
-                <a:latin typeface="Corbel"/>
-              </a:rPr>
-              <a:t>	</a:t>
-            </a:r>
-            <a:r>
-              <a:rPr b="0" i="1" lang="en-US" sz="2000" spc="-1" strike="noStrike">
-                <a:solidFill>
-                  <a:srgbClr val="f5f5f5"/>
-                </a:solidFill>
-                <a:latin typeface="Corbel"/>
-              </a:rPr>
-              <a:t>05111740000113</a:t>
-            </a:r>
-            <a:endParaRPr b="0" lang="en-US" sz="2000" spc="-1" strike="noStrike">
+              <a:rPr lang="en-US" sz="2000" b="0" i="1" strike="noStrike" spc="-1" dirty="0" err="1">
+                <a:solidFill>
+                  <a:srgbClr val="F5F5F5"/>
+                </a:solidFill>
+                <a:latin typeface="Corbel"/>
+              </a:rPr>
+              <a:t>Octavianus</a:t>
+            </a:r>
+            <a:r>
+              <a:rPr lang="en-US" sz="2000" b="0" i="1" strike="noStrike" spc="-1" dirty="0">
+                <a:solidFill>
+                  <a:srgbClr val="F5F5F5"/>
+                </a:solidFill>
+                <a:latin typeface="Corbel"/>
+              </a:rPr>
+              <a:t> Giovanni 				05111740000113</a:t>
+            </a:r>
+            <a:endParaRPr lang="en-US" sz="2000" b="0" strike="noStrike" spc="-1" dirty="0">
               <a:latin typeface="Arial"/>
             </a:endParaRPr>
           </a:p>
@@ -6834,6 +7799,9 @@
       </p:sp>
     </p:spTree>
   </p:cSld>
+  <p:clrMapOvr>
+    <a:masterClrMapping/>
+  </p:clrMapOvr>
   <p:timing>
     <p:tnLst>
       <p:par>
@@ -6842,14 +7810,14 @@
             <p:seq>
               <p:cTn id="2" dur="indefinite" nodeType="mainSeq"/>
               <p:prevCondLst>
-                <p:cond delay="0" evt="onPrev">
+                <p:cond evt="onPrev" delay="0">
                   <p:tgtEl>
                     <p:sldTgt/>
                   </p:tgtEl>
                 </p:cond>
               </p:prevCondLst>
               <p:nextCondLst>
-                <p:cond delay="0" evt="onNext">
+                <p:cond evt="onNext" delay="0">
                   <p:tgtEl>
                     <p:sldTgt/>
                   </p:tgtEl>
@@ -6865,7 +7833,7 @@
 </file>
 
 <file path=ppt/slides/slide10.xml><?xml version="1.0" encoding="utf-8"?>
-<p:sld xmlns:a="http://schemas.openxmlformats.org/drawingml/2006/main" xmlns:p="http://schemas.openxmlformats.org/presentationml/2006/main" xmlns:r="http://schemas.openxmlformats.org/officeDocument/2006/relationships" xmlns:p14="http://schemas.microsoft.com/office/powerpoint/2010/main" xmlns:p15="http://schemas.microsoft.com/office/powerpoint/2012/main" xmlns:mc="http://schemas.openxmlformats.org/markup-compatibility/2006">
+<p:sld xmlns:a="http://schemas.openxmlformats.org/drawingml/2006/main" xmlns:r="http://schemas.openxmlformats.org/officeDocument/2006/relationships" xmlns:p="http://schemas.openxmlformats.org/presentationml/2006/main">
   <p:cSld>
     <p:spTree>
       <p:nvGrpSpPr>
@@ -6904,6 +7872,7 @@
           <a:bodyPr>
             <a:normAutofit/>
           </a:bodyPr>
+          <a:lstStyle/>
           <a:p>
             <a:pPr algn="r">
               <a:lnSpc>
@@ -6911,7 +7880,7 @@
               </a:lnSpc>
             </a:pPr>
             <a:r>
-              <a:rPr b="0" i="1" lang="en-US" sz="3600" spc="-1" strike="noStrike">
+              <a:rPr lang="en-US" sz="3600" b="0" i="1" strike="noStrike" spc="-1">
                 <a:solidFill>
                   <a:srgbClr val="262626"/>
                 </a:solidFill>
@@ -6919,7 +7888,7 @@
               </a:rPr>
               <a:t>Using Textures to Style Particles</a:t>
             </a:r>
-            <a:endParaRPr b="0" lang="en-US" sz="3600" spc="-1" strike="noStrike">
+            <a:endParaRPr lang="en-US" sz="3600" b="0" strike="noStrike" spc="-1">
               <a:solidFill>
                 <a:srgbClr val="000000"/>
               </a:solidFill>
@@ -6951,6 +7920,7 @@
           <a:bodyPr>
             <a:normAutofit/>
           </a:bodyPr>
+          <a:lstStyle/>
           <a:p>
             <a:pPr>
               <a:lnSpc>
@@ -6961,7 +7931,7 @@
               </a:spcBef>
             </a:pPr>
             <a:r>
-              <a:rPr b="0" lang="en-US" sz="2000" spc="-1" strike="noStrike">
+              <a:rPr lang="en-US" sz="2000" b="0" strike="noStrike" spc="-1">
                 <a:solidFill>
                   <a:srgbClr val="262626"/>
                 </a:solidFill>
@@ -6969,12 +7939,6 @@
               </a:rPr>
               <a:t>Menggunakan syntax:</a:t>
             </a:r>
-            <a:endParaRPr b="0" lang="en-US" sz="2000" spc="-1" strike="noStrike">
-              <a:solidFill>
-                <a:srgbClr val="262626"/>
-              </a:solidFill>
-              <a:latin typeface="Corbel"/>
-            </a:endParaRPr>
           </a:p>
           <a:p>
             <a:pPr marL="402480">
@@ -6986,7 +7950,7 @@
               </a:spcBef>
             </a:pPr>
             <a:r>
-              <a:rPr b="0" lang="en-US" sz="1800" spc="-1" strike="noStrike">
+              <a:rPr lang="en-US" sz="1800" b="0" strike="noStrike" spc="-1">
                 <a:solidFill>
                   <a:srgbClr val="262626"/>
                 </a:solidFill>
@@ -6994,12 +7958,6 @@
               </a:rPr>
               <a:t>var texture = THREE.ImageUtils.loadTexture("…");</a:t>
             </a:r>
-            <a:endParaRPr b="0" lang="en-US" sz="1800" spc="-1" strike="noStrike">
-              <a:solidFill>
-                <a:srgbClr val="262626"/>
-              </a:solidFill>
-              <a:latin typeface="Corbel"/>
-            </a:endParaRPr>
           </a:p>
           <a:p>
             <a:pPr marL="402480">
@@ -7010,7 +7968,7 @@
                 <a:spcPts val="901"/>
               </a:spcBef>
             </a:pPr>
-            <a:endParaRPr b="0" lang="en-US" sz="1800" spc="-1" strike="noStrike">
+            <a:endParaRPr lang="en-US" sz="1800" b="0" strike="noStrike" spc="-1">
               <a:solidFill>
                 <a:srgbClr val="262626"/>
               </a:solidFill>
@@ -7027,7 +7985,7 @@
               </a:spcBef>
             </a:pPr>
             <a:r>
-              <a:rPr b="0" lang="en-US" sz="2000" spc="-1" strike="noStrike">
+              <a:rPr lang="en-US" sz="2000" b="0" strike="noStrike" spc="-1">
                 <a:solidFill>
                   <a:srgbClr val="262626"/>
                 </a:solidFill>
@@ -7035,12 +7993,6 @@
               </a:rPr>
               <a:t>Pada THREE.ParticleBasicMaterial() dapat menggunakan property map untuk assign texture</a:t>
             </a:r>
-            <a:endParaRPr b="0" lang="en-US" sz="2000" spc="-1" strike="noStrike">
-              <a:solidFill>
-                <a:srgbClr val="262626"/>
-              </a:solidFill>
-              <a:latin typeface="Corbel"/>
-            </a:endParaRPr>
           </a:p>
           <a:p>
             <a:pPr>
@@ -7051,7 +8003,7 @@
                 <a:spcPts val="901"/>
               </a:spcBef>
             </a:pPr>
-            <a:endParaRPr b="0" lang="en-US" sz="2000" spc="-1" strike="noStrike">
+            <a:endParaRPr lang="en-US" sz="2000" b="0" strike="noStrike" spc="-1">
               <a:solidFill>
                 <a:srgbClr val="262626"/>
               </a:solidFill>
@@ -7068,7 +8020,7 @@
               </a:spcBef>
             </a:pPr>
             <a:r>
-              <a:rPr b="0" lang="en-US" sz="2000" spc="-1" strike="noStrike">
+              <a:rPr lang="en-US" sz="2000" b="0" strike="noStrike" spc="-1">
                 <a:solidFill>
                   <a:srgbClr val="262626"/>
                 </a:solidFill>
@@ -7076,12 +8028,6 @@
               </a:rPr>
               <a:t>Menggunakan AdditiveBlending untuk mode blending</a:t>
             </a:r>
-            <a:endParaRPr b="0" lang="en-US" sz="2000" spc="-1" strike="noStrike">
-              <a:solidFill>
-                <a:srgbClr val="262626"/>
-              </a:solidFill>
-              <a:latin typeface="Corbel"/>
-            </a:endParaRPr>
           </a:p>
           <a:p>
             <a:pPr>
@@ -7092,7 +8038,7 @@
                 <a:spcPts val="901"/>
               </a:spcBef>
             </a:pPr>
-            <a:endParaRPr b="0" lang="en-US" sz="2000" spc="-1" strike="noStrike">
+            <a:endParaRPr lang="en-US" sz="2000" b="0" strike="noStrike" spc="-1">
               <a:solidFill>
                 <a:srgbClr val="262626"/>
               </a:solidFill>
@@ -7103,22 +8049,25 @@
       </p:sp>
     </p:spTree>
   </p:cSld>
+  <p:clrMapOvr>
+    <a:masterClrMapping/>
+  </p:clrMapOvr>
   <p:timing>
     <p:tnLst>
       <p:par>
-        <p:cTn id="19" dur="indefinite" restart="never" nodeType="tmRoot">
+        <p:cTn id="1" dur="indefinite" restart="never" nodeType="tmRoot">
           <p:childTnLst>
             <p:seq>
-              <p:cTn id="20" dur="indefinite" nodeType="mainSeq"/>
+              <p:cTn id="2" dur="indefinite" nodeType="mainSeq"/>
               <p:prevCondLst>
-                <p:cond delay="0" evt="onPrev">
+                <p:cond evt="onPrev" delay="0">
                   <p:tgtEl>
                     <p:sldTgt/>
                   </p:tgtEl>
                 </p:cond>
               </p:prevCondLst>
               <p:nextCondLst>
-                <p:cond delay="0" evt="onNext">
+                <p:cond evt="onNext" delay="0">
                   <p:tgtEl>
                     <p:sldTgt/>
                   </p:tgtEl>
@@ -7134,7 +8083,7 @@
 </file>
 
 <file path=ppt/slides/slide11.xml><?xml version="1.0" encoding="utf-8"?>
-<p:sld xmlns:a="http://schemas.openxmlformats.org/drawingml/2006/main" xmlns:p="http://schemas.openxmlformats.org/presentationml/2006/main" xmlns:r="http://schemas.openxmlformats.org/officeDocument/2006/relationships" xmlns:p14="http://schemas.microsoft.com/office/powerpoint/2010/main" xmlns:p15="http://schemas.microsoft.com/office/powerpoint/2012/main" xmlns:mc="http://schemas.openxmlformats.org/markup-compatibility/2006">
+<p:sld xmlns:a="http://schemas.openxmlformats.org/drawingml/2006/main" xmlns:r="http://schemas.openxmlformats.org/officeDocument/2006/relationships" xmlns:p="http://schemas.openxmlformats.org/presentationml/2006/main">
   <p:cSld>
     <p:spTree>
       <p:nvGrpSpPr>
@@ -7173,6 +8122,7 @@
           <a:bodyPr>
             <a:normAutofit/>
           </a:bodyPr>
+          <a:lstStyle/>
           <a:p>
             <a:pPr algn="r">
               <a:lnSpc>
@@ -7180,7 +8130,7 @@
               </a:lnSpc>
             </a:pPr>
             <a:r>
-              <a:rPr b="0" i="1" lang="en-US" sz="3600" spc="-1" strike="noStrike">
+              <a:rPr lang="en-US" sz="3600" b="0" i="1" strike="noStrike" spc="-1">
                 <a:solidFill>
                   <a:srgbClr val="262626"/>
                 </a:solidFill>
@@ -7188,8 +8138,11 @@
               </a:rPr>
               <a:t>Kriteria Texture</a:t>
             </a:r>
+            <a:r>
+              <a:t/>
+            </a:r>
             <a:br/>
-            <a:endParaRPr b="0" lang="en-US" sz="3600" spc="-1" strike="noStrike">
+            <a:endParaRPr lang="en-US" sz="3600" b="0" strike="noStrike" spc="-1">
               <a:solidFill>
                 <a:srgbClr val="000000"/>
               </a:solidFill>
@@ -7219,6 +8172,7 @@
         </p:spPr>
         <p:txBody>
           <a:bodyPr/>
+          <a:lstStyle/>
           <a:p>
             <a:pPr marL="283320" indent="-282960">
               <a:lnSpc>
@@ -7234,7 +8188,7 @@
               <a:buChar char="-"/>
             </a:pPr>
             <a:r>
-              <a:rPr b="0" lang="en-US" sz="2000" spc="-1" strike="noStrike">
+              <a:rPr lang="en-US" sz="2000" b="0" strike="noStrike" spc="-1">
                 <a:solidFill>
                   <a:srgbClr val="262626"/>
                 </a:solidFill>
@@ -7242,12 +8196,6 @@
               </a:rPr>
               <a:t>Texture bersize power-of-2</a:t>
             </a:r>
-            <a:endParaRPr b="0" lang="en-US" sz="2000" spc="-1" strike="noStrike">
-              <a:solidFill>
-                <a:srgbClr val="262626"/>
-              </a:solidFill>
-              <a:latin typeface="Corbel"/>
-            </a:endParaRPr>
           </a:p>
           <a:p>
             <a:pPr marL="283320" indent="-282960">
@@ -7264,7 +8212,7 @@
               <a:buChar char="-"/>
             </a:pPr>
             <a:r>
-              <a:rPr b="0" lang="en-US" sz="2000" spc="-1" strike="noStrike">
+              <a:rPr lang="en-US" sz="2000" b="0" strike="noStrike" spc="-1">
                 <a:solidFill>
                   <a:srgbClr val="262626"/>
                 </a:solidFill>
@@ -7272,12 +8220,6 @@
               </a:rPr>
               <a:t>Background hitam agar dapat menggunakan additive blending</a:t>
             </a:r>
-            <a:endParaRPr b="0" lang="en-US" sz="2000" spc="-1" strike="noStrike">
-              <a:solidFill>
-                <a:srgbClr val="262626"/>
-              </a:solidFill>
-              <a:latin typeface="Corbel"/>
-            </a:endParaRPr>
           </a:p>
           <a:p>
             <a:pPr>
@@ -7288,7 +8230,7 @@
                 <a:spcPts val="901"/>
               </a:spcBef>
             </a:pPr>
-            <a:endParaRPr b="0" lang="en-US" sz="2000" spc="-1" strike="noStrike">
+            <a:endParaRPr lang="en-US" sz="2000" b="0" strike="noStrike" spc="-1">
               <a:solidFill>
                 <a:srgbClr val="262626"/>
               </a:solidFill>
@@ -7305,7 +8247,7 @@
               </a:spcBef>
             </a:pPr>
             <a:r>
-              <a:rPr b="0" lang="en-US" sz="2000" spc="-1" strike="noStrike">
+              <a:rPr lang="en-US" sz="2000" b="0" strike="noStrike" spc="-1">
                 <a:solidFill>
                   <a:srgbClr val="262626"/>
                 </a:solidFill>
@@ -7313,12 +8255,6 @@
               </a:rPr>
               <a:t>Contoh Texture :</a:t>
             </a:r>
-            <a:endParaRPr b="0" lang="en-US" sz="2000" spc="-1" strike="noStrike">
-              <a:solidFill>
-                <a:srgbClr val="262626"/>
-              </a:solidFill>
-              <a:latin typeface="Corbel"/>
-            </a:endParaRPr>
           </a:p>
           <a:p>
             <a:pPr>
@@ -7329,7 +8265,7 @@
                 <a:spcPts val="901"/>
               </a:spcBef>
             </a:pPr>
-            <a:endParaRPr b="0" lang="en-US" sz="2000" spc="-1" strike="noStrike">
+            <a:endParaRPr lang="en-US" sz="2000" b="0" strike="noStrike" spc="-1">
               <a:solidFill>
                 <a:srgbClr val="262626"/>
               </a:solidFill>
@@ -7345,7 +8281,7 @@
                 <a:spcPts val="901"/>
               </a:spcBef>
             </a:pPr>
-            <a:endParaRPr b="0" lang="en-US" sz="2000" spc="-1" strike="noStrike">
+            <a:endParaRPr lang="en-US" sz="2000" b="0" strike="noStrike" spc="-1">
               <a:solidFill>
                 <a:srgbClr val="262626"/>
               </a:solidFill>
@@ -7361,7 +8297,7 @@
                 <a:spcPts val="901"/>
               </a:spcBef>
             </a:pPr>
-            <a:endParaRPr b="0" lang="en-US" sz="2000" spc="-1" strike="noStrike">
+            <a:endParaRPr lang="en-US" sz="2000" b="0" strike="noStrike" spc="-1">
               <a:solidFill>
                 <a:srgbClr val="262626"/>
               </a:solidFill>
@@ -7377,7 +8313,7 @@
                 <a:spcPts val="901"/>
               </a:spcBef>
             </a:pPr>
-            <a:endParaRPr b="0" lang="en-US" sz="2000" spc="-1" strike="noStrike">
+            <a:endParaRPr lang="en-US" sz="2000" b="0" strike="noStrike" spc="-1">
               <a:solidFill>
                 <a:srgbClr val="262626"/>
               </a:solidFill>
@@ -7393,7 +8329,7 @@
                 <a:spcPts val="901"/>
               </a:spcBef>
             </a:pPr>
-            <a:endParaRPr b="0" lang="en-US" sz="2000" spc="-1" strike="noStrike">
+            <a:endParaRPr lang="en-US" sz="2000" b="0" strike="noStrike" spc="-1">
               <a:solidFill>
                 <a:srgbClr val="262626"/>
               </a:solidFill>
@@ -7410,7 +8346,7 @@
               </a:spcBef>
             </a:pPr>
             <a:r>
-              <a:rPr b="0" lang="en-US" sz="2000" spc="-1" strike="noStrike">
+              <a:rPr lang="en-US" sz="2000" b="0" strike="noStrike" spc="-1">
                 <a:solidFill>
                   <a:srgbClr val="262626"/>
                 </a:solidFill>
@@ -7418,23 +8354,17 @@
               </a:rPr>
               <a:t> </a:t>
             </a:r>
-            <a:endParaRPr b="0" lang="en-US" sz="2000" spc="-1" strike="noStrike">
-              <a:solidFill>
-                <a:srgbClr val="262626"/>
-              </a:solidFill>
-              <a:latin typeface="Corbel"/>
-            </a:endParaRPr>
           </a:p>
         </p:txBody>
       </p:sp>
       <p:pic>
         <p:nvPicPr>
-          <p:cNvPr id="153" name="Picture 3" descr=""/>
+          <p:cNvPr id="153" name="Picture 3"/>
           <p:cNvPicPr/>
           <p:nvPr/>
         </p:nvPicPr>
         <p:blipFill>
-          <a:blip r:embed="rId1"/>
+          <a:blip r:embed="rId2"/>
           <a:stretch/>
         </p:blipFill>
         <p:spPr>
@@ -7452,22 +8382,25 @@
       </p:pic>
     </p:spTree>
   </p:cSld>
+  <p:clrMapOvr>
+    <a:masterClrMapping/>
+  </p:clrMapOvr>
   <p:timing>
     <p:tnLst>
       <p:par>
-        <p:cTn id="21" dur="indefinite" restart="never" nodeType="tmRoot">
+        <p:cTn id="1" dur="indefinite" restart="never" nodeType="tmRoot">
           <p:childTnLst>
             <p:seq>
-              <p:cTn id="22" dur="indefinite" nodeType="mainSeq"/>
+              <p:cTn id="2" dur="indefinite" nodeType="mainSeq"/>
               <p:prevCondLst>
-                <p:cond delay="0" evt="onPrev">
+                <p:cond evt="onPrev" delay="0">
                   <p:tgtEl>
                     <p:sldTgt/>
                   </p:tgtEl>
                 </p:cond>
               </p:prevCondLst>
               <p:nextCondLst>
-                <p:cond delay="0" evt="onNext">
+                <p:cond evt="onNext" delay="0">
                   <p:tgtEl>
                     <p:sldTgt/>
                   </p:tgtEl>
@@ -7483,7 +8416,7 @@
 </file>
 
 <file path=ppt/slides/slide12.xml><?xml version="1.0" encoding="utf-8"?>
-<p:sld xmlns:a="http://schemas.openxmlformats.org/drawingml/2006/main" xmlns:p="http://schemas.openxmlformats.org/presentationml/2006/main" xmlns:r="http://schemas.openxmlformats.org/officeDocument/2006/relationships" xmlns:p14="http://schemas.microsoft.com/office/powerpoint/2010/main" xmlns:p15="http://schemas.microsoft.com/office/powerpoint/2012/main" xmlns:mc="http://schemas.openxmlformats.org/markup-compatibility/2006">
+<p:sld xmlns:a="http://schemas.openxmlformats.org/drawingml/2006/main" xmlns:r="http://schemas.openxmlformats.org/officeDocument/2006/relationships" xmlns:p="http://schemas.openxmlformats.org/presentationml/2006/main">
   <p:cSld>
     <p:spTree>
       <p:nvGrpSpPr>
@@ -7522,6 +8455,7 @@
           <a:bodyPr>
             <a:normAutofit/>
           </a:bodyPr>
+          <a:lstStyle/>
           <a:p>
             <a:pPr algn="r">
               <a:lnSpc>
@@ -7529,7 +8463,7 @@
               </a:lnSpc>
             </a:pPr>
             <a:r>
-              <a:rPr b="0" i="1" lang="en-US" sz="3600" spc="-1" strike="noStrike">
+              <a:rPr lang="en-US" sz="3600" b="0" i="1" strike="noStrike" spc="-1">
                 <a:solidFill>
                   <a:srgbClr val="262626"/>
                 </a:solidFill>
@@ -7537,7 +8471,7 @@
               </a:rPr>
               <a:t>Multiple Texture</a:t>
             </a:r>
-            <a:endParaRPr b="0" lang="en-US" sz="3600" spc="-1" strike="noStrike">
+            <a:endParaRPr lang="en-US" sz="3600" b="0" strike="noStrike" spc="-1">
               <a:solidFill>
                 <a:srgbClr val="000000"/>
               </a:solidFill>
@@ -7567,8 +8501,9 @@
         </p:spPr>
         <p:txBody>
           <a:bodyPr>
-            <a:normAutofit/>
+            <a:normAutofit fontScale="92500" lnSpcReduction="20000"/>
           </a:bodyPr>
+          <a:lstStyle/>
           <a:p>
             <a:pPr>
               <a:lnSpc>
@@ -7579,7 +8514,7 @@
               </a:spcBef>
             </a:pPr>
             <a:r>
-              <a:rPr b="0" lang="en-US" sz="2000" spc="-1" strike="noStrike">
+              <a:rPr lang="en-US" sz="2000" b="0" strike="noStrike" spc="-1">
                 <a:solidFill>
                   <a:srgbClr val="262626"/>
                 </a:solidFill>
@@ -7587,12 +8522,6 @@
               </a:rPr>
               <a:t>Menggunakan beberapa particle system untuk load   texture yang berbeda</a:t>
             </a:r>
-            <a:endParaRPr b="0" lang="en-US" sz="2000" spc="-1" strike="noStrike">
-              <a:solidFill>
-                <a:srgbClr val="262626"/>
-              </a:solidFill>
-              <a:latin typeface="Corbel"/>
-            </a:endParaRPr>
           </a:p>
           <a:p>
             <a:pPr marL="402480">
@@ -7604,7 +8533,7 @@
               </a:spcBef>
             </a:pPr>
             <a:r>
-              <a:rPr b="0" lang="en-US" sz="1800" spc="-1" strike="noStrike">
+              <a:rPr lang="en-US" sz="1800" b="0" strike="noStrike" spc="-1">
                 <a:solidFill>
                   <a:srgbClr val="262626"/>
                 </a:solidFill>
@@ -7612,12 +8541,6 @@
               </a:rPr>
               <a:t>var texture1 = THREE.ImageUtils.loadTexture("…");</a:t>
             </a:r>
-            <a:endParaRPr b="0" lang="en-US" sz="1800" spc="-1" strike="noStrike">
-              <a:solidFill>
-                <a:srgbClr val="262626"/>
-              </a:solidFill>
-              <a:latin typeface="Corbel"/>
-            </a:endParaRPr>
           </a:p>
           <a:p>
             <a:pPr marL="402480">
@@ -7629,7 +8552,7 @@
               </a:spcBef>
             </a:pPr>
             <a:r>
-              <a:rPr b="0" lang="en-US" sz="1800" spc="-1" strike="noStrike">
+              <a:rPr lang="en-US" sz="1800" b="0" strike="noStrike" spc="-1">
                 <a:solidFill>
                   <a:srgbClr val="262626"/>
                 </a:solidFill>
@@ -7637,12 +8560,6 @@
               </a:rPr>
               <a:t>var texture2 = THREE.ImageUtils.loadTexture(“…");</a:t>
             </a:r>
-            <a:endParaRPr b="0" lang="en-US" sz="1800" spc="-1" strike="noStrike">
-              <a:solidFill>
-                <a:srgbClr val="262626"/>
-              </a:solidFill>
-              <a:latin typeface="Corbel"/>
-            </a:endParaRPr>
           </a:p>
           <a:p>
             <a:pPr marL="402480">
@@ -7654,7 +8571,7 @@
               </a:spcBef>
             </a:pPr>
             <a:r>
-              <a:rPr b="0" lang="en-US" sz="1800" spc="-1" strike="noStrike">
+              <a:rPr lang="en-US" sz="1800" b="0" strike="noStrike" spc="-1">
                 <a:solidFill>
                   <a:srgbClr val="262626"/>
                 </a:solidFill>
@@ -7662,12 +8579,6 @@
               </a:rPr>
               <a:t>.</a:t>
             </a:r>
-            <a:endParaRPr b="0" lang="en-US" sz="1800" spc="-1" strike="noStrike">
-              <a:solidFill>
-                <a:srgbClr val="262626"/>
-              </a:solidFill>
-              <a:latin typeface="Corbel"/>
-            </a:endParaRPr>
           </a:p>
           <a:p>
             <a:pPr marL="402480">
@@ -7679,7 +8590,7 @@
               </a:spcBef>
             </a:pPr>
             <a:r>
-              <a:rPr b="0" lang="en-US" sz="1800" spc="-1" strike="noStrike">
+              <a:rPr lang="en-US" sz="1800" b="0" strike="noStrike" spc="-1">
                 <a:solidFill>
                   <a:srgbClr val="262626"/>
                 </a:solidFill>
@@ -7687,12 +8598,6 @@
               </a:rPr>
               <a:t>.</a:t>
             </a:r>
-            <a:endParaRPr b="0" lang="en-US" sz="1800" spc="-1" strike="noStrike">
-              <a:solidFill>
-                <a:srgbClr val="262626"/>
-              </a:solidFill>
-              <a:latin typeface="Corbel"/>
-            </a:endParaRPr>
           </a:p>
           <a:p>
             <a:pPr marL="402480">
@@ -7704,7 +8609,7 @@
               </a:spcBef>
             </a:pPr>
             <a:r>
-              <a:rPr b="0" lang="en-US" sz="1800" spc="-1" strike="noStrike">
+              <a:rPr lang="en-US" sz="1800" b="0" strike="noStrike" spc="-1">
                 <a:solidFill>
                   <a:srgbClr val="262626"/>
                 </a:solidFill>
@@ -7712,12 +8617,6 @@
               </a:rPr>
               <a:t>scene.add(createPointCloud("system1", texture1, size, transparent, opacity, sizeAttenuation, color));</a:t>
             </a:r>
-            <a:endParaRPr b="0" lang="en-US" sz="1800" spc="-1" strike="noStrike">
-              <a:solidFill>
-                <a:srgbClr val="262626"/>
-              </a:solidFill>
-              <a:latin typeface="Corbel"/>
-            </a:endParaRPr>
           </a:p>
           <a:p>
             <a:pPr marL="402480">
@@ -7729,7 +8628,7 @@
               </a:spcBef>
             </a:pPr>
             <a:r>
-              <a:rPr b="0" lang="en-US" sz="1800" spc="-1" strike="noStrike">
+              <a:rPr lang="en-US" sz="1800" b="0" strike="noStrike" spc="-1">
                 <a:solidFill>
                   <a:srgbClr val="262626"/>
                 </a:solidFill>
@@ -7737,12 +8636,6 @@
               </a:rPr>
               <a:t>scene.add(createPointCloud("system2", texture2, size, transparent, opacity, sizeAttenuation, color));</a:t>
             </a:r>
-            <a:endParaRPr b="0" lang="en-US" sz="1800" spc="-1" strike="noStrike">
-              <a:solidFill>
-                <a:srgbClr val="262626"/>
-              </a:solidFill>
-              <a:latin typeface="Corbel"/>
-            </a:endParaRPr>
           </a:p>
           <a:p>
             <a:pPr>
@@ -7753,7 +8646,7 @@
                 <a:spcPts val="901"/>
               </a:spcBef>
             </a:pPr>
-            <a:endParaRPr b="0" lang="en-US" sz="1800" spc="-1" strike="noStrike">
+            <a:endParaRPr lang="en-US" sz="1800" b="0" strike="noStrike" spc="-1">
               <a:solidFill>
                 <a:srgbClr val="262626"/>
               </a:solidFill>
@@ -7770,7 +8663,7 @@
               </a:spcBef>
             </a:pPr>
             <a:r>
-              <a:rPr b="0" lang="en-US" sz="2000" spc="-1" strike="noStrike">
+              <a:rPr lang="en-US" sz="2000" b="0" strike="noStrike" spc="-1">
                 <a:solidFill>
                   <a:srgbClr val="262626"/>
                 </a:solidFill>
@@ -7778,12 +8671,6 @@
               </a:rPr>
               <a:t>Meskipun bisa load beberapa texture, tidak efisien semakin banyak jenis texturenya</a:t>
             </a:r>
-            <a:endParaRPr b="0" lang="en-US" sz="2000" spc="-1" strike="noStrike">
-              <a:solidFill>
-                <a:srgbClr val="262626"/>
-              </a:solidFill>
-              <a:latin typeface="Corbel"/>
-            </a:endParaRPr>
           </a:p>
           <a:p>
             <a:pPr>
@@ -7794,7 +8681,7 @@
                 <a:spcPts val="901"/>
               </a:spcBef>
             </a:pPr>
-            <a:endParaRPr b="0" lang="en-US" sz="2000" spc="-1" strike="noStrike">
+            <a:endParaRPr lang="en-US" sz="2000" b="0" strike="noStrike" spc="-1">
               <a:solidFill>
                 <a:srgbClr val="262626"/>
               </a:solidFill>
@@ -7811,7 +8698,7 @@
               </a:spcBef>
             </a:pPr>
             <a:r>
-              <a:rPr b="0" lang="en-US" sz="2000" spc="-1" strike="noStrike">
+              <a:rPr lang="en-US" sz="2000" b="0" strike="noStrike" spc="-1">
                 <a:solidFill>
                   <a:srgbClr val="262626"/>
                 </a:solidFill>
@@ -7819,12 +8706,6 @@
               </a:rPr>
               <a:t>Jika particle sedikit dan style texture banyak, lebih baik menggunakan THREE.sprite</a:t>
             </a:r>
-            <a:endParaRPr b="0" lang="en-US" sz="2000" spc="-1" strike="noStrike">
-              <a:solidFill>
-                <a:srgbClr val="262626"/>
-              </a:solidFill>
-              <a:latin typeface="Corbel"/>
-            </a:endParaRPr>
           </a:p>
           <a:p>
             <a:pPr>
@@ -7835,7 +8716,7 @@
                 <a:spcPts val="901"/>
               </a:spcBef>
             </a:pPr>
-            <a:endParaRPr b="0" lang="en-US" sz="2000" spc="-1" strike="noStrike">
+            <a:endParaRPr lang="en-US" sz="2000" b="0" strike="noStrike" spc="-1">
               <a:solidFill>
                 <a:srgbClr val="262626"/>
               </a:solidFill>
@@ -7851,7 +8732,7 @@
                 <a:spcPts val="901"/>
               </a:spcBef>
             </a:pPr>
-            <a:endParaRPr b="0" lang="en-US" sz="2000" spc="-1" strike="noStrike">
+            <a:endParaRPr lang="en-US" sz="2000" b="0" strike="noStrike" spc="-1">
               <a:solidFill>
                 <a:srgbClr val="262626"/>
               </a:solidFill>
@@ -7862,22 +8743,25 @@
       </p:sp>
     </p:spTree>
   </p:cSld>
+  <p:clrMapOvr>
+    <a:masterClrMapping/>
+  </p:clrMapOvr>
   <p:timing>
     <p:tnLst>
       <p:par>
-        <p:cTn id="23" dur="indefinite" restart="never" nodeType="tmRoot">
+        <p:cTn id="1" dur="indefinite" restart="never" nodeType="tmRoot">
           <p:childTnLst>
             <p:seq>
-              <p:cTn id="24" dur="indefinite" nodeType="mainSeq"/>
+              <p:cTn id="2" dur="indefinite" nodeType="mainSeq"/>
               <p:prevCondLst>
-                <p:cond delay="0" evt="onPrev">
+                <p:cond evt="onPrev" delay="0">
                   <p:tgtEl>
                     <p:sldTgt/>
                   </p:tgtEl>
                 </p:cond>
               </p:prevCondLst>
               <p:nextCondLst>
-                <p:cond delay="0" evt="onNext">
+                <p:cond evt="onNext" delay="0">
                   <p:tgtEl>
                     <p:sldTgt/>
                   </p:tgtEl>
@@ -7893,7 +8777,7 @@
 </file>
 
 <file path=ppt/slides/slide13.xml><?xml version="1.0" encoding="utf-8"?>
-<p:sld xmlns:a="http://schemas.openxmlformats.org/drawingml/2006/main" xmlns:p="http://schemas.openxmlformats.org/presentationml/2006/main" xmlns:r="http://schemas.openxmlformats.org/officeDocument/2006/relationships" xmlns:p14="http://schemas.microsoft.com/office/powerpoint/2010/main" xmlns:p15="http://schemas.microsoft.com/office/powerpoint/2012/main" xmlns:mc="http://schemas.openxmlformats.org/markup-compatibility/2006">
+<p:sld xmlns:a="http://schemas.openxmlformats.org/drawingml/2006/main" xmlns:r="http://schemas.openxmlformats.org/officeDocument/2006/relationships" xmlns:p="http://schemas.openxmlformats.org/presentationml/2006/main">
   <p:cSld>
     <p:spTree>
       <p:nvGrpSpPr>
@@ -7932,6 +8816,7 @@
           <a:bodyPr>
             <a:normAutofit/>
           </a:bodyPr>
+          <a:lstStyle/>
           <a:p>
             <a:pPr algn="r">
               <a:lnSpc>
@@ -7939,7 +8824,7 @@
               </a:lnSpc>
             </a:pPr>
             <a:r>
-              <a:rPr b="0" i="1" lang="en-US" sz="3600" spc="-1" strike="noStrike">
+              <a:rPr lang="en-US" sz="3600" b="0" i="1" strike="noStrike" spc="-1">
                 <a:solidFill>
                   <a:srgbClr val="262626"/>
                 </a:solidFill>
@@ -7947,7 +8832,7 @@
               </a:rPr>
               <a:t>Working with Sprite Maps</a:t>
             </a:r>
-            <a:endParaRPr b="0" lang="en-US" sz="3600" spc="-1" strike="noStrike">
+            <a:endParaRPr lang="en-US" sz="3600" b="0" strike="noStrike" spc="-1">
               <a:solidFill>
                 <a:srgbClr val="000000"/>
               </a:solidFill>
@@ -7979,6 +8864,7 @@
           <a:bodyPr>
             <a:normAutofit/>
           </a:bodyPr>
+          <a:lstStyle/>
           <a:p>
             <a:pPr marL="432000" indent="-324000">
               <a:lnSpc>
@@ -7995,7 +8881,7 @@
               <a:buChar char=""/>
             </a:pPr>
             <a:r>
-              <a:rPr b="0" lang="en-US" sz="2000" spc="-1" strike="noStrike">
+              <a:rPr lang="en-US" sz="2000" b="0" strike="noStrike" spc="-1">
                 <a:solidFill>
                   <a:srgbClr val="262626"/>
                 </a:solidFill>
@@ -8003,12 +8889,6 @@
               </a:rPr>
               <a:t>THREE.Sprite selain digunakan untuk render particles tunggal dengan THREE.CanvasRenderer dan THREE.WebGLRenderer, dapat juga digunakan untuk membuat layer semacam head-up display (HUD) untuk 3D content dengan menambahkan THREE.OrthographicCamera.</a:t>
             </a:r>
-            <a:endParaRPr b="0" lang="en-US" sz="2000" spc="-1" strike="noStrike">
-              <a:solidFill>
-                <a:srgbClr val="262626"/>
-              </a:solidFill>
-              <a:latin typeface="Corbel"/>
-            </a:endParaRPr>
           </a:p>
           <a:p>
             <a:pPr marL="432000" indent="-324000">
@@ -8026,7 +8906,7 @@
               <a:buChar char=""/>
             </a:pPr>
             <a:r>
-              <a:rPr b="0" lang="en-US" sz="2000" spc="-1" strike="noStrike">
+              <a:rPr lang="en-US" sz="2000" b="0" strike="noStrike" spc="-1">
                 <a:solidFill>
                   <a:srgbClr val="262626"/>
                 </a:solidFill>
@@ -8034,15 +8914,9 @@
               </a:rPr>
               <a:t>Cara membuat THREE.OrthographicCamera </a:t>
             </a:r>
-            <a:endParaRPr b="0" lang="en-US" sz="2000" spc="-1" strike="noStrike">
-              <a:solidFill>
-                <a:srgbClr val="262626"/>
-              </a:solidFill>
-              <a:latin typeface="Corbel"/>
-            </a:endParaRPr>
-          </a:p>
-          <a:p>
-            <a:pPr lvl="1" marL="864000" indent="-324000">
+          </a:p>
+          <a:p>
+            <a:pPr marL="864000" lvl="1" indent="-324000">
               <a:spcBef>
                 <a:spcPts val="1134"/>
               </a:spcBef>
@@ -8054,7 +8928,7 @@
               <a:buChar char=""/>
             </a:pPr>
             <a:r>
-              <a:rPr b="0" lang="en-US" sz="2000" spc="-1" strike="noStrike">
+              <a:rPr lang="en-US" sz="2000" b="0" strike="noStrike" spc="-1">
                 <a:solidFill>
                   <a:srgbClr val="262626"/>
                 </a:solidFill>
@@ -8062,15 +8936,9 @@
               </a:rPr>
               <a:t>var sceneOrtho = new THREE.Scene();</a:t>
             </a:r>
-            <a:endParaRPr b="0" lang="en-US" sz="2000" spc="-1" strike="noStrike">
-              <a:solidFill>
-                <a:srgbClr val="262626"/>
-              </a:solidFill>
-              <a:latin typeface="Corbel"/>
-            </a:endParaRPr>
-          </a:p>
-          <a:p>
-            <a:pPr lvl="1" marL="864000" indent="-324000">
+          </a:p>
+          <a:p>
+            <a:pPr marL="864000" lvl="1" indent="-324000">
               <a:spcBef>
                 <a:spcPts val="1134"/>
               </a:spcBef>
@@ -8082,7 +8950,7 @@
               <a:buChar char=""/>
             </a:pPr>
             <a:r>
-              <a:rPr b="0" lang="en-US" sz="2000" spc="-1" strike="noStrike">
+              <a:rPr lang="en-US" sz="2000" b="0" strike="noStrike" spc="-1">
                 <a:solidFill>
                   <a:srgbClr val="262626"/>
                 </a:solidFill>
@@ -8090,12 +8958,6 @@
               </a:rPr>
               <a:t>var cameraOrtho = new THREE.OrthographicCamera( 0, window.innerWidth, window.innerHeight, 0, -10, 10 );</a:t>
             </a:r>
-            <a:endParaRPr b="0" lang="en-US" sz="2000" spc="-1" strike="noStrike">
-              <a:solidFill>
-                <a:srgbClr val="262626"/>
-              </a:solidFill>
-              <a:latin typeface="Corbel"/>
-            </a:endParaRPr>
           </a:p>
           <a:p>
             <a:pPr>
@@ -8106,7 +8968,7 @@
                 <a:spcPts val="901"/>
               </a:spcBef>
             </a:pPr>
-            <a:endParaRPr b="0" lang="en-US" sz="2000" spc="-1" strike="noStrike">
+            <a:endParaRPr lang="en-US" sz="2000" b="0" strike="noStrike" spc="-1">
               <a:solidFill>
                 <a:srgbClr val="262626"/>
               </a:solidFill>
@@ -8122,7 +8984,7 @@
                 <a:spcPts val="901"/>
               </a:spcBef>
             </a:pPr>
-            <a:endParaRPr b="0" lang="en-US" sz="2000" spc="-1" strike="noStrike">
+            <a:endParaRPr lang="en-US" sz="2000" b="0" strike="noStrike" spc="-1">
               <a:solidFill>
                 <a:srgbClr val="262626"/>
               </a:solidFill>
@@ -8133,22 +8995,25 @@
       </p:sp>
     </p:spTree>
   </p:cSld>
+  <p:clrMapOvr>
+    <a:masterClrMapping/>
+  </p:clrMapOvr>
   <p:timing>
     <p:tnLst>
       <p:par>
-        <p:cTn id="25" dur="indefinite" restart="never" nodeType="tmRoot">
+        <p:cTn id="1" dur="indefinite" restart="never" nodeType="tmRoot">
           <p:childTnLst>
             <p:seq>
-              <p:cTn id="26" dur="indefinite" nodeType="mainSeq"/>
+              <p:cTn id="2" dur="indefinite" nodeType="mainSeq"/>
               <p:prevCondLst>
-                <p:cond delay="0" evt="onPrev">
+                <p:cond evt="onPrev" delay="0">
                   <p:tgtEl>
                     <p:sldTgt/>
                   </p:tgtEl>
                 </p:cond>
               </p:prevCondLst>
               <p:nextCondLst>
-                <p:cond delay="0" evt="onNext">
+                <p:cond evt="onNext" delay="0">
                   <p:tgtEl>
                     <p:sldTgt/>
                   </p:tgtEl>
@@ -8164,7 +9029,7 @@
 </file>
 
 <file path=ppt/slides/slide14.xml><?xml version="1.0" encoding="utf-8"?>
-<p:sld xmlns:a="http://schemas.openxmlformats.org/drawingml/2006/main" xmlns:p="http://schemas.openxmlformats.org/presentationml/2006/main" xmlns:r="http://schemas.openxmlformats.org/officeDocument/2006/relationships" xmlns:p14="http://schemas.microsoft.com/office/powerpoint/2010/main" xmlns:p15="http://schemas.microsoft.com/office/powerpoint/2012/main" xmlns:mc="http://schemas.openxmlformats.org/markup-compatibility/2006">
+<p:sld xmlns:a="http://schemas.openxmlformats.org/drawingml/2006/main" xmlns:r="http://schemas.openxmlformats.org/officeDocument/2006/relationships" xmlns:p="http://schemas.openxmlformats.org/presentationml/2006/main">
   <p:cSld>
     <p:spTree>
       <p:nvGrpSpPr>
@@ -8203,6 +9068,7 @@
           <a:bodyPr>
             <a:normAutofit/>
           </a:bodyPr>
+          <a:lstStyle/>
           <a:p>
             <a:pPr algn="r">
               <a:lnSpc>
@@ -8210,7 +9076,7 @@
               </a:lnSpc>
             </a:pPr>
             <a:r>
-              <a:rPr b="0" i="1" lang="en-US" sz="3600" spc="-1" strike="noStrike">
+              <a:rPr lang="en-US" sz="3600" b="0" i="1" strike="noStrike" spc="-1">
                 <a:solidFill>
                   <a:srgbClr val="262626"/>
                 </a:solidFill>
@@ -8218,7 +9084,7 @@
               </a:rPr>
               <a:t>Working with Sprite Maps</a:t>
             </a:r>
-            <a:endParaRPr b="0" lang="en-US" sz="3600" spc="-1" strike="noStrike">
+            <a:endParaRPr lang="en-US" sz="3600" b="0" strike="noStrike" spc="-1">
               <a:solidFill>
                 <a:srgbClr val="000000"/>
               </a:solidFill>
@@ -8248,8 +9114,9 @@
         </p:spPr>
         <p:txBody>
           <a:bodyPr>
-            <a:normAutofit/>
+            <a:normAutofit lnSpcReduction="10000"/>
           </a:bodyPr>
+          <a:lstStyle/>
           <a:p>
             <a:pPr marL="432000" indent="-324000">
               <a:lnSpc>
@@ -8266,7 +9133,7 @@
               <a:buChar char=""/>
             </a:pPr>
             <a:r>
-              <a:rPr b="0" lang="en-US" sz="2000" spc="-1" strike="noStrike">
+              <a:rPr lang="en-US" sz="2000" b="0" strike="noStrike" spc="-1">
                 <a:solidFill>
                   <a:srgbClr val="262626"/>
                 </a:solidFill>
@@ -8274,9 +9141,12 @@
               </a:rPr>
               <a:t>Contoh tekstur yang dipakai :</a:t>
             </a:r>
+            <a:r>
+              <a:t/>
+            </a:r>
             <a:br/>
             <a:r>
-              <a:rPr b="0" lang="en-US" sz="2000" spc="-1" strike="noStrike">
+              <a:rPr lang="en-US" sz="2000" b="0" strike="noStrike" spc="-1">
                 <a:solidFill>
                   <a:srgbClr val="262626"/>
                 </a:solidFill>
@@ -8284,12 +9154,6 @@
               </a:rPr>
               <a:t>(Pac-Man ghosts)</a:t>
             </a:r>
-            <a:endParaRPr b="0" lang="en-US" sz="2000" spc="-1" strike="noStrike">
-              <a:solidFill>
-                <a:srgbClr val="262626"/>
-              </a:solidFill>
-              <a:latin typeface="Corbel"/>
-            </a:endParaRPr>
           </a:p>
           <a:p>
             <a:pPr marL="432000" indent="-324000">
@@ -8306,7 +9170,7 @@
               <a:buFont typeface="Wingdings" charset="2"/>
               <a:buChar char=""/>
             </a:pPr>
-            <a:endParaRPr b="0" lang="en-US" sz="2000" spc="-1" strike="noStrike">
+            <a:endParaRPr lang="en-US" sz="2000" b="0" strike="noStrike" spc="-1">
               <a:solidFill>
                 <a:srgbClr val="262626"/>
               </a:solidFill>
@@ -8328,7 +9192,7 @@
               <a:buFont typeface="Wingdings" charset="2"/>
               <a:buChar char=""/>
             </a:pPr>
-            <a:endParaRPr b="0" lang="en-US" sz="2000" spc="-1" strike="noStrike">
+            <a:endParaRPr lang="en-US" sz="2000" b="0" strike="noStrike" spc="-1">
               <a:solidFill>
                 <a:srgbClr val="262626"/>
               </a:solidFill>
@@ -8350,7 +9214,7 @@
               <a:buFont typeface="Wingdings" charset="2"/>
               <a:buChar char=""/>
             </a:pPr>
-            <a:endParaRPr b="0" lang="en-US" sz="2000" spc="-1" strike="noStrike">
+            <a:endParaRPr lang="en-US" sz="2000" b="0" strike="noStrike" spc="-1">
               <a:solidFill>
                 <a:srgbClr val="262626"/>
               </a:solidFill>
@@ -8373,7 +9237,7 @@
               <a:buChar char=""/>
             </a:pPr>
             <a:r>
-              <a:rPr b="0" lang="en-US" sz="2000" spc="-1" strike="noStrike">
+              <a:rPr lang="en-US" sz="2000" b="0" strike="noStrike" spc="-1">
                 <a:solidFill>
                   <a:srgbClr val="262626"/>
                 </a:solidFill>
@@ -8381,15 +9245,9 @@
               </a:rPr>
               <a:t>Untuk mendapatkan sprite ghost tertentu menggunakan syntax:</a:t>
             </a:r>
-            <a:endParaRPr b="0" lang="en-US" sz="2000" spc="-1" strike="noStrike">
-              <a:solidFill>
-                <a:srgbClr val="262626"/>
-              </a:solidFill>
-              <a:latin typeface="Corbel"/>
-            </a:endParaRPr>
-          </a:p>
-          <a:p>
-            <a:pPr lvl="1" marL="864000" indent="-324000">
+          </a:p>
+          <a:p>
+            <a:pPr marL="864000" lvl="1" indent="-324000">
               <a:spcBef>
                 <a:spcPts val="1134"/>
               </a:spcBef>
@@ -8401,7 +9259,7 @@
               <a:buChar char=""/>
             </a:pPr>
             <a:r>
-              <a:rPr b="0" lang="en-US" sz="2000" spc="-1" strike="noStrike">
+              <a:rPr lang="en-US" sz="2000" b="0" strike="noStrike" spc="-1">
                 <a:solidFill>
                   <a:srgbClr val="262626"/>
                 </a:solidFill>
@@ -8409,15 +9267,9 @@
               </a:rPr>
               <a:t>spriteMaterial.map.offset = new THREE.Vector2(1/5 * spriteNumber, 0);</a:t>
             </a:r>
-            <a:endParaRPr b="0" lang="en-US" sz="2000" spc="-1" strike="noStrike">
-              <a:solidFill>
-                <a:srgbClr val="262626"/>
-              </a:solidFill>
-              <a:latin typeface="Corbel"/>
-            </a:endParaRPr>
-          </a:p>
-          <a:p>
-            <a:pPr lvl="1" marL="864000" indent="-324000">
+          </a:p>
+          <a:p>
+            <a:pPr marL="864000" lvl="1" indent="-324000">
               <a:spcBef>
                 <a:spcPts val="1134"/>
               </a:spcBef>
@@ -8429,7 +9281,7 @@
               <a:buChar char=""/>
             </a:pPr>
             <a:r>
-              <a:rPr b="0" lang="en-US" sz="2000" spc="-1" strike="noStrike">
+              <a:rPr lang="en-US" sz="2000" b="0" strike="noStrike" spc="-1">
                 <a:solidFill>
                   <a:srgbClr val="262626"/>
                 </a:solidFill>
@@ -8437,12 +9289,6 @@
               </a:rPr>
               <a:t>spriteMaterial.map.repeat = new THREE.Vector2(1/5, 1);</a:t>
             </a:r>
-            <a:endParaRPr b="0" lang="en-US" sz="2000" spc="-1" strike="noStrike">
-              <a:solidFill>
-                <a:srgbClr val="262626"/>
-              </a:solidFill>
-              <a:latin typeface="Corbel"/>
-            </a:endParaRPr>
           </a:p>
           <a:p>
             <a:pPr marL="432000" indent="-324000">
@@ -8457,7 +9303,7 @@
               <a:buChar char=""/>
             </a:pPr>
             <a:r>
-              <a:rPr b="0" lang="en-US" sz="2000" spc="-1" strike="noStrike">
+              <a:rPr lang="en-US" sz="2000" b="0" strike="noStrike" spc="-1">
                 <a:solidFill>
                   <a:srgbClr val="262626"/>
                 </a:solidFill>
@@ -8465,23 +9311,17 @@
               </a:rPr>
               <a:t>map.offset digunakan untuk menentukan offset dari tekstur yang digunakan, sedangkan map.repeat digunakan untuk mengulang sprite dengan menjadikan bilangan desimal untuk mengambil potongan tekstur (1 ghost).</a:t>
             </a:r>
-            <a:endParaRPr b="0" lang="en-US" sz="2000" spc="-1" strike="noStrike">
-              <a:solidFill>
-                <a:srgbClr val="262626"/>
-              </a:solidFill>
-              <a:latin typeface="Corbel"/>
-            </a:endParaRPr>
           </a:p>
         </p:txBody>
       </p:sp>
       <p:pic>
         <p:nvPicPr>
-          <p:cNvPr id="160" name="" descr=""/>
+          <p:cNvPr id="160" name="Picture 159"/>
           <p:cNvPicPr/>
           <p:nvPr/>
         </p:nvPicPr>
         <p:blipFill>
-          <a:blip r:embed="rId1"/>
+          <a:blip r:embed="rId2"/>
           <a:stretch/>
         </p:blipFill>
         <p:spPr>
@@ -8499,22 +9339,25 @@
       </p:pic>
     </p:spTree>
   </p:cSld>
+  <p:clrMapOvr>
+    <a:masterClrMapping/>
+  </p:clrMapOvr>
   <p:timing>
     <p:tnLst>
       <p:par>
-        <p:cTn id="27" dur="indefinite" restart="never" nodeType="tmRoot">
+        <p:cTn id="1" dur="indefinite" restart="never" nodeType="tmRoot">
           <p:childTnLst>
             <p:seq>
-              <p:cTn id="28" dur="indefinite" nodeType="mainSeq"/>
+              <p:cTn id="2" dur="indefinite" nodeType="mainSeq"/>
               <p:prevCondLst>
-                <p:cond delay="0" evt="onPrev">
+                <p:cond evt="onPrev" delay="0">
                   <p:tgtEl>
                     <p:sldTgt/>
                   </p:tgtEl>
                 </p:cond>
               </p:prevCondLst>
               <p:nextCondLst>
-                <p:cond delay="0" evt="onNext">
+                <p:cond evt="onNext" delay="0">
                   <p:tgtEl>
                     <p:sldTgt/>
                   </p:tgtEl>
@@ -8530,7 +9373,7 @@
 </file>
 
 <file path=ppt/slides/slide15.xml><?xml version="1.0" encoding="utf-8"?>
-<p:sld xmlns:a="http://schemas.openxmlformats.org/drawingml/2006/main" xmlns:p="http://schemas.openxmlformats.org/presentationml/2006/main" xmlns:r="http://schemas.openxmlformats.org/officeDocument/2006/relationships" xmlns:p14="http://schemas.microsoft.com/office/powerpoint/2010/main" xmlns:p15="http://schemas.microsoft.com/office/powerpoint/2012/main" xmlns:mc="http://schemas.openxmlformats.org/markup-compatibility/2006">
+<p:sld xmlns:a="http://schemas.openxmlformats.org/drawingml/2006/main" xmlns:r="http://schemas.openxmlformats.org/officeDocument/2006/relationships" xmlns:p="http://schemas.openxmlformats.org/presentationml/2006/main">
   <p:cSld>
     <p:spTree>
       <p:nvGrpSpPr>
@@ -8569,6 +9412,7 @@
           <a:bodyPr>
             <a:normAutofit/>
           </a:bodyPr>
+          <a:lstStyle/>
           <a:p>
             <a:pPr algn="r">
               <a:lnSpc>
@@ -8576,7 +9420,7 @@
               </a:lnSpc>
             </a:pPr>
             <a:r>
-              <a:rPr b="0" i="1" lang="en-US" sz="3600" spc="-1" strike="noStrike">
+              <a:rPr lang="en-US" sz="3600" b="0" i="1" strike="noStrike" spc="-1">
                 <a:solidFill>
                   <a:srgbClr val="262626"/>
                 </a:solidFill>
@@ -8584,7 +9428,7 @@
               </a:rPr>
               <a:t>Working with Sprite Maps</a:t>
             </a:r>
-            <a:endParaRPr b="0" lang="en-US" sz="3600" spc="-1" strike="noStrike">
+            <a:endParaRPr lang="en-US" sz="3600" b="0" strike="noStrike" spc="-1">
               <a:solidFill>
                 <a:srgbClr val="000000"/>
               </a:solidFill>
@@ -8616,6 +9460,7 @@
           <a:bodyPr>
             <a:normAutofit/>
           </a:bodyPr>
+          <a:lstStyle/>
           <a:p>
             <a:pPr marL="432000" indent="-324000">
               <a:lnSpc>
@@ -8632,7 +9477,7 @@
               <a:buChar char=""/>
             </a:pPr>
             <a:r>
-              <a:rPr b="0" lang="en-US" sz="2000" spc="-1" strike="noStrike">
+              <a:rPr lang="en-US" sz="2000" b="0" strike="noStrike" spc="-1">
                 <a:solidFill>
                   <a:srgbClr val="262626"/>
                 </a:solidFill>
@@ -8640,15 +9485,9 @@
               </a:rPr>
               <a:t>Update pada fungsi render :</a:t>
             </a:r>
-            <a:endParaRPr b="0" lang="en-US" sz="2000" spc="-1" strike="noStrike">
-              <a:solidFill>
-                <a:srgbClr val="262626"/>
-              </a:solidFill>
-              <a:latin typeface="Corbel"/>
-            </a:endParaRPr>
-          </a:p>
-          <a:p>
-            <a:pPr lvl="1" marL="864000" indent="-324000">
+          </a:p>
+          <a:p>
+            <a:pPr marL="864000" lvl="1" indent="-324000">
               <a:spcBef>
                 <a:spcPts val="1134"/>
               </a:spcBef>
@@ -8660,7 +9499,7 @@
               <a:buChar char=""/>
             </a:pPr>
             <a:r>
-              <a:rPr b="0" lang="en-US" sz="2000" spc="-1" strike="noStrike">
+              <a:rPr lang="en-US" sz="2000" b="0" strike="noStrike" spc="-1">
                 <a:solidFill>
                   <a:srgbClr val="262626"/>
                 </a:solidFill>
@@ -8668,15 +9507,9 @@
               </a:rPr>
               <a:t>webGLRenderer.render(scene, camera);</a:t>
             </a:r>
-            <a:endParaRPr b="0" lang="en-US" sz="2000" spc="-1" strike="noStrike">
-              <a:solidFill>
-                <a:srgbClr val="262626"/>
-              </a:solidFill>
-              <a:latin typeface="Corbel"/>
-            </a:endParaRPr>
-          </a:p>
-          <a:p>
-            <a:pPr lvl="1" marL="864000" indent="-324000">
+          </a:p>
+          <a:p>
+            <a:pPr marL="864000" lvl="1" indent="-324000">
               <a:spcBef>
                 <a:spcPts val="1134"/>
               </a:spcBef>
@@ -8688,7 +9521,7 @@
               <a:buChar char=""/>
             </a:pPr>
             <a:r>
-              <a:rPr b="0" lang="en-US" sz="2000" spc="-1" strike="noStrike">
+              <a:rPr lang="en-US" sz="2000" b="0" strike="noStrike" spc="-1">
                 <a:solidFill>
                   <a:srgbClr val="262626"/>
                 </a:solidFill>
@@ -8696,15 +9529,9 @@
               </a:rPr>
               <a:t>webGLRenderer.autoClear = false;</a:t>
             </a:r>
-            <a:endParaRPr b="0" lang="en-US" sz="2000" spc="-1" strike="noStrike">
-              <a:solidFill>
-                <a:srgbClr val="262626"/>
-              </a:solidFill>
-              <a:latin typeface="Corbel"/>
-            </a:endParaRPr>
-          </a:p>
-          <a:p>
-            <a:pPr lvl="1" marL="864000" indent="-324000">
+          </a:p>
+          <a:p>
+            <a:pPr marL="864000" lvl="1" indent="-324000">
               <a:spcBef>
                 <a:spcPts val="1134"/>
               </a:spcBef>
@@ -8716,7 +9543,7 @@
               <a:buChar char=""/>
             </a:pPr>
             <a:r>
-              <a:rPr b="0" lang="en-US" sz="2000" spc="-1" strike="noStrike">
+              <a:rPr lang="en-US" sz="2000" b="0" strike="noStrike" spc="-1">
                 <a:solidFill>
                   <a:srgbClr val="262626"/>
                 </a:solidFill>
@@ -8724,12 +9551,6 @@
               </a:rPr>
               <a:t>webGLRenderer.render(sceneOrtho, cameraOrtho);</a:t>
             </a:r>
-            <a:endParaRPr b="0" lang="en-US" sz="2000" spc="-1" strike="noStrike">
-              <a:solidFill>
-                <a:srgbClr val="262626"/>
-              </a:solidFill>
-              <a:latin typeface="Corbel"/>
-            </a:endParaRPr>
           </a:p>
           <a:p>
             <a:pPr>
@@ -8740,7 +9561,7 @@
                 <a:spcPts val="901"/>
               </a:spcBef>
             </a:pPr>
-            <a:endParaRPr b="0" lang="en-US" sz="2000" spc="-1" strike="noStrike">
+            <a:endParaRPr lang="en-US" sz="2000" b="0" strike="noStrike" spc="-1">
               <a:solidFill>
                 <a:srgbClr val="262626"/>
               </a:solidFill>
@@ -8756,7 +9577,7 @@
                 <a:spcPts val="901"/>
               </a:spcBef>
             </a:pPr>
-            <a:endParaRPr b="0" lang="en-US" sz="2000" spc="-1" strike="noStrike">
+            <a:endParaRPr lang="en-US" sz="2000" b="0" strike="noStrike" spc="-1">
               <a:solidFill>
                 <a:srgbClr val="262626"/>
               </a:solidFill>
@@ -8767,22 +9588,25 @@
       </p:sp>
     </p:spTree>
   </p:cSld>
+  <p:clrMapOvr>
+    <a:masterClrMapping/>
+  </p:clrMapOvr>
   <p:timing>
     <p:tnLst>
       <p:par>
-        <p:cTn id="29" dur="indefinite" restart="never" nodeType="tmRoot">
+        <p:cTn id="1" dur="indefinite" restart="never" nodeType="tmRoot">
           <p:childTnLst>
             <p:seq>
-              <p:cTn id="30" dur="indefinite" nodeType="mainSeq"/>
+              <p:cTn id="2" dur="indefinite" nodeType="mainSeq"/>
               <p:prevCondLst>
-                <p:cond delay="0" evt="onPrev">
+                <p:cond evt="onPrev" delay="0">
                   <p:tgtEl>
                     <p:sldTgt/>
                   </p:tgtEl>
                 </p:cond>
               </p:prevCondLst>
               <p:nextCondLst>
-                <p:cond delay="0" evt="onNext">
+                <p:cond evt="onNext" delay="0">
                   <p:tgtEl>
                     <p:sldTgt/>
                   </p:tgtEl>
@@ -8798,7 +9622,7 @@
 </file>
 
 <file path=ppt/slides/slide16.xml><?xml version="1.0" encoding="utf-8"?>
-<p:sld xmlns:a="http://schemas.openxmlformats.org/drawingml/2006/main" xmlns:p="http://schemas.openxmlformats.org/presentationml/2006/main" xmlns:r="http://schemas.openxmlformats.org/officeDocument/2006/relationships" xmlns:p14="http://schemas.microsoft.com/office/powerpoint/2010/main" xmlns:p15="http://schemas.microsoft.com/office/powerpoint/2012/main" xmlns:mc="http://schemas.openxmlformats.org/markup-compatibility/2006">
+<p:sld xmlns:a="http://schemas.openxmlformats.org/drawingml/2006/main" xmlns:r="http://schemas.openxmlformats.org/officeDocument/2006/relationships" xmlns:p="http://schemas.openxmlformats.org/presentationml/2006/main">
   <p:cSld>
     <p:spTree>
       <p:nvGrpSpPr>
@@ -8837,6 +9661,7 @@
           <a:bodyPr>
             <a:normAutofit/>
           </a:bodyPr>
+          <a:lstStyle/>
           <a:p>
             <a:pPr algn="r">
               <a:lnSpc>
@@ -8844,7 +9669,7 @@
               </a:lnSpc>
             </a:pPr>
             <a:r>
-              <a:rPr b="0" i="1" lang="en-US" sz="3600" spc="-1" strike="noStrike">
+              <a:rPr lang="en-US" sz="3600" b="0" i="1" strike="noStrike" spc="-1">
                 <a:solidFill>
                   <a:srgbClr val="262626"/>
                 </a:solidFill>
@@ -8852,9 +9677,12 @@
               </a:rPr>
               <a:t>Attribute THREE.Sprite</a:t>
             </a:r>
+            <a:r>
+              <a:t/>
+            </a:r>
             <a:br/>
             <a:r>
-              <a:rPr b="0" i="1" lang="en-US" sz="3600" spc="-1" strike="noStrike">
+              <a:rPr lang="en-US" sz="3600" b="0" i="1" strike="noStrike" spc="-1">
                 <a:solidFill>
                   <a:srgbClr val="262626"/>
                 </a:solidFill>
@@ -8862,7 +9690,7 @@
               </a:rPr>
               <a:t>Material </a:t>
             </a:r>
-            <a:endParaRPr b="0" lang="en-US" sz="3600" spc="-1" strike="noStrike">
+            <a:endParaRPr lang="en-US" sz="3600" b="0" strike="noStrike" spc="-1">
               <a:solidFill>
                 <a:srgbClr val="000000"/>
               </a:solidFill>
@@ -8894,6 +9722,7 @@
           <a:bodyPr>
             <a:normAutofit/>
           </a:bodyPr>
+          <a:lstStyle/>
           <a:p>
             <a:pPr marL="432000" indent="-324000">
               <a:lnSpc>
@@ -8910,7 +9739,7 @@
               <a:buChar char=""/>
             </a:pPr>
             <a:r>
-              <a:rPr b="0" lang="en-US" sz="2000" spc="-1" strike="noStrike">
+              <a:rPr lang="en-US" sz="2000" b="0" strike="noStrike" spc="-1">
                 <a:solidFill>
                   <a:srgbClr val="262626"/>
                 </a:solidFill>
@@ -8918,12 +9747,6 @@
               </a:rPr>
               <a:t>color : warna dari sprite</a:t>
             </a:r>
-            <a:endParaRPr b="0" lang="en-US" sz="2000" spc="-1" strike="noStrike">
-              <a:solidFill>
-                <a:srgbClr val="262626"/>
-              </a:solidFill>
-              <a:latin typeface="Corbel"/>
-            </a:endParaRPr>
           </a:p>
           <a:p>
             <a:pPr marL="432000" indent="-324000">
@@ -8941,7 +9764,7 @@
               <a:buChar char=""/>
             </a:pPr>
             <a:r>
-              <a:rPr b="0" lang="en-US" sz="2000" spc="-1" strike="noStrike">
+              <a:rPr lang="en-US" sz="2000" b="0" strike="noStrike" spc="-1">
                 <a:solidFill>
                   <a:srgbClr val="262626"/>
                 </a:solidFill>
@@ -8949,12 +9772,6 @@
               </a:rPr>
               <a:t>map : texture yang digunakan untuk sprite</a:t>
             </a:r>
-            <a:endParaRPr b="0" lang="en-US" sz="2000" spc="-1" strike="noStrike">
-              <a:solidFill>
-                <a:srgbClr val="262626"/>
-              </a:solidFill>
-              <a:latin typeface="Corbel"/>
-            </a:endParaRPr>
           </a:p>
           <a:p>
             <a:pPr marL="432000" indent="-324000">
@@ -8972,7 +9789,7 @@
               <a:buChar char=""/>
             </a:pPr>
             <a:r>
-              <a:rPr b="0" lang="en-US" sz="2000" spc="-1" strike="noStrike">
+              <a:rPr lang="en-US" sz="2000" b="0" strike="noStrike" spc="-1">
                 <a:solidFill>
                   <a:srgbClr val="262626"/>
                 </a:solidFill>
@@ -8980,12 +9797,6 @@
               </a:rPr>
               <a:t>sizeAnnutation : jika diset false, ukuran sprite tidak dipengaruhi oleh distance camera. Default value = true</a:t>
             </a:r>
-            <a:endParaRPr b="0" lang="en-US" sz="2000" spc="-1" strike="noStrike">
-              <a:solidFill>
-                <a:srgbClr val="262626"/>
-              </a:solidFill>
-              <a:latin typeface="Corbel"/>
-            </a:endParaRPr>
           </a:p>
           <a:p>
             <a:pPr marL="432000" indent="-324000">
@@ -9003,7 +9814,7 @@
               <a:buChar char=""/>
             </a:pPr>
             <a:r>
-              <a:rPr b="0" lang="en-US" sz="2000" spc="-1" strike="noStrike">
+              <a:rPr lang="en-US" sz="2000" b="0" strike="noStrike" spc="-1">
                 <a:solidFill>
                   <a:srgbClr val="262626"/>
                 </a:solidFill>
@@ -9011,12 +9822,6 @@
               </a:rPr>
               <a:t>opacity : set tingkat ketransparan. Default value = 1</a:t>
             </a:r>
-            <a:endParaRPr b="0" lang="en-US" sz="2000" spc="-1" strike="noStrike">
-              <a:solidFill>
-                <a:srgbClr val="262626"/>
-              </a:solidFill>
-              <a:latin typeface="Corbel"/>
-            </a:endParaRPr>
           </a:p>
           <a:p>
             <a:pPr marL="432000" indent="-324000">
@@ -9034,7 +9839,7 @@
               <a:buChar char=""/>
             </a:pPr>
             <a:r>
-              <a:rPr b="0" lang="en-US" sz="2000" spc="-1" strike="noStrike">
+              <a:rPr lang="en-US" sz="2000" b="0" strike="noStrike" spc="-1">
                 <a:solidFill>
                   <a:srgbClr val="262626"/>
                 </a:solidFill>
@@ -9042,12 +9847,6 @@
               </a:rPr>
               <a:t>blending = menentukan blend mode yang digunakan ketika rendering sprite.</a:t>
             </a:r>
-            <a:endParaRPr b="0" lang="en-US" sz="2000" spc="-1" strike="noStrike">
-              <a:solidFill>
-                <a:srgbClr val="262626"/>
-              </a:solidFill>
-              <a:latin typeface="Corbel"/>
-            </a:endParaRPr>
           </a:p>
           <a:p>
             <a:pPr marL="432000" indent="-324000">
@@ -9065,7 +9864,7 @@
               <a:buChar char=""/>
             </a:pPr>
             <a:r>
-              <a:rPr b="0" lang="en-US" sz="2000" spc="-1" strike="noStrike">
+              <a:rPr lang="en-US" sz="2000" b="0" strike="noStrike" spc="-1">
                 <a:solidFill>
                   <a:srgbClr val="262626"/>
                 </a:solidFill>
@@ -9073,12 +9872,6 @@
               </a:rPr>
               <a:t>fog = menentukan apakah sprite dipengaruhi oleh fog yng ditambahkan ke dalam scene. Default value = true</a:t>
             </a:r>
-            <a:endParaRPr b="0" lang="en-US" sz="2000" spc="-1" strike="noStrike">
-              <a:solidFill>
-                <a:srgbClr val="262626"/>
-              </a:solidFill>
-              <a:latin typeface="Corbel"/>
-            </a:endParaRPr>
           </a:p>
           <a:p>
             <a:pPr>
@@ -9089,7 +9882,7 @@
                 <a:spcPts val="901"/>
               </a:spcBef>
             </a:pPr>
-            <a:endParaRPr b="0" lang="en-US" sz="2000" spc="-1" strike="noStrike">
+            <a:endParaRPr lang="en-US" sz="2000" b="0" strike="noStrike" spc="-1">
               <a:solidFill>
                 <a:srgbClr val="262626"/>
               </a:solidFill>
@@ -9105,7 +9898,7 @@
                 <a:spcPts val="901"/>
               </a:spcBef>
             </a:pPr>
-            <a:endParaRPr b="0" lang="en-US" sz="2000" spc="-1" strike="noStrike">
+            <a:endParaRPr lang="en-US" sz="2000" b="0" strike="noStrike" spc="-1">
               <a:solidFill>
                 <a:srgbClr val="262626"/>
               </a:solidFill>
@@ -9116,22 +9909,25 @@
       </p:sp>
     </p:spTree>
   </p:cSld>
+  <p:clrMapOvr>
+    <a:masterClrMapping/>
+  </p:clrMapOvr>
   <p:timing>
     <p:tnLst>
       <p:par>
-        <p:cTn id="31" dur="indefinite" restart="never" nodeType="tmRoot">
+        <p:cTn id="1" dur="indefinite" restart="never" nodeType="tmRoot">
           <p:childTnLst>
             <p:seq>
-              <p:cTn id="32" dur="indefinite" nodeType="mainSeq"/>
+              <p:cTn id="2" dur="indefinite" nodeType="mainSeq"/>
               <p:prevCondLst>
-                <p:cond delay="0" evt="onPrev">
+                <p:cond evt="onPrev" delay="0">
                   <p:tgtEl>
                     <p:sldTgt/>
                   </p:tgtEl>
                 </p:cond>
               </p:prevCondLst>
               <p:nextCondLst>
-                <p:cond delay="0" evt="onNext">
+                <p:cond evt="onNext" delay="0">
                   <p:tgtEl>
                     <p:sldTgt/>
                   </p:tgtEl>
@@ -9147,7 +9943,7 @@
 </file>
 
 <file path=ppt/slides/slide17.xml><?xml version="1.0" encoding="utf-8"?>
-<p:sld xmlns:a="http://schemas.openxmlformats.org/drawingml/2006/main" xmlns:p="http://schemas.openxmlformats.org/presentationml/2006/main" xmlns:r="http://schemas.openxmlformats.org/officeDocument/2006/relationships" xmlns:p14="http://schemas.microsoft.com/office/powerpoint/2010/main" xmlns:p15="http://schemas.microsoft.com/office/powerpoint/2012/main" xmlns:mc="http://schemas.openxmlformats.org/markup-compatibility/2006">
+<p:sld xmlns:a="http://schemas.openxmlformats.org/drawingml/2006/main" xmlns:r="http://schemas.openxmlformats.org/officeDocument/2006/relationships" xmlns:p="http://schemas.openxmlformats.org/presentationml/2006/main">
   <p:cSld>
     <p:spTree>
       <p:nvGrpSpPr>
@@ -9184,6 +9980,7 @@
         </p:spPr>
         <p:txBody>
           <a:bodyPr/>
+          <a:lstStyle/>
           <a:p>
             <a:pPr algn="r">
               <a:lnSpc>
@@ -9191,7 +9988,7 @@
               </a:lnSpc>
             </a:pPr>
             <a:r>
-              <a:rPr b="0" i="1" lang="en-US" sz="3600" spc="-1" strike="noStrike">
+              <a:rPr lang="en-US" sz="3600" b="0" i="1" strike="noStrike" spc="-1">
                 <a:solidFill>
                   <a:srgbClr val="262626"/>
                 </a:solidFill>
@@ -9199,9 +9996,12 @@
               </a:rPr>
               <a:t>Creating THREE.</a:t>
             </a:r>
+            <a:r>
+              <a:t/>
+            </a:r>
             <a:br/>
             <a:r>
-              <a:rPr b="0" i="1" lang="en-US" sz="3600" spc="-1" strike="noStrike">
+              <a:rPr lang="en-US" sz="3600" b="0" i="1" strike="noStrike" spc="-1">
                 <a:solidFill>
                   <a:srgbClr val="262626"/>
                 </a:solidFill>
@@ -9209,7 +10009,7 @@
               </a:rPr>
               <a:t>PointCloud from an advanced geometry </a:t>
             </a:r>
-            <a:endParaRPr b="0" lang="en-US" sz="3600" spc="-1" strike="noStrike">
+            <a:endParaRPr lang="en-US" sz="3600" b="0" strike="noStrike" spc="-1">
               <a:solidFill>
                 <a:srgbClr val="000000"/>
               </a:solidFill>
@@ -9239,6 +10039,7 @@
         </p:spPr>
         <p:txBody>
           <a:bodyPr/>
+          <a:lstStyle/>
           <a:p>
             <a:pPr marL="283320" indent="-282960">
               <a:lnSpc>
@@ -9254,7 +10055,7 @@
               <a:buChar char="•"/>
             </a:pPr>
             <a:r>
-              <a:rPr b="0" lang="en-US" sz="2000" spc="-1" strike="noStrike">
+              <a:rPr lang="en-US" sz="2000" b="0" strike="noStrike" spc="-1">
                 <a:solidFill>
                   <a:srgbClr val="262626"/>
                 </a:solidFill>
@@ -9262,33 +10063,30 @@
               </a:rPr>
               <a:t>THREE.PointCloud merender setiap partikel berdasarkan dari geometri yang telah disediakan. Sehingga dengan demikian kita dapat menggunakan complex geometri dengan THREE.PointCloud</a:t>
             </a:r>
-            <a:endParaRPr b="0" lang="en-US" sz="2000" spc="-1" strike="noStrike">
-              <a:solidFill>
-                <a:srgbClr val="262626"/>
-              </a:solidFill>
-              <a:latin typeface="Corbel"/>
-            </a:endParaRPr>
           </a:p>
         </p:txBody>
       </p:sp>
     </p:spTree>
   </p:cSld>
+  <p:clrMapOvr>
+    <a:masterClrMapping/>
+  </p:clrMapOvr>
   <p:timing>
     <p:tnLst>
       <p:par>
-        <p:cTn id="33" dur="indefinite" restart="never" nodeType="tmRoot">
+        <p:cTn id="1" dur="indefinite" restart="never" nodeType="tmRoot">
           <p:childTnLst>
             <p:seq>
-              <p:cTn id="34" dur="indefinite" nodeType="mainSeq"/>
+              <p:cTn id="2" dur="indefinite" nodeType="mainSeq"/>
               <p:prevCondLst>
-                <p:cond delay="0" evt="onPrev">
+                <p:cond evt="onPrev" delay="0">
                   <p:tgtEl>
                     <p:sldTgt/>
                   </p:tgtEl>
                 </p:cond>
               </p:prevCondLst>
               <p:nextCondLst>
-                <p:cond delay="0" evt="onNext">
+                <p:cond evt="onNext" delay="0">
                   <p:tgtEl>
                     <p:sldTgt/>
                   </p:tgtEl>
@@ -9304,7 +10102,7 @@
 </file>
 
 <file path=ppt/slides/slide18.xml><?xml version="1.0" encoding="utf-8"?>
-<p:sld xmlns:a="http://schemas.openxmlformats.org/drawingml/2006/main" xmlns:p="http://schemas.openxmlformats.org/presentationml/2006/main" xmlns:r="http://schemas.openxmlformats.org/officeDocument/2006/relationships" xmlns:p14="http://schemas.microsoft.com/office/powerpoint/2010/main" xmlns:p15="http://schemas.microsoft.com/office/powerpoint/2012/main" xmlns:mc="http://schemas.openxmlformats.org/markup-compatibility/2006">
+<p:sld xmlns:a="http://schemas.openxmlformats.org/drawingml/2006/main" xmlns:r="http://schemas.openxmlformats.org/officeDocument/2006/relationships" xmlns:p="http://schemas.openxmlformats.org/presentationml/2006/main">
   <p:cSld>
     <p:spTree>
       <p:nvGrpSpPr>
@@ -9341,6 +10139,7 @@
         </p:spPr>
         <p:txBody>
           <a:bodyPr/>
+          <a:lstStyle/>
           <a:p>
             <a:pPr algn="r">
               <a:lnSpc>
@@ -9348,7 +10147,7 @@
               </a:lnSpc>
             </a:pPr>
             <a:r>
-              <a:rPr b="0" i="1" lang="en-US" sz="5000" spc="-1" strike="noStrike">
+              <a:rPr lang="en-US" sz="5000" b="0" i="1" strike="noStrike" spc="-1">
                 <a:solidFill>
                   <a:srgbClr val="262626"/>
                 </a:solidFill>
@@ -9356,7 +10155,7 @@
               </a:rPr>
               <a:t>Thank You For Your Attention</a:t>
             </a:r>
-            <a:endParaRPr b="0" lang="en-US" sz="5000" spc="-1" strike="noStrike">
+            <a:endParaRPr lang="en-US" sz="5000" b="0" strike="noStrike" spc="-1">
               <a:solidFill>
                 <a:srgbClr val="000000"/>
               </a:solidFill>
@@ -9367,22 +10166,25 @@
       </p:sp>
     </p:spTree>
   </p:cSld>
+  <p:clrMapOvr>
+    <a:masterClrMapping/>
+  </p:clrMapOvr>
   <p:timing>
     <p:tnLst>
       <p:par>
-        <p:cTn id="35" dur="indefinite" restart="never" nodeType="tmRoot">
+        <p:cTn id="1" dur="indefinite" restart="never" nodeType="tmRoot">
           <p:childTnLst>
             <p:seq>
-              <p:cTn id="36" dur="indefinite" nodeType="mainSeq"/>
+              <p:cTn id="2" dur="indefinite" nodeType="mainSeq"/>
               <p:prevCondLst>
-                <p:cond delay="0" evt="onPrev">
+                <p:cond evt="onPrev" delay="0">
                   <p:tgtEl>
                     <p:sldTgt/>
                   </p:tgtEl>
                 </p:cond>
               </p:prevCondLst>
               <p:nextCondLst>
-                <p:cond delay="0" evt="onNext">
+                <p:cond evt="onNext" delay="0">
                   <p:tgtEl>
                     <p:sldTgt/>
                   </p:tgtEl>
@@ -9398,7 +10200,7 @@
 </file>
 
 <file path=ppt/slides/slide2.xml><?xml version="1.0" encoding="utf-8"?>
-<p:sld xmlns:a="http://schemas.openxmlformats.org/drawingml/2006/main" xmlns:p="http://schemas.openxmlformats.org/presentationml/2006/main" xmlns:r="http://schemas.openxmlformats.org/officeDocument/2006/relationships" xmlns:p14="http://schemas.microsoft.com/office/powerpoint/2010/main" xmlns:p15="http://schemas.microsoft.com/office/powerpoint/2012/main" xmlns:mc="http://schemas.openxmlformats.org/markup-compatibility/2006">
+<p:sld xmlns:a="http://schemas.openxmlformats.org/drawingml/2006/main" xmlns:r="http://schemas.openxmlformats.org/officeDocument/2006/relationships" xmlns:p="http://schemas.openxmlformats.org/presentationml/2006/main">
   <p:cSld>
     <p:spTree>
       <p:nvGrpSpPr>
@@ -9437,6 +10239,7 @@
           <a:bodyPr>
             <a:normAutofit/>
           </a:bodyPr>
+          <a:lstStyle/>
           <a:p>
             <a:pPr algn="r">
               <a:lnSpc>
@@ -9444,7 +10247,7 @@
               </a:lnSpc>
             </a:pPr>
             <a:r>
-              <a:rPr b="0" i="1" lang="en-US" sz="3600" spc="-1" strike="noStrike">
+              <a:rPr lang="en-US" sz="3600" b="0" i="1" strike="noStrike" spc="-1">
                 <a:solidFill>
                   <a:srgbClr val="262626"/>
                 </a:solidFill>
@@ -9452,7 +10255,7 @@
               </a:rPr>
               <a:t>Introduction</a:t>
             </a:r>
-            <a:endParaRPr b="0" lang="en-US" sz="3600" spc="-1" strike="noStrike">
+            <a:endParaRPr lang="en-US" sz="3600" b="0" strike="noStrike" spc="-1">
               <a:solidFill>
                 <a:srgbClr val="000000"/>
               </a:solidFill>
@@ -9482,6 +10285,7 @@
         </p:spPr>
         <p:txBody>
           <a:bodyPr/>
+          <a:lstStyle/>
           <a:p>
             <a:pPr marL="283320" indent="-282960">
               <a:lnSpc>
@@ -9497,7 +10301,7 @@
               <a:buChar char="•"/>
             </a:pPr>
             <a:r>
-              <a:rPr b="0" lang="en-US" sz="2000" spc="-1" strike="noStrike">
+              <a:rPr lang="en-US" sz="2000" b="0" strike="noStrike" spc="-1">
                 <a:solidFill>
                   <a:srgbClr val="262626"/>
                 </a:solidFill>
@@ -9505,12 +10309,6 @@
               </a:rPr>
               <a:t>Sprite: Sebuah bidang 2 dimensi yang selalu menghadap kepada kamera.</a:t>
             </a:r>
-            <a:endParaRPr b="0" lang="en-US" sz="2000" spc="-1" strike="noStrike">
-              <a:solidFill>
-                <a:srgbClr val="262626"/>
-              </a:solidFill>
-              <a:latin typeface="Corbel"/>
-            </a:endParaRPr>
           </a:p>
           <a:p>
             <a:pPr marL="283320" indent="-282960">
@@ -9527,7 +10325,7 @@
               <a:buChar char="•"/>
             </a:pPr>
             <a:r>
-              <a:rPr b="0" lang="en-US" sz="2000" spc="-1" strike="noStrike">
+              <a:rPr lang="en-US" sz="2000" b="0" strike="noStrike" spc="-1">
                 <a:solidFill>
                   <a:srgbClr val="262626"/>
                 </a:solidFill>
@@ -9535,12 +10333,6 @@
               </a:rPr>
               <a:t>Particle: sama seperti sprite, penyebutan di versi lama THREE js</a:t>
             </a:r>
-            <a:endParaRPr b="0" lang="en-US" sz="2000" spc="-1" strike="noStrike">
-              <a:solidFill>
-                <a:srgbClr val="262626"/>
-              </a:solidFill>
-              <a:latin typeface="Corbel"/>
-            </a:endParaRPr>
           </a:p>
           <a:p>
             <a:pPr marL="283320" indent="-282960">
@@ -9557,7 +10349,7 @@
               <a:buChar char="•"/>
             </a:pPr>
             <a:r>
-              <a:rPr b="0" lang="en-US" sz="2000" spc="-1" strike="noStrike">
+              <a:rPr lang="en-US" sz="2000" b="0" strike="noStrike" spc="-1">
                 <a:solidFill>
                   <a:srgbClr val="262626"/>
                 </a:solidFill>
@@ -9565,12 +10357,6 @@
               </a:rPr>
               <a:t>Point Cloud: Kumpulan dari banyak particle</a:t>
             </a:r>
-            <a:endParaRPr b="0" lang="en-US" sz="2000" spc="-1" strike="noStrike">
-              <a:solidFill>
-                <a:srgbClr val="262626"/>
-              </a:solidFill>
-              <a:latin typeface="Corbel"/>
-            </a:endParaRPr>
           </a:p>
           <a:p>
             <a:pPr>
@@ -9581,7 +10367,7 @@
                 <a:spcPts val="901"/>
               </a:spcBef>
             </a:pPr>
-            <a:endParaRPr b="0" lang="en-US" sz="2000" spc="-1" strike="noStrike">
+            <a:endParaRPr lang="en-US" sz="2000" b="0" strike="noStrike" spc="-1">
               <a:solidFill>
                 <a:srgbClr val="262626"/>
               </a:solidFill>
@@ -9592,22 +10378,25 @@
       </p:sp>
     </p:spTree>
   </p:cSld>
+  <p:clrMapOvr>
+    <a:masterClrMapping/>
+  </p:clrMapOvr>
   <p:timing>
     <p:tnLst>
       <p:par>
-        <p:cTn id="3" dur="indefinite" restart="never" nodeType="tmRoot">
+        <p:cTn id="1" dur="indefinite" restart="never" nodeType="tmRoot">
           <p:childTnLst>
             <p:seq>
-              <p:cTn id="4" dur="indefinite" nodeType="mainSeq"/>
+              <p:cTn id="2" dur="indefinite" nodeType="mainSeq"/>
               <p:prevCondLst>
-                <p:cond delay="0" evt="onPrev">
+                <p:cond evt="onPrev" delay="0">
                   <p:tgtEl>
                     <p:sldTgt/>
                   </p:tgtEl>
                 </p:cond>
               </p:prevCondLst>
               <p:nextCondLst>
-                <p:cond delay="0" evt="onNext">
+                <p:cond evt="onNext" delay="0">
                   <p:tgtEl>
                     <p:sldTgt/>
                   </p:tgtEl>
@@ -9623,7 +10412,7 @@
 </file>
 
 <file path=ppt/slides/slide3.xml><?xml version="1.0" encoding="utf-8"?>
-<p:sld xmlns:a="http://schemas.openxmlformats.org/drawingml/2006/main" xmlns:p="http://schemas.openxmlformats.org/presentationml/2006/main" xmlns:r="http://schemas.openxmlformats.org/officeDocument/2006/relationships" xmlns:p14="http://schemas.microsoft.com/office/powerpoint/2010/main" xmlns:p15="http://schemas.microsoft.com/office/powerpoint/2012/main" xmlns:mc="http://schemas.openxmlformats.org/markup-compatibility/2006">
+<p:sld xmlns:a="http://schemas.openxmlformats.org/drawingml/2006/main" xmlns:r="http://schemas.openxmlformats.org/officeDocument/2006/relationships" xmlns:p="http://schemas.openxmlformats.org/presentationml/2006/main">
   <p:cSld>
     <p:spTree>
       <p:nvGrpSpPr>
@@ -9662,6 +10451,7 @@
           <a:bodyPr>
             <a:normAutofit/>
           </a:bodyPr>
+          <a:lstStyle/>
           <a:p>
             <a:pPr algn="r">
               <a:lnSpc>
@@ -9669,7 +10459,7 @@
               </a:lnSpc>
             </a:pPr>
             <a:r>
-              <a:rPr b="0" i="1" lang="en-US" sz="3600" spc="-1" strike="noStrike">
+              <a:rPr lang="en-US" sz="3600" b="0" i="1" strike="noStrike" spc="-1">
                 <a:solidFill>
                   <a:srgbClr val="262626"/>
                 </a:solidFill>
@@ -9677,7 +10467,7 @@
               </a:rPr>
               <a:t>Sprites</a:t>
             </a:r>
-            <a:endParaRPr b="0" lang="en-US" sz="3600" spc="-1" strike="noStrike">
+            <a:endParaRPr lang="en-US" sz="3600" b="0" strike="noStrike" spc="-1">
               <a:solidFill>
                 <a:srgbClr val="000000"/>
               </a:solidFill>
@@ -9707,6 +10497,7 @@
         </p:spPr>
         <p:txBody>
           <a:bodyPr/>
+          <a:lstStyle/>
           <a:p>
             <a:pPr marL="283320" indent="-282960">
               <a:lnSpc>
@@ -9722,7 +10513,7 @@
               <a:buChar char="•"/>
             </a:pPr>
             <a:r>
-              <a:rPr b="0" lang="en-US" sz="2000" spc="-1" strike="noStrike">
+              <a:rPr lang="en-US" sz="2000" b="0" strike="noStrike" spc="-1">
                 <a:solidFill>
                   <a:srgbClr val="262626"/>
                 </a:solidFill>
@@ -9730,15 +10521,9 @@
               </a:rPr>
               <a:t>Konstruktornya menerima 1 parameter, yaitu material dengan syntax :</a:t>
             </a:r>
-            <a:endParaRPr b="0" lang="en-US" sz="2000" spc="-1" strike="noStrike">
-              <a:solidFill>
-                <a:srgbClr val="262626"/>
-              </a:solidFill>
-              <a:latin typeface="Corbel"/>
-            </a:endParaRPr>
-          </a:p>
-          <a:p>
-            <a:pPr lvl="1" marL="864000" indent="-324000">
+          </a:p>
+          <a:p>
+            <a:pPr marL="864000" lvl="1" indent="-324000">
               <a:spcBef>
                 <a:spcPts val="1134"/>
               </a:spcBef>
@@ -9750,7 +10535,7 @@
               <a:buChar char=""/>
             </a:pPr>
             <a:r>
-              <a:rPr b="0" lang="en-US" sz="2000" spc="-1" strike="noStrike">
+              <a:rPr lang="en-US" sz="2000" b="0" strike="noStrike" spc="-1">
                 <a:solidFill>
                   <a:srgbClr val="262626"/>
                 </a:solidFill>
@@ -9758,12 +10543,6 @@
               </a:rPr>
               <a:t>var sprite = new THREE.Sprite(material);</a:t>
             </a:r>
-            <a:endParaRPr b="0" lang="en-US" sz="2000" spc="-1" strike="noStrike">
-              <a:solidFill>
-                <a:srgbClr val="262626"/>
-              </a:solidFill>
-              <a:latin typeface="Corbel"/>
-            </a:endParaRPr>
           </a:p>
           <a:p>
             <a:pPr marL="283320" indent="-282960">
@@ -9777,7 +10556,7 @@
               <a:buChar char="•"/>
             </a:pPr>
             <a:r>
-              <a:rPr b="0" lang="en-US" sz="2000" spc="-1" strike="noStrike">
+              <a:rPr lang="en-US" sz="2000" b="0" strike="noStrike" spc="-1">
                 <a:solidFill>
                   <a:srgbClr val="262626"/>
                 </a:solidFill>
@@ -9785,15 +10564,9 @@
               </a:rPr>
               <a:t>Properties:</a:t>
             </a:r>
-            <a:endParaRPr b="0" lang="en-US" sz="2000" spc="-1" strike="noStrike">
-              <a:solidFill>
-                <a:srgbClr val="262626"/>
-              </a:solidFill>
-              <a:latin typeface="Corbel"/>
-            </a:endParaRPr>
-          </a:p>
-          <a:p>
-            <a:pPr lvl="1" marL="864000" indent="-324000">
+          </a:p>
+          <a:p>
+            <a:pPr marL="864000" lvl="1" indent="-324000">
               <a:spcBef>
                 <a:spcPts val="1134"/>
               </a:spcBef>
@@ -9805,7 +10578,7 @@
               <a:buChar char=""/>
             </a:pPr>
             <a:r>
-              <a:rPr b="0" lang="en-US" sz="2000" spc="-1" strike="noStrike">
+              <a:rPr lang="en-US" sz="2000" b="0" strike="noStrike" spc="-1">
                 <a:solidFill>
                   <a:srgbClr val="262626"/>
                 </a:solidFill>
@@ -9813,15 +10586,9 @@
               </a:rPr>
               <a:t>isSprite : mengecek apakah objek merupakan Sprite</a:t>
             </a:r>
-            <a:endParaRPr b="0" lang="en-US" sz="2000" spc="-1" strike="noStrike">
-              <a:solidFill>
-                <a:srgbClr val="262626"/>
-              </a:solidFill>
-              <a:latin typeface="Corbel"/>
-            </a:endParaRPr>
-          </a:p>
-          <a:p>
-            <a:pPr lvl="1" marL="864000" indent="-324000">
+          </a:p>
+          <a:p>
+            <a:pPr marL="864000" lvl="1" indent="-324000">
               <a:spcBef>
                 <a:spcPts val="1134"/>
               </a:spcBef>
@@ -9833,7 +10600,7 @@
               <a:buChar char=""/>
             </a:pPr>
             <a:r>
-              <a:rPr b="0" lang="en-US" sz="2000" spc="-1" strike="noStrike">
+              <a:rPr lang="en-US" sz="2000" b="0" strike="noStrike" spc="-1">
                 <a:solidFill>
                   <a:srgbClr val="262626"/>
                 </a:solidFill>
@@ -9841,15 +10608,9 @@
               </a:rPr>
               <a:t>material : menentukan material dari sprite. Default adalah white SpriteMaterial</a:t>
             </a:r>
-            <a:endParaRPr b="0" lang="en-US" sz="2000" spc="-1" strike="noStrike">
-              <a:solidFill>
-                <a:srgbClr val="262626"/>
-              </a:solidFill>
-              <a:latin typeface="Corbel"/>
-            </a:endParaRPr>
-          </a:p>
-          <a:p>
-            <a:pPr lvl="1" marL="864000" indent="-324000">
+          </a:p>
+          <a:p>
+            <a:pPr marL="864000" lvl="1" indent="-324000">
               <a:spcBef>
                 <a:spcPts val="1134"/>
               </a:spcBef>
@@ -9861,7 +10622,7 @@
               <a:buChar char=""/>
             </a:pPr>
             <a:r>
-              <a:rPr b="0" lang="en-US" sz="2000" spc="-1" strike="noStrike">
+              <a:rPr lang="en-US" sz="2000" b="0" strike="noStrike" spc="-1">
                 <a:solidFill>
                   <a:srgbClr val="262626"/>
                 </a:solidFill>
@@ -9869,12 +10630,6 @@
               </a:rPr>
               <a:t>center : titik poros dari sprite. Value (0.5, 0.5) merupakan posisi tengah, sedangkan (0, 0) merupakan posisi ujung kiri bawah.</a:t>
             </a:r>
-            <a:endParaRPr b="0" lang="en-US" sz="2000" spc="-1" strike="noStrike">
-              <a:solidFill>
-                <a:srgbClr val="262626"/>
-              </a:solidFill>
-              <a:latin typeface="Corbel"/>
-            </a:endParaRPr>
           </a:p>
           <a:p>
             <a:pPr>
@@ -9885,7 +10640,7 @@
                 <a:spcPts val="901"/>
               </a:spcBef>
             </a:pPr>
-            <a:endParaRPr b="0" lang="en-US" sz="2000" spc="-1" strike="noStrike">
+            <a:endParaRPr lang="en-US" sz="2000" b="0" strike="noStrike" spc="-1">
               <a:solidFill>
                 <a:srgbClr val="262626"/>
               </a:solidFill>
@@ -9896,22 +10651,25 @@
       </p:sp>
     </p:spTree>
   </p:cSld>
+  <p:clrMapOvr>
+    <a:masterClrMapping/>
+  </p:clrMapOvr>
   <p:timing>
     <p:tnLst>
       <p:par>
-        <p:cTn id="5" dur="indefinite" restart="never" nodeType="tmRoot">
+        <p:cTn id="1" dur="indefinite" restart="never" nodeType="tmRoot">
           <p:childTnLst>
             <p:seq>
-              <p:cTn id="6" dur="indefinite" nodeType="mainSeq"/>
+              <p:cTn id="2" dur="indefinite" nodeType="mainSeq"/>
               <p:prevCondLst>
-                <p:cond delay="0" evt="onPrev">
+                <p:cond evt="onPrev" delay="0">
                   <p:tgtEl>
                     <p:sldTgt/>
                   </p:tgtEl>
                 </p:cond>
               </p:prevCondLst>
               <p:nextCondLst>
-                <p:cond delay="0" evt="onNext">
+                <p:cond evt="onNext" delay="0">
                   <p:tgtEl>
                     <p:sldTgt/>
                   </p:tgtEl>
@@ -9927,7 +10685,7 @@
 </file>
 
 <file path=ppt/slides/slide4.xml><?xml version="1.0" encoding="utf-8"?>
-<p:sld xmlns:a="http://schemas.openxmlformats.org/drawingml/2006/main" xmlns:p="http://schemas.openxmlformats.org/presentationml/2006/main" xmlns:r="http://schemas.openxmlformats.org/officeDocument/2006/relationships" xmlns:p14="http://schemas.microsoft.com/office/powerpoint/2010/main" xmlns:p15="http://schemas.microsoft.com/office/powerpoint/2012/main" xmlns:mc="http://schemas.openxmlformats.org/markup-compatibility/2006">
+<p:sld xmlns:a="http://schemas.openxmlformats.org/drawingml/2006/main" xmlns:r="http://schemas.openxmlformats.org/officeDocument/2006/relationships" xmlns:p="http://schemas.openxmlformats.org/presentationml/2006/main">
   <p:cSld>
     <p:spTree>
       <p:nvGrpSpPr>
@@ -9966,6 +10724,7 @@
           <a:bodyPr>
             <a:normAutofit/>
           </a:bodyPr>
+          <a:lstStyle/>
           <a:p>
             <a:pPr algn="r">
               <a:lnSpc>
@@ -9973,7 +10732,7 @@
               </a:lnSpc>
             </a:pPr>
             <a:r>
-              <a:rPr b="0" i="1" lang="en-US" sz="3600" spc="-1" strike="noStrike">
+              <a:rPr lang="en-US" sz="3600" b="0" i="1" strike="noStrike" spc="-1">
                 <a:solidFill>
                   <a:srgbClr val="262626"/>
                 </a:solidFill>
@@ -9981,7 +10740,7 @@
               </a:rPr>
               <a:t>Sprites</a:t>
             </a:r>
-            <a:endParaRPr b="0" lang="en-US" sz="3600" spc="-1" strike="noStrike">
+            <a:endParaRPr lang="en-US" sz="3600" b="0" strike="noStrike" spc="-1">
               <a:solidFill>
                 <a:srgbClr val="000000"/>
               </a:solidFill>
@@ -10011,6 +10770,7 @@
         </p:spPr>
         <p:txBody>
           <a:bodyPr/>
+          <a:lstStyle/>
           <a:p>
             <a:pPr marL="283320" indent="-282960">
               <a:lnSpc>
@@ -10026,7 +10786,7 @@
               <a:buChar char="•"/>
             </a:pPr>
             <a:r>
-              <a:rPr b="0" lang="en-US" sz="2000" spc="-1" strike="noStrike">
+              <a:rPr lang="en-US" sz="2000" b="0" strike="noStrike" spc="-1">
                 <a:solidFill>
                   <a:srgbClr val="262626"/>
                 </a:solidFill>
@@ -10034,15 +10794,9 @@
               </a:rPr>
               <a:t>Methods :</a:t>
             </a:r>
-            <a:endParaRPr b="0" lang="en-US" sz="2000" spc="-1" strike="noStrike">
-              <a:solidFill>
-                <a:srgbClr val="262626"/>
-              </a:solidFill>
-              <a:latin typeface="Corbel"/>
-            </a:endParaRPr>
-          </a:p>
-          <a:p>
-            <a:pPr lvl="1" marL="864000" indent="-324000">
+          </a:p>
+          <a:p>
+            <a:pPr marL="864000" lvl="1" indent="-324000">
               <a:spcBef>
                 <a:spcPts val="1134"/>
               </a:spcBef>
@@ -10054,7 +10808,7 @@
               <a:buChar char=""/>
             </a:pPr>
             <a:r>
-              <a:rPr b="0" lang="en-US" sz="2000" spc="-1" strike="noStrike">
+              <a:rPr lang="en-US" sz="2000" b="0" strike="noStrike" spc="-1">
                 <a:solidFill>
                   <a:srgbClr val="262626"/>
                 </a:solidFill>
@@ -10062,15 +10816,9 @@
               </a:rPr>
               <a:t>clone() : return clone dari Sprite ini.</a:t>
             </a:r>
-            <a:endParaRPr b="0" lang="en-US" sz="2000" spc="-1" strike="noStrike">
-              <a:solidFill>
-                <a:srgbClr val="262626"/>
-              </a:solidFill>
-              <a:latin typeface="Corbel"/>
-            </a:endParaRPr>
-          </a:p>
-          <a:p>
-            <a:pPr lvl="1" marL="864000" indent="-324000">
+          </a:p>
+          <a:p>
+            <a:pPr marL="864000" lvl="1" indent="-324000">
               <a:spcBef>
                 <a:spcPts val="1134"/>
               </a:spcBef>
@@ -10082,7 +10830,7 @@
               <a:buChar char=""/>
             </a:pPr>
             <a:r>
-              <a:rPr b="0" lang="en-US" sz="2000" spc="-1" strike="noStrike">
+              <a:rPr lang="en-US" sz="2000" b="0" strike="noStrike" spc="-1">
                 <a:solidFill>
                   <a:srgbClr val="262626"/>
                 </a:solidFill>
@@ -10090,15 +10838,9 @@
               </a:rPr>
               <a:t>copy() : copy property value dari sprite terterntu ke sprite ini.</a:t>
             </a:r>
-            <a:endParaRPr b="0" lang="en-US" sz="2000" spc="-1" strike="noStrike">
-              <a:solidFill>
-                <a:srgbClr val="262626"/>
-              </a:solidFill>
-              <a:latin typeface="Corbel"/>
-            </a:endParaRPr>
-          </a:p>
-          <a:p>
-            <a:pPr lvl="1" marL="864000" indent="-324000">
+          </a:p>
+          <a:p>
+            <a:pPr marL="864000" lvl="1" indent="-324000">
               <a:spcBef>
                 <a:spcPts val="1134"/>
               </a:spcBef>
@@ -10110,7 +10852,7 @@
               <a:buChar char=""/>
             </a:pPr>
             <a:r>
-              <a:rPr b="0" lang="en-US" sz="2000" spc="-1" strike="noStrike">
+              <a:rPr lang="en-US" sz="2000" b="0" strike="noStrike" spc="-1">
                 <a:solidFill>
                   <a:srgbClr val="262626"/>
                 </a:solidFill>
@@ -10118,33 +10860,30 @@
               </a:rPr>
               <a:t>raycast() : mendapatkan perpotongan dari sebuah casted ray dengan sprite ini.</a:t>
             </a:r>
-            <a:endParaRPr b="0" lang="en-US" sz="2000" spc="-1" strike="noStrike">
-              <a:solidFill>
-                <a:srgbClr val="262626"/>
-              </a:solidFill>
-              <a:latin typeface="Corbel"/>
-            </a:endParaRPr>
           </a:p>
         </p:txBody>
       </p:sp>
     </p:spTree>
   </p:cSld>
+  <p:clrMapOvr>
+    <a:masterClrMapping/>
+  </p:clrMapOvr>
   <p:timing>
     <p:tnLst>
       <p:par>
-        <p:cTn id="7" dur="indefinite" restart="never" nodeType="tmRoot">
+        <p:cTn id="1" dur="indefinite" restart="never" nodeType="tmRoot">
           <p:childTnLst>
             <p:seq>
-              <p:cTn id="8" dur="indefinite" nodeType="mainSeq"/>
+              <p:cTn id="2" dur="indefinite" nodeType="mainSeq"/>
               <p:prevCondLst>
-                <p:cond delay="0" evt="onPrev">
+                <p:cond evt="onPrev" delay="0">
                   <p:tgtEl>
                     <p:sldTgt/>
                   </p:tgtEl>
                 </p:cond>
               </p:prevCondLst>
               <p:nextCondLst>
-                <p:cond delay="0" evt="onNext">
+                <p:cond evt="onNext" delay="0">
                   <p:tgtEl>
                     <p:sldTgt/>
                   </p:tgtEl>
@@ -10160,7 +10899,7 @@
 </file>
 
 <file path=ppt/slides/slide5.xml><?xml version="1.0" encoding="utf-8"?>
-<p:sld xmlns:a="http://schemas.openxmlformats.org/drawingml/2006/main" xmlns:p="http://schemas.openxmlformats.org/presentationml/2006/main" xmlns:r="http://schemas.openxmlformats.org/officeDocument/2006/relationships" xmlns:p14="http://schemas.microsoft.com/office/powerpoint/2010/main" xmlns:p15="http://schemas.microsoft.com/office/powerpoint/2012/main" xmlns:mc="http://schemas.openxmlformats.org/markup-compatibility/2006">
+<p:sld xmlns:a="http://schemas.openxmlformats.org/drawingml/2006/main" xmlns:r="http://schemas.openxmlformats.org/officeDocument/2006/relationships" xmlns:p="http://schemas.openxmlformats.org/presentationml/2006/main">
   <p:cSld>
     <p:spTree>
       <p:nvGrpSpPr>
@@ -10199,6 +10938,7 @@
           <a:bodyPr>
             <a:normAutofit/>
           </a:bodyPr>
+          <a:lstStyle/>
           <a:p>
             <a:pPr algn="r">
               <a:lnSpc>
@@ -10206,7 +10946,7 @@
               </a:lnSpc>
             </a:pPr>
             <a:r>
-              <a:rPr b="0" i="1" lang="en-US" sz="3600" spc="-1" strike="noStrike">
+              <a:rPr lang="en-US" sz="3600" b="0" i="1" strike="noStrike" spc="-1">
                 <a:solidFill>
                   <a:srgbClr val="262626"/>
                 </a:solidFill>
@@ -10214,7 +10954,7 @@
               </a:rPr>
               <a:t>Point Cloud</a:t>
             </a:r>
-            <a:endParaRPr b="0" lang="en-US" sz="3600" spc="-1" strike="noStrike">
+            <a:endParaRPr lang="en-US" sz="3600" b="0" strike="noStrike" spc="-1">
               <a:solidFill>
                 <a:srgbClr val="000000"/>
               </a:solidFill>
@@ -10244,6 +10984,7 @@
         </p:spPr>
         <p:txBody>
           <a:bodyPr/>
+          <a:lstStyle/>
           <a:p>
             <a:pPr marL="283320" indent="-282960">
               <a:lnSpc>
@@ -10259,7 +11000,7 @@
               <a:buChar char="•"/>
             </a:pPr>
             <a:r>
-              <a:rPr b="0" lang="en-US" sz="2000" spc="-1" strike="noStrike">
+              <a:rPr lang="en-US" sz="2000" b="0" strike="noStrike" spc="-1">
                 <a:solidFill>
                   <a:srgbClr val="262626"/>
                 </a:solidFill>
@@ -10267,15 +11008,9 @@
               </a:rPr>
               <a:t>Konstruktornya menerima 2 parameter yaitu geometri dan material dengan syntax:</a:t>
             </a:r>
-            <a:endParaRPr b="0" lang="en-US" sz="2000" spc="-1" strike="noStrike">
-              <a:solidFill>
-                <a:srgbClr val="262626"/>
-              </a:solidFill>
-              <a:latin typeface="Corbel"/>
-            </a:endParaRPr>
-          </a:p>
-          <a:p>
-            <a:pPr lvl="1" marL="685800" indent="-282960">
+          </a:p>
+          <a:p>
+            <a:pPr marL="685800" lvl="1" indent="-282960">
               <a:lnSpc>
                 <a:spcPct val="112000"/>
               </a:lnSpc>
@@ -10289,7 +11024,7 @@
               <a:buChar char="–"/>
             </a:pPr>
             <a:r>
-              <a:rPr b="0" lang="en-US" sz="1800" spc="-1" strike="noStrike">
+              <a:rPr lang="en-US" sz="1800" b="0" strike="noStrike" spc="-1">
                 <a:solidFill>
                   <a:srgbClr val="262626"/>
                 </a:solidFill>
@@ -10297,12 +11032,6 @@
               </a:rPr>
               <a:t>var cloud = new THREE.PointCloud(geometry, material); </a:t>
             </a:r>
-            <a:endParaRPr b="0" lang="en-US" sz="1800" spc="-1" strike="noStrike">
-              <a:solidFill>
-                <a:srgbClr val="262626"/>
-              </a:solidFill>
-              <a:latin typeface="Corbel"/>
-            </a:endParaRPr>
           </a:p>
           <a:p>
             <a:pPr>
@@ -10313,7 +11042,7 @@
                 <a:spcPts val="901"/>
               </a:spcBef>
             </a:pPr>
-            <a:endParaRPr b="0" lang="en-US" sz="1800" spc="-1" strike="noStrike">
+            <a:endParaRPr lang="en-US" sz="1800" b="0" strike="noStrike" spc="-1">
               <a:solidFill>
                 <a:srgbClr val="262626"/>
               </a:solidFill>
@@ -10324,22 +11053,25 @@
       </p:sp>
     </p:spTree>
   </p:cSld>
+  <p:clrMapOvr>
+    <a:masterClrMapping/>
+  </p:clrMapOvr>
   <p:timing>
     <p:tnLst>
       <p:par>
-        <p:cTn id="9" dur="indefinite" restart="never" nodeType="tmRoot">
+        <p:cTn id="1" dur="indefinite" restart="never" nodeType="tmRoot">
           <p:childTnLst>
             <p:seq>
-              <p:cTn id="10" dur="indefinite" nodeType="mainSeq"/>
+              <p:cTn id="2" dur="indefinite" nodeType="mainSeq"/>
               <p:prevCondLst>
-                <p:cond delay="0" evt="onPrev">
+                <p:cond evt="onPrev" delay="0">
                   <p:tgtEl>
                     <p:sldTgt/>
                   </p:tgtEl>
                 </p:cond>
               </p:prevCondLst>
               <p:nextCondLst>
-                <p:cond delay="0" evt="onNext">
+                <p:cond evt="onNext" delay="0">
                   <p:tgtEl>
                     <p:sldTgt/>
                   </p:tgtEl>
@@ -10355,7 +11087,7 @@
 </file>
 
 <file path=ppt/slides/slide6.xml><?xml version="1.0" encoding="utf-8"?>
-<p:sld xmlns:a="http://schemas.openxmlformats.org/drawingml/2006/main" xmlns:p="http://schemas.openxmlformats.org/presentationml/2006/main" xmlns:r="http://schemas.openxmlformats.org/officeDocument/2006/relationships" xmlns:p14="http://schemas.microsoft.com/office/powerpoint/2010/main" xmlns:p15="http://schemas.microsoft.com/office/powerpoint/2012/main" xmlns:mc="http://schemas.openxmlformats.org/markup-compatibility/2006">
+<p:sld xmlns:a="http://schemas.openxmlformats.org/drawingml/2006/main" xmlns:r="http://schemas.openxmlformats.org/officeDocument/2006/relationships" xmlns:p="http://schemas.openxmlformats.org/presentationml/2006/main">
   <p:cSld>
     <p:spTree>
       <p:nvGrpSpPr>
@@ -10394,6 +11126,7 @@
           <a:bodyPr>
             <a:normAutofit/>
           </a:bodyPr>
+          <a:lstStyle/>
           <a:p>
             <a:pPr algn="r">
               <a:lnSpc>
@@ -10401,7 +11134,7 @@
               </a:lnSpc>
             </a:pPr>
             <a:r>
-              <a:rPr b="0" i="1" lang="en-US" sz="3600" spc="-1" strike="noStrike">
+              <a:rPr lang="en-US" sz="3600" b="0" i="1" strike="noStrike" spc="-1">
                 <a:solidFill>
                   <a:srgbClr val="262626"/>
                 </a:solidFill>
@@ -10409,9 +11142,12 @@
               </a:rPr>
               <a:t>Attributte THREE.Point</a:t>
             </a:r>
+            <a:r>
+              <a:t/>
+            </a:r>
             <a:br/>
             <a:r>
-              <a:rPr b="0" i="1" lang="en-US" sz="3600" spc="-1" strike="noStrike">
+              <a:rPr lang="en-US" sz="3600" b="0" i="1" strike="noStrike" spc="-1">
                 <a:solidFill>
                   <a:srgbClr val="262626"/>
                 </a:solidFill>
@@ -10419,7 +11155,7 @@
               </a:rPr>
               <a:t>CloudMaterial</a:t>
             </a:r>
-            <a:endParaRPr b="0" lang="en-US" sz="3600" spc="-1" strike="noStrike">
+            <a:endParaRPr lang="en-US" sz="3600" b="0" strike="noStrike" spc="-1">
               <a:solidFill>
                 <a:srgbClr val="000000"/>
               </a:solidFill>
@@ -10449,8 +11185,9 @@
         </p:spPr>
         <p:txBody>
           <a:bodyPr>
-            <a:normAutofit/>
+            <a:normAutofit lnSpcReduction="10000"/>
           </a:bodyPr>
+          <a:lstStyle/>
           <a:p>
             <a:pPr marL="283320" indent="-282960">
               <a:lnSpc>
@@ -10466,29 +11203,14 @@
               <a:buChar char="•"/>
             </a:pPr>
             <a:r>
-              <a:rPr b="0" lang="en-US" sz="2000" spc="-1" strike="noStrike">
-                <a:solidFill>
-                  <a:srgbClr val="262626"/>
-                </a:solidFill>
-                <a:latin typeface="Corbel"/>
-              </a:rPr>
-              <a:t>color: warna dari semua partikel di point cloud. Nilai defaultnya 0xFFFFFF </a:t>
-            </a:r>
-            <a:r>
-              <a:rPr b="0" lang="en-US" sz="2000" spc="-1" strike="noStrike">
-                <a:solidFill>
-                  <a:srgbClr val="262626"/>
-                </a:solidFill>
-                <a:latin typeface="Corbel"/>
-              </a:rPr>
-              <a:t>	</a:t>
-            </a:r>
-            <a:endParaRPr b="0" lang="en-US" sz="2000" spc="-1" strike="noStrike">
-              <a:solidFill>
-                <a:srgbClr val="262626"/>
-              </a:solidFill>
-              <a:latin typeface="Corbel"/>
-            </a:endParaRPr>
+              <a:rPr lang="en-US" sz="2000" b="0" strike="noStrike" spc="-1">
+                <a:solidFill>
+                  <a:srgbClr val="262626"/>
+                </a:solidFill>
+                <a:latin typeface="Corbel"/>
+              </a:rPr>
+              <a:t>color: warna dari semua partikel di point cloud. Nilai defaultnya 0xFFFFFF 	</a:t>
+            </a:r>
           </a:p>
           <a:p>
             <a:pPr marL="283320" indent="-282960">
@@ -10505,7 +11227,7 @@
               <a:buChar char="•"/>
             </a:pPr>
             <a:r>
-              <a:rPr b="0" lang="en-US" sz="2000" spc="-1" strike="noStrike">
+              <a:rPr lang="en-US" sz="2000" b="0" strike="noStrike" spc="-1">
                 <a:solidFill>
                   <a:srgbClr val="262626"/>
                 </a:solidFill>
@@ -10513,12 +11235,6 @@
               </a:rPr>
               <a:t>map: memasang sebuah tekstur ke semua partikel di point cloud</a:t>
             </a:r>
-            <a:endParaRPr b="0" lang="en-US" sz="2000" spc="-1" strike="noStrike">
-              <a:solidFill>
-                <a:srgbClr val="262626"/>
-              </a:solidFill>
-              <a:latin typeface="Corbel"/>
-            </a:endParaRPr>
           </a:p>
           <a:p>
             <a:pPr marL="283320" indent="-282960">
@@ -10535,7 +11251,7 @@
               <a:buChar char="•"/>
             </a:pPr>
             <a:r>
-              <a:rPr b="0" lang="en-US" sz="2000" spc="-1" strike="noStrike">
+              <a:rPr lang="en-US" sz="2000" b="0" strike="noStrike" spc="-1">
                 <a:solidFill>
                   <a:srgbClr val="262626"/>
                 </a:solidFill>
@@ -10543,12 +11259,6 @@
               </a:rPr>
               <a:t>size: Ukuran dari semua partikel di point cloud. Nilai defaultnya 1</a:t>
             </a:r>
-            <a:endParaRPr b="0" lang="en-US" sz="2000" spc="-1" strike="noStrike">
-              <a:solidFill>
-                <a:srgbClr val="262626"/>
-              </a:solidFill>
-              <a:latin typeface="Corbel"/>
-            </a:endParaRPr>
           </a:p>
           <a:p>
             <a:pPr marL="283320" indent="-282960">
@@ -10565,7 +11275,7 @@
               <a:buChar char="•"/>
             </a:pPr>
             <a:r>
-              <a:rPr b="0" lang="en-US" sz="2000" spc="-1" strike="noStrike">
+              <a:rPr lang="en-US" sz="2000" b="0" strike="noStrike" spc="-1">
                 <a:solidFill>
                   <a:srgbClr val="262626"/>
                 </a:solidFill>
@@ -10573,12 +11283,6 @@
               </a:rPr>
               <a:t>sizeAnnutation: ukuran dari semua partikel di point cloud berdasarkan jarak dari kamera</a:t>
             </a:r>
-            <a:endParaRPr b="0" lang="en-US" sz="2000" spc="-1" strike="noStrike">
-              <a:solidFill>
-                <a:srgbClr val="262626"/>
-              </a:solidFill>
-              <a:latin typeface="Corbel"/>
-            </a:endParaRPr>
           </a:p>
           <a:p>
             <a:pPr marL="283320" indent="-282960">
@@ -10595,7 +11299,7 @@
               <a:buChar char="•"/>
             </a:pPr>
             <a:r>
-              <a:rPr b="0" lang="en-US" sz="2000" spc="-1" strike="noStrike">
+              <a:rPr lang="en-US" sz="2000" b="0" strike="noStrike" spc="-1">
                 <a:solidFill>
                   <a:srgbClr val="262626"/>
                 </a:solidFill>
@@ -10603,12 +11307,6 @@
               </a:rPr>
               <a:t>vertexColors: warna dasar dari semua partikel di point cloud. Nilai defaultnya adalah THREE.NoColors</a:t>
             </a:r>
-            <a:endParaRPr b="0" lang="en-US" sz="2000" spc="-1" strike="noStrike">
-              <a:solidFill>
-                <a:srgbClr val="262626"/>
-              </a:solidFill>
-              <a:latin typeface="Corbel"/>
-            </a:endParaRPr>
           </a:p>
           <a:p>
             <a:pPr marL="283320" indent="-282960">
@@ -10625,7 +11323,7 @@
               <a:buChar char="•"/>
             </a:pPr>
             <a:r>
-              <a:rPr b="0" lang="en-US" sz="2000" spc="-1" strike="noStrike">
+              <a:rPr lang="en-US" sz="2000" b="0" strike="noStrike" spc="-1">
                 <a:solidFill>
                   <a:srgbClr val="262626"/>
                 </a:solidFill>
@@ -10633,12 +11331,6 @@
               </a:rPr>
               <a:t>opacity: tingkat ketransparan semua partikel di point cloud. Nilai defaultnya 1 (no opacity)</a:t>
             </a:r>
-            <a:endParaRPr b="0" lang="en-US" sz="2000" spc="-1" strike="noStrike">
-              <a:solidFill>
-                <a:srgbClr val="262626"/>
-              </a:solidFill>
-              <a:latin typeface="Corbel"/>
-            </a:endParaRPr>
           </a:p>
           <a:p>
             <a:pPr marL="283320" indent="-282960">
@@ -10655,7 +11347,7 @@
               <a:buChar char="•"/>
             </a:pPr>
             <a:r>
-              <a:rPr b="0" lang="en-US" sz="2000" spc="-1" strike="noStrike">
+              <a:rPr lang="en-US" sz="2000" b="0" strike="noStrike" spc="-1">
                 <a:solidFill>
                   <a:srgbClr val="262626"/>
                 </a:solidFill>
@@ -10663,33 +11355,30 @@
               </a:rPr>
               <a:t>transparent: menentukan apakah semua partikel di point cloud menerapkan atribut opacity. Nilai defaultnya false</a:t>
             </a:r>
-            <a:endParaRPr b="0" lang="en-US" sz="2000" spc="-1" strike="noStrike">
-              <a:solidFill>
-                <a:srgbClr val="262626"/>
-              </a:solidFill>
-              <a:latin typeface="Corbel"/>
-            </a:endParaRPr>
           </a:p>
         </p:txBody>
       </p:sp>
     </p:spTree>
   </p:cSld>
+  <p:clrMapOvr>
+    <a:masterClrMapping/>
+  </p:clrMapOvr>
   <p:timing>
     <p:tnLst>
       <p:par>
-        <p:cTn id="11" dur="indefinite" restart="never" nodeType="tmRoot">
+        <p:cTn id="1" dur="indefinite" restart="never" nodeType="tmRoot">
           <p:childTnLst>
             <p:seq>
-              <p:cTn id="12" dur="indefinite" nodeType="mainSeq"/>
+              <p:cTn id="2" dur="indefinite" nodeType="mainSeq"/>
               <p:prevCondLst>
-                <p:cond delay="0" evt="onPrev">
+                <p:cond evt="onPrev" delay="0">
                   <p:tgtEl>
                     <p:sldTgt/>
                   </p:tgtEl>
                 </p:cond>
               </p:prevCondLst>
               <p:nextCondLst>
-                <p:cond delay="0" evt="onNext">
+                <p:cond evt="onNext" delay="0">
                   <p:tgtEl>
                     <p:sldTgt/>
                   </p:tgtEl>
@@ -10705,7 +11394,7 @@
 </file>
 
 <file path=ppt/slides/slide7.xml><?xml version="1.0" encoding="utf-8"?>
-<p:sld xmlns:a="http://schemas.openxmlformats.org/drawingml/2006/main" xmlns:p="http://schemas.openxmlformats.org/presentationml/2006/main" xmlns:r="http://schemas.openxmlformats.org/officeDocument/2006/relationships" xmlns:p14="http://schemas.microsoft.com/office/powerpoint/2010/main" xmlns:p15="http://schemas.microsoft.com/office/powerpoint/2012/main" xmlns:mc="http://schemas.openxmlformats.org/markup-compatibility/2006">
+<p:sld xmlns:a="http://schemas.openxmlformats.org/drawingml/2006/main" xmlns:r="http://schemas.openxmlformats.org/officeDocument/2006/relationships" xmlns:p="http://schemas.openxmlformats.org/presentationml/2006/main">
   <p:cSld>
     <p:spTree>
       <p:nvGrpSpPr>
@@ -10744,6 +11433,7 @@
           <a:bodyPr>
             <a:normAutofit/>
           </a:bodyPr>
+          <a:lstStyle/>
           <a:p>
             <a:pPr algn="r">
               <a:lnSpc>
@@ -10751,7 +11441,7 @@
               </a:lnSpc>
             </a:pPr>
             <a:r>
-              <a:rPr b="0" i="1" lang="en-US" sz="3600" spc="-1" strike="noStrike">
+              <a:rPr lang="en-US" sz="3600" b="0" i="1" strike="noStrike" spc="-1">
                 <a:solidFill>
                   <a:srgbClr val="262626"/>
                 </a:solidFill>
@@ -10759,7 +11449,7 @@
               </a:rPr>
               <a:t>THREE. CanvasRenderer </a:t>
             </a:r>
-            <a:endParaRPr b="0" lang="en-US" sz="3600" spc="-1" strike="noStrike">
+            <a:endParaRPr lang="en-US" sz="3600" b="0" strike="noStrike" spc="-1">
               <a:solidFill>
                 <a:srgbClr val="000000"/>
               </a:solidFill>
@@ -10789,6 +11479,7 @@
         </p:spPr>
         <p:txBody>
           <a:bodyPr/>
+          <a:lstStyle/>
           <a:p>
             <a:pPr>
               <a:lnSpc>
@@ -10799,7 +11490,7 @@
               </a:spcBef>
             </a:pPr>
             <a:r>
-              <a:rPr b="0" lang="en-US" sz="2000" spc="-1" strike="noStrike">
+              <a:rPr lang="en-US" sz="2000" b="0" strike="noStrike" spc="-1">
                 <a:solidFill>
                   <a:srgbClr val="262626"/>
                 </a:solidFill>
@@ -10807,33 +11498,30 @@
               </a:rPr>
               <a:t>Dengan menggunakan THREE.CanvasRenderer, kita dapat menggunakan output dari HTML5 canvas sebagai texture dari sebuah partikel.</a:t>
             </a:r>
-            <a:endParaRPr b="0" lang="en-US" sz="2000" spc="-1" strike="noStrike">
-              <a:solidFill>
-                <a:srgbClr val="262626"/>
-              </a:solidFill>
-              <a:latin typeface="Corbel"/>
-            </a:endParaRPr>
           </a:p>
         </p:txBody>
       </p:sp>
     </p:spTree>
   </p:cSld>
+  <p:clrMapOvr>
+    <a:masterClrMapping/>
+  </p:clrMapOvr>
   <p:timing>
     <p:tnLst>
       <p:par>
-        <p:cTn id="13" dur="indefinite" restart="never" nodeType="tmRoot">
+        <p:cTn id="1" dur="indefinite" restart="never" nodeType="tmRoot">
           <p:childTnLst>
             <p:seq>
-              <p:cTn id="14" dur="indefinite" nodeType="mainSeq"/>
+              <p:cTn id="2" dur="indefinite" nodeType="mainSeq"/>
               <p:prevCondLst>
-                <p:cond delay="0" evt="onPrev">
+                <p:cond evt="onPrev" delay="0">
                   <p:tgtEl>
                     <p:sldTgt/>
                   </p:tgtEl>
                 </p:cond>
               </p:prevCondLst>
               <p:nextCondLst>
-                <p:cond delay="0" evt="onNext">
+                <p:cond evt="onNext" delay="0">
                   <p:tgtEl>
                     <p:sldTgt/>
                   </p:tgtEl>
@@ -10849,7 +11537,7 @@
 </file>
 
 <file path=ppt/slides/slide8.xml><?xml version="1.0" encoding="utf-8"?>
-<p:sld xmlns:a="http://schemas.openxmlformats.org/drawingml/2006/main" xmlns:p="http://schemas.openxmlformats.org/presentationml/2006/main" xmlns:r="http://schemas.openxmlformats.org/officeDocument/2006/relationships" xmlns:p14="http://schemas.microsoft.com/office/powerpoint/2010/main" xmlns:p15="http://schemas.microsoft.com/office/powerpoint/2012/main" xmlns:mc="http://schemas.openxmlformats.org/markup-compatibility/2006">
+<p:sld xmlns:a="http://schemas.openxmlformats.org/drawingml/2006/main" xmlns:r="http://schemas.openxmlformats.org/officeDocument/2006/relationships" xmlns:p="http://schemas.openxmlformats.org/presentationml/2006/main">
   <p:cSld>
     <p:spTree>
       <p:nvGrpSpPr>
@@ -10888,6 +11576,7 @@
           <a:bodyPr>
             <a:normAutofit/>
           </a:bodyPr>
+          <a:lstStyle/>
           <a:p>
             <a:pPr algn="r">
               <a:lnSpc>
@@ -10895,7 +11584,7 @@
               </a:lnSpc>
             </a:pPr>
             <a:r>
-              <a:rPr b="0" i="1" lang="en-US" sz="3600" spc="-1" strike="noStrike">
+              <a:rPr lang="en-US" sz="3600" b="0" i="1" strike="noStrike" spc="-1">
                 <a:solidFill>
                   <a:srgbClr val="262626"/>
                 </a:solidFill>
@@ -10903,7 +11592,7 @@
               </a:rPr>
               <a:t>Attributte material THREE.CanvasRenderer</a:t>
             </a:r>
-            <a:endParaRPr b="0" lang="en-US" sz="3600" spc="-1" strike="noStrike">
+            <a:endParaRPr lang="en-US" sz="3600" b="0" strike="noStrike" spc="-1">
               <a:solidFill>
                 <a:srgbClr val="000000"/>
               </a:solidFill>
@@ -10933,6 +11622,7 @@
         </p:spPr>
         <p:txBody>
           <a:bodyPr/>
+          <a:lstStyle/>
           <a:p>
             <a:pPr marL="283320" indent="-282960">
               <a:lnSpc>
@@ -10948,42 +11638,96 @@
               <a:buChar char="•"/>
             </a:pPr>
             <a:r>
-              <a:rPr b="0" lang="en-US" sz="2000" spc="-1" strike="noStrike">
-                <a:solidFill>
-                  <a:srgbClr val="262626"/>
-                </a:solidFill>
-                <a:latin typeface="Corbel"/>
-              </a:rPr>
-              <a:t>color</a:t>
-            </a:r>
-            <a:r>
-              <a:rPr b="0" lang="en-US" sz="2000" spc="-1" strike="noStrike">
-                <a:solidFill>
-                  <a:srgbClr val="262626"/>
-                </a:solidFill>
-                <a:latin typeface="Corbel"/>
-              </a:rPr>
-              <a:t>	</a:t>
-            </a:r>
-            <a:r>
-              <a:rPr b="0" lang="en-US" sz="2000" spc="-1" strike="noStrike">
-                <a:solidFill>
-                  <a:srgbClr val="262626"/>
-                </a:solidFill>
-                <a:latin typeface="Corbel"/>
-              </a:rPr>
-              <a:t>	</a:t>
-            </a:r>
-            <a:r>
-              <a:rPr b="0" lang="en-US" sz="2000" spc="-1" strike="noStrike">
-                <a:solidFill>
-                  <a:srgbClr val="262626"/>
-                </a:solidFill>
-                <a:latin typeface="Corbel"/>
-              </a:rPr>
-              <a:t>: Attribut warna dari suatu partikel</a:t>
-            </a:r>
-            <a:endParaRPr b="0" lang="en-US" sz="2000" spc="-1" strike="noStrike">
+              <a:rPr lang="en-US" sz="2000" b="0" strike="noStrike" spc="-1" dirty="0">
+                <a:solidFill>
+                  <a:srgbClr val="262626"/>
+                </a:solidFill>
+                <a:latin typeface="Corbel"/>
+              </a:rPr>
+              <a:t>color		: </a:t>
+            </a:r>
+            <a:r>
+              <a:rPr lang="en-US" sz="2000" b="0" strike="noStrike" spc="-1" dirty="0" err="1">
+                <a:solidFill>
+                  <a:srgbClr val="262626"/>
+                </a:solidFill>
+                <a:latin typeface="Corbel"/>
+              </a:rPr>
+              <a:t>Attribut</a:t>
+            </a:r>
+            <a:r>
+              <a:rPr lang="en-US" sz="2000" b="0" strike="noStrike" spc="-1" dirty="0">
+                <a:solidFill>
+                  <a:srgbClr val="262626"/>
+                </a:solidFill>
+                <a:latin typeface="Corbel"/>
+              </a:rPr>
+              <a:t> </a:t>
+            </a:r>
+            <a:r>
+              <a:rPr lang="en-US" sz="2000" b="0" strike="noStrike" spc="-1" dirty="0" err="1">
+                <a:solidFill>
+                  <a:srgbClr val="262626"/>
+                </a:solidFill>
+                <a:latin typeface="Corbel"/>
+              </a:rPr>
+              <a:t>warna</a:t>
+            </a:r>
+            <a:r>
+              <a:rPr lang="en-US" sz="2000" b="0" strike="noStrike" spc="-1" dirty="0">
+                <a:solidFill>
+                  <a:srgbClr val="262626"/>
+                </a:solidFill>
+                <a:latin typeface="Corbel"/>
+              </a:rPr>
+              <a:t> </a:t>
+            </a:r>
+            <a:r>
+              <a:rPr lang="en-US" sz="2000" b="0" strike="noStrike" spc="-1" dirty="0" err="1">
+                <a:solidFill>
+                  <a:srgbClr val="262626"/>
+                </a:solidFill>
+                <a:latin typeface="Corbel"/>
+              </a:rPr>
+              <a:t>dari</a:t>
+            </a:r>
+            <a:r>
+              <a:rPr lang="en-US" sz="2000" b="0" strike="noStrike" spc="-1" dirty="0">
+                <a:solidFill>
+                  <a:srgbClr val="262626"/>
+                </a:solidFill>
+                <a:latin typeface="Corbel"/>
+              </a:rPr>
+              <a:t> </a:t>
+            </a:r>
+            <a:r>
+              <a:rPr lang="en-US" sz="2000" b="0" strike="noStrike" spc="-1" dirty="0" err="1">
+                <a:solidFill>
+                  <a:srgbClr val="262626"/>
+                </a:solidFill>
+                <a:latin typeface="Corbel"/>
+              </a:rPr>
+              <a:t>suatu</a:t>
+            </a:r>
+            <a:r>
+              <a:rPr lang="en-US" sz="2000" b="0" strike="noStrike" spc="-1" dirty="0">
+                <a:solidFill>
+                  <a:srgbClr val="262626"/>
+                </a:solidFill>
+                <a:latin typeface="Corbel"/>
+              </a:rPr>
+              <a:t> </a:t>
+            </a:r>
+            <a:r>
+              <a:rPr lang="en-US" sz="2000" b="0" strike="noStrike" spc="-1" dirty="0" err="1">
+                <a:solidFill>
+                  <a:srgbClr val="262626"/>
+                </a:solidFill>
+                <a:latin typeface="Corbel"/>
+              </a:rPr>
+              <a:t>partikel</a:t>
+            </a:r>
+            <a:endParaRPr lang="en-US" sz="2000" b="0" strike="noStrike" spc="-1" dirty="0">
               <a:solidFill>
                 <a:srgbClr val="262626"/>
               </a:solidFill>
@@ -11005,38 +11749,104 @@
               <a:buChar char="•"/>
             </a:pPr>
             <a:r>
-              <a:rPr b="0" lang="en-US" sz="2000" spc="-1" strike="noStrike">
-                <a:solidFill>
-                  <a:srgbClr val="262626"/>
-                </a:solidFill>
-                <a:latin typeface="Corbel"/>
-              </a:rPr>
-              <a:t>program</a:t>
-            </a:r>
-            <a:r>
-              <a:rPr b="0" lang="en-US" sz="2000" spc="-1" strike="noStrike">
-                <a:solidFill>
-                  <a:srgbClr val="262626"/>
-                </a:solidFill>
-                <a:latin typeface="Corbel"/>
-              </a:rPr>
-              <a:t>	</a:t>
-            </a:r>
-            <a:r>
-              <a:rPr b="0" lang="en-US" sz="2000" spc="-1" strike="noStrike">
-                <a:solidFill>
-                  <a:srgbClr val="262626"/>
-                </a:solidFill>
-                <a:latin typeface="Corbel"/>
-              </a:rPr>
-              <a:t>: Fungsi yang dapat mengambil sebuah html canvas sebagai parameter</a:t>
-            </a:r>
-            <a:endParaRPr b="0" lang="en-US" sz="2000" spc="-1" strike="noStrike">
-              <a:solidFill>
-                <a:srgbClr val="262626"/>
-              </a:solidFill>
-              <a:latin typeface="Corbel"/>
-            </a:endParaRPr>
+              <a:rPr lang="en-US" sz="2000" b="0" strike="noStrike" spc="-1" dirty="0">
+                <a:solidFill>
+                  <a:srgbClr val="262626"/>
+                </a:solidFill>
+                <a:latin typeface="Corbel"/>
+              </a:rPr>
+              <a:t>program	: </a:t>
+            </a:r>
+            <a:r>
+              <a:rPr lang="en-US" sz="2000" b="0" strike="noStrike" spc="-1" dirty="0" err="1">
+                <a:solidFill>
+                  <a:srgbClr val="262626"/>
+                </a:solidFill>
+                <a:latin typeface="Corbel"/>
+              </a:rPr>
+              <a:t>Fungsi</a:t>
+            </a:r>
+            <a:r>
+              <a:rPr lang="en-US" sz="2000" b="0" strike="noStrike" spc="-1" dirty="0">
+                <a:solidFill>
+                  <a:srgbClr val="262626"/>
+                </a:solidFill>
+                <a:latin typeface="Corbel"/>
+              </a:rPr>
+              <a:t> yang </a:t>
+            </a:r>
+            <a:r>
+              <a:rPr lang="en-US" sz="2000" b="0" strike="noStrike" spc="-1" dirty="0" err="1">
+                <a:solidFill>
+                  <a:srgbClr val="262626"/>
+                </a:solidFill>
+                <a:latin typeface="Corbel"/>
+              </a:rPr>
+              <a:t>dapat</a:t>
+            </a:r>
+            <a:r>
+              <a:rPr lang="en-US" sz="2000" b="0" strike="noStrike" spc="-1" dirty="0">
+                <a:solidFill>
+                  <a:srgbClr val="262626"/>
+                </a:solidFill>
+                <a:latin typeface="Corbel"/>
+              </a:rPr>
+              <a:t> </a:t>
+            </a:r>
+            <a:r>
+              <a:rPr lang="en-US" sz="2000" b="0" strike="noStrike" spc="-1" dirty="0" err="1">
+                <a:solidFill>
+                  <a:srgbClr val="262626"/>
+                </a:solidFill>
+                <a:latin typeface="Corbel"/>
+              </a:rPr>
+              <a:t>mengambil</a:t>
+            </a:r>
+            <a:r>
+              <a:rPr lang="en-US" sz="2000" b="0" strike="noStrike" spc="-1" dirty="0">
+                <a:solidFill>
+                  <a:srgbClr val="262626"/>
+                </a:solidFill>
+                <a:latin typeface="Corbel"/>
+              </a:rPr>
+              <a:t> </a:t>
+            </a:r>
+            <a:r>
+              <a:rPr lang="en-US" sz="2000" b="0" strike="noStrike" spc="-1" dirty="0" err="1">
+                <a:solidFill>
+                  <a:srgbClr val="262626"/>
+                </a:solidFill>
+                <a:latin typeface="Corbel"/>
+              </a:rPr>
+              <a:t>sebuah</a:t>
+            </a:r>
+            <a:r>
+              <a:rPr lang="en-US" sz="2000" b="0" strike="noStrike" spc="-1" dirty="0">
+                <a:solidFill>
+                  <a:srgbClr val="262626"/>
+                </a:solidFill>
+                <a:latin typeface="Corbel"/>
+              </a:rPr>
+              <a:t> html canvas </a:t>
+            </a:r>
+            <a:r>
+              <a:rPr lang="en-US" sz="2000" b="0" strike="noStrike" spc="-1" dirty="0" err="1">
+                <a:solidFill>
+                  <a:srgbClr val="262626"/>
+                </a:solidFill>
+                <a:latin typeface="Corbel"/>
+              </a:rPr>
+              <a:t>sebagai</a:t>
+            </a:r>
+            <a:r>
+              <a:rPr lang="en-US" sz="2000" b="0" strike="noStrike" spc="-1" dirty="0">
+                <a:solidFill>
+                  <a:srgbClr val="262626"/>
+                </a:solidFill>
+                <a:latin typeface="Corbel"/>
+              </a:rPr>
+              <a:t> parameter</a:t>
+            </a:r>
           </a:p>
           <a:p>
             <a:pPr marL="283320" indent="-282960">
@@ -11053,33 +11863,60 @@
               <a:buChar char="•"/>
             </a:pPr>
             <a:r>
-              <a:rPr b="0" lang="en-US" sz="2000" spc="-1" strike="noStrike">
-                <a:solidFill>
-                  <a:srgbClr val="262626"/>
-                </a:solidFill>
-                <a:latin typeface="Corbel"/>
-              </a:rPr>
-              <a:t>opacity</a:t>
-            </a:r>
-            <a:r>
-              <a:rPr b="0" lang="en-US" sz="2000" spc="-1" strike="noStrike">
-                <a:solidFill>
-                  <a:srgbClr val="262626"/>
-                </a:solidFill>
-                <a:latin typeface="Corbel"/>
-              </a:rPr>
-              <a:t>	</a:t>
-            </a:r>
-            <a:r>
-              <a:rPr b="0" lang="en-US" sz="2000" spc="-1" strike="noStrike">
-                <a:solidFill>
-                  <a:srgbClr val="262626"/>
-                </a:solidFill>
-                <a:latin typeface="Corbel"/>
-              </a:rPr>
-              <a:t>: Menentukan opacity dari partikel</a:t>
-            </a:r>
-            <a:endParaRPr b="0" lang="en-US" sz="2000" spc="-1" strike="noStrike">
+              <a:rPr lang="en-US" sz="2000" b="0" strike="noStrike" spc="-1" dirty="0">
+                <a:solidFill>
+                  <a:srgbClr val="262626"/>
+                </a:solidFill>
+                <a:latin typeface="Corbel"/>
+              </a:rPr>
+              <a:t>opacity	: </a:t>
+            </a:r>
+            <a:r>
+              <a:rPr lang="en-US" sz="2000" b="0" strike="noStrike" spc="-1" dirty="0" err="1">
+                <a:solidFill>
+                  <a:srgbClr val="262626"/>
+                </a:solidFill>
+                <a:latin typeface="Corbel"/>
+              </a:rPr>
+              <a:t>Menentukan</a:t>
+            </a:r>
+            <a:r>
+              <a:rPr lang="en-US" sz="2000" b="0" strike="noStrike" spc="-1" dirty="0">
+                <a:solidFill>
+                  <a:srgbClr val="262626"/>
+                </a:solidFill>
+                <a:latin typeface="Corbel"/>
+              </a:rPr>
+              <a:t> opacity </a:t>
+            </a:r>
+            <a:r>
+              <a:rPr lang="en-US" sz="2000" b="0" strike="noStrike" spc="-1" dirty="0" err="1">
+                <a:solidFill>
+                  <a:srgbClr val="262626"/>
+                </a:solidFill>
+                <a:latin typeface="Corbel"/>
+              </a:rPr>
+              <a:t>dari</a:t>
+            </a:r>
+            <a:r>
+              <a:rPr lang="en-US" sz="2000" b="0" strike="noStrike" spc="-1" dirty="0">
+                <a:solidFill>
+                  <a:srgbClr val="262626"/>
+                </a:solidFill>
+                <a:latin typeface="Corbel"/>
+              </a:rPr>
+              <a:t> </a:t>
+            </a:r>
+            <a:r>
+              <a:rPr lang="en-US" sz="2000" b="0" strike="noStrike" spc="-1" dirty="0" err="1">
+                <a:solidFill>
+                  <a:srgbClr val="262626"/>
+                </a:solidFill>
+                <a:latin typeface="Corbel"/>
+              </a:rPr>
+              <a:t>partikel</a:t>
+            </a:r>
+            <a:endParaRPr lang="en-US" sz="2000" b="0" strike="noStrike" spc="-1" dirty="0">
               <a:solidFill>
                 <a:srgbClr val="262626"/>
               </a:solidFill>
@@ -11101,59 +11938,164 @@
               <a:buChar char="•"/>
             </a:pPr>
             <a:r>
-              <a:rPr b="0" lang="en-US" sz="2000" spc="-1" strike="noStrike">
-                <a:solidFill>
-                  <a:srgbClr val="262626"/>
-                </a:solidFill>
-                <a:latin typeface="Corbel"/>
-              </a:rPr>
-              <a:t>rotation</a:t>
-            </a:r>
-            <a:r>
-              <a:rPr b="0" lang="en-US" sz="2000" spc="-1" strike="noStrike">
-                <a:solidFill>
-                  <a:srgbClr val="262626"/>
-                </a:solidFill>
-                <a:latin typeface="Corbel"/>
-              </a:rPr>
-              <a:t>	</a:t>
-            </a:r>
-            <a:r>
-              <a:rPr b="0" lang="en-US" sz="2000" spc="-1" strike="noStrike">
-                <a:solidFill>
-                  <a:srgbClr val="262626"/>
-                </a:solidFill>
-                <a:latin typeface="Corbel"/>
-              </a:rPr>
-              <a:t>: Properti ini dapat memutar isi dari sebuah canvas</a:t>
-            </a:r>
-            <a:endParaRPr b="0" lang="en-US" sz="2000" spc="-1" strike="noStrike">
-              <a:solidFill>
-                <a:srgbClr val="262626"/>
-              </a:solidFill>
-              <a:latin typeface="Corbel"/>
-            </a:endParaRPr>
+              <a:rPr lang="en-US" sz="2000" b="0" strike="noStrike" spc="-1" dirty="0">
+                <a:solidFill>
+                  <a:srgbClr val="262626"/>
+                </a:solidFill>
+                <a:latin typeface="Corbel"/>
+              </a:rPr>
+              <a:t>rotation	: </a:t>
+            </a:r>
+            <a:r>
+              <a:rPr lang="en-US" sz="2000" b="0" strike="noStrike" spc="-1" dirty="0" err="1">
+                <a:solidFill>
+                  <a:srgbClr val="262626"/>
+                </a:solidFill>
+                <a:latin typeface="Corbel"/>
+              </a:rPr>
+              <a:t>Properti</a:t>
+            </a:r>
+            <a:r>
+              <a:rPr lang="en-US" sz="2000" b="0" strike="noStrike" spc="-1" dirty="0">
+                <a:solidFill>
+                  <a:srgbClr val="262626"/>
+                </a:solidFill>
+                <a:latin typeface="Corbel"/>
+              </a:rPr>
+              <a:t> </a:t>
+            </a:r>
+            <a:r>
+              <a:rPr lang="en-US" sz="2000" b="0" strike="noStrike" spc="-1" dirty="0" err="1">
+                <a:solidFill>
+                  <a:srgbClr val="262626"/>
+                </a:solidFill>
+                <a:latin typeface="Corbel"/>
+              </a:rPr>
+              <a:t>ini</a:t>
+            </a:r>
+            <a:r>
+              <a:rPr lang="en-US" sz="2000" b="0" strike="noStrike" spc="-1" dirty="0">
+                <a:solidFill>
+                  <a:srgbClr val="262626"/>
+                </a:solidFill>
+                <a:latin typeface="Corbel"/>
+              </a:rPr>
+              <a:t> </a:t>
+            </a:r>
+            <a:r>
+              <a:rPr lang="en-US" sz="2000" b="0" strike="noStrike" spc="-1" dirty="0" err="1">
+                <a:solidFill>
+                  <a:srgbClr val="262626"/>
+                </a:solidFill>
+                <a:latin typeface="Corbel"/>
+              </a:rPr>
+              <a:t>dapat</a:t>
+            </a:r>
+            <a:r>
+              <a:rPr lang="en-US" sz="2000" b="0" strike="noStrike" spc="-1" dirty="0">
+                <a:solidFill>
+                  <a:srgbClr val="262626"/>
+                </a:solidFill>
+                <a:latin typeface="Corbel"/>
+              </a:rPr>
+              <a:t> </a:t>
+            </a:r>
+            <a:r>
+              <a:rPr lang="en-US" sz="2000" b="0" strike="noStrike" spc="-1" dirty="0" err="1">
+                <a:solidFill>
+                  <a:srgbClr val="262626"/>
+                </a:solidFill>
+                <a:latin typeface="Corbel"/>
+              </a:rPr>
+              <a:t>memutar</a:t>
+            </a:r>
+            <a:r>
+              <a:rPr lang="en-US" sz="2000" b="0" strike="noStrike" spc="-1" dirty="0">
+                <a:solidFill>
+                  <a:srgbClr val="262626"/>
+                </a:solidFill>
+                <a:latin typeface="Corbel"/>
+              </a:rPr>
+              <a:t> </a:t>
+            </a:r>
+            <a:r>
+              <a:rPr lang="id-ID" sz="2000" b="0" strike="noStrike" spc="-1" smtClean="0">
+                <a:solidFill>
+                  <a:srgbClr val="262626"/>
+                </a:solidFill>
+                <a:latin typeface="Corbel"/>
+              </a:rPr>
+              <a:t>hasil gambar</a:t>
+            </a:r>
+            <a:r>
+              <a:rPr lang="en-US" sz="2000" b="0" strike="noStrike" spc="-1" smtClean="0">
+                <a:solidFill>
+                  <a:srgbClr val="262626"/>
+                </a:solidFill>
+                <a:latin typeface="Corbel"/>
+              </a:rPr>
+              <a:t> </a:t>
+            </a:r>
+            <a:r>
+              <a:rPr lang="en-US" sz="2000" b="0" strike="noStrike" spc="-1" dirty="0" err="1">
+                <a:solidFill>
+                  <a:srgbClr val="262626"/>
+                </a:solidFill>
+                <a:latin typeface="Corbel"/>
+              </a:rPr>
+              <a:t>dari</a:t>
+            </a:r>
+            <a:r>
+              <a:rPr lang="en-US" sz="2000" b="0" strike="noStrike" spc="-1" dirty="0">
+                <a:solidFill>
+                  <a:srgbClr val="262626"/>
+                </a:solidFill>
+                <a:latin typeface="Corbel"/>
+              </a:rPr>
+              <a:t> </a:t>
+            </a:r>
+            <a:r>
+              <a:rPr lang="en-US" sz="2000" b="0" strike="noStrike" spc="-1" dirty="0" err="1">
+                <a:solidFill>
+                  <a:srgbClr val="262626"/>
+                </a:solidFill>
+                <a:latin typeface="Corbel"/>
+              </a:rPr>
+              <a:t>sebuah</a:t>
+            </a:r>
+            <a:r>
+              <a:rPr lang="en-US" sz="2000" b="0" strike="noStrike" spc="-1" dirty="0">
+                <a:solidFill>
+                  <a:srgbClr val="262626"/>
+                </a:solidFill>
+                <a:latin typeface="Corbel"/>
+              </a:rPr>
+              <a:t> canvas</a:t>
+            </a:r>
           </a:p>
         </p:txBody>
       </p:sp>
     </p:spTree>
   </p:cSld>
+  <p:clrMapOvr>
+    <a:masterClrMapping/>
+  </p:clrMapOvr>
   <p:timing>
     <p:tnLst>
       <p:par>
-        <p:cTn id="15" dur="indefinite" restart="never" nodeType="tmRoot">
+        <p:cTn id="1" dur="indefinite" restart="never" nodeType="tmRoot">
           <p:childTnLst>
             <p:seq>
-              <p:cTn id="16" dur="indefinite" nodeType="mainSeq"/>
+              <p:cTn id="2" dur="indefinite" nodeType="mainSeq"/>
               <p:prevCondLst>
-                <p:cond delay="0" evt="onPrev">
+                <p:cond evt="onPrev" delay="0">
                   <p:tgtEl>
                     <p:sldTgt/>
                   </p:tgtEl>
                 </p:cond>
               </p:prevCondLst>
               <p:nextCondLst>
-                <p:cond delay="0" evt="onNext">
+                <p:cond evt="onNext" delay="0">
                   <p:tgtEl>
                     <p:sldTgt/>
                   </p:tgtEl>
@@ -11169,7 +12111,7 @@
 </file>
 
 <file path=ppt/slides/slide9.xml><?xml version="1.0" encoding="utf-8"?>
-<p:sld xmlns:a="http://schemas.openxmlformats.org/drawingml/2006/main" xmlns:p="http://schemas.openxmlformats.org/presentationml/2006/main" xmlns:r="http://schemas.openxmlformats.org/officeDocument/2006/relationships" xmlns:p14="http://schemas.microsoft.com/office/powerpoint/2010/main" xmlns:p15="http://schemas.microsoft.com/office/powerpoint/2012/main" xmlns:mc="http://schemas.openxmlformats.org/markup-compatibility/2006">
+<p:sld xmlns:a="http://schemas.openxmlformats.org/drawingml/2006/main" xmlns:r="http://schemas.openxmlformats.org/officeDocument/2006/relationships" xmlns:p="http://schemas.openxmlformats.org/presentationml/2006/main">
   <p:cSld>
     <p:spTree>
       <p:nvGrpSpPr>
@@ -11208,6 +12150,7 @@
           <a:bodyPr>
             <a:normAutofit/>
           </a:bodyPr>
+          <a:lstStyle/>
           <a:p>
             <a:pPr algn="r">
               <a:lnSpc>
@@ -11215,7 +12158,7 @@
               </a:lnSpc>
             </a:pPr>
             <a:r>
-              <a:rPr b="0" i="1" lang="en-US" sz="3600" spc="-1" strike="noStrike">
+              <a:rPr lang="en-US" sz="3600" b="0" i="1" strike="noStrike" spc="-1">
                 <a:solidFill>
                   <a:srgbClr val="262626"/>
                 </a:solidFill>
@@ -11223,9 +12166,12 @@
               </a:rPr>
               <a:t>THREE.</a:t>
             </a:r>
+            <a:r>
+              <a:t/>
+            </a:r>
             <a:br/>
             <a:r>
-              <a:rPr b="0" i="1" lang="en-US" sz="3600" spc="-1" strike="noStrike">
+              <a:rPr lang="en-US" sz="3600" b="0" i="1" strike="noStrike" spc="-1">
                 <a:solidFill>
                   <a:srgbClr val="262626"/>
                 </a:solidFill>
@@ -11233,7 +12179,7 @@
               </a:rPr>
               <a:t>WebGLRenderer</a:t>
             </a:r>
-            <a:endParaRPr b="0" lang="en-US" sz="3600" spc="-1" strike="noStrike">
+            <a:endParaRPr lang="en-US" sz="3600" b="0" strike="noStrike" spc="-1">
               <a:solidFill>
                 <a:srgbClr val="000000"/>
               </a:solidFill>
@@ -11263,6 +12209,7 @@
         </p:spPr>
         <p:txBody>
           <a:bodyPr/>
+          <a:lstStyle/>
           <a:p>
             <a:pPr marL="283320" indent="-282960">
               <a:lnSpc>
@@ -11278,7 +12225,7 @@
               <a:buChar char="•"/>
             </a:pPr>
             <a:r>
-              <a:rPr b="0" lang="en-US" sz="2000" spc="-1" strike="noStrike">
+              <a:rPr lang="en-US" sz="2000" b="0" strike="noStrike" spc="-1">
                 <a:solidFill>
                   <a:srgbClr val="262626"/>
                 </a:solidFill>
@@ -11286,15 +12233,9 @@
               </a:rPr>
               <a:t>Dengan menggunakan THREE.CanvasRenderer, kita dapat menggunakan output dari HTML5 canvas sebagai texture dari sebuah partikel dengan menggunakan 2 cara yaitu</a:t>
             </a:r>
-            <a:endParaRPr b="0" lang="en-US" sz="2000" spc="-1" strike="noStrike">
-              <a:solidFill>
-                <a:srgbClr val="262626"/>
-              </a:solidFill>
-              <a:latin typeface="Corbel"/>
-            </a:endParaRPr>
-          </a:p>
-          <a:p>
-            <a:pPr lvl="1" marL="685800" indent="-282960">
+          </a:p>
+          <a:p>
+            <a:pPr marL="685800" lvl="1" indent="-282960">
               <a:lnSpc>
                 <a:spcPct val="112000"/>
               </a:lnSpc>
@@ -11308,7 +12249,7 @@
               <a:buChar char="–"/>
             </a:pPr>
             <a:r>
-              <a:rPr b="0" lang="en-US" sz="1800" spc="-1" strike="noStrike">
+              <a:rPr lang="en-US" sz="1800" b="0" strike="noStrike" spc="-1">
                 <a:solidFill>
                   <a:srgbClr val="262626"/>
                 </a:solidFill>
@@ -11316,15 +12257,9 @@
               </a:rPr>
               <a:t>Menggunakan THREE.PointCloudMaterial dan THREE.PointCloud</a:t>
             </a:r>
-            <a:endParaRPr b="0" lang="en-US" sz="1800" spc="-1" strike="noStrike">
-              <a:solidFill>
-                <a:srgbClr val="262626"/>
-              </a:solidFill>
-              <a:latin typeface="Corbel"/>
-            </a:endParaRPr>
-          </a:p>
-          <a:p>
-            <a:pPr lvl="1" marL="685800" indent="-282960">
+          </a:p>
+          <a:p>
+            <a:pPr marL="685800" lvl="1" indent="-282960">
               <a:lnSpc>
                 <a:spcPct val="112000"/>
               </a:lnSpc>
@@ -11338,7 +12273,7 @@
               <a:buChar char="–"/>
             </a:pPr>
             <a:r>
-              <a:rPr b="0" lang="en-US" sz="1800" spc="-1" strike="noStrike">
+              <a:rPr lang="en-US" sz="1800" b="0" strike="noStrike" spc="-1">
                 <a:solidFill>
                   <a:srgbClr val="262626"/>
                 </a:solidFill>
@@ -11347,7 +12282,7 @@
               <a:t>Menggunakan THREE.Sprite dan atribut </a:t>
             </a:r>
             <a:r>
-              <a:rPr b="0" i="1" lang="en-US" sz="1800" spc="-1" strike="noStrike">
+              <a:rPr lang="en-US" sz="1800" b="0" i="1" strike="noStrike" spc="-1">
                 <a:solidFill>
                   <a:srgbClr val="262626"/>
                 </a:solidFill>
@@ -11356,7 +12291,7 @@
               <a:t>map </a:t>
             </a:r>
             <a:r>
-              <a:rPr b="0" lang="en-US" sz="1800" spc="-1" strike="noStrike">
+              <a:rPr lang="en-US" sz="1800" b="0" strike="noStrike" spc="-1">
                 <a:solidFill>
                   <a:srgbClr val="262626"/>
                 </a:solidFill>
@@ -11364,12 +12299,6 @@
               </a:rPr>
               <a:t>dari THREE.SpriteMaterial</a:t>
             </a:r>
-            <a:endParaRPr b="0" lang="en-US" sz="1800" spc="-1" strike="noStrike">
-              <a:solidFill>
-                <a:srgbClr val="262626"/>
-              </a:solidFill>
-              <a:latin typeface="Corbel"/>
-            </a:endParaRPr>
           </a:p>
           <a:p>
             <a:pPr marL="283320" indent="-282960">
@@ -11386,7 +12315,7 @@
               <a:buChar char="•"/>
             </a:pPr>
             <a:r>
-              <a:rPr b="0" lang="en-US" sz="2000" spc="-1" strike="noStrike">
+              <a:rPr lang="en-US" sz="2000" b="0" strike="noStrike" spc="-1">
                 <a:solidFill>
                   <a:srgbClr val="262626"/>
                 </a:solidFill>
@@ -11394,12 +12323,6 @@
               </a:rPr>
               <a:t>Dengan menggunakan THREE.Sprite, kita mempunyai kontrol lebih besar atas tiap individu partikel tetapi performa turun dan kompleks jika jumlah partikelnya banyak.</a:t>
             </a:r>
-            <a:endParaRPr b="0" lang="en-US" sz="2000" spc="-1" strike="noStrike">
-              <a:solidFill>
-                <a:srgbClr val="262626"/>
-              </a:solidFill>
-              <a:latin typeface="Corbel"/>
-            </a:endParaRPr>
           </a:p>
           <a:p>
             <a:pPr marL="283320" indent="-282960">
@@ -11416,7 +12339,7 @@
               <a:buChar char="•"/>
             </a:pPr>
             <a:r>
-              <a:rPr b="0" lang="en-US" sz="2000" spc="-1" strike="noStrike">
+              <a:rPr lang="en-US" sz="2000" b="0" strike="noStrike" spc="-1">
                 <a:solidFill>
                   <a:srgbClr val="262626"/>
                 </a:solidFill>
@@ -11424,33 +12347,30 @@
               </a:rPr>
               <a:t>Dengan THREE.PointCloud, kita dapat dengan mudah mengelola sejumlah besar partikel sekaligus, tetapi kurang mempunyai kontrol pada tiap individu partikel.</a:t>
             </a:r>
-            <a:endParaRPr b="0" lang="en-US" sz="2000" spc="-1" strike="noStrike">
-              <a:solidFill>
-                <a:srgbClr val="262626"/>
-              </a:solidFill>
-              <a:latin typeface="Corbel"/>
-            </a:endParaRPr>
           </a:p>
         </p:txBody>
       </p:sp>
     </p:spTree>
   </p:cSld>
+  <p:clrMapOvr>
+    <a:masterClrMapping/>
+  </p:clrMapOvr>
   <p:timing>
     <p:tnLst>
       <p:par>
-        <p:cTn id="17" dur="indefinite" restart="never" nodeType="tmRoot">
+        <p:cTn id="1" dur="indefinite" restart="never" nodeType="tmRoot">
           <p:childTnLst>
             <p:seq>
-              <p:cTn id="18" dur="indefinite" nodeType="mainSeq"/>
+              <p:cTn id="2" dur="indefinite" nodeType="mainSeq"/>
               <p:prevCondLst>
-                <p:cond delay="0" evt="onPrev">
+                <p:cond evt="onPrev" delay="0">
                   <p:tgtEl>
                     <p:sldTgt/>
                   </p:tgtEl>
                 </p:cond>
               </p:prevCondLst>
               <p:nextCondLst>
-                <p:cond delay="0" evt="onNext">
+                <p:cond evt="onNext" delay="0">
                   <p:tgtEl>
                     <p:sldTgt/>
                   </p:tgtEl>
@@ -11476,34 +12396,34 @@
         <a:sysClr val="window" lastClr="FFFFFF"/>
       </a:lt1>
       <a:dk2>
-        <a:srgbClr val="1d1a1d"/>
+        <a:srgbClr val="1D1A1D"/>
       </a:dk2>
       <a:lt2>
-        <a:srgbClr val="f5f5f5"/>
+        <a:srgbClr val="F5F5F5"/>
       </a:lt2>
       <a:accent1>
-        <a:srgbClr val="439eb7"/>
+        <a:srgbClr val="439EB7"/>
       </a:accent1>
       <a:accent2>
-        <a:srgbClr val="e28b55"/>
+        <a:srgbClr val="E28B55"/>
       </a:accent2>
       <a:accent3>
-        <a:srgbClr val="dcb64d"/>
+        <a:srgbClr val="DCB64D"/>
       </a:accent3>
       <a:accent4>
-        <a:srgbClr val="4ca198"/>
+        <a:srgbClr val="4CA198"/>
       </a:accent4>
       <a:accent5>
-        <a:srgbClr val="835b82"/>
+        <a:srgbClr val="835B82"/>
       </a:accent5>
       <a:accent6>
         <a:srgbClr val="645135"/>
       </a:accent6>
       <a:hlink>
-        <a:srgbClr val="439eb7"/>
+        <a:srgbClr val="439EB7"/>
       </a:hlink>
       <a:folHlink>
-        <a:srgbClr val="835b82"/>
+        <a:srgbClr val="835B82"/>
       </a:folHlink>
     </a:clrScheme>
     <a:fontScheme name="Office">
@@ -11685,6 +12605,8 @@
       </a:bgFillStyleLst>
     </a:fmtScheme>
   </a:themeElements>
+  <a:objectDefaults/>
+  <a:extraClrSchemeLst/>
 </a:theme>
 </file>
 
@@ -11699,34 +12621,34 @@
         <a:sysClr val="window" lastClr="FFFFFF"/>
       </a:lt1>
       <a:dk2>
-        <a:srgbClr val="1d1a1d"/>
+        <a:srgbClr val="1D1A1D"/>
       </a:dk2>
       <a:lt2>
-        <a:srgbClr val="f5f5f5"/>
+        <a:srgbClr val="F5F5F5"/>
       </a:lt2>
       <a:accent1>
-        <a:srgbClr val="439eb7"/>
+        <a:srgbClr val="439EB7"/>
       </a:accent1>
       <a:accent2>
-        <a:srgbClr val="e28b55"/>
+        <a:srgbClr val="E28B55"/>
       </a:accent2>
       <a:accent3>
-        <a:srgbClr val="dcb64d"/>
+        <a:srgbClr val="DCB64D"/>
       </a:accent3>
       <a:accent4>
-        <a:srgbClr val="4ca198"/>
+        <a:srgbClr val="4CA198"/>
       </a:accent4>
       <a:accent5>
-        <a:srgbClr val="835b82"/>
+        <a:srgbClr val="835B82"/>
       </a:accent5>
       <a:accent6>
         <a:srgbClr val="645135"/>
       </a:accent6>
       <a:hlink>
-        <a:srgbClr val="439eb7"/>
+        <a:srgbClr val="439EB7"/>
       </a:hlink>
       <a:folHlink>
-        <a:srgbClr val="835b82"/>
+        <a:srgbClr val="835B82"/>
       </a:folHlink>
     </a:clrScheme>
     <a:fontScheme name="Office">
@@ -11908,6 +12830,8 @@
       </a:bgFillStyleLst>
     </a:fmtScheme>
   </a:themeElements>
+  <a:objectDefaults/>
+  <a:extraClrSchemeLst/>
 </a:theme>
 </file>
 
@@ -11922,34 +12846,34 @@
         <a:sysClr val="window" lastClr="FFFFFF"/>
       </a:lt1>
       <a:dk2>
-        <a:srgbClr val="1d1a1d"/>
+        <a:srgbClr val="1D1A1D"/>
       </a:dk2>
       <a:lt2>
-        <a:srgbClr val="f5f5f5"/>
+        <a:srgbClr val="F5F5F5"/>
       </a:lt2>
       <a:accent1>
-        <a:srgbClr val="439eb7"/>
+        <a:srgbClr val="439EB7"/>
       </a:accent1>
       <a:accent2>
-        <a:srgbClr val="e28b55"/>
+        <a:srgbClr val="E28B55"/>
       </a:accent2>
       <a:accent3>
-        <a:srgbClr val="dcb64d"/>
+        <a:srgbClr val="DCB64D"/>
       </a:accent3>
       <a:accent4>
-        <a:srgbClr val="4ca198"/>
+        <a:srgbClr val="4CA198"/>
       </a:accent4>
       <a:accent5>
-        <a:srgbClr val="835b82"/>
+        <a:srgbClr val="835B82"/>
       </a:accent5>
       <a:accent6>
         <a:srgbClr val="645135"/>
       </a:accent6>
       <a:hlink>
-        <a:srgbClr val="439eb7"/>
+        <a:srgbClr val="439EB7"/>
       </a:hlink>
       <a:folHlink>
-        <a:srgbClr val="835b82"/>
+        <a:srgbClr val="835B82"/>
       </a:folHlink>
     </a:clrScheme>
     <a:fontScheme name="Office">
@@ -12131,5 +13055,7 @@
       </a:bgFillStyleLst>
     </a:fmtScheme>
   </a:themeElements>
+  <a:objectDefaults/>
+  <a:extraClrSchemeLst/>
 </a:theme>
 </file>